--- a/Dev Ops Course - Desktop Setup.pptx
+++ b/Dev Ops Course - Desktop Setup.pptx
@@ -18,6 +18,12 @@
     <p:sldId id="263" r:id="rId13"/>
     <p:sldId id="264" r:id="rId14"/>
     <p:sldId id="265" r:id="rId15"/>
+    <p:sldId id="266" r:id="rId16"/>
+    <p:sldId id="267" r:id="rId17"/>
+    <p:sldId id="268" r:id="rId18"/>
+    <p:sldId id="269" r:id="rId19"/>
+    <p:sldId id="270" r:id="rId20"/>
+    <p:sldId id="271" r:id="rId21"/>
   </p:sldIdLst>
   <p:sldSz cx="9144000" cy="6858000"/>
   <p:notesSz cx="7772400" cy="10058400"/>
@@ -6417,7 +6423,7 @@
         <p:spPr>
           <a:xfrm>
             <a:off x="-71640" y="3240000"/>
-            <a:ext cx="9140760" cy="3569760"/>
+            <a:ext cx="9140040" cy="3569040"/>
           </a:xfrm>
           <a:prstGeom prst="rect">
             <a:avLst/>
@@ -6544,7 +6550,7 @@
         <p:spPr>
           <a:xfrm>
             <a:off x="3311640" y="1268640"/>
-            <a:ext cx="2265120" cy="662400"/>
+            <a:ext cx="2264400" cy="661680"/>
           </a:xfrm>
           <a:prstGeom prst="rect">
             <a:avLst/>
@@ -6589,6 +6595,13 @@
 <file path=ppt/slides/slide10.xml><?xml version="1.0" encoding="utf-8"?>
 <p:sld xmlns:a="http://schemas.openxmlformats.org/drawingml/2006/main" xmlns:p="http://schemas.openxmlformats.org/presentationml/2006/main" xmlns:r="http://schemas.openxmlformats.org/officeDocument/2006/relationships" xmlns:p14="http://schemas.microsoft.com/office/powerpoint/2010/main" xmlns:p15="http://schemas.microsoft.com/office/powerpoint/2012/main" xmlns:mc="http://schemas.openxmlformats.org/markup-compatibility/2006">
   <p:cSld>
+    <p:bg>
+      <p:bgPr>
+        <a:solidFill>
+          <a:srgbClr val="f2f2f2"/>
+        </a:solidFill>
+      </p:bgPr>
+    </p:bg>
     <p:spTree>
       <p:nvGrpSpPr>
         <p:cNvPr id="1" name=""/>
@@ -6605,14 +6618,14 @@
       </p:grpSpPr>
       <p:sp>
         <p:nvSpPr>
-          <p:cNvPr id="187" name="CustomShape 1"/>
+          <p:cNvPr id="190" name="CustomShape 1"/>
           <p:cNvSpPr/>
           <p:nvPr/>
         </p:nvSpPr>
         <p:spPr>
           <a:xfrm>
-            <a:off x="457200" y="273600"/>
-            <a:ext cx="8228520" cy="1144080"/>
+            <a:off x="504000" y="1449360"/>
+            <a:ext cx="8276040" cy="5216040"/>
           </a:xfrm>
           <a:prstGeom prst="rect">
             <a:avLst/>
@@ -6628,17 +6641,142 @@
           <a:effectRef idx="0"/>
           <a:fontRef idx="minor"/>
         </p:style>
-      </p:sp>
-      <p:sp>
-        <p:nvSpPr>
-          <p:cNvPr id="188" name="CustomShape 2"/>
+        <p:txBody>
+          <a:bodyPr lIns="90000" rIns="90000" tIns="45000" bIns="45000" anchor="ctr">
+            <a:normAutofit/>
+          </a:bodyPr>
+          <a:p>
+            <a:pPr>
+              <a:lnSpc>
+                <a:spcPct val="100000"/>
+              </a:lnSpc>
+              <a:spcBef>
+                <a:spcPts val="479"/>
+              </a:spcBef>
+            </a:pPr>
+            <a:r>
+              <a:rPr b="0" lang="en-CA" sz="2400" spc="-1" strike="noStrike">
+                <a:solidFill>
+                  <a:srgbClr val="000000"/>
+                </a:solidFill>
+                <a:latin typeface="Calibri"/>
+                <a:ea typeface="DejaVu Sans"/>
+              </a:rPr>
+              <a:t>Now that we all have a working copy of Ubuntu Linux 19.04 installed.  We can begin building our development server.  We will follow the steps we listed above. </a:t>
+            </a:r>
+            <a:endParaRPr b="0" lang="en-CA" sz="2400" spc="-1" strike="noStrike">
+              <a:latin typeface="Arial"/>
+            </a:endParaRPr>
+          </a:p>
+          <a:p>
+            <a:pPr>
+              <a:lnSpc>
+                <a:spcPct val="100000"/>
+              </a:lnSpc>
+              <a:spcBef>
+                <a:spcPts val="479"/>
+              </a:spcBef>
+            </a:pPr>
+            <a:endParaRPr b="0" lang="en-CA" sz="2400" spc="-1" strike="noStrike">
+              <a:latin typeface="Arial"/>
+            </a:endParaRPr>
+          </a:p>
+          <a:p>
+            <a:pPr>
+              <a:lnSpc>
+                <a:spcPct val="100000"/>
+              </a:lnSpc>
+              <a:spcBef>
+                <a:spcPts val="479"/>
+              </a:spcBef>
+            </a:pPr>
+            <a:r>
+              <a:rPr b="0" lang="en-CA" sz="2400" spc="-1" strike="noStrike">
+                <a:solidFill>
+                  <a:srgbClr val="000000"/>
+                </a:solidFill>
+                <a:latin typeface="Calibri"/>
+                <a:ea typeface="DejaVu Sans"/>
+              </a:rPr>
+              <a:t>Ubuntu 19.04 installs in a small box on your screen.  This is a little annoying.  The workaround is here:</a:t>
+            </a:r>
+            <a:endParaRPr b="0" lang="en-CA" sz="2400" spc="-1" strike="noStrike">
+              <a:latin typeface="Arial"/>
+            </a:endParaRPr>
+          </a:p>
+          <a:p>
+            <a:pPr>
+              <a:lnSpc>
+                <a:spcPct val="100000"/>
+              </a:lnSpc>
+              <a:spcBef>
+                <a:spcPts val="479"/>
+              </a:spcBef>
+            </a:pPr>
+            <a:r>
+              <a:rPr b="0" lang="en-CA" sz="1600" spc="-1" strike="noStrike" u="sng">
+                <a:solidFill>
+                  <a:srgbClr val="0000ff"/>
+                </a:solidFill>
+                <a:uFillTx/>
+                <a:latin typeface="Calibri"/>
+                <a:ea typeface="DejaVu Sans"/>
+                <a:hlinkClick r:id="rId1"/>
+              </a:rPr>
+              <a:t>https://www.donovanbrown.com/post/How-to-run-HyperV-base-Ubuntu-VM-full-screen</a:t>
+            </a:r>
+            <a:endParaRPr b="0" lang="en-CA" sz="1600" spc="-1" strike="noStrike">
+              <a:latin typeface="Arial"/>
+            </a:endParaRPr>
+          </a:p>
+          <a:p>
+            <a:pPr>
+              <a:lnSpc>
+                <a:spcPct val="100000"/>
+              </a:lnSpc>
+              <a:spcBef>
+                <a:spcPts val="479"/>
+              </a:spcBef>
+            </a:pPr>
+            <a:endParaRPr b="0" lang="en-CA" sz="1600" spc="-1" strike="noStrike">
+              <a:latin typeface="Arial"/>
+            </a:endParaRPr>
+          </a:p>
+          <a:p>
+            <a:pPr>
+              <a:lnSpc>
+                <a:spcPct val="100000"/>
+              </a:lnSpc>
+              <a:spcBef>
+                <a:spcPts val="479"/>
+              </a:spcBef>
+            </a:pPr>
+            <a:r>
+              <a:rPr b="0" lang="en-CA" sz="2400" spc="-1" strike="noStrike">
+                <a:solidFill>
+                  <a:srgbClr val="000000"/>
+                </a:solidFill>
+                <a:latin typeface="Calibri"/>
+                <a:ea typeface="DejaVu Sans"/>
+              </a:rPr>
+              <a:t>	</a:t>
+            </a:r>
+            <a:endParaRPr b="0" lang="en-CA" sz="2400" spc="-1" strike="noStrike">
+              <a:latin typeface="Arial"/>
+            </a:endParaRPr>
+          </a:p>
+        </p:txBody>
+      </p:sp>
+      <p:sp>
+        <p:nvSpPr>
+          <p:cNvPr id="191" name="CustomShape 2"/>
           <p:cNvSpPr/>
           <p:nvPr/>
         </p:nvSpPr>
         <p:spPr>
           <a:xfrm>
-            <a:off x="457200" y="1604520"/>
-            <a:ext cx="2648880" cy="1896120"/>
+            <a:off x="432000" y="0"/>
+            <a:ext cx="7448400" cy="1180440"/>
           </a:xfrm>
           <a:prstGeom prst="rect">
             <a:avLst/>
@@ -6654,134 +6792,119 @@
           <a:effectRef idx="0"/>
           <a:fontRef idx="minor"/>
         </p:style>
-      </p:sp>
-      <p:sp>
-        <p:nvSpPr>
-          <p:cNvPr id="189" name="CustomShape 3"/>
+        <p:txBody>
+          <a:bodyPr lIns="90000" rIns="90000" tIns="45000" bIns="45000" anchor="ctr">
+            <a:normAutofit/>
+          </a:bodyPr>
+          <a:p>
+            <a:pPr>
+              <a:lnSpc>
+                <a:spcPct val="100000"/>
+              </a:lnSpc>
+            </a:pPr>
+            <a:r>
+              <a:rPr b="0" lang="en-CA" sz="3000" spc="-1" strike="noStrike" cap="all">
+                <a:solidFill>
+                  <a:srgbClr val="292929"/>
+                </a:solidFill>
+                <a:latin typeface="Nexa Bold"/>
+                <a:ea typeface="DejaVu Sans"/>
+              </a:rPr>
+              <a:t>Installing our</a:t>
+            </a:r>
+            <a:r>
+              <a:rPr b="0" lang="en-CA" sz="3000" spc="-1" strike="noStrike">
+                <a:solidFill>
+                  <a:srgbClr val="292929"/>
+                </a:solidFill>
+                <a:latin typeface="Nexa Bold"/>
+                <a:ea typeface="DejaVu Sans"/>
+              </a:rPr>
+              <a:t> </a:t>
+            </a:r>
+            <a:r>
+              <a:rPr b="0" lang="en-CA" sz="3000" spc="-1" strike="noStrike" cap="all">
+                <a:solidFill>
+                  <a:srgbClr val="1fa0be"/>
+                </a:solidFill>
+                <a:latin typeface="Nexa Bold"/>
+                <a:ea typeface="DejaVu Sans"/>
+              </a:rPr>
+              <a:t>Stack</a:t>
+            </a:r>
+            <a:endParaRPr b="0" lang="en-CA" sz="3000" spc="-1" strike="noStrike">
+              <a:latin typeface="Arial"/>
+            </a:endParaRPr>
+          </a:p>
+        </p:txBody>
+      </p:sp>
+      <p:sp>
+        <p:nvSpPr>
+          <p:cNvPr id="192" name="CustomShape 3"/>
           <p:cNvSpPr/>
           <p:nvPr/>
         </p:nvSpPr>
         <p:spPr>
           <a:xfrm>
-            <a:off x="3239640" y="1604520"/>
-            <a:ext cx="2648880" cy="1896120"/>
-          </a:xfrm>
-          <a:prstGeom prst="rect">
-            <a:avLst/>
-          </a:prstGeom>
-          <a:noFill/>
+            <a:off x="0" y="0"/>
+            <a:ext cx="247680" cy="1192680"/>
+          </a:xfrm>
+          <a:prstGeom prst="rect">
+            <a:avLst/>
+          </a:prstGeom>
+          <a:solidFill>
+            <a:srgbClr val="146e83"/>
+          </a:solidFill>
           <a:ln>
-            <a:noFill/>
+            <a:round/>
           </a:ln>
         </p:spPr>
         <p:style>
-          <a:lnRef idx="0"/>
-          <a:fillRef idx="0"/>
-          <a:effectRef idx="0"/>
+          <a:lnRef idx="2">
+            <a:schemeClr val="accent1">
+              <a:shade val="50000"/>
+            </a:schemeClr>
+          </a:lnRef>
+          <a:fillRef idx="1">
+            <a:schemeClr val="accent1"/>
+          </a:fillRef>
+          <a:effectRef idx="0">
+            <a:schemeClr val="accent1"/>
+          </a:effectRef>
           <a:fontRef idx="minor"/>
         </p:style>
       </p:sp>
       <p:sp>
         <p:nvSpPr>
-          <p:cNvPr id="190" name="CustomShape 4"/>
+          <p:cNvPr id="193" name="Line 4"/>
           <p:cNvSpPr/>
           <p:nvPr/>
         </p:nvSpPr>
         <p:spPr>
           <a:xfrm>
-            <a:off x="6022080" y="1604520"/>
-            <a:ext cx="2648880" cy="1896120"/>
-          </a:xfrm>
-          <a:prstGeom prst="rect">
-            <a:avLst/>
-          </a:prstGeom>
-          <a:noFill/>
-          <a:ln>
-            <a:noFill/>
+            <a:off x="251280" y="1196640"/>
+            <a:ext cx="8892720" cy="360"/>
+          </a:xfrm>
+          <a:prstGeom prst="line">
+            <a:avLst/>
+          </a:prstGeom>
+          <a:ln w="22320">
+            <a:solidFill>
+              <a:srgbClr val="146e83"/>
+            </a:solidFill>
+            <a:round/>
           </a:ln>
         </p:spPr>
         <p:style>
-          <a:lnRef idx="0"/>
-          <a:fillRef idx="0"/>
-          <a:effectRef idx="0"/>
-          <a:fontRef idx="minor"/>
-        </p:style>
-      </p:sp>
-      <p:sp>
-        <p:nvSpPr>
-          <p:cNvPr id="191" name="CustomShape 5"/>
-          <p:cNvSpPr/>
-          <p:nvPr/>
-        </p:nvSpPr>
-        <p:spPr>
-          <a:xfrm>
-            <a:off x="457200" y="3682080"/>
-            <a:ext cx="2648880" cy="1896120"/>
-          </a:xfrm>
-          <a:prstGeom prst="rect">
-            <a:avLst/>
-          </a:prstGeom>
-          <a:noFill/>
-          <a:ln>
-            <a:noFill/>
-          </a:ln>
-        </p:spPr>
-        <p:style>
-          <a:lnRef idx="0"/>
-          <a:fillRef idx="0"/>
-          <a:effectRef idx="0"/>
-          <a:fontRef idx="minor"/>
-        </p:style>
-      </p:sp>
-      <p:sp>
-        <p:nvSpPr>
-          <p:cNvPr id="192" name="CustomShape 6"/>
-          <p:cNvSpPr/>
-          <p:nvPr/>
-        </p:nvSpPr>
-        <p:spPr>
-          <a:xfrm>
-            <a:off x="3239640" y="3682080"/>
-            <a:ext cx="2648880" cy="1896120"/>
-          </a:xfrm>
-          <a:prstGeom prst="rect">
-            <a:avLst/>
-          </a:prstGeom>
-          <a:noFill/>
-          <a:ln>
-            <a:noFill/>
-          </a:ln>
-        </p:spPr>
-        <p:style>
-          <a:lnRef idx="0"/>
-          <a:fillRef idx="0"/>
-          <a:effectRef idx="0"/>
-          <a:fontRef idx="minor"/>
-        </p:style>
-      </p:sp>
-      <p:sp>
-        <p:nvSpPr>
-          <p:cNvPr id="193" name="CustomShape 7"/>
-          <p:cNvSpPr/>
-          <p:nvPr/>
-        </p:nvSpPr>
-        <p:spPr>
-          <a:xfrm>
-            <a:off x="6022080" y="3682080"/>
-            <a:ext cx="2648880" cy="1896120"/>
-          </a:xfrm>
-          <a:prstGeom prst="rect">
-            <a:avLst/>
-          </a:prstGeom>
-          <a:noFill/>
-          <a:ln>
-            <a:noFill/>
-          </a:ln>
-        </p:spPr>
-        <p:style>
-          <a:lnRef idx="0"/>
-          <a:fillRef idx="0"/>
-          <a:effectRef idx="0"/>
+          <a:lnRef idx="1">
+            <a:schemeClr val="accent1"/>
+          </a:lnRef>
+          <a:fillRef idx="0">
+            <a:schemeClr val="accent1"/>
+          </a:fillRef>
+          <a:effectRef idx="0">
+            <a:schemeClr val="accent1"/>
+          </a:effectRef>
           <a:fontRef idx="minor"/>
         </p:style>
       </p:sp>
@@ -6794,6 +6917,2339 @@
           <p:childTnLst>
             <p:seq>
               <p:cTn id="20" dur="indefinite" nodeType="mainSeq"/>
+              <p:prevCondLst>
+                <p:cond delay="0" evt="onPrev">
+                  <p:tgtEl>
+                    <p:sldTgt/>
+                  </p:tgtEl>
+                </p:cond>
+              </p:prevCondLst>
+              <p:nextCondLst>
+                <p:cond delay="0" evt="onNext">
+                  <p:tgtEl>
+                    <p:sldTgt/>
+                  </p:tgtEl>
+                </p:cond>
+              </p:nextCondLst>
+            </p:seq>
+          </p:childTnLst>
+        </p:cTn>
+      </p:par>
+    </p:tnLst>
+  </p:timing>
+</p:sld>
+</file>
+
+<file path=ppt/slides/slide11.xml><?xml version="1.0" encoding="utf-8"?>
+<p:sld xmlns:a="http://schemas.openxmlformats.org/drawingml/2006/main" xmlns:p="http://schemas.openxmlformats.org/presentationml/2006/main" xmlns:r="http://schemas.openxmlformats.org/officeDocument/2006/relationships" xmlns:p14="http://schemas.microsoft.com/office/powerpoint/2010/main" xmlns:p15="http://schemas.microsoft.com/office/powerpoint/2012/main" xmlns:mc="http://schemas.openxmlformats.org/markup-compatibility/2006">
+  <p:cSld>
+    <p:bg>
+      <p:bgPr>
+        <a:solidFill>
+          <a:srgbClr val="f2f2f2"/>
+        </a:solidFill>
+      </p:bgPr>
+    </p:bg>
+    <p:spTree>
+      <p:nvGrpSpPr>
+        <p:cNvPr id="1" name=""/>
+        <p:cNvGrpSpPr/>
+        <p:nvPr/>
+      </p:nvGrpSpPr>
+      <p:grpSpPr>
+        <a:xfrm>
+          <a:off x="0" y="0"/>
+          <a:ext cx="0" cy="0"/>
+          <a:chOff x="0" y="0"/>
+          <a:chExt cx="0" cy="0"/>
+        </a:xfrm>
+      </p:grpSpPr>
+      <p:sp>
+        <p:nvSpPr>
+          <p:cNvPr id="194" name="CustomShape 1"/>
+          <p:cNvSpPr/>
+          <p:nvPr/>
+        </p:nvSpPr>
+        <p:spPr>
+          <a:xfrm>
+            <a:off x="504000" y="1377360"/>
+            <a:ext cx="8276040" cy="5216040"/>
+          </a:xfrm>
+          <a:prstGeom prst="rect">
+            <a:avLst/>
+          </a:prstGeom>
+          <a:noFill/>
+          <a:ln>
+            <a:noFill/>
+          </a:ln>
+        </p:spPr>
+        <p:style>
+          <a:lnRef idx="0"/>
+          <a:fillRef idx="0"/>
+          <a:effectRef idx="0"/>
+          <a:fontRef idx="minor"/>
+        </p:style>
+        <p:txBody>
+          <a:bodyPr lIns="90000" rIns="90000" tIns="45000" bIns="45000" anchor="ctr">
+            <a:normAutofit/>
+          </a:bodyPr>
+          <a:p>
+            <a:pPr>
+              <a:lnSpc>
+                <a:spcPct val="100000"/>
+              </a:lnSpc>
+              <a:spcBef>
+                <a:spcPts val="479"/>
+              </a:spcBef>
+            </a:pPr>
+            <a:r>
+              <a:rPr b="0" lang="en-CA" sz="3600" spc="-1" strike="noStrike">
+                <a:solidFill>
+                  <a:srgbClr val="000000"/>
+                </a:solidFill>
+                <a:latin typeface="Calibri"/>
+                <a:ea typeface="DejaVu Sans"/>
+              </a:rPr>
+              <a:t>Now we begin installing the software we need for our course.  </a:t>
+            </a:r>
+            <a:endParaRPr b="0" lang="en-CA" sz="3600" spc="-1" strike="noStrike">
+              <a:latin typeface="Arial"/>
+            </a:endParaRPr>
+          </a:p>
+          <a:p>
+            <a:pPr>
+              <a:lnSpc>
+                <a:spcPct val="100000"/>
+              </a:lnSpc>
+              <a:spcBef>
+                <a:spcPts val="479"/>
+              </a:spcBef>
+            </a:pPr>
+            <a:endParaRPr b="0" lang="en-CA" sz="3600" spc="-1" strike="noStrike">
+              <a:latin typeface="Arial"/>
+            </a:endParaRPr>
+          </a:p>
+          <a:p>
+            <a:pPr>
+              <a:lnSpc>
+                <a:spcPct val="100000"/>
+              </a:lnSpc>
+              <a:spcBef>
+                <a:spcPts val="479"/>
+              </a:spcBef>
+            </a:pPr>
+            <a:r>
+              <a:rPr b="0" lang="en-CA" sz="3600" spc="-1" strike="noStrike">
+                <a:solidFill>
+                  <a:srgbClr val="000000"/>
+                </a:solidFill>
+                <a:latin typeface="Calibri"/>
+                <a:ea typeface="DejaVu Sans"/>
+              </a:rPr>
+              <a:t>Python</a:t>
+            </a:r>
+            <a:endParaRPr b="0" lang="en-CA" sz="3600" spc="-1" strike="noStrike">
+              <a:latin typeface="Arial"/>
+            </a:endParaRPr>
+          </a:p>
+          <a:p>
+            <a:pPr>
+              <a:lnSpc>
+                <a:spcPct val="100000"/>
+              </a:lnSpc>
+              <a:spcBef>
+                <a:spcPts val="479"/>
+              </a:spcBef>
+            </a:pPr>
+            <a:endParaRPr b="0" lang="en-CA" sz="3600" spc="-1" strike="noStrike">
+              <a:latin typeface="Arial"/>
+            </a:endParaRPr>
+          </a:p>
+          <a:p>
+            <a:pPr>
+              <a:lnSpc>
+                <a:spcPct val="100000"/>
+              </a:lnSpc>
+              <a:spcBef>
+                <a:spcPts val="479"/>
+              </a:spcBef>
+            </a:pPr>
+            <a:r>
+              <a:rPr b="0" lang="en-CA" sz="3600" spc="-1" strike="noStrike">
+                <a:solidFill>
+                  <a:srgbClr val="000000"/>
+                </a:solidFill>
+                <a:latin typeface="Calibri"/>
+                <a:ea typeface="DejaVu Sans"/>
+              </a:rPr>
+              <a:t>We will be using the python 3 interpreter (python3) and the python 3 package manager (pip3).  Here is the link you need to install the software:</a:t>
+            </a:r>
+            <a:endParaRPr b="0" lang="en-CA" sz="3600" spc="-1" strike="noStrike">
+              <a:latin typeface="Arial"/>
+            </a:endParaRPr>
+          </a:p>
+          <a:p>
+            <a:pPr>
+              <a:lnSpc>
+                <a:spcPct val="100000"/>
+              </a:lnSpc>
+              <a:spcBef>
+                <a:spcPts val="479"/>
+              </a:spcBef>
+            </a:pPr>
+            <a:endParaRPr b="0" lang="en-CA" sz="3600" spc="-1" strike="noStrike">
+              <a:latin typeface="Arial"/>
+            </a:endParaRPr>
+          </a:p>
+          <a:p>
+            <a:pPr>
+              <a:lnSpc>
+                <a:spcPct val="100000"/>
+              </a:lnSpc>
+              <a:spcBef>
+                <a:spcPts val="479"/>
+              </a:spcBef>
+            </a:pPr>
+            <a:r>
+              <a:rPr b="0" lang="en-CA" sz="3600" spc="-1" strike="noStrike" u="sng">
+                <a:solidFill>
+                  <a:srgbClr val="0000ff"/>
+                </a:solidFill>
+                <a:uFillTx/>
+                <a:latin typeface="Calibri"/>
+                <a:ea typeface="DejaVu Sans"/>
+                <a:hlinkClick r:id="rId1"/>
+              </a:rPr>
+              <a:t>https://tubemint.com/how-to-install-python-3-7-pip-3-ubuntu-19-04/</a:t>
+            </a:r>
+            <a:endParaRPr b="0" lang="en-CA" sz="3600" spc="-1" strike="noStrike">
+              <a:latin typeface="Arial"/>
+            </a:endParaRPr>
+          </a:p>
+          <a:p>
+            <a:pPr>
+              <a:lnSpc>
+                <a:spcPct val="100000"/>
+              </a:lnSpc>
+              <a:spcBef>
+                <a:spcPts val="479"/>
+              </a:spcBef>
+            </a:pPr>
+            <a:endParaRPr b="0" lang="en-CA" sz="3600" spc="-1" strike="noStrike">
+              <a:latin typeface="Arial"/>
+            </a:endParaRPr>
+          </a:p>
+          <a:p>
+            <a:pPr>
+              <a:lnSpc>
+                <a:spcPct val="100000"/>
+              </a:lnSpc>
+              <a:spcBef>
+                <a:spcPts val="479"/>
+              </a:spcBef>
+            </a:pPr>
+            <a:endParaRPr b="0" lang="en-CA" sz="3600" spc="-1" strike="noStrike">
+              <a:latin typeface="Arial"/>
+            </a:endParaRPr>
+          </a:p>
+          <a:p>
+            <a:pPr>
+              <a:lnSpc>
+                <a:spcPct val="100000"/>
+              </a:lnSpc>
+              <a:spcBef>
+                <a:spcPts val="479"/>
+              </a:spcBef>
+            </a:pPr>
+            <a:r>
+              <a:rPr b="0" lang="en-CA" sz="2400" spc="-1" strike="noStrike">
+                <a:solidFill>
+                  <a:srgbClr val="000000"/>
+                </a:solidFill>
+                <a:latin typeface="Calibri"/>
+                <a:ea typeface="DejaVu Sans"/>
+              </a:rPr>
+              <a:t>	</a:t>
+            </a:r>
+            <a:endParaRPr b="0" lang="en-CA" sz="2400" spc="-1" strike="noStrike">
+              <a:latin typeface="Arial"/>
+            </a:endParaRPr>
+          </a:p>
+        </p:txBody>
+      </p:sp>
+      <p:sp>
+        <p:nvSpPr>
+          <p:cNvPr id="195" name="CustomShape 2"/>
+          <p:cNvSpPr/>
+          <p:nvPr/>
+        </p:nvSpPr>
+        <p:spPr>
+          <a:xfrm>
+            <a:off x="432000" y="0"/>
+            <a:ext cx="7448400" cy="1180440"/>
+          </a:xfrm>
+          <a:prstGeom prst="rect">
+            <a:avLst/>
+          </a:prstGeom>
+          <a:noFill/>
+          <a:ln>
+            <a:noFill/>
+          </a:ln>
+        </p:spPr>
+        <p:style>
+          <a:lnRef idx="0"/>
+          <a:fillRef idx="0"/>
+          <a:effectRef idx="0"/>
+          <a:fontRef idx="minor"/>
+        </p:style>
+        <p:txBody>
+          <a:bodyPr lIns="90000" rIns="90000" tIns="45000" bIns="45000" anchor="ctr">
+            <a:normAutofit/>
+          </a:bodyPr>
+          <a:p>
+            <a:pPr>
+              <a:lnSpc>
+                <a:spcPct val="100000"/>
+              </a:lnSpc>
+            </a:pPr>
+            <a:r>
+              <a:rPr b="0" lang="en-CA" sz="3000" spc="-1" strike="noStrike" cap="all">
+                <a:solidFill>
+                  <a:srgbClr val="292929"/>
+                </a:solidFill>
+                <a:latin typeface="Nexa Bold"/>
+                <a:ea typeface="DejaVu Sans"/>
+              </a:rPr>
+              <a:t>Installing our</a:t>
+            </a:r>
+            <a:r>
+              <a:rPr b="0" lang="en-CA" sz="3000" spc="-1" strike="noStrike">
+                <a:solidFill>
+                  <a:srgbClr val="292929"/>
+                </a:solidFill>
+                <a:latin typeface="Nexa Bold"/>
+                <a:ea typeface="DejaVu Sans"/>
+              </a:rPr>
+              <a:t> </a:t>
+            </a:r>
+            <a:r>
+              <a:rPr b="0" lang="en-CA" sz="3000" spc="-1" strike="noStrike" cap="all">
+                <a:solidFill>
+                  <a:srgbClr val="1fa0be"/>
+                </a:solidFill>
+                <a:latin typeface="Nexa Bold"/>
+                <a:ea typeface="DejaVu Sans"/>
+              </a:rPr>
+              <a:t>Stack</a:t>
+            </a:r>
+            <a:endParaRPr b="0" lang="en-CA" sz="3000" spc="-1" strike="noStrike">
+              <a:latin typeface="Arial"/>
+            </a:endParaRPr>
+          </a:p>
+        </p:txBody>
+      </p:sp>
+      <p:sp>
+        <p:nvSpPr>
+          <p:cNvPr id="196" name="CustomShape 3"/>
+          <p:cNvSpPr/>
+          <p:nvPr/>
+        </p:nvSpPr>
+        <p:spPr>
+          <a:xfrm>
+            <a:off x="0" y="0"/>
+            <a:ext cx="247680" cy="1192680"/>
+          </a:xfrm>
+          <a:prstGeom prst="rect">
+            <a:avLst/>
+          </a:prstGeom>
+          <a:solidFill>
+            <a:srgbClr val="146e83"/>
+          </a:solidFill>
+          <a:ln>
+            <a:round/>
+          </a:ln>
+        </p:spPr>
+        <p:style>
+          <a:lnRef idx="2">
+            <a:schemeClr val="accent1">
+              <a:shade val="50000"/>
+            </a:schemeClr>
+          </a:lnRef>
+          <a:fillRef idx="1">
+            <a:schemeClr val="accent1"/>
+          </a:fillRef>
+          <a:effectRef idx="0">
+            <a:schemeClr val="accent1"/>
+          </a:effectRef>
+          <a:fontRef idx="minor"/>
+        </p:style>
+      </p:sp>
+      <p:sp>
+        <p:nvSpPr>
+          <p:cNvPr id="197" name="Line 4"/>
+          <p:cNvSpPr/>
+          <p:nvPr/>
+        </p:nvSpPr>
+        <p:spPr>
+          <a:xfrm>
+            <a:off x="251280" y="1196640"/>
+            <a:ext cx="8892720" cy="360"/>
+          </a:xfrm>
+          <a:prstGeom prst="line">
+            <a:avLst/>
+          </a:prstGeom>
+          <a:ln w="22320">
+            <a:solidFill>
+              <a:srgbClr val="146e83"/>
+            </a:solidFill>
+            <a:round/>
+          </a:ln>
+        </p:spPr>
+        <p:style>
+          <a:lnRef idx="1">
+            <a:schemeClr val="accent1"/>
+          </a:lnRef>
+          <a:fillRef idx="0">
+            <a:schemeClr val="accent1"/>
+          </a:fillRef>
+          <a:effectRef idx="0">
+            <a:schemeClr val="accent1"/>
+          </a:effectRef>
+          <a:fontRef idx="minor"/>
+        </p:style>
+      </p:sp>
+    </p:spTree>
+  </p:cSld>
+  <p:timing>
+    <p:tnLst>
+      <p:par>
+        <p:cTn id="21" dur="indefinite" restart="never" nodeType="tmRoot">
+          <p:childTnLst>
+            <p:seq>
+              <p:cTn id="22" dur="indefinite" nodeType="mainSeq"/>
+              <p:prevCondLst>
+                <p:cond delay="0" evt="onPrev">
+                  <p:tgtEl>
+                    <p:sldTgt/>
+                  </p:tgtEl>
+                </p:cond>
+              </p:prevCondLst>
+              <p:nextCondLst>
+                <p:cond delay="0" evt="onNext">
+                  <p:tgtEl>
+                    <p:sldTgt/>
+                  </p:tgtEl>
+                </p:cond>
+              </p:nextCondLst>
+            </p:seq>
+          </p:childTnLst>
+        </p:cTn>
+      </p:par>
+    </p:tnLst>
+  </p:timing>
+</p:sld>
+</file>
+
+<file path=ppt/slides/slide12.xml><?xml version="1.0" encoding="utf-8"?>
+<p:sld xmlns:a="http://schemas.openxmlformats.org/drawingml/2006/main" xmlns:p="http://schemas.openxmlformats.org/presentationml/2006/main" xmlns:r="http://schemas.openxmlformats.org/officeDocument/2006/relationships" xmlns:p14="http://schemas.microsoft.com/office/powerpoint/2010/main" xmlns:p15="http://schemas.microsoft.com/office/powerpoint/2012/main" xmlns:mc="http://schemas.openxmlformats.org/markup-compatibility/2006">
+  <p:cSld>
+    <p:bg>
+      <p:bgPr>
+        <a:solidFill>
+          <a:srgbClr val="f2f2f2"/>
+        </a:solidFill>
+      </p:bgPr>
+    </p:bg>
+    <p:spTree>
+      <p:nvGrpSpPr>
+        <p:cNvPr id="1" name=""/>
+        <p:cNvGrpSpPr/>
+        <p:nvPr/>
+      </p:nvGrpSpPr>
+      <p:grpSpPr>
+        <a:xfrm>
+          <a:off x="0" y="0"/>
+          <a:ext cx="0" cy="0"/>
+          <a:chOff x="0" y="0"/>
+          <a:chExt cx="0" cy="0"/>
+        </a:xfrm>
+      </p:grpSpPr>
+      <p:sp>
+        <p:nvSpPr>
+          <p:cNvPr id="198" name="CustomShape 1"/>
+          <p:cNvSpPr/>
+          <p:nvPr/>
+        </p:nvSpPr>
+        <p:spPr>
+          <a:xfrm>
+            <a:off x="1083960" y="1551960"/>
+            <a:ext cx="8276040" cy="5216040"/>
+          </a:xfrm>
+          <a:prstGeom prst="rect">
+            <a:avLst/>
+          </a:prstGeom>
+          <a:noFill/>
+          <a:ln>
+            <a:noFill/>
+          </a:ln>
+        </p:spPr>
+        <p:style>
+          <a:lnRef idx="0"/>
+          <a:fillRef idx="0"/>
+          <a:effectRef idx="0"/>
+          <a:fontRef idx="minor"/>
+        </p:style>
+        <p:txBody>
+          <a:bodyPr lIns="90000" rIns="90000" tIns="45000" bIns="45000" anchor="ctr">
+            <a:normAutofit/>
+          </a:bodyPr>
+          <a:p>
+            <a:pPr>
+              <a:lnSpc>
+                <a:spcPct val="100000"/>
+              </a:lnSpc>
+              <a:spcBef>
+                <a:spcPts val="479"/>
+              </a:spcBef>
+            </a:pPr>
+            <a:r>
+              <a:rPr b="0" lang="en-CA" sz="3600" spc="-1" strike="noStrike">
+                <a:solidFill>
+                  <a:srgbClr val="000000"/>
+                </a:solidFill>
+                <a:latin typeface="Calibri"/>
+                <a:ea typeface="DejaVu Sans"/>
+              </a:rPr>
+              <a:t>Docker</a:t>
+            </a:r>
+            <a:endParaRPr b="0" lang="en-CA" sz="3600" spc="-1" strike="noStrike">
+              <a:latin typeface="Arial"/>
+            </a:endParaRPr>
+          </a:p>
+          <a:p>
+            <a:pPr>
+              <a:lnSpc>
+                <a:spcPct val="100000"/>
+              </a:lnSpc>
+              <a:spcBef>
+                <a:spcPts val="479"/>
+              </a:spcBef>
+            </a:pPr>
+            <a:endParaRPr b="0" lang="en-CA" sz="3600" spc="-1" strike="noStrike">
+              <a:latin typeface="Arial"/>
+            </a:endParaRPr>
+          </a:p>
+          <a:p>
+            <a:pPr>
+              <a:lnSpc>
+                <a:spcPct val="100000"/>
+              </a:lnSpc>
+              <a:spcBef>
+                <a:spcPts val="479"/>
+              </a:spcBef>
+            </a:pPr>
+            <a:endParaRPr b="0" lang="en-CA" sz="3600" spc="-1" strike="noStrike">
+              <a:latin typeface="Arial"/>
+            </a:endParaRPr>
+          </a:p>
+          <a:p>
+            <a:pPr>
+              <a:lnSpc>
+                <a:spcPct val="100000"/>
+              </a:lnSpc>
+              <a:spcBef>
+                <a:spcPts val="479"/>
+              </a:spcBef>
+            </a:pPr>
+            <a:r>
+              <a:rPr b="0" lang="en-CA" sz="2600" spc="-1" strike="noStrike">
+                <a:solidFill>
+                  <a:srgbClr val="000000"/>
+                </a:solidFill>
+                <a:latin typeface="Arial"/>
+                <a:ea typeface="DejaVu Sans"/>
+              </a:rPr>
+              <a:t>1) Install curl:</a:t>
+            </a:r>
+            <a:endParaRPr b="0" lang="en-CA" sz="2600" spc="-1" strike="noStrike">
+              <a:latin typeface="Arial"/>
+            </a:endParaRPr>
+          </a:p>
+          <a:p>
+            <a:pPr>
+              <a:lnSpc>
+                <a:spcPct val="100000"/>
+              </a:lnSpc>
+              <a:spcBef>
+                <a:spcPts val="479"/>
+              </a:spcBef>
+            </a:pPr>
+            <a:r>
+              <a:rPr b="0" lang="en-CA" sz="2600" spc="-1" strike="noStrike">
+                <a:solidFill>
+                  <a:srgbClr val="000000"/>
+                </a:solidFill>
+                <a:latin typeface="Arial"/>
+                <a:ea typeface="DejaVu Sans"/>
+              </a:rPr>
+              <a:t>	</a:t>
+            </a:r>
+            <a:r>
+              <a:rPr b="0" lang="en-CA" sz="2600" spc="-1" strike="noStrike">
+                <a:solidFill>
+                  <a:srgbClr val="000000"/>
+                </a:solidFill>
+                <a:latin typeface="Arial"/>
+                <a:ea typeface="DejaVu Sans"/>
+              </a:rPr>
+              <a:t>apt install curl</a:t>
+            </a:r>
+            <a:endParaRPr b="0" lang="en-CA" sz="2600" spc="-1" strike="noStrike">
+              <a:latin typeface="Arial"/>
+            </a:endParaRPr>
+          </a:p>
+          <a:p>
+            <a:pPr>
+              <a:lnSpc>
+                <a:spcPct val="100000"/>
+              </a:lnSpc>
+              <a:spcBef>
+                <a:spcPts val="479"/>
+              </a:spcBef>
+            </a:pPr>
+            <a:r>
+              <a:rPr b="0" lang="en-CA" sz="2600" spc="-1" strike="noStrike">
+                <a:solidFill>
+                  <a:srgbClr val="000000"/>
+                </a:solidFill>
+                <a:latin typeface="Arial"/>
+                <a:ea typeface="DejaVu Sans"/>
+              </a:rPr>
+              <a:t>2) Install docker </a:t>
+            </a:r>
+            <a:endParaRPr b="0" lang="en-CA" sz="2600" spc="-1" strike="noStrike">
+              <a:latin typeface="Arial"/>
+            </a:endParaRPr>
+          </a:p>
+          <a:p>
+            <a:pPr>
+              <a:lnSpc>
+                <a:spcPct val="100000"/>
+              </a:lnSpc>
+              <a:spcBef>
+                <a:spcPts val="479"/>
+              </a:spcBef>
+            </a:pPr>
+            <a:r>
+              <a:rPr b="0" lang="en-CA" sz="2000" spc="-1" strike="noStrike">
+                <a:solidFill>
+                  <a:srgbClr val="000000"/>
+                </a:solidFill>
+                <a:latin typeface="Arial"/>
+                <a:ea typeface="DejaVu Sans"/>
+              </a:rPr>
+              <a:t>(use this command: </a:t>
+            </a:r>
+            <a:r>
+              <a:rPr b="0" lang="en-CA" sz="900" spc="-1" strike="noStrike">
+                <a:solidFill>
+                  <a:srgbClr val="000000"/>
+                </a:solidFill>
+                <a:latin typeface="Arial"/>
+                <a:ea typeface="DejaVu Sans"/>
+              </a:rPr>
+              <a:t>sudo add-apt-repository "deb [arch=amd64] https://download.docker.com/linux/ubuntu $(lsb_release -cs) stable edge”</a:t>
+            </a:r>
+            <a:endParaRPr b="0" lang="en-CA" sz="900" spc="-1" strike="noStrike">
+              <a:latin typeface="Arial"/>
+            </a:endParaRPr>
+          </a:p>
+          <a:p>
+            <a:pPr>
+              <a:lnSpc>
+                <a:spcPct val="100000"/>
+              </a:lnSpc>
+              <a:spcBef>
+                <a:spcPts val="479"/>
+              </a:spcBef>
+            </a:pPr>
+            <a:r>
+              <a:rPr b="0" lang="en-CA" sz="2600" spc="-1" strike="noStrike">
+                <a:solidFill>
+                  <a:srgbClr val="000000"/>
+                </a:solidFill>
+                <a:latin typeface="Arial"/>
+                <a:ea typeface="DejaVu Sans"/>
+              </a:rPr>
+              <a:t>	</a:t>
+            </a:r>
+            <a:r>
+              <a:rPr b="0" lang="en-CA" sz="2600" spc="-1" strike="noStrike">
+                <a:solidFill>
+                  <a:srgbClr val="000000"/>
+                </a:solidFill>
+                <a:latin typeface="Arial"/>
+                <a:ea typeface="DejaVu Sans"/>
+              </a:rPr>
+              <a:t>	</a:t>
+            </a:r>
+            <a:r>
+              <a:rPr b="0" lang="en-CA" sz="2600" spc="-1" strike="noStrike">
+                <a:solidFill>
+                  <a:srgbClr val="000000"/>
+                </a:solidFill>
+                <a:latin typeface="Arial"/>
+                <a:ea typeface="DejaVu Sans"/>
+              </a:rPr>
+              <a:t>	</a:t>
+            </a:r>
+            <a:r>
+              <a:rPr b="0" lang="en-CA" sz="2600" spc="-1" strike="noStrike">
+                <a:solidFill>
+                  <a:srgbClr val="000000"/>
+                </a:solidFill>
+                <a:latin typeface="Arial"/>
+                <a:ea typeface="DejaVu Sans"/>
+              </a:rPr>
+              <a:t>                </a:t>
+            </a:r>
+            <a:r>
+              <a:rPr b="0" lang="en-CA" sz="2600" spc="-1" strike="noStrike">
+                <a:solidFill>
+                  <a:srgbClr val="000000"/>
+                </a:solidFill>
+                <a:latin typeface="Arial"/>
+                <a:ea typeface="DejaVu Sans"/>
+              </a:rPr>
+              <a:t>	</a:t>
+            </a:r>
+            <a:r>
+              <a:rPr b="0" lang="en-CA" sz="2600" spc="-1" strike="noStrike">
+                <a:solidFill>
+                  <a:srgbClr val="000000"/>
+                </a:solidFill>
+                <a:latin typeface="Arial"/>
+                <a:ea typeface="DejaVu Sans"/>
+              </a:rPr>
+              <a:t>	</a:t>
+            </a:r>
+            <a:r>
+              <a:rPr b="0" lang="en-CA" sz="2600" spc="-1" strike="noStrike">
+                <a:solidFill>
+                  <a:srgbClr val="000000"/>
+                </a:solidFill>
+                <a:latin typeface="Arial"/>
+                <a:ea typeface="DejaVu Sans"/>
+              </a:rPr>
+              <a:t>	</a:t>
+            </a:r>
+            <a:r>
+              <a:rPr b="0" lang="en-CA" sz="2600" spc="-1" strike="noStrike">
+                <a:solidFill>
+                  <a:srgbClr val="000000"/>
+                </a:solidFill>
+                <a:latin typeface="Arial"/>
+                <a:ea typeface="DejaVu Sans"/>
+              </a:rPr>
+              <a:t>	</a:t>
+            </a:r>
+            <a:r>
+              <a:rPr b="0" lang="en-CA" sz="2600" spc="-1" strike="noStrike">
+                <a:solidFill>
+                  <a:srgbClr val="000000"/>
+                </a:solidFill>
+                <a:latin typeface="Arial"/>
+                <a:ea typeface="DejaVu Sans"/>
+              </a:rPr>
+              <a:t>	</a:t>
+            </a:r>
+            <a:r>
+              <a:rPr b="0" lang="en-CA" sz="1800" spc="-1" strike="noStrike" u="sng">
+                <a:solidFill>
+                  <a:srgbClr val="0000ff"/>
+                </a:solidFill>
+                <a:uFillTx/>
+                <a:latin typeface="Calibri"/>
+                <a:ea typeface="DejaVu Sans"/>
+                <a:hlinkClick r:id="rId1"/>
+              </a:rPr>
+              <a:t>https://medium.com/@Grigorkh/how-to-install-docker-on-ubuntu-19-04-7ccfeda5935</a:t>
+            </a:r>
+            <a:endParaRPr b="0" lang="en-CA" sz="1800" spc="-1" strike="noStrike">
+              <a:latin typeface="Arial"/>
+            </a:endParaRPr>
+          </a:p>
+          <a:p>
+            <a:pPr>
+              <a:lnSpc>
+                <a:spcPct val="100000"/>
+              </a:lnSpc>
+              <a:spcBef>
+                <a:spcPts val="479"/>
+              </a:spcBef>
+            </a:pPr>
+            <a:endParaRPr b="0" lang="en-CA" sz="1800" spc="-1" strike="noStrike">
+              <a:latin typeface="Arial"/>
+            </a:endParaRPr>
+          </a:p>
+          <a:p>
+            <a:pPr>
+              <a:lnSpc>
+                <a:spcPct val="100000"/>
+              </a:lnSpc>
+              <a:spcBef>
+                <a:spcPts val="479"/>
+              </a:spcBef>
+            </a:pPr>
+            <a:endParaRPr b="0" lang="en-CA" sz="1800" spc="-1" strike="noStrike">
+              <a:latin typeface="Arial"/>
+            </a:endParaRPr>
+          </a:p>
+          <a:p>
+            <a:pPr>
+              <a:lnSpc>
+                <a:spcPct val="100000"/>
+              </a:lnSpc>
+              <a:spcBef>
+                <a:spcPts val="479"/>
+              </a:spcBef>
+            </a:pPr>
+            <a:endParaRPr b="0" lang="en-CA" sz="1800" spc="-1" strike="noStrike">
+              <a:latin typeface="Arial"/>
+            </a:endParaRPr>
+          </a:p>
+          <a:p>
+            <a:pPr>
+              <a:lnSpc>
+                <a:spcPct val="100000"/>
+              </a:lnSpc>
+              <a:spcBef>
+                <a:spcPts val="479"/>
+              </a:spcBef>
+            </a:pPr>
+            <a:r>
+              <a:rPr b="0" lang="en-CA" sz="2400" spc="-1" strike="noStrike">
+                <a:solidFill>
+                  <a:srgbClr val="000000"/>
+                </a:solidFill>
+                <a:latin typeface="Calibri"/>
+                <a:ea typeface="DejaVu Sans"/>
+              </a:rPr>
+              <a:t>	</a:t>
+            </a:r>
+            <a:endParaRPr b="0" lang="en-CA" sz="2400" spc="-1" strike="noStrike">
+              <a:latin typeface="Arial"/>
+            </a:endParaRPr>
+          </a:p>
+        </p:txBody>
+      </p:sp>
+      <p:sp>
+        <p:nvSpPr>
+          <p:cNvPr id="199" name="CustomShape 2"/>
+          <p:cNvSpPr/>
+          <p:nvPr/>
+        </p:nvSpPr>
+        <p:spPr>
+          <a:xfrm>
+            <a:off x="432000" y="0"/>
+            <a:ext cx="7448400" cy="1180440"/>
+          </a:xfrm>
+          <a:prstGeom prst="rect">
+            <a:avLst/>
+          </a:prstGeom>
+          <a:noFill/>
+          <a:ln>
+            <a:noFill/>
+          </a:ln>
+        </p:spPr>
+        <p:style>
+          <a:lnRef idx="0"/>
+          <a:fillRef idx="0"/>
+          <a:effectRef idx="0"/>
+          <a:fontRef idx="minor"/>
+        </p:style>
+        <p:txBody>
+          <a:bodyPr lIns="90000" rIns="90000" tIns="45000" bIns="45000" anchor="ctr">
+            <a:normAutofit/>
+          </a:bodyPr>
+          <a:p>
+            <a:pPr>
+              <a:lnSpc>
+                <a:spcPct val="100000"/>
+              </a:lnSpc>
+            </a:pPr>
+            <a:r>
+              <a:rPr b="0" lang="en-CA" sz="3000" spc="-1" strike="noStrike" cap="all">
+                <a:solidFill>
+                  <a:srgbClr val="292929"/>
+                </a:solidFill>
+                <a:latin typeface="Nexa Bold"/>
+                <a:ea typeface="DejaVu Sans"/>
+              </a:rPr>
+              <a:t>Installing our</a:t>
+            </a:r>
+            <a:r>
+              <a:rPr b="0" lang="en-CA" sz="3000" spc="-1" strike="noStrike">
+                <a:solidFill>
+                  <a:srgbClr val="292929"/>
+                </a:solidFill>
+                <a:latin typeface="Nexa Bold"/>
+                <a:ea typeface="DejaVu Sans"/>
+              </a:rPr>
+              <a:t> </a:t>
+            </a:r>
+            <a:r>
+              <a:rPr b="0" lang="en-CA" sz="3000" spc="-1" strike="noStrike" cap="all">
+                <a:solidFill>
+                  <a:srgbClr val="1fa0be"/>
+                </a:solidFill>
+                <a:latin typeface="Nexa Bold"/>
+                <a:ea typeface="DejaVu Sans"/>
+              </a:rPr>
+              <a:t>Stack</a:t>
+            </a:r>
+            <a:endParaRPr b="0" lang="en-CA" sz="3000" spc="-1" strike="noStrike">
+              <a:latin typeface="Arial"/>
+            </a:endParaRPr>
+          </a:p>
+        </p:txBody>
+      </p:sp>
+      <p:sp>
+        <p:nvSpPr>
+          <p:cNvPr id="200" name="CustomShape 3"/>
+          <p:cNvSpPr/>
+          <p:nvPr/>
+        </p:nvSpPr>
+        <p:spPr>
+          <a:xfrm>
+            <a:off x="0" y="0"/>
+            <a:ext cx="247680" cy="1192680"/>
+          </a:xfrm>
+          <a:prstGeom prst="rect">
+            <a:avLst/>
+          </a:prstGeom>
+          <a:solidFill>
+            <a:srgbClr val="146e83"/>
+          </a:solidFill>
+          <a:ln>
+            <a:round/>
+          </a:ln>
+        </p:spPr>
+        <p:style>
+          <a:lnRef idx="2">
+            <a:schemeClr val="accent1">
+              <a:shade val="50000"/>
+            </a:schemeClr>
+          </a:lnRef>
+          <a:fillRef idx="1">
+            <a:schemeClr val="accent1"/>
+          </a:fillRef>
+          <a:effectRef idx="0">
+            <a:schemeClr val="accent1"/>
+          </a:effectRef>
+          <a:fontRef idx="minor"/>
+        </p:style>
+      </p:sp>
+      <p:sp>
+        <p:nvSpPr>
+          <p:cNvPr id="201" name="Line 4"/>
+          <p:cNvSpPr/>
+          <p:nvPr/>
+        </p:nvSpPr>
+        <p:spPr>
+          <a:xfrm>
+            <a:off x="251280" y="1196640"/>
+            <a:ext cx="8892720" cy="360"/>
+          </a:xfrm>
+          <a:prstGeom prst="line">
+            <a:avLst/>
+          </a:prstGeom>
+          <a:ln w="22320">
+            <a:solidFill>
+              <a:srgbClr val="146e83"/>
+            </a:solidFill>
+            <a:round/>
+          </a:ln>
+        </p:spPr>
+        <p:style>
+          <a:lnRef idx="1">
+            <a:schemeClr val="accent1"/>
+          </a:lnRef>
+          <a:fillRef idx="0">
+            <a:schemeClr val="accent1"/>
+          </a:fillRef>
+          <a:effectRef idx="0">
+            <a:schemeClr val="accent1"/>
+          </a:effectRef>
+          <a:fontRef idx="minor"/>
+        </p:style>
+      </p:sp>
+    </p:spTree>
+  </p:cSld>
+  <p:timing>
+    <p:tnLst>
+      <p:par>
+        <p:cTn id="23" dur="indefinite" restart="never" nodeType="tmRoot">
+          <p:childTnLst>
+            <p:seq>
+              <p:cTn id="24" dur="indefinite" nodeType="mainSeq"/>
+              <p:prevCondLst>
+                <p:cond delay="0" evt="onPrev">
+                  <p:tgtEl>
+                    <p:sldTgt/>
+                  </p:tgtEl>
+                </p:cond>
+              </p:prevCondLst>
+              <p:nextCondLst>
+                <p:cond delay="0" evt="onNext">
+                  <p:tgtEl>
+                    <p:sldTgt/>
+                  </p:tgtEl>
+                </p:cond>
+              </p:nextCondLst>
+            </p:seq>
+          </p:childTnLst>
+        </p:cTn>
+      </p:par>
+    </p:tnLst>
+  </p:timing>
+</p:sld>
+</file>
+
+<file path=ppt/slides/slide13.xml><?xml version="1.0" encoding="utf-8"?>
+<p:sld xmlns:a="http://schemas.openxmlformats.org/drawingml/2006/main" xmlns:p="http://schemas.openxmlformats.org/presentationml/2006/main" xmlns:r="http://schemas.openxmlformats.org/officeDocument/2006/relationships" xmlns:p14="http://schemas.microsoft.com/office/powerpoint/2010/main" xmlns:p15="http://schemas.microsoft.com/office/powerpoint/2012/main" xmlns:mc="http://schemas.openxmlformats.org/markup-compatibility/2006">
+  <p:cSld>
+    <p:bg>
+      <p:bgPr>
+        <a:solidFill>
+          <a:srgbClr val="f2f2f2"/>
+        </a:solidFill>
+      </p:bgPr>
+    </p:bg>
+    <p:spTree>
+      <p:nvGrpSpPr>
+        <p:cNvPr id="1" name=""/>
+        <p:cNvGrpSpPr/>
+        <p:nvPr/>
+      </p:nvGrpSpPr>
+      <p:grpSpPr>
+        <a:xfrm>
+          <a:off x="0" y="0"/>
+          <a:ext cx="0" cy="0"/>
+          <a:chOff x="0" y="0"/>
+          <a:chExt cx="0" cy="0"/>
+        </a:xfrm>
+      </p:grpSpPr>
+      <p:sp>
+        <p:nvSpPr>
+          <p:cNvPr id="202" name="CustomShape 1"/>
+          <p:cNvSpPr/>
+          <p:nvPr/>
+        </p:nvSpPr>
+        <p:spPr>
+          <a:xfrm>
+            <a:off x="504000" y="1377360"/>
+            <a:ext cx="8276040" cy="5216040"/>
+          </a:xfrm>
+          <a:prstGeom prst="rect">
+            <a:avLst/>
+          </a:prstGeom>
+          <a:noFill/>
+          <a:ln>
+            <a:noFill/>
+          </a:ln>
+        </p:spPr>
+        <p:style>
+          <a:lnRef idx="0"/>
+          <a:fillRef idx="0"/>
+          <a:effectRef idx="0"/>
+          <a:fontRef idx="minor"/>
+        </p:style>
+        <p:txBody>
+          <a:bodyPr lIns="90000" rIns="90000" tIns="45000" bIns="45000" anchor="ctr">
+            <a:normAutofit/>
+          </a:bodyPr>
+          <a:p>
+            <a:pPr>
+              <a:lnSpc>
+                <a:spcPct val="100000"/>
+              </a:lnSpc>
+              <a:spcBef>
+                <a:spcPts val="479"/>
+              </a:spcBef>
+            </a:pPr>
+            <a:r>
+              <a:rPr b="0" lang="en-CA" sz="3600" spc="-1" strike="noStrike">
+                <a:solidFill>
+                  <a:srgbClr val="000000"/>
+                </a:solidFill>
+                <a:latin typeface="Calibri"/>
+                <a:ea typeface="DejaVu Sans"/>
+              </a:rPr>
+              <a:t>Git VCS</a:t>
+            </a:r>
+            <a:endParaRPr b="0" lang="en-CA" sz="3600" spc="-1" strike="noStrike">
+              <a:latin typeface="Arial"/>
+            </a:endParaRPr>
+          </a:p>
+          <a:p>
+            <a:pPr>
+              <a:lnSpc>
+                <a:spcPct val="100000"/>
+              </a:lnSpc>
+              <a:spcBef>
+                <a:spcPts val="479"/>
+              </a:spcBef>
+            </a:pPr>
+            <a:r>
+              <a:rPr b="0" lang="en-CA" sz="1800" spc="-1" strike="noStrike" u="sng">
+                <a:solidFill>
+                  <a:srgbClr val="0000ff"/>
+                </a:solidFill>
+                <a:uFillTx/>
+                <a:latin typeface="Calibri"/>
+                <a:ea typeface="DejaVu Sans"/>
+              </a:rPr>
+              <a:t>https://linuxconcept.com/install-git-on-ubuntu-19-04-operating-system/</a:t>
+            </a:r>
+            <a:endParaRPr b="0" lang="en-CA" sz="1800" spc="-1" strike="noStrike">
+              <a:latin typeface="Arial"/>
+            </a:endParaRPr>
+          </a:p>
+        </p:txBody>
+      </p:sp>
+      <p:sp>
+        <p:nvSpPr>
+          <p:cNvPr id="203" name="CustomShape 2"/>
+          <p:cNvSpPr/>
+          <p:nvPr/>
+        </p:nvSpPr>
+        <p:spPr>
+          <a:xfrm>
+            <a:off x="432000" y="0"/>
+            <a:ext cx="7448400" cy="1180440"/>
+          </a:xfrm>
+          <a:prstGeom prst="rect">
+            <a:avLst/>
+          </a:prstGeom>
+          <a:noFill/>
+          <a:ln>
+            <a:noFill/>
+          </a:ln>
+        </p:spPr>
+        <p:style>
+          <a:lnRef idx="0"/>
+          <a:fillRef idx="0"/>
+          <a:effectRef idx="0"/>
+          <a:fontRef idx="minor"/>
+        </p:style>
+        <p:txBody>
+          <a:bodyPr lIns="90000" rIns="90000" tIns="45000" bIns="45000" anchor="ctr">
+            <a:normAutofit/>
+          </a:bodyPr>
+          <a:p>
+            <a:pPr>
+              <a:lnSpc>
+                <a:spcPct val="100000"/>
+              </a:lnSpc>
+            </a:pPr>
+            <a:r>
+              <a:rPr b="0" lang="en-CA" sz="3000" spc="-1" strike="noStrike" cap="all">
+                <a:solidFill>
+                  <a:srgbClr val="292929"/>
+                </a:solidFill>
+                <a:latin typeface="Nexa Bold"/>
+                <a:ea typeface="DejaVu Sans"/>
+              </a:rPr>
+              <a:t>Installing our</a:t>
+            </a:r>
+            <a:r>
+              <a:rPr b="0" lang="en-CA" sz="3000" spc="-1" strike="noStrike">
+                <a:solidFill>
+                  <a:srgbClr val="292929"/>
+                </a:solidFill>
+                <a:latin typeface="Nexa Bold"/>
+                <a:ea typeface="DejaVu Sans"/>
+              </a:rPr>
+              <a:t> </a:t>
+            </a:r>
+            <a:r>
+              <a:rPr b="0" lang="en-CA" sz="3000" spc="-1" strike="noStrike" cap="all">
+                <a:solidFill>
+                  <a:srgbClr val="1fa0be"/>
+                </a:solidFill>
+                <a:latin typeface="Nexa Bold"/>
+                <a:ea typeface="DejaVu Sans"/>
+              </a:rPr>
+              <a:t>Stack</a:t>
+            </a:r>
+            <a:endParaRPr b="0" lang="en-CA" sz="3000" spc="-1" strike="noStrike">
+              <a:latin typeface="Arial"/>
+            </a:endParaRPr>
+          </a:p>
+        </p:txBody>
+      </p:sp>
+      <p:sp>
+        <p:nvSpPr>
+          <p:cNvPr id="204" name="CustomShape 3"/>
+          <p:cNvSpPr/>
+          <p:nvPr/>
+        </p:nvSpPr>
+        <p:spPr>
+          <a:xfrm>
+            <a:off x="0" y="0"/>
+            <a:ext cx="247680" cy="1192680"/>
+          </a:xfrm>
+          <a:prstGeom prst="rect">
+            <a:avLst/>
+          </a:prstGeom>
+          <a:solidFill>
+            <a:srgbClr val="146e83"/>
+          </a:solidFill>
+          <a:ln>
+            <a:round/>
+          </a:ln>
+        </p:spPr>
+        <p:style>
+          <a:lnRef idx="2">
+            <a:schemeClr val="accent1">
+              <a:shade val="50000"/>
+            </a:schemeClr>
+          </a:lnRef>
+          <a:fillRef idx="1">
+            <a:schemeClr val="accent1"/>
+          </a:fillRef>
+          <a:effectRef idx="0">
+            <a:schemeClr val="accent1"/>
+          </a:effectRef>
+          <a:fontRef idx="minor"/>
+        </p:style>
+      </p:sp>
+      <p:sp>
+        <p:nvSpPr>
+          <p:cNvPr id="205" name="Line 4"/>
+          <p:cNvSpPr/>
+          <p:nvPr/>
+        </p:nvSpPr>
+        <p:spPr>
+          <a:xfrm>
+            <a:off x="251280" y="1196640"/>
+            <a:ext cx="8892720" cy="360"/>
+          </a:xfrm>
+          <a:prstGeom prst="line">
+            <a:avLst/>
+          </a:prstGeom>
+          <a:ln w="22320">
+            <a:solidFill>
+              <a:srgbClr val="146e83"/>
+            </a:solidFill>
+            <a:round/>
+          </a:ln>
+        </p:spPr>
+        <p:style>
+          <a:lnRef idx="1">
+            <a:schemeClr val="accent1"/>
+          </a:lnRef>
+          <a:fillRef idx="0">
+            <a:schemeClr val="accent1"/>
+          </a:fillRef>
+          <a:effectRef idx="0">
+            <a:schemeClr val="accent1"/>
+          </a:effectRef>
+          <a:fontRef idx="minor"/>
+        </p:style>
+      </p:sp>
+    </p:spTree>
+  </p:cSld>
+  <p:timing>
+    <p:tnLst>
+      <p:par>
+        <p:cTn id="25" dur="indefinite" restart="never" nodeType="tmRoot">
+          <p:childTnLst>
+            <p:seq>
+              <p:cTn id="26" dur="indefinite" nodeType="mainSeq"/>
+              <p:prevCondLst>
+                <p:cond delay="0" evt="onPrev">
+                  <p:tgtEl>
+                    <p:sldTgt/>
+                  </p:tgtEl>
+                </p:cond>
+              </p:prevCondLst>
+              <p:nextCondLst>
+                <p:cond delay="0" evt="onNext">
+                  <p:tgtEl>
+                    <p:sldTgt/>
+                  </p:tgtEl>
+                </p:cond>
+              </p:nextCondLst>
+            </p:seq>
+          </p:childTnLst>
+        </p:cTn>
+      </p:par>
+    </p:tnLst>
+  </p:timing>
+</p:sld>
+</file>
+
+<file path=ppt/slides/slide14.xml><?xml version="1.0" encoding="utf-8"?>
+<p:sld xmlns:a="http://schemas.openxmlformats.org/drawingml/2006/main" xmlns:p="http://schemas.openxmlformats.org/presentationml/2006/main" xmlns:r="http://schemas.openxmlformats.org/officeDocument/2006/relationships" xmlns:p14="http://schemas.microsoft.com/office/powerpoint/2010/main" xmlns:p15="http://schemas.microsoft.com/office/powerpoint/2012/main" xmlns:mc="http://schemas.openxmlformats.org/markup-compatibility/2006">
+  <p:cSld>
+    <p:bg>
+      <p:bgPr>
+        <a:solidFill>
+          <a:srgbClr val="f2f2f2"/>
+        </a:solidFill>
+      </p:bgPr>
+    </p:bg>
+    <p:spTree>
+      <p:nvGrpSpPr>
+        <p:cNvPr id="1" name=""/>
+        <p:cNvGrpSpPr/>
+        <p:nvPr/>
+      </p:nvGrpSpPr>
+      <p:grpSpPr>
+        <a:xfrm>
+          <a:off x="0" y="0"/>
+          <a:ext cx="0" cy="0"/>
+          <a:chOff x="0" y="0"/>
+          <a:chExt cx="0" cy="0"/>
+        </a:xfrm>
+      </p:grpSpPr>
+      <p:sp>
+        <p:nvSpPr>
+          <p:cNvPr id="206" name="CustomShape 1"/>
+          <p:cNvSpPr/>
+          <p:nvPr/>
+        </p:nvSpPr>
+        <p:spPr>
+          <a:xfrm>
+            <a:off x="504000" y="1377360"/>
+            <a:ext cx="8276040" cy="5216040"/>
+          </a:xfrm>
+          <a:prstGeom prst="rect">
+            <a:avLst/>
+          </a:prstGeom>
+          <a:noFill/>
+          <a:ln>
+            <a:noFill/>
+          </a:ln>
+        </p:spPr>
+        <p:style>
+          <a:lnRef idx="0"/>
+          <a:fillRef idx="0"/>
+          <a:effectRef idx="0"/>
+          <a:fontRef idx="minor"/>
+        </p:style>
+        <p:txBody>
+          <a:bodyPr lIns="90000" rIns="90000" tIns="45000" bIns="45000" anchor="ctr">
+            <a:normAutofit/>
+          </a:bodyPr>
+          <a:p>
+            <a:pPr>
+              <a:lnSpc>
+                <a:spcPct val="100000"/>
+              </a:lnSpc>
+              <a:spcBef>
+                <a:spcPts val="479"/>
+              </a:spcBef>
+            </a:pPr>
+            <a:r>
+              <a:rPr b="0" lang="en-CA" sz="2400" spc="-1" strike="noStrike">
+                <a:solidFill>
+                  <a:srgbClr val="000000"/>
+                </a:solidFill>
+                <a:latin typeface="Calibri"/>
+                <a:ea typeface="DejaVu Sans"/>
+              </a:rPr>
+              <a:t>GIT (continued)</a:t>
+            </a:r>
+            <a:endParaRPr b="0" lang="en-CA" sz="2400" spc="-1" strike="noStrike">
+              <a:latin typeface="Arial"/>
+            </a:endParaRPr>
+          </a:p>
+          <a:p>
+            <a:pPr>
+              <a:lnSpc>
+                <a:spcPct val="100000"/>
+              </a:lnSpc>
+              <a:spcBef>
+                <a:spcPts val="479"/>
+              </a:spcBef>
+            </a:pPr>
+            <a:r>
+              <a:rPr b="0" lang="en-CA" sz="2400" spc="-1" strike="noStrike">
+                <a:solidFill>
+                  <a:srgbClr val="000000"/>
+                </a:solidFill>
+                <a:latin typeface="Calibri"/>
+                <a:ea typeface="DejaVu Sans"/>
+              </a:rPr>
+              <a:t>Testing out our GIT installation.</a:t>
+            </a:r>
+            <a:endParaRPr b="0" lang="en-CA" sz="2400" spc="-1" strike="noStrike">
+              <a:latin typeface="Arial"/>
+            </a:endParaRPr>
+          </a:p>
+          <a:p>
+            <a:pPr>
+              <a:lnSpc>
+                <a:spcPct val="100000"/>
+              </a:lnSpc>
+              <a:spcBef>
+                <a:spcPts val="479"/>
+              </a:spcBef>
+            </a:pPr>
+            <a:endParaRPr b="0" lang="en-CA" sz="2400" spc="-1" strike="noStrike">
+              <a:latin typeface="Arial"/>
+            </a:endParaRPr>
+          </a:p>
+          <a:p>
+            <a:pPr>
+              <a:lnSpc>
+                <a:spcPct val="100000"/>
+              </a:lnSpc>
+              <a:spcBef>
+                <a:spcPts val="479"/>
+              </a:spcBef>
+            </a:pPr>
+            <a:r>
+              <a:rPr b="0" lang="en-CA" sz="2400" spc="-1" strike="noStrike">
+                <a:solidFill>
+                  <a:srgbClr val="000000"/>
+                </a:solidFill>
+                <a:latin typeface="Calibri"/>
+                <a:ea typeface="DejaVu Sans"/>
+              </a:rPr>
+              <a:t>1)</a:t>
+            </a:r>
+            <a:r>
+              <a:rPr b="0" lang="en-CA" sz="2400" spc="-1" strike="noStrike">
+                <a:solidFill>
+                  <a:srgbClr val="000000"/>
+                </a:solidFill>
+                <a:latin typeface="Calibri"/>
+                <a:ea typeface="DejaVu Sans"/>
+              </a:rPr>
+              <a:t>	</a:t>
+            </a:r>
+            <a:r>
+              <a:rPr b="0" lang="en-CA" sz="2400" spc="-1" strike="noStrike">
+                <a:solidFill>
+                  <a:srgbClr val="000000"/>
+                </a:solidFill>
+                <a:latin typeface="Calibri"/>
+                <a:ea typeface="DejaVu Sans"/>
+              </a:rPr>
+              <a:t>cd ~</a:t>
+            </a:r>
+            <a:endParaRPr b="0" lang="en-CA" sz="2400" spc="-1" strike="noStrike">
+              <a:latin typeface="Arial"/>
+            </a:endParaRPr>
+          </a:p>
+          <a:p>
+            <a:pPr>
+              <a:lnSpc>
+                <a:spcPct val="100000"/>
+              </a:lnSpc>
+              <a:spcBef>
+                <a:spcPts val="479"/>
+              </a:spcBef>
+            </a:pPr>
+            <a:r>
+              <a:rPr b="0" lang="en-CA" sz="2400" spc="-1" strike="noStrike">
+                <a:solidFill>
+                  <a:srgbClr val="000000"/>
+                </a:solidFill>
+                <a:latin typeface="Calibri"/>
+                <a:ea typeface="DejaVu Sans"/>
+              </a:rPr>
+              <a:t>2)</a:t>
+            </a:r>
+            <a:r>
+              <a:rPr b="0" lang="en-CA" sz="2400" spc="-1" strike="noStrike">
+                <a:solidFill>
+                  <a:srgbClr val="000000"/>
+                </a:solidFill>
+                <a:latin typeface="Calibri"/>
+                <a:ea typeface="DejaVu Sans"/>
+              </a:rPr>
+              <a:t>	</a:t>
+            </a:r>
+            <a:r>
+              <a:rPr b="0" lang="en-CA" sz="2400" spc="-1" strike="noStrike">
+                <a:solidFill>
+                  <a:srgbClr val="000000"/>
+                </a:solidFill>
+                <a:latin typeface="Calibri"/>
+                <a:ea typeface="DejaVu Sans"/>
+              </a:rPr>
+              <a:t>git clone </a:t>
+            </a:r>
+            <a:r>
+              <a:rPr b="0" lang="en-CA" sz="2000" spc="-1" strike="noStrike">
+                <a:solidFill>
+                  <a:srgbClr val="000000"/>
+                </a:solidFill>
+                <a:latin typeface="Calibri"/>
+                <a:ea typeface="DejaVu Sans"/>
+              </a:rPr>
+              <a:t>https://github.com/chrisgauthier742018/devopscourse.git </a:t>
+            </a:r>
+            <a:endParaRPr b="0" lang="en-CA" sz="2000" spc="-1" strike="noStrike">
+              <a:latin typeface="Arial"/>
+            </a:endParaRPr>
+          </a:p>
+          <a:p>
+            <a:pPr>
+              <a:lnSpc>
+                <a:spcPct val="100000"/>
+              </a:lnSpc>
+              <a:spcBef>
+                <a:spcPts val="479"/>
+              </a:spcBef>
+            </a:pPr>
+            <a:endParaRPr b="0" lang="en-CA" sz="2000" spc="-1" strike="noStrike">
+              <a:latin typeface="Arial"/>
+            </a:endParaRPr>
+          </a:p>
+          <a:p>
+            <a:pPr>
+              <a:lnSpc>
+                <a:spcPct val="100000"/>
+              </a:lnSpc>
+              <a:spcBef>
+                <a:spcPts val="479"/>
+              </a:spcBef>
+            </a:pPr>
+            <a:r>
+              <a:rPr b="0" lang="en-CA" sz="2000" spc="-1" strike="noStrike">
+                <a:solidFill>
+                  <a:srgbClr val="000000"/>
+                </a:solidFill>
+                <a:latin typeface="Calibri"/>
+                <a:ea typeface="DejaVu Sans"/>
+              </a:rPr>
+              <a:t>If you get the repo, you’re all set to go!  If not, review our docs or contact your professor!</a:t>
+            </a:r>
+            <a:endParaRPr b="0" lang="en-CA" sz="2000" spc="-1" strike="noStrike">
+              <a:latin typeface="Arial"/>
+            </a:endParaRPr>
+          </a:p>
+        </p:txBody>
+      </p:sp>
+      <p:sp>
+        <p:nvSpPr>
+          <p:cNvPr id="207" name="CustomShape 2"/>
+          <p:cNvSpPr/>
+          <p:nvPr/>
+        </p:nvSpPr>
+        <p:spPr>
+          <a:xfrm>
+            <a:off x="432000" y="0"/>
+            <a:ext cx="7448400" cy="1180440"/>
+          </a:xfrm>
+          <a:prstGeom prst="rect">
+            <a:avLst/>
+          </a:prstGeom>
+          <a:noFill/>
+          <a:ln>
+            <a:noFill/>
+          </a:ln>
+        </p:spPr>
+        <p:style>
+          <a:lnRef idx="0"/>
+          <a:fillRef idx="0"/>
+          <a:effectRef idx="0"/>
+          <a:fontRef idx="minor"/>
+        </p:style>
+        <p:txBody>
+          <a:bodyPr lIns="90000" rIns="90000" tIns="45000" bIns="45000" anchor="ctr">
+            <a:normAutofit/>
+          </a:bodyPr>
+          <a:p>
+            <a:pPr>
+              <a:lnSpc>
+                <a:spcPct val="100000"/>
+              </a:lnSpc>
+            </a:pPr>
+            <a:r>
+              <a:rPr b="0" lang="en-CA" sz="3000" spc="-1" strike="noStrike" cap="all">
+                <a:solidFill>
+                  <a:srgbClr val="292929"/>
+                </a:solidFill>
+                <a:latin typeface="Nexa Bold"/>
+                <a:ea typeface="DejaVu Sans"/>
+              </a:rPr>
+              <a:t>Installing our</a:t>
+            </a:r>
+            <a:r>
+              <a:rPr b="0" lang="en-CA" sz="3000" spc="-1" strike="noStrike">
+                <a:solidFill>
+                  <a:srgbClr val="292929"/>
+                </a:solidFill>
+                <a:latin typeface="Nexa Bold"/>
+                <a:ea typeface="DejaVu Sans"/>
+              </a:rPr>
+              <a:t> </a:t>
+            </a:r>
+            <a:r>
+              <a:rPr b="0" lang="en-CA" sz="3000" spc="-1" strike="noStrike" cap="all">
+                <a:solidFill>
+                  <a:srgbClr val="1fa0be"/>
+                </a:solidFill>
+                <a:latin typeface="Nexa Bold"/>
+                <a:ea typeface="DejaVu Sans"/>
+              </a:rPr>
+              <a:t>Stack</a:t>
+            </a:r>
+            <a:endParaRPr b="0" lang="en-CA" sz="3000" spc="-1" strike="noStrike">
+              <a:latin typeface="Arial"/>
+            </a:endParaRPr>
+          </a:p>
+        </p:txBody>
+      </p:sp>
+      <p:sp>
+        <p:nvSpPr>
+          <p:cNvPr id="208" name="CustomShape 3"/>
+          <p:cNvSpPr/>
+          <p:nvPr/>
+        </p:nvSpPr>
+        <p:spPr>
+          <a:xfrm>
+            <a:off x="0" y="0"/>
+            <a:ext cx="247680" cy="1192680"/>
+          </a:xfrm>
+          <a:prstGeom prst="rect">
+            <a:avLst/>
+          </a:prstGeom>
+          <a:solidFill>
+            <a:srgbClr val="146e83"/>
+          </a:solidFill>
+          <a:ln>
+            <a:round/>
+          </a:ln>
+        </p:spPr>
+        <p:style>
+          <a:lnRef idx="2">
+            <a:schemeClr val="accent1">
+              <a:shade val="50000"/>
+            </a:schemeClr>
+          </a:lnRef>
+          <a:fillRef idx="1">
+            <a:schemeClr val="accent1"/>
+          </a:fillRef>
+          <a:effectRef idx="0">
+            <a:schemeClr val="accent1"/>
+          </a:effectRef>
+          <a:fontRef idx="minor"/>
+        </p:style>
+      </p:sp>
+      <p:sp>
+        <p:nvSpPr>
+          <p:cNvPr id="209" name="Line 4"/>
+          <p:cNvSpPr/>
+          <p:nvPr/>
+        </p:nvSpPr>
+        <p:spPr>
+          <a:xfrm>
+            <a:off x="251280" y="1196640"/>
+            <a:ext cx="8892720" cy="360"/>
+          </a:xfrm>
+          <a:prstGeom prst="line">
+            <a:avLst/>
+          </a:prstGeom>
+          <a:ln w="22320">
+            <a:solidFill>
+              <a:srgbClr val="146e83"/>
+            </a:solidFill>
+            <a:round/>
+          </a:ln>
+        </p:spPr>
+        <p:style>
+          <a:lnRef idx="1">
+            <a:schemeClr val="accent1"/>
+          </a:lnRef>
+          <a:fillRef idx="0">
+            <a:schemeClr val="accent1"/>
+          </a:fillRef>
+          <a:effectRef idx="0">
+            <a:schemeClr val="accent1"/>
+          </a:effectRef>
+          <a:fontRef idx="minor"/>
+        </p:style>
+      </p:sp>
+    </p:spTree>
+  </p:cSld>
+  <p:timing>
+    <p:tnLst>
+      <p:par>
+        <p:cTn id="27" dur="indefinite" restart="never" nodeType="tmRoot">
+          <p:childTnLst>
+            <p:seq>
+              <p:cTn id="28" dur="indefinite" nodeType="mainSeq"/>
+              <p:prevCondLst>
+                <p:cond delay="0" evt="onPrev">
+                  <p:tgtEl>
+                    <p:sldTgt/>
+                  </p:tgtEl>
+                </p:cond>
+              </p:prevCondLst>
+              <p:nextCondLst>
+                <p:cond delay="0" evt="onNext">
+                  <p:tgtEl>
+                    <p:sldTgt/>
+                  </p:tgtEl>
+                </p:cond>
+              </p:nextCondLst>
+            </p:seq>
+          </p:childTnLst>
+        </p:cTn>
+      </p:par>
+    </p:tnLst>
+  </p:timing>
+</p:sld>
+</file>
+
+<file path=ppt/slides/slide15.xml><?xml version="1.0" encoding="utf-8"?>
+<p:sld xmlns:a="http://schemas.openxmlformats.org/drawingml/2006/main" xmlns:p="http://schemas.openxmlformats.org/presentationml/2006/main" xmlns:r="http://schemas.openxmlformats.org/officeDocument/2006/relationships" xmlns:p14="http://schemas.microsoft.com/office/powerpoint/2010/main" xmlns:p15="http://schemas.microsoft.com/office/powerpoint/2012/main" xmlns:mc="http://schemas.openxmlformats.org/markup-compatibility/2006">
+  <p:cSld>
+    <p:bg>
+      <p:bgPr>
+        <a:solidFill>
+          <a:srgbClr val="f2f2f2"/>
+        </a:solidFill>
+      </p:bgPr>
+    </p:bg>
+    <p:spTree>
+      <p:nvGrpSpPr>
+        <p:cNvPr id="1" name=""/>
+        <p:cNvGrpSpPr/>
+        <p:nvPr/>
+      </p:nvGrpSpPr>
+      <p:grpSpPr>
+        <a:xfrm>
+          <a:off x="0" y="0"/>
+          <a:ext cx="0" cy="0"/>
+          <a:chOff x="0" y="0"/>
+          <a:chExt cx="0" cy="0"/>
+        </a:xfrm>
+      </p:grpSpPr>
+      <p:sp>
+        <p:nvSpPr>
+          <p:cNvPr id="210" name="CustomShape 1"/>
+          <p:cNvSpPr/>
+          <p:nvPr/>
+        </p:nvSpPr>
+        <p:spPr>
+          <a:xfrm>
+            <a:off x="504000" y="1377360"/>
+            <a:ext cx="8276040" cy="5216040"/>
+          </a:xfrm>
+          <a:prstGeom prst="rect">
+            <a:avLst/>
+          </a:prstGeom>
+          <a:noFill/>
+          <a:ln>
+            <a:noFill/>
+          </a:ln>
+        </p:spPr>
+        <p:style>
+          <a:lnRef idx="0"/>
+          <a:fillRef idx="0"/>
+          <a:effectRef idx="0"/>
+          <a:fontRef idx="minor"/>
+        </p:style>
+        <p:txBody>
+          <a:bodyPr lIns="90000" rIns="90000" tIns="45000" bIns="45000" anchor="ctr">
+            <a:normAutofit/>
+          </a:bodyPr>
+          <a:p>
+            <a:pPr>
+              <a:lnSpc>
+                <a:spcPct val="100000"/>
+              </a:lnSpc>
+              <a:spcBef>
+                <a:spcPts val="479"/>
+              </a:spcBef>
+            </a:pPr>
+            <a:r>
+              <a:rPr b="0" lang="en-CA" sz="2400" spc="-1" strike="noStrike">
+                <a:solidFill>
+                  <a:srgbClr val="000000"/>
+                </a:solidFill>
+                <a:latin typeface="Calibri"/>
+                <a:ea typeface="DejaVu Sans"/>
+              </a:rPr>
+              <a:t>Installing Jenkins</a:t>
+            </a:r>
+            <a:endParaRPr b="0" lang="en-CA" sz="2400" spc="-1" strike="noStrike">
+              <a:latin typeface="Arial"/>
+            </a:endParaRPr>
+          </a:p>
+          <a:p>
+            <a:pPr>
+              <a:lnSpc>
+                <a:spcPct val="100000"/>
+              </a:lnSpc>
+              <a:spcBef>
+                <a:spcPts val="479"/>
+              </a:spcBef>
+            </a:pPr>
+            <a:endParaRPr b="0" lang="en-CA" sz="2400" spc="-1" strike="noStrike">
+              <a:latin typeface="Arial"/>
+            </a:endParaRPr>
+          </a:p>
+          <a:p>
+            <a:pPr>
+              <a:lnSpc>
+                <a:spcPct val="100000"/>
+              </a:lnSpc>
+              <a:spcBef>
+                <a:spcPts val="479"/>
+              </a:spcBef>
+            </a:pPr>
+            <a:r>
+              <a:rPr b="0" lang="en-CA" sz="2400" spc="-1" strike="noStrike">
+                <a:solidFill>
+                  <a:srgbClr val="000000"/>
+                </a:solidFill>
+                <a:latin typeface="Calibri"/>
+                <a:ea typeface="DejaVu Sans"/>
+              </a:rPr>
+              <a:t>1) Installing Java</a:t>
+            </a:r>
+            <a:endParaRPr b="0" lang="en-CA" sz="2400" spc="-1" strike="noStrike">
+              <a:latin typeface="Arial"/>
+            </a:endParaRPr>
+          </a:p>
+          <a:p>
+            <a:pPr>
+              <a:lnSpc>
+                <a:spcPct val="100000"/>
+              </a:lnSpc>
+              <a:spcBef>
+                <a:spcPts val="479"/>
+              </a:spcBef>
+            </a:pPr>
+            <a:r>
+              <a:rPr b="0" lang="en-CA" sz="2400" spc="-1" strike="noStrike">
+                <a:solidFill>
+                  <a:srgbClr val="000000"/>
+                </a:solidFill>
+                <a:latin typeface="Calibri"/>
+                <a:ea typeface="DejaVu Sans"/>
+              </a:rPr>
+              <a:t>	</a:t>
+            </a:r>
+            <a:r>
+              <a:rPr b="0" lang="en-CA" sz="2400" spc="-1" strike="noStrike">
+                <a:solidFill>
+                  <a:srgbClr val="000000"/>
+                </a:solidFill>
+                <a:latin typeface="Calibri"/>
+                <a:ea typeface="DejaVu Sans"/>
+              </a:rPr>
+              <a:t>1)</a:t>
+            </a:r>
+            <a:r>
+              <a:rPr b="0" lang="en-CA" sz="2400" spc="-1" strike="noStrike">
+                <a:solidFill>
+                  <a:srgbClr val="000000"/>
+                </a:solidFill>
+                <a:latin typeface="Calibri"/>
+                <a:ea typeface="DejaVu Sans"/>
+              </a:rPr>
+              <a:t>	</a:t>
+            </a:r>
+            <a:r>
+              <a:rPr b="0" lang="en-CA" sz="2400" spc="-1" strike="noStrike">
+                <a:solidFill>
+                  <a:srgbClr val="000000"/>
+                </a:solidFill>
+                <a:latin typeface="Calibri"/>
+                <a:ea typeface="DejaVu Sans"/>
+              </a:rPr>
+              <a:t>sudo apt install openjdk-13-jre-headless</a:t>
+            </a:r>
+            <a:endParaRPr b="0" lang="en-CA" sz="2400" spc="-1" strike="noStrike">
+              <a:latin typeface="Arial"/>
+            </a:endParaRPr>
+          </a:p>
+          <a:p>
+            <a:pPr>
+              <a:lnSpc>
+                <a:spcPct val="100000"/>
+              </a:lnSpc>
+              <a:spcBef>
+                <a:spcPts val="479"/>
+              </a:spcBef>
+            </a:pPr>
+            <a:endParaRPr b="0" lang="en-CA" sz="2400" spc="-1" strike="noStrike">
+              <a:latin typeface="Arial"/>
+            </a:endParaRPr>
+          </a:p>
+          <a:p>
+            <a:pPr>
+              <a:lnSpc>
+                <a:spcPct val="100000"/>
+              </a:lnSpc>
+              <a:spcBef>
+                <a:spcPts val="479"/>
+              </a:spcBef>
+            </a:pPr>
+            <a:r>
+              <a:rPr b="0" lang="en-CA" sz="2400" spc="-1" strike="noStrike">
+                <a:solidFill>
+                  <a:srgbClr val="000000"/>
+                </a:solidFill>
+                <a:latin typeface="Calibri"/>
+                <a:ea typeface="DejaVu Sans"/>
+              </a:rPr>
+              <a:t>2)</a:t>
+            </a:r>
+            <a:r>
+              <a:rPr b="0" lang="en-CA" sz="2400" spc="-1" strike="noStrike">
+                <a:solidFill>
+                  <a:srgbClr val="000000"/>
+                </a:solidFill>
+                <a:latin typeface="Calibri"/>
+                <a:ea typeface="DejaVu Sans"/>
+              </a:rPr>
+              <a:t>	</a:t>
+            </a:r>
+            <a:endParaRPr b="0" lang="en-CA" sz="2400" spc="-1" strike="noStrike">
+              <a:latin typeface="Arial"/>
+            </a:endParaRPr>
+          </a:p>
+          <a:p>
+            <a:pPr>
+              <a:lnSpc>
+                <a:spcPct val="100000"/>
+              </a:lnSpc>
+              <a:spcBef>
+                <a:spcPts val="479"/>
+              </a:spcBef>
+            </a:pPr>
+            <a:r>
+              <a:rPr b="0" lang="en-CA" sz="2400" spc="-1" strike="noStrike">
+                <a:solidFill>
+                  <a:srgbClr val="000000"/>
+                </a:solidFill>
+                <a:latin typeface="Calibri"/>
+                <a:ea typeface="DejaVu Sans"/>
+              </a:rPr>
+              <a:t>	</a:t>
+            </a:r>
+            <a:endParaRPr b="0" lang="en-CA" sz="2400" spc="-1" strike="noStrike">
+              <a:latin typeface="Arial"/>
+            </a:endParaRPr>
+          </a:p>
+          <a:p>
+            <a:pPr>
+              <a:lnSpc>
+                <a:spcPct val="100000"/>
+              </a:lnSpc>
+              <a:spcBef>
+                <a:spcPts val="479"/>
+              </a:spcBef>
+            </a:pPr>
+            <a:r>
+              <a:rPr b="0" lang="en-CA" sz="2400" spc="-1" strike="noStrike">
+                <a:solidFill>
+                  <a:srgbClr val="000000"/>
+                </a:solidFill>
+                <a:latin typeface="Calibri"/>
+                <a:ea typeface="DejaVu Sans"/>
+              </a:rPr>
+              <a:t>	</a:t>
+            </a:r>
+            <a:endParaRPr b="0" lang="en-CA" sz="2400" spc="-1" strike="noStrike">
+              <a:latin typeface="Arial"/>
+            </a:endParaRPr>
+          </a:p>
+        </p:txBody>
+      </p:sp>
+      <p:sp>
+        <p:nvSpPr>
+          <p:cNvPr id="211" name="CustomShape 2"/>
+          <p:cNvSpPr/>
+          <p:nvPr/>
+        </p:nvSpPr>
+        <p:spPr>
+          <a:xfrm>
+            <a:off x="432000" y="0"/>
+            <a:ext cx="7448400" cy="1180440"/>
+          </a:xfrm>
+          <a:prstGeom prst="rect">
+            <a:avLst/>
+          </a:prstGeom>
+          <a:noFill/>
+          <a:ln>
+            <a:noFill/>
+          </a:ln>
+        </p:spPr>
+        <p:style>
+          <a:lnRef idx="0"/>
+          <a:fillRef idx="0"/>
+          <a:effectRef idx="0"/>
+          <a:fontRef idx="minor"/>
+        </p:style>
+        <p:txBody>
+          <a:bodyPr lIns="90000" rIns="90000" tIns="45000" bIns="45000" anchor="ctr">
+            <a:normAutofit/>
+          </a:bodyPr>
+          <a:p>
+            <a:pPr>
+              <a:lnSpc>
+                <a:spcPct val="100000"/>
+              </a:lnSpc>
+            </a:pPr>
+            <a:r>
+              <a:rPr b="0" lang="en-CA" sz="3000" spc="-1" strike="noStrike" cap="all">
+                <a:solidFill>
+                  <a:srgbClr val="292929"/>
+                </a:solidFill>
+                <a:latin typeface="Nexa Bold"/>
+                <a:ea typeface="DejaVu Sans"/>
+              </a:rPr>
+              <a:t>Installing our</a:t>
+            </a:r>
+            <a:r>
+              <a:rPr b="0" lang="en-CA" sz="3000" spc="-1" strike="noStrike">
+                <a:solidFill>
+                  <a:srgbClr val="292929"/>
+                </a:solidFill>
+                <a:latin typeface="Nexa Bold"/>
+                <a:ea typeface="DejaVu Sans"/>
+              </a:rPr>
+              <a:t> </a:t>
+            </a:r>
+            <a:r>
+              <a:rPr b="0" lang="en-CA" sz="3000" spc="-1" strike="noStrike" cap="all">
+                <a:solidFill>
+                  <a:srgbClr val="1fa0be"/>
+                </a:solidFill>
+                <a:latin typeface="Nexa Bold"/>
+                <a:ea typeface="DejaVu Sans"/>
+              </a:rPr>
+              <a:t>Stack</a:t>
+            </a:r>
+            <a:endParaRPr b="0" lang="en-CA" sz="3000" spc="-1" strike="noStrike">
+              <a:latin typeface="Arial"/>
+            </a:endParaRPr>
+          </a:p>
+        </p:txBody>
+      </p:sp>
+      <p:sp>
+        <p:nvSpPr>
+          <p:cNvPr id="212" name="CustomShape 3"/>
+          <p:cNvSpPr/>
+          <p:nvPr/>
+        </p:nvSpPr>
+        <p:spPr>
+          <a:xfrm>
+            <a:off x="0" y="0"/>
+            <a:ext cx="247680" cy="1192680"/>
+          </a:xfrm>
+          <a:prstGeom prst="rect">
+            <a:avLst/>
+          </a:prstGeom>
+          <a:solidFill>
+            <a:srgbClr val="146e83"/>
+          </a:solidFill>
+          <a:ln>
+            <a:round/>
+          </a:ln>
+        </p:spPr>
+        <p:style>
+          <a:lnRef idx="2">
+            <a:schemeClr val="accent1">
+              <a:shade val="50000"/>
+            </a:schemeClr>
+          </a:lnRef>
+          <a:fillRef idx="1">
+            <a:schemeClr val="accent1"/>
+          </a:fillRef>
+          <a:effectRef idx="0">
+            <a:schemeClr val="accent1"/>
+          </a:effectRef>
+          <a:fontRef idx="minor"/>
+        </p:style>
+      </p:sp>
+      <p:sp>
+        <p:nvSpPr>
+          <p:cNvPr id="213" name="Line 4"/>
+          <p:cNvSpPr/>
+          <p:nvPr/>
+        </p:nvSpPr>
+        <p:spPr>
+          <a:xfrm>
+            <a:off x="251280" y="1196640"/>
+            <a:ext cx="8892720" cy="360"/>
+          </a:xfrm>
+          <a:prstGeom prst="line">
+            <a:avLst/>
+          </a:prstGeom>
+          <a:ln w="22320">
+            <a:solidFill>
+              <a:srgbClr val="146e83"/>
+            </a:solidFill>
+            <a:round/>
+          </a:ln>
+        </p:spPr>
+        <p:style>
+          <a:lnRef idx="1">
+            <a:schemeClr val="accent1"/>
+          </a:lnRef>
+          <a:fillRef idx="0">
+            <a:schemeClr val="accent1"/>
+          </a:fillRef>
+          <a:effectRef idx="0">
+            <a:schemeClr val="accent1"/>
+          </a:effectRef>
+          <a:fontRef idx="minor"/>
+        </p:style>
+      </p:sp>
+    </p:spTree>
+  </p:cSld>
+  <p:timing>
+    <p:tnLst>
+      <p:par>
+        <p:cTn id="29" dur="indefinite" restart="never" nodeType="tmRoot">
+          <p:childTnLst>
+            <p:seq>
+              <p:cTn id="30" dur="indefinite" nodeType="mainSeq"/>
+              <p:prevCondLst>
+                <p:cond delay="0" evt="onPrev">
+                  <p:tgtEl>
+                    <p:sldTgt/>
+                  </p:tgtEl>
+                </p:cond>
+              </p:prevCondLst>
+              <p:nextCondLst>
+                <p:cond delay="0" evt="onNext">
+                  <p:tgtEl>
+                    <p:sldTgt/>
+                  </p:tgtEl>
+                </p:cond>
+              </p:nextCondLst>
+            </p:seq>
+          </p:childTnLst>
+        </p:cTn>
+      </p:par>
+    </p:tnLst>
+  </p:timing>
+</p:sld>
+</file>
+
+<file path=ppt/slides/slide16.xml><?xml version="1.0" encoding="utf-8"?>
+<p:sld xmlns:a="http://schemas.openxmlformats.org/drawingml/2006/main" xmlns:p="http://schemas.openxmlformats.org/presentationml/2006/main" xmlns:r="http://schemas.openxmlformats.org/officeDocument/2006/relationships" xmlns:p14="http://schemas.microsoft.com/office/powerpoint/2010/main" xmlns:p15="http://schemas.microsoft.com/office/powerpoint/2012/main" xmlns:mc="http://schemas.openxmlformats.org/markup-compatibility/2006">
+  <p:cSld>
+    <p:spTree>
+      <p:nvGrpSpPr>
+        <p:cNvPr id="1" name=""/>
+        <p:cNvGrpSpPr/>
+        <p:nvPr/>
+      </p:nvGrpSpPr>
+      <p:grpSpPr>
+        <a:xfrm>
+          <a:off x="0" y="0"/>
+          <a:ext cx="0" cy="0"/>
+          <a:chOff x="0" y="0"/>
+          <a:chExt cx="0" cy="0"/>
+        </a:xfrm>
+      </p:grpSpPr>
+      <p:sp>
+        <p:nvSpPr>
+          <p:cNvPr id="214" name="CustomShape 1"/>
+          <p:cNvSpPr/>
+          <p:nvPr/>
+        </p:nvSpPr>
+        <p:spPr>
+          <a:xfrm>
+            <a:off x="457200" y="273600"/>
+            <a:ext cx="8227800" cy="1143360"/>
+          </a:xfrm>
+          <a:prstGeom prst="rect">
+            <a:avLst/>
+          </a:prstGeom>
+          <a:noFill/>
+          <a:ln>
+            <a:noFill/>
+          </a:ln>
+        </p:spPr>
+        <p:style>
+          <a:lnRef idx="0"/>
+          <a:fillRef idx="0"/>
+          <a:effectRef idx="0"/>
+          <a:fontRef idx="minor"/>
+        </p:style>
+      </p:sp>
+      <p:sp>
+        <p:nvSpPr>
+          <p:cNvPr id="215" name="CustomShape 2"/>
+          <p:cNvSpPr/>
+          <p:nvPr/>
+        </p:nvSpPr>
+        <p:spPr>
+          <a:xfrm>
+            <a:off x="457200" y="1604520"/>
+            <a:ext cx="2648160" cy="1895400"/>
+          </a:xfrm>
+          <a:prstGeom prst="rect">
+            <a:avLst/>
+          </a:prstGeom>
+          <a:noFill/>
+          <a:ln>
+            <a:noFill/>
+          </a:ln>
+        </p:spPr>
+        <p:style>
+          <a:lnRef idx="0"/>
+          <a:fillRef idx="0"/>
+          <a:effectRef idx="0"/>
+          <a:fontRef idx="minor"/>
+        </p:style>
+      </p:sp>
+      <p:sp>
+        <p:nvSpPr>
+          <p:cNvPr id="216" name="CustomShape 3"/>
+          <p:cNvSpPr/>
+          <p:nvPr/>
+        </p:nvSpPr>
+        <p:spPr>
+          <a:xfrm>
+            <a:off x="3239640" y="1604520"/>
+            <a:ext cx="2648160" cy="1895400"/>
+          </a:xfrm>
+          <a:prstGeom prst="rect">
+            <a:avLst/>
+          </a:prstGeom>
+          <a:noFill/>
+          <a:ln>
+            <a:noFill/>
+          </a:ln>
+        </p:spPr>
+        <p:style>
+          <a:lnRef idx="0"/>
+          <a:fillRef idx="0"/>
+          <a:effectRef idx="0"/>
+          <a:fontRef idx="minor"/>
+        </p:style>
+      </p:sp>
+      <p:sp>
+        <p:nvSpPr>
+          <p:cNvPr id="217" name="CustomShape 4"/>
+          <p:cNvSpPr/>
+          <p:nvPr/>
+        </p:nvSpPr>
+        <p:spPr>
+          <a:xfrm>
+            <a:off x="6022080" y="1604520"/>
+            <a:ext cx="2648160" cy="1895400"/>
+          </a:xfrm>
+          <a:prstGeom prst="rect">
+            <a:avLst/>
+          </a:prstGeom>
+          <a:noFill/>
+          <a:ln>
+            <a:noFill/>
+          </a:ln>
+        </p:spPr>
+        <p:style>
+          <a:lnRef idx="0"/>
+          <a:fillRef idx="0"/>
+          <a:effectRef idx="0"/>
+          <a:fontRef idx="minor"/>
+        </p:style>
+      </p:sp>
+      <p:sp>
+        <p:nvSpPr>
+          <p:cNvPr id="218" name="CustomShape 5"/>
+          <p:cNvSpPr/>
+          <p:nvPr/>
+        </p:nvSpPr>
+        <p:spPr>
+          <a:xfrm>
+            <a:off x="457200" y="3682080"/>
+            <a:ext cx="2648160" cy="1895400"/>
+          </a:xfrm>
+          <a:prstGeom prst="rect">
+            <a:avLst/>
+          </a:prstGeom>
+          <a:noFill/>
+          <a:ln>
+            <a:noFill/>
+          </a:ln>
+        </p:spPr>
+        <p:style>
+          <a:lnRef idx="0"/>
+          <a:fillRef idx="0"/>
+          <a:effectRef idx="0"/>
+          <a:fontRef idx="minor"/>
+        </p:style>
+      </p:sp>
+      <p:sp>
+        <p:nvSpPr>
+          <p:cNvPr id="219" name="CustomShape 6"/>
+          <p:cNvSpPr/>
+          <p:nvPr/>
+        </p:nvSpPr>
+        <p:spPr>
+          <a:xfrm>
+            <a:off x="3239640" y="3682080"/>
+            <a:ext cx="2648160" cy="1895400"/>
+          </a:xfrm>
+          <a:prstGeom prst="rect">
+            <a:avLst/>
+          </a:prstGeom>
+          <a:noFill/>
+          <a:ln>
+            <a:noFill/>
+          </a:ln>
+        </p:spPr>
+        <p:style>
+          <a:lnRef idx="0"/>
+          <a:fillRef idx="0"/>
+          <a:effectRef idx="0"/>
+          <a:fontRef idx="minor"/>
+        </p:style>
+      </p:sp>
+      <p:sp>
+        <p:nvSpPr>
+          <p:cNvPr id="220" name="CustomShape 7"/>
+          <p:cNvSpPr/>
+          <p:nvPr/>
+        </p:nvSpPr>
+        <p:spPr>
+          <a:xfrm>
+            <a:off x="6022080" y="3682080"/>
+            <a:ext cx="2648160" cy="1895400"/>
+          </a:xfrm>
+          <a:prstGeom prst="rect">
+            <a:avLst/>
+          </a:prstGeom>
+          <a:noFill/>
+          <a:ln>
+            <a:noFill/>
+          </a:ln>
+        </p:spPr>
+        <p:style>
+          <a:lnRef idx="0"/>
+          <a:fillRef idx="0"/>
+          <a:effectRef idx="0"/>
+          <a:fontRef idx="minor"/>
+        </p:style>
+      </p:sp>
+    </p:spTree>
+  </p:cSld>
+  <p:timing>
+    <p:tnLst>
+      <p:par>
+        <p:cTn id="31" dur="indefinite" restart="never" nodeType="tmRoot">
+          <p:childTnLst>
+            <p:seq>
+              <p:cTn id="32" dur="indefinite" nodeType="mainSeq"/>
               <p:prevCondLst>
                 <p:cond delay="0" evt="onPrev">
                   <p:tgtEl>
@@ -6850,7 +9306,7 @@
         <p:spPr>
           <a:xfrm>
             <a:off x="432000" y="13680"/>
-            <a:ext cx="7449120" cy="1181160"/>
+            <a:ext cx="7448400" cy="1180440"/>
           </a:xfrm>
           <a:prstGeom prst="rect">
             <a:avLst/>
@@ -6921,7 +9377,7 @@
         <p:spPr>
           <a:xfrm>
             <a:off x="0" y="0"/>
-            <a:ext cx="248400" cy="1193400"/>
+            <a:ext cx="247680" cy="1192680"/>
           </a:xfrm>
           <a:prstGeom prst="rect">
             <a:avLst/>
@@ -6991,7 +9447,7 @@
         <p:spPr>
           <a:xfrm>
             <a:off x="457200" y="273600"/>
-            <a:ext cx="8227440" cy="5306040"/>
+            <a:ext cx="8226720" cy="5305320"/>
           </a:xfrm>
           <a:prstGeom prst="rect">
             <a:avLst/>
@@ -7040,7 +9496,7 @@
         <p:spPr>
           <a:xfrm>
             <a:off x="576000" y="1728000"/>
-            <a:ext cx="6766200" cy="2392200"/>
+            <a:ext cx="6765480" cy="2391480"/>
           </a:xfrm>
           <a:prstGeom prst="rect">
             <a:avLst/>
@@ -7089,7 +9545,7 @@
             </a:endParaRPr>
           </a:p>
           <a:p>
-            <a:pPr marL="216000" indent="-214200">
+            <a:pPr marL="216000" indent="-213480">
               <a:lnSpc>
                 <a:spcPct val="100000"/>
               </a:lnSpc>
@@ -7125,7 +9581,7 @@
             </a:endParaRPr>
           </a:p>
           <a:p>
-            <a:pPr marL="216000" indent="-214200">
+            <a:pPr marL="216000" indent="-213480">
               <a:lnSpc>
                 <a:spcPct val="100000"/>
               </a:lnSpc>
@@ -7151,7 +9607,7 @@
             </a:endParaRPr>
           </a:p>
           <a:p>
-            <a:pPr lvl="2" marL="648000" indent="-214560">
+            <a:pPr lvl="2" marL="648000" indent="-213840">
               <a:lnSpc>
                 <a:spcPct val="100000"/>
               </a:lnSpc>
@@ -7177,7 +9633,7 @@
             </a:endParaRPr>
           </a:p>
           <a:p>
-            <a:pPr lvl="2" marL="648000" indent="-214560">
+            <a:pPr lvl="2" marL="648000" indent="-213840">
               <a:lnSpc>
                 <a:spcPct val="100000"/>
               </a:lnSpc>
@@ -7203,7 +9659,7 @@
             </a:endParaRPr>
           </a:p>
           <a:p>
-            <a:pPr lvl="2" marL="648000" indent="-214560">
+            <a:pPr lvl="2" marL="648000" indent="-213840">
               <a:lnSpc>
                 <a:spcPct val="100000"/>
               </a:lnSpc>
@@ -7222,14 +9678,14 @@
                 <a:latin typeface="Arial"/>
                 <a:ea typeface="DejaVu Sans"/>
               </a:rPr>
-              <a:t>3)  Git VCS</a:t>
+              <a:t>3)  Python</a:t>
             </a:r>
             <a:endParaRPr b="0" lang="en-CA" sz="1800" spc="-1" strike="noStrike">
               <a:latin typeface="Arial"/>
             </a:endParaRPr>
           </a:p>
           <a:p>
-            <a:pPr lvl="2" marL="648000" indent="-214560">
+            <a:pPr lvl="2" marL="648000" indent="-213840">
               <a:lnSpc>
                 <a:spcPct val="100000"/>
               </a:lnSpc>
@@ -7248,14 +9704,14 @@
                 <a:latin typeface="Arial"/>
                 <a:ea typeface="DejaVu Sans"/>
               </a:rPr>
-              <a:t>4)  Python</a:t>
+              <a:t>4)  Docker</a:t>
             </a:r>
             <a:endParaRPr b="0" lang="en-CA" sz="1800" spc="-1" strike="noStrike">
               <a:latin typeface="Arial"/>
             </a:endParaRPr>
           </a:p>
           <a:p>
-            <a:pPr lvl="2" marL="648000" indent="-214560">
+            <a:pPr lvl="2" marL="648000" indent="-213840">
               <a:lnSpc>
                 <a:spcPct val="100000"/>
               </a:lnSpc>
@@ -7274,14 +9730,14 @@
                 <a:latin typeface="Arial"/>
                 <a:ea typeface="DejaVu Sans"/>
               </a:rPr>
-              <a:t>5)  Docker</a:t>
+              <a:t>5)  Jenkins</a:t>
             </a:r>
             <a:endParaRPr b="0" lang="en-CA" sz="1800" spc="-1" strike="noStrike">
               <a:latin typeface="Arial"/>
             </a:endParaRPr>
           </a:p>
           <a:p>
-            <a:pPr lvl="2" marL="648000" indent="-214560">
+            <a:pPr lvl="2" marL="648000" indent="-213840">
               <a:lnSpc>
                 <a:spcPct val="100000"/>
               </a:lnSpc>
@@ -7300,14 +9756,14 @@
                 <a:latin typeface="Arial"/>
                 <a:ea typeface="DejaVu Sans"/>
               </a:rPr>
-              <a:t>6)  Jenkins</a:t>
+              <a:t>6)  Ansible</a:t>
             </a:r>
             <a:endParaRPr b="0" lang="en-CA" sz="1800" spc="-1" strike="noStrike">
               <a:latin typeface="Arial"/>
             </a:endParaRPr>
           </a:p>
           <a:p>
-            <a:pPr lvl="2" marL="648000" indent="-214560">
+            <a:pPr lvl="2" marL="648000" indent="-213840">
               <a:lnSpc>
                 <a:spcPct val="100000"/>
               </a:lnSpc>
@@ -7326,8 +9782,18 @@
                 <a:latin typeface="Arial"/>
                 <a:ea typeface="DejaVu Sans"/>
               </a:rPr>
-              <a:t>7)  Ansible</a:t>
-            </a:r>
+              <a:t>7) Git VCS</a:t>
+            </a:r>
+            <a:endParaRPr b="0" lang="en-CA" sz="1800" spc="-1" strike="noStrike">
+              <a:latin typeface="Arial"/>
+            </a:endParaRPr>
+          </a:p>
+          <a:p>
+            <a:pPr>
+              <a:lnSpc>
+                <a:spcPct val="100000"/>
+              </a:lnSpc>
+            </a:pPr>
             <a:endParaRPr b="0" lang="en-CA" sz="1800" spc="-1" strike="noStrike">
               <a:latin typeface="Arial"/>
             </a:endParaRPr>
@@ -7408,8 +9874,8 @@
         </p:nvSpPr>
         <p:spPr>
           <a:xfrm>
-            <a:off x="504000" y="1413360"/>
-            <a:ext cx="8276760" cy="5216760"/>
+            <a:off x="432000" y="13680"/>
+            <a:ext cx="7448400" cy="1180440"/>
           </a:xfrm>
           <a:prstGeom prst="rect">
             <a:avLst/>
@@ -7434,21 +9900,28 @@
               <a:lnSpc>
                 <a:spcPct val="100000"/>
               </a:lnSpc>
-              <a:spcBef>
-                <a:spcPts val="479"/>
-              </a:spcBef>
-            </a:pPr>
-            <a:r>
-              <a:rPr b="0" lang="en-CA" sz="2400" spc="-1" strike="noStrike">
-                <a:solidFill>
-                  <a:srgbClr val="000000"/>
-                </a:solidFill>
-                <a:latin typeface="Calibri"/>
-                <a:ea typeface="DejaVu Sans"/>
-              </a:rPr>
-              <a:t>On Macintosh:</a:t>
-            </a:r>
-            <a:endParaRPr b="0" lang="en-CA" sz="2400" spc="-1" strike="noStrike">
+            </a:pPr>
+            <a:r>
+              <a:rPr b="0" lang="en-CA" sz="3000" spc="-1" strike="noStrike" cap="all">
+                <a:solidFill>
+                  <a:srgbClr val="292929"/>
+                </a:solidFill>
+                <a:latin typeface="Nexa Bold"/>
+                <a:ea typeface="DejaVu Sans"/>
+              </a:rPr>
+              <a:t>Installing Our </a:t>
+            </a:r>
+            <a:r>
+              <a:rPr b="0" lang="en-CA" sz="3000" spc="-1" strike="noStrike" cap="all">
+                <a:solidFill>
+                  <a:srgbClr val="1fa0be"/>
+                </a:solidFill>
+                <a:latin typeface="Nexa Bold"/>
+                <a:ea typeface="DejaVu Sans"/>
+              </a:rPr>
+              <a:t>TooLSET</a:t>
+            </a:r>
+            <a:endParaRPr b="0" lang="en-CA" sz="3000" spc="-1" strike="noStrike">
               <a:latin typeface="Arial"/>
             </a:endParaRPr>
           </a:p>
@@ -7457,184 +9930,8 @@
               <a:lnSpc>
                 <a:spcPct val="100000"/>
               </a:lnSpc>
-              <a:spcBef>
-                <a:spcPts val="479"/>
-              </a:spcBef>
-            </a:pPr>
-            <a:r>
-              <a:rPr b="0" lang="en-CA" sz="2400" spc="-1" strike="noStrike">
-                <a:solidFill>
-                  <a:srgbClr val="000000"/>
-                </a:solidFill>
-                <a:latin typeface="Calibri"/>
-                <a:ea typeface="DejaVu Sans"/>
-              </a:rPr>
-              <a:t>(click the link to be taken directly to the page)</a:t>
-            </a:r>
-            <a:endParaRPr b="0" lang="en-CA" sz="2400" spc="-1" strike="noStrike">
-              <a:latin typeface="Arial"/>
-            </a:endParaRPr>
-          </a:p>
-          <a:p>
-            <a:pPr>
-              <a:lnSpc>
-                <a:spcPct val="100000"/>
-              </a:lnSpc>
-              <a:spcBef>
-                <a:spcPts val="479"/>
-              </a:spcBef>
-            </a:pPr>
-            <a:endParaRPr b="0" lang="en-CA" sz="2400" spc="-1" strike="noStrike">
-              <a:latin typeface="Arial"/>
-            </a:endParaRPr>
-          </a:p>
-          <a:p>
-            <a:pPr>
-              <a:lnSpc>
-                <a:spcPct val="100000"/>
-              </a:lnSpc>
-              <a:spcBef>
-                <a:spcPts val="479"/>
-              </a:spcBef>
-            </a:pPr>
-            <a:r>
-              <a:rPr b="0" lang="en-CA" sz="2400" spc="-1" strike="noStrike">
-                <a:solidFill>
-                  <a:srgbClr val="000000"/>
-                </a:solidFill>
-                <a:latin typeface="Calibri"/>
-                <a:ea typeface="DejaVu Sans"/>
-              </a:rPr>
-              <a:t>Installing Ubuntu Linux 19.04 in Virtual Box</a:t>
-            </a:r>
-            <a:endParaRPr b="0" lang="en-CA" sz="2400" spc="-1" strike="noStrike">
-              <a:latin typeface="Arial"/>
-            </a:endParaRPr>
-          </a:p>
-          <a:p>
-            <a:pPr>
-              <a:lnSpc>
-                <a:spcPct val="100000"/>
-              </a:lnSpc>
-              <a:spcBef>
-                <a:spcPts val="479"/>
-              </a:spcBef>
-            </a:pPr>
-            <a:endParaRPr b="0" lang="en-CA" sz="2400" spc="-1" strike="noStrike">
-              <a:latin typeface="Arial"/>
-            </a:endParaRPr>
-          </a:p>
-          <a:p>
-            <a:pPr>
-              <a:lnSpc>
-                <a:spcPct val="100000"/>
-              </a:lnSpc>
-              <a:spcBef>
-                <a:spcPts val="479"/>
-              </a:spcBef>
-            </a:pPr>
-            <a:r>
-              <a:rPr b="0" lang="en-CA" sz="2400" spc="-1" strike="noStrike">
-                <a:solidFill>
-                  <a:srgbClr val="000000"/>
-                </a:solidFill>
-                <a:latin typeface="Calibri"/>
-                <a:ea typeface="DejaVu Sans"/>
-              </a:rPr>
-              <a:t>1)</a:t>
-            </a:r>
-            <a:r>
-              <a:rPr b="0" lang="en-CA" sz="2400" spc="-1" strike="noStrike">
-                <a:solidFill>
-                  <a:srgbClr val="000000"/>
-                </a:solidFill>
-                <a:latin typeface="Calibri"/>
-                <a:ea typeface="DejaVu Sans"/>
-              </a:rPr>
-              <a:t>	</a:t>
-            </a:r>
-            <a:r>
-              <a:rPr b="0" lang="en-CA" sz="2400" spc="-1" strike="noStrike">
-                <a:solidFill>
-                  <a:srgbClr val="000000"/>
-                </a:solidFill>
-                <a:latin typeface="Calibri"/>
-                <a:ea typeface="DejaVu Sans"/>
-              </a:rPr>
-              <a:t>To Install Linux 19.04 inside of Virtual Box:</a:t>
-            </a:r>
-            <a:endParaRPr b="0" lang="en-CA" sz="2400" spc="-1" strike="noStrike">
-              <a:latin typeface="Arial"/>
-            </a:endParaRPr>
-          </a:p>
-          <a:p>
-            <a:pPr>
-              <a:lnSpc>
-                <a:spcPct val="100000"/>
-              </a:lnSpc>
-              <a:spcBef>
-                <a:spcPts val="479"/>
-              </a:spcBef>
-            </a:pPr>
-            <a:r>
-              <a:rPr b="0" lang="en-CA" sz="2400" spc="-1" strike="noStrike">
-                <a:solidFill>
-                  <a:srgbClr val="000000"/>
-                </a:solidFill>
-                <a:latin typeface="Calibri"/>
-                <a:ea typeface="DejaVu Sans"/>
-              </a:rPr>
-              <a:t>	</a:t>
-            </a:r>
-            <a:r>
-              <a:rPr b="0" lang="en-CA" sz="2400" spc="-1" strike="noStrike" u="sng">
-                <a:solidFill>
-                  <a:srgbClr val="0000ff"/>
-                </a:solidFill>
-                <a:uFillTx/>
-                <a:latin typeface="Calibri"/>
-                <a:ea typeface="DejaVu Sans"/>
-                <a:hlinkClick r:id="rId1"/>
-              </a:rPr>
-              <a:t>https://www.youtube.com/watch?v=QnMHGtaqh-Y</a:t>
-            </a:r>
-            <a:endParaRPr b="0" lang="en-CA" sz="2400" spc="-1" strike="noStrike">
-              <a:latin typeface="Arial"/>
-            </a:endParaRPr>
-          </a:p>
-          <a:p>
-            <a:pPr>
-              <a:lnSpc>
-                <a:spcPct val="100000"/>
-              </a:lnSpc>
-              <a:spcBef>
-                <a:spcPts val="479"/>
-              </a:spcBef>
-            </a:pPr>
-            <a:r>
-              <a:rPr b="0" lang="en-CA" sz="2400" spc="-1" strike="noStrike">
-                <a:solidFill>
-                  <a:srgbClr val="000000"/>
-                </a:solidFill>
-                <a:latin typeface="Calibri"/>
-                <a:ea typeface="DejaVu Sans"/>
-              </a:rPr>
-              <a:t>	</a:t>
-            </a:r>
-            <a:endParaRPr b="0" lang="en-CA" sz="2400" spc="-1" strike="noStrike">
-              <a:latin typeface="Arial"/>
-            </a:endParaRPr>
-          </a:p>
-          <a:p>
-            <a:pPr>
-              <a:lnSpc>
-                <a:spcPct val="100000"/>
-              </a:lnSpc>
-              <a:spcBef>
-                <a:spcPts val="479"/>
-              </a:spcBef>
-            </a:pPr>
-            <a:endParaRPr b="0" lang="en-CA" sz="2400" spc="-1" strike="noStrike">
+            </a:pPr>
+            <a:endParaRPr b="0" lang="en-CA" sz="3000" spc="-1" strike="noStrike">
               <a:latin typeface="Arial"/>
             </a:endParaRPr>
           </a:p>
@@ -7648,79 +9945,8 @@
         </p:nvSpPr>
         <p:spPr>
           <a:xfrm>
-            <a:off x="432000" y="0"/>
-            <a:ext cx="7449120" cy="1181160"/>
-          </a:xfrm>
-          <a:prstGeom prst="rect">
-            <a:avLst/>
-          </a:prstGeom>
-          <a:noFill/>
-          <a:ln>
-            <a:noFill/>
-          </a:ln>
-        </p:spPr>
-        <p:style>
-          <a:lnRef idx="0"/>
-          <a:fillRef idx="0"/>
-          <a:effectRef idx="0"/>
-          <a:fontRef idx="minor"/>
-        </p:style>
-        <p:txBody>
-          <a:bodyPr lIns="90000" rIns="90000" tIns="45000" bIns="45000" anchor="ctr">
-            <a:normAutofit/>
-          </a:bodyPr>
-          <a:p>
-            <a:pPr>
-              <a:lnSpc>
-                <a:spcPct val="100000"/>
-              </a:lnSpc>
-            </a:pPr>
-            <a:r>
-              <a:rPr b="0" lang="en-CA" sz="3000" spc="-1" strike="noStrike" cap="all">
-                <a:solidFill>
-                  <a:srgbClr val="292929"/>
-                </a:solidFill>
-                <a:latin typeface="Nexa Bold"/>
-                <a:ea typeface="DejaVu Sans"/>
-              </a:rPr>
-              <a:t>Installing our</a:t>
-            </a:r>
-            <a:r>
-              <a:rPr b="0" lang="en-CA" sz="3000" spc="-1" strike="noStrike">
-                <a:solidFill>
-                  <a:srgbClr val="292929"/>
-                </a:solidFill>
-                <a:latin typeface="Nexa Bold"/>
-                <a:ea typeface="DejaVu Sans"/>
-              </a:rPr>
-              <a:t> </a:t>
-            </a:r>
-            <a:r>
-              <a:rPr b="0" lang="en-CA" sz="3000" spc="-1" strike="noStrike" cap="all">
-                <a:solidFill>
-                  <a:srgbClr val="1fa0be"/>
-                </a:solidFill>
-                <a:latin typeface="Nexa Bold"/>
-                <a:ea typeface="DejaVu Sans"/>
-              </a:rPr>
-              <a:t>Stack</a:t>
-            </a:r>
-            <a:endParaRPr b="0" lang="en-CA" sz="3000" spc="-1" strike="noStrike">
-              <a:latin typeface="Arial"/>
-            </a:endParaRPr>
-          </a:p>
-        </p:txBody>
-      </p:sp>
-      <p:sp>
-        <p:nvSpPr>
-          <p:cNvPr id="161" name="CustomShape 3"/>
-          <p:cNvSpPr/>
-          <p:nvPr/>
-        </p:nvSpPr>
-        <p:spPr>
-          <a:xfrm>
             <a:off x="0" y="0"/>
-            <a:ext cx="248400" cy="1193400"/>
+            <a:ext cx="247680" cy="1192680"/>
           </a:xfrm>
           <a:prstGeom prst="rect">
             <a:avLst/>
@@ -7749,7 +9975,7 @@
       </p:sp>
       <p:sp>
         <p:nvSpPr>
-          <p:cNvPr id="162" name="Line 4"/>
+          <p:cNvPr id="161" name="Line 3"/>
           <p:cNvSpPr/>
           <p:nvPr/>
         </p:nvSpPr>
@@ -7780,6 +10006,590 @@
           </a:effectRef>
           <a:fontRef idx="minor"/>
         </p:style>
+      </p:sp>
+      <p:sp>
+        <p:nvSpPr>
+          <p:cNvPr id="162" name="CustomShape 4"/>
+          <p:cNvSpPr/>
+          <p:nvPr/>
+        </p:nvSpPr>
+        <p:spPr>
+          <a:xfrm>
+            <a:off x="457200" y="273600"/>
+            <a:ext cx="8226720" cy="5305320"/>
+          </a:xfrm>
+          <a:prstGeom prst="rect">
+            <a:avLst/>
+          </a:prstGeom>
+          <a:noFill/>
+          <a:ln>
+            <a:noFill/>
+          </a:ln>
+        </p:spPr>
+        <p:style>
+          <a:lnRef idx="0"/>
+          <a:fillRef idx="0"/>
+          <a:effectRef idx="0"/>
+          <a:fontRef idx="minor"/>
+        </p:style>
+        <p:txBody>
+          <a:bodyPr lIns="0" rIns="0" tIns="0" bIns="0" anchor="ctr"/>
+          <a:p>
+            <a:pPr algn="ctr">
+              <a:lnSpc>
+                <a:spcPct val="100000"/>
+              </a:lnSpc>
+            </a:pPr>
+            <a:endParaRPr b="0" lang="en-CA" sz="1800" spc="-1" strike="noStrike">
+              <a:latin typeface="Arial"/>
+            </a:endParaRPr>
+          </a:p>
+          <a:p>
+            <a:pPr algn="ctr">
+              <a:lnSpc>
+                <a:spcPct val="100000"/>
+              </a:lnSpc>
+            </a:pPr>
+            <a:endParaRPr b="0" lang="en-CA" sz="1800" spc="-1" strike="noStrike">
+              <a:latin typeface="Arial"/>
+            </a:endParaRPr>
+          </a:p>
+        </p:txBody>
+      </p:sp>
+      <p:sp>
+        <p:nvSpPr>
+          <p:cNvPr id="163" name="CustomShape 5"/>
+          <p:cNvSpPr/>
+          <p:nvPr/>
+        </p:nvSpPr>
+        <p:spPr>
+          <a:xfrm>
+            <a:off x="576000" y="1728000"/>
+            <a:ext cx="6765480" cy="2391480"/>
+          </a:xfrm>
+          <a:prstGeom prst="rect">
+            <a:avLst/>
+          </a:prstGeom>
+          <a:noFill/>
+          <a:ln>
+            <a:noFill/>
+          </a:ln>
+        </p:spPr>
+        <p:style>
+          <a:lnRef idx="0"/>
+          <a:fillRef idx="0"/>
+          <a:effectRef idx="0"/>
+          <a:fontRef idx="minor"/>
+        </p:style>
+        <p:txBody>
+          <a:bodyPr lIns="90000" rIns="90000" tIns="45000" bIns="45000"/>
+          <a:p>
+            <a:pPr>
+              <a:lnSpc>
+                <a:spcPct val="100000"/>
+              </a:lnSpc>
+            </a:pPr>
+            <a:r>
+              <a:rPr b="0" lang="en-CA" sz="1800" spc="-1" strike="noStrike">
+                <a:solidFill>
+                  <a:srgbClr val="000000"/>
+                </a:solidFill>
+                <a:latin typeface="Arial"/>
+                <a:ea typeface="DejaVu Sans"/>
+              </a:rPr>
+              <a:t>The tools we will be using in this course:</a:t>
+            </a:r>
+            <a:endParaRPr b="0" lang="en-CA" sz="1800" spc="-1" strike="noStrike">
+              <a:latin typeface="Arial"/>
+            </a:endParaRPr>
+          </a:p>
+          <a:p>
+            <a:pPr>
+              <a:lnSpc>
+                <a:spcPct val="100000"/>
+              </a:lnSpc>
+            </a:pPr>
+            <a:endParaRPr b="0" lang="en-CA" sz="1800" spc="-1" strike="noStrike">
+              <a:latin typeface="Arial"/>
+            </a:endParaRPr>
+          </a:p>
+          <a:p>
+            <a:pPr marL="216000" indent="-213480">
+              <a:lnSpc>
+                <a:spcPct val="100000"/>
+              </a:lnSpc>
+              <a:buClr>
+                <a:srgbClr val="000000"/>
+              </a:buClr>
+              <a:buSzPct val="45000"/>
+              <a:buFont typeface="Wingdings" charset="2"/>
+              <a:buChar char=""/>
+            </a:pPr>
+            <a:r>
+              <a:rPr b="0" lang="en-CA" sz="1800" spc="-1" strike="noStrike">
+                <a:solidFill>
+                  <a:srgbClr val="000000"/>
+                </a:solidFill>
+                <a:latin typeface="Arial"/>
+                <a:ea typeface="DejaVu Sans"/>
+              </a:rPr>
+              <a:t>We will first install virtual box. Links are below:</a:t>
+            </a:r>
+            <a:endParaRPr b="0" lang="en-CA" sz="1800" spc="-1" strike="noStrike">
+              <a:latin typeface="Arial"/>
+            </a:endParaRPr>
+          </a:p>
+          <a:p>
+            <a:pPr>
+              <a:lnSpc>
+                <a:spcPct val="100000"/>
+              </a:lnSpc>
+            </a:pPr>
+            <a:endParaRPr b="0" lang="en-CA" sz="1800" spc="-1" strike="noStrike">
+              <a:latin typeface="Arial"/>
+            </a:endParaRPr>
+          </a:p>
+          <a:p>
+            <a:pPr lvl="1" marL="432000" indent="-215640">
+              <a:lnSpc>
+                <a:spcPct val="100000"/>
+              </a:lnSpc>
+              <a:buClr>
+                <a:srgbClr val="000000"/>
+              </a:buClr>
+              <a:buSzPct val="45000"/>
+              <a:buFont typeface="Wingdings" charset="2"/>
+              <a:buChar char=""/>
+            </a:pPr>
+            <a:r>
+              <a:rPr b="0" lang="en-CA" sz="1800" spc="-1" strike="noStrike">
+                <a:solidFill>
+                  <a:srgbClr val="000000"/>
+                </a:solidFill>
+                <a:latin typeface="Arial"/>
+                <a:ea typeface="DejaVu Sans"/>
+              </a:rPr>
+              <a:t>On Windows:</a:t>
+            </a:r>
+            <a:endParaRPr b="0" lang="en-CA" sz="1800" spc="-1" strike="noStrike">
+              <a:latin typeface="Arial"/>
+            </a:endParaRPr>
+          </a:p>
+          <a:p>
+            <a:pPr lvl="2" marL="648000" indent="-215640">
+              <a:lnSpc>
+                <a:spcPct val="100000"/>
+              </a:lnSpc>
+              <a:buClr>
+                <a:srgbClr val="000000"/>
+              </a:buClr>
+              <a:buSzPct val="45000"/>
+              <a:buFont typeface="Wingdings" charset="2"/>
+              <a:buChar char=""/>
+            </a:pPr>
+            <a:r>
+              <a:rPr b="0" lang="en-CA" sz="1800" spc="-1" strike="noStrike">
+                <a:solidFill>
+                  <a:srgbClr val="000000"/>
+                </a:solidFill>
+                <a:latin typeface="Arial"/>
+                <a:ea typeface="DejaVu Sans"/>
+              </a:rPr>
+              <a:t>1)</a:t>
+            </a:r>
+            <a:r>
+              <a:rPr b="0" lang="en-CA" sz="1800" spc="-1" strike="noStrike">
+                <a:solidFill>
+                  <a:srgbClr val="000000"/>
+                </a:solidFill>
+                <a:latin typeface="Arial"/>
+                <a:ea typeface="DejaVu Sans"/>
+              </a:rPr>
+              <a:t>	</a:t>
+            </a:r>
+            <a:r>
+              <a:rPr b="0" lang="en-CA" sz="1800" spc="-1" strike="noStrike">
+                <a:solidFill>
+                  <a:srgbClr val="000000"/>
+                </a:solidFill>
+                <a:latin typeface="Arial"/>
+                <a:ea typeface="DejaVu Sans"/>
+              </a:rPr>
+              <a:t>Navigate to </a:t>
+            </a:r>
+            <a:endParaRPr b="0" lang="en-CA" sz="1800" spc="-1" strike="noStrike">
+              <a:latin typeface="Arial"/>
+            </a:endParaRPr>
+          </a:p>
+          <a:p>
+            <a:pPr lvl="4" marL="1080000" indent="-215640">
+              <a:lnSpc>
+                <a:spcPct val="100000"/>
+              </a:lnSpc>
+              <a:buClr>
+                <a:srgbClr val="000000"/>
+              </a:buClr>
+              <a:buSzPct val="45000"/>
+              <a:buFont typeface="Wingdings" charset="2"/>
+              <a:buChar char=""/>
+            </a:pPr>
+            <a:r>
+              <a:rPr b="0" lang="en-CA" sz="1500" spc="-1" strike="noStrike" u="sng">
+                <a:solidFill>
+                  <a:srgbClr val="0000ff"/>
+                </a:solidFill>
+                <a:uFillTx/>
+                <a:latin typeface="Arial"/>
+                <a:ea typeface="DejaVu Sans"/>
+                <a:hlinkClick r:id="rId1"/>
+              </a:rPr>
+              <a:t>https://www.virtualbox.org/wiki/Download_Old_Builds_6_0</a:t>
+            </a:r>
+            <a:endParaRPr b="0" lang="en-CA" sz="1500" spc="-1" strike="noStrike">
+              <a:latin typeface="Arial"/>
+            </a:endParaRPr>
+          </a:p>
+          <a:p>
+            <a:pPr lvl="2" marL="648000" indent="-215640">
+              <a:lnSpc>
+                <a:spcPct val="100000"/>
+              </a:lnSpc>
+              <a:buClr>
+                <a:srgbClr val="000000"/>
+              </a:buClr>
+              <a:buSzPct val="45000"/>
+              <a:buFont typeface="Wingdings" charset="2"/>
+              <a:buChar char=""/>
+            </a:pPr>
+            <a:r>
+              <a:rPr b="0" lang="en-CA" sz="1800" spc="-1" strike="noStrike">
+                <a:solidFill>
+                  <a:srgbClr val="000000"/>
+                </a:solidFill>
+                <a:latin typeface="Arial"/>
+                <a:ea typeface="DejaVu Sans"/>
+              </a:rPr>
+              <a:t>2)</a:t>
+            </a:r>
+            <a:r>
+              <a:rPr b="0" lang="en-CA" sz="1800" spc="-1" strike="noStrike">
+                <a:solidFill>
+                  <a:srgbClr val="000000"/>
+                </a:solidFill>
+                <a:latin typeface="Arial"/>
+                <a:ea typeface="DejaVu Sans"/>
+              </a:rPr>
+              <a:t>	</a:t>
+            </a:r>
+            <a:r>
+              <a:rPr b="0" lang="en-CA" sz="1800" spc="-1" strike="noStrike">
+                <a:solidFill>
+                  <a:srgbClr val="000000"/>
+                </a:solidFill>
+                <a:latin typeface="Arial"/>
+                <a:ea typeface="DejaVu Sans"/>
+              </a:rPr>
+              <a:t>Select VirtualBox bulid 6.0.4</a:t>
+            </a:r>
+            <a:endParaRPr b="0" lang="en-CA" sz="1800" spc="-1" strike="noStrike">
+              <a:latin typeface="Arial"/>
+            </a:endParaRPr>
+          </a:p>
+          <a:p>
+            <a:pPr lvl="2" marL="648000" indent="-215640">
+              <a:lnSpc>
+                <a:spcPct val="100000"/>
+              </a:lnSpc>
+              <a:buClr>
+                <a:srgbClr val="000000"/>
+              </a:buClr>
+              <a:buSzPct val="45000"/>
+              <a:buFont typeface="Wingdings" charset="2"/>
+              <a:buChar char=""/>
+            </a:pPr>
+            <a:r>
+              <a:rPr b="0" lang="en-CA" sz="1800" spc="-1" strike="noStrike">
+                <a:solidFill>
+                  <a:srgbClr val="000000"/>
+                </a:solidFill>
+                <a:latin typeface="Arial"/>
+                <a:ea typeface="DejaVu Sans"/>
+              </a:rPr>
+              <a:t>3)</a:t>
+            </a:r>
+            <a:r>
+              <a:rPr b="0" lang="en-CA" sz="1800" spc="-1" strike="noStrike">
+                <a:solidFill>
+                  <a:srgbClr val="000000"/>
+                </a:solidFill>
+                <a:latin typeface="Arial"/>
+                <a:ea typeface="DejaVu Sans"/>
+              </a:rPr>
+              <a:t>	</a:t>
+            </a:r>
+            <a:r>
+              <a:rPr b="0" lang="en-CA" sz="1800" spc="-1" strike="noStrike">
+                <a:solidFill>
+                  <a:srgbClr val="000000"/>
+                </a:solidFill>
+                <a:latin typeface="Arial"/>
+                <a:ea typeface="DejaVu Sans"/>
+              </a:rPr>
+              <a:t>Click on Windows hosts</a:t>
+            </a:r>
+            <a:endParaRPr b="0" lang="en-CA" sz="1800" spc="-1" strike="noStrike">
+              <a:latin typeface="Arial"/>
+            </a:endParaRPr>
+          </a:p>
+          <a:p>
+            <a:pPr lvl="2" marL="648000" indent="-215640">
+              <a:lnSpc>
+                <a:spcPct val="100000"/>
+              </a:lnSpc>
+              <a:buClr>
+                <a:srgbClr val="000000"/>
+              </a:buClr>
+              <a:buSzPct val="45000"/>
+              <a:buFont typeface="Wingdings" charset="2"/>
+              <a:buChar char=""/>
+            </a:pPr>
+            <a:r>
+              <a:rPr b="0" lang="en-CA" sz="1800" spc="-1" strike="noStrike">
+                <a:solidFill>
+                  <a:srgbClr val="000000"/>
+                </a:solidFill>
+                <a:latin typeface="Arial"/>
+                <a:ea typeface="DejaVu Sans"/>
+              </a:rPr>
+              <a:t>4)</a:t>
+            </a:r>
+            <a:r>
+              <a:rPr b="0" lang="en-CA" sz="1800" spc="-1" strike="noStrike">
+                <a:solidFill>
+                  <a:srgbClr val="000000"/>
+                </a:solidFill>
+                <a:latin typeface="Arial"/>
+                <a:ea typeface="DejaVu Sans"/>
+              </a:rPr>
+              <a:t>	</a:t>
+            </a:r>
+            <a:r>
+              <a:rPr b="0" lang="en-CA" sz="1800" spc="-1" strike="noStrike">
+                <a:solidFill>
+                  <a:srgbClr val="000000"/>
+                </a:solidFill>
+                <a:latin typeface="Arial"/>
+                <a:ea typeface="DejaVu Sans"/>
+              </a:rPr>
+              <a:t>Open your Downloads directory</a:t>
+            </a:r>
+            <a:endParaRPr b="0" lang="en-CA" sz="1800" spc="-1" strike="noStrike">
+              <a:latin typeface="Arial"/>
+            </a:endParaRPr>
+          </a:p>
+          <a:p>
+            <a:pPr lvl="2" marL="648000" indent="-215640">
+              <a:lnSpc>
+                <a:spcPct val="100000"/>
+              </a:lnSpc>
+              <a:buClr>
+                <a:srgbClr val="000000"/>
+              </a:buClr>
+              <a:buSzPct val="45000"/>
+              <a:buFont typeface="Wingdings" charset="2"/>
+              <a:buChar char=""/>
+            </a:pPr>
+            <a:r>
+              <a:rPr b="0" lang="en-CA" sz="1800" spc="-1" strike="noStrike">
+                <a:solidFill>
+                  <a:srgbClr val="000000"/>
+                </a:solidFill>
+                <a:latin typeface="Arial"/>
+                <a:ea typeface="DejaVu Sans"/>
+              </a:rPr>
+              <a:t>5)</a:t>
+            </a:r>
+            <a:r>
+              <a:rPr b="0" lang="en-CA" sz="1800" spc="-1" strike="noStrike">
+                <a:solidFill>
+                  <a:srgbClr val="000000"/>
+                </a:solidFill>
+                <a:latin typeface="Arial"/>
+                <a:ea typeface="DejaVu Sans"/>
+              </a:rPr>
+              <a:t>	</a:t>
+            </a:r>
+            <a:r>
+              <a:rPr b="0" lang="en-CA" sz="1800" spc="-1" strike="noStrike">
+                <a:solidFill>
+                  <a:srgbClr val="000000"/>
+                </a:solidFill>
+                <a:latin typeface="Arial"/>
+                <a:ea typeface="DejaVu Sans"/>
+              </a:rPr>
+              <a:t>Double Click VirtualBox-6.0.4-128413-Win.exe</a:t>
+            </a:r>
+            <a:endParaRPr b="0" lang="en-CA" sz="1800" spc="-1" strike="noStrike">
+              <a:latin typeface="Arial"/>
+            </a:endParaRPr>
+          </a:p>
+          <a:p>
+            <a:pPr lvl="2" marL="648000" indent="-215640">
+              <a:lnSpc>
+                <a:spcPct val="100000"/>
+              </a:lnSpc>
+              <a:buClr>
+                <a:srgbClr val="000000"/>
+              </a:buClr>
+              <a:buSzPct val="45000"/>
+              <a:buFont typeface="Wingdings" charset="2"/>
+              <a:buChar char=""/>
+            </a:pPr>
+            <a:r>
+              <a:rPr b="0" lang="en-CA" sz="1800" spc="-1" strike="noStrike">
+                <a:solidFill>
+                  <a:srgbClr val="000000"/>
+                </a:solidFill>
+                <a:latin typeface="Arial"/>
+                <a:ea typeface="DejaVu Sans"/>
+              </a:rPr>
+              <a:t>6)</a:t>
+            </a:r>
+            <a:r>
+              <a:rPr b="0" lang="en-CA" sz="1800" spc="-1" strike="noStrike">
+                <a:solidFill>
+                  <a:srgbClr val="000000"/>
+                </a:solidFill>
+                <a:latin typeface="Arial"/>
+                <a:ea typeface="DejaVu Sans"/>
+              </a:rPr>
+              <a:t>	</a:t>
+            </a:r>
+            <a:r>
+              <a:rPr b="0" lang="en-CA" sz="1800" spc="-1" strike="noStrike">
+                <a:solidFill>
+                  <a:srgbClr val="000000"/>
+                </a:solidFill>
+                <a:latin typeface="Arial"/>
+                <a:ea typeface="DejaVu Sans"/>
+              </a:rPr>
+              <a:t>Follow the directions on this video:</a:t>
+            </a:r>
+            <a:endParaRPr b="0" lang="en-CA" sz="1800" spc="-1" strike="noStrike">
+              <a:latin typeface="Arial"/>
+            </a:endParaRPr>
+          </a:p>
+          <a:p>
+            <a:pPr lvl="4" marL="1080000" indent="-215640">
+              <a:lnSpc>
+                <a:spcPct val="100000"/>
+              </a:lnSpc>
+              <a:buClr>
+                <a:srgbClr val="000000"/>
+              </a:buClr>
+              <a:buSzPct val="45000"/>
+              <a:buFont typeface="Wingdings" charset="2"/>
+              <a:buChar char=""/>
+            </a:pPr>
+            <a:r>
+              <a:rPr b="0" lang="en-CA" sz="1600" spc="-1" strike="noStrike" u="sng">
+                <a:solidFill>
+                  <a:srgbClr val="0000ff"/>
+                </a:solidFill>
+                <a:uFillTx/>
+                <a:latin typeface="Arial"/>
+                <a:ea typeface="DejaVu Sans"/>
+                <a:hlinkClick r:id="rId2"/>
+              </a:rPr>
+              <a:t>https://www.youtube.com/watch?v=MTEefDP2Ofo&amp;vl=en</a:t>
+            </a:r>
+            <a:endParaRPr b="0" lang="en-CA" sz="1600" spc="-1" strike="noStrike">
+              <a:latin typeface="Arial"/>
+            </a:endParaRPr>
+          </a:p>
+          <a:p>
+            <a:pPr>
+              <a:lnSpc>
+                <a:spcPct val="100000"/>
+              </a:lnSpc>
+            </a:pPr>
+            <a:endParaRPr b="0" lang="en-CA" sz="1600" spc="-1" strike="noStrike">
+              <a:latin typeface="Arial"/>
+            </a:endParaRPr>
+          </a:p>
+          <a:p>
+            <a:pPr lvl="4" marL="1080000" indent="-215640">
+              <a:lnSpc>
+                <a:spcPct val="100000"/>
+              </a:lnSpc>
+              <a:buClr>
+                <a:srgbClr val="000000"/>
+              </a:buClr>
+              <a:buSzPct val="45000"/>
+              <a:buFont typeface="Wingdings" charset="2"/>
+              <a:buChar char=""/>
+            </a:pPr>
+            <a:r>
+              <a:rPr b="0" lang="en-CA" sz="1800" spc="-1" strike="noStrike">
+                <a:solidFill>
+                  <a:srgbClr val="000000"/>
+                </a:solidFill>
+                <a:latin typeface="Arial"/>
+                <a:ea typeface="DejaVu Sans"/>
+              </a:rPr>
+              <a:t>(ignore the section on downloading the virtual box binuary, as its a little different than using the current version of virtualbox)</a:t>
+            </a:r>
+            <a:endParaRPr b="0" lang="en-CA" sz="1800" spc="-1" strike="noStrike">
+              <a:latin typeface="Arial"/>
+            </a:endParaRPr>
+          </a:p>
+          <a:p>
+            <a:pPr lvl="2" marL="648000" indent="-215640">
+              <a:lnSpc>
+                <a:spcPct val="100000"/>
+              </a:lnSpc>
+              <a:buClr>
+                <a:srgbClr val="000000"/>
+              </a:buClr>
+              <a:buSzPct val="45000"/>
+              <a:buFont typeface="Wingdings" charset="2"/>
+              <a:buChar char=""/>
+            </a:pPr>
+            <a:r>
+              <a:rPr b="0" lang="en-CA" sz="1800" spc="-1" strike="noStrike">
+                <a:solidFill>
+                  <a:srgbClr val="000000"/>
+                </a:solidFill>
+                <a:latin typeface="Arial"/>
+                <a:ea typeface="DejaVu Sans"/>
+              </a:rPr>
+              <a:t>	</a:t>
+            </a:r>
+            <a:endParaRPr b="0" lang="en-CA" sz="1800" spc="-1" strike="noStrike">
+              <a:latin typeface="Arial"/>
+            </a:endParaRPr>
+          </a:p>
+          <a:p>
+            <a:pPr>
+              <a:lnSpc>
+                <a:spcPct val="100000"/>
+              </a:lnSpc>
+            </a:pPr>
+            <a:endParaRPr b="0" lang="en-CA" sz="1800" spc="-1" strike="noStrike">
+              <a:latin typeface="Arial"/>
+            </a:endParaRPr>
+          </a:p>
+          <a:p>
+            <a:pPr>
+              <a:lnSpc>
+                <a:spcPct val="100000"/>
+              </a:lnSpc>
+            </a:pPr>
+            <a:endParaRPr b="0" lang="en-CA" sz="1800" spc="-1" strike="noStrike">
+              <a:latin typeface="Arial"/>
+            </a:endParaRPr>
+          </a:p>
+        </p:txBody>
       </p:sp>
     </p:spTree>
   </p:cSld>
@@ -7839,14 +10649,14 @@
       </p:grpSpPr>
       <p:sp>
         <p:nvSpPr>
-          <p:cNvPr id="163" name="CustomShape 1"/>
+          <p:cNvPr id="164" name="CustomShape 1"/>
           <p:cNvSpPr/>
           <p:nvPr/>
         </p:nvSpPr>
         <p:spPr>
           <a:xfrm>
-            <a:off x="504000" y="1413360"/>
-            <a:ext cx="8276760" cy="5216760"/>
+            <a:off x="432000" y="13680"/>
+            <a:ext cx="7448400" cy="1180440"/>
           </a:xfrm>
           <a:prstGeom prst="rect">
             <a:avLst/>
@@ -7871,21 +10681,28 @@
               <a:lnSpc>
                 <a:spcPct val="100000"/>
               </a:lnSpc>
-              <a:spcBef>
-                <a:spcPts val="479"/>
-              </a:spcBef>
-            </a:pPr>
-            <a:r>
-              <a:rPr b="0" lang="en-CA" sz="2400" spc="-1" strike="noStrike">
-                <a:solidFill>
-                  <a:srgbClr val="000000"/>
-                </a:solidFill>
-                <a:latin typeface="Calibri"/>
-                <a:ea typeface="DejaVu Sans"/>
-              </a:rPr>
-              <a:t>On Linux:</a:t>
-            </a:r>
-            <a:endParaRPr b="0" lang="en-CA" sz="2400" spc="-1" strike="noStrike">
+            </a:pPr>
+            <a:r>
+              <a:rPr b="0" lang="en-CA" sz="3000" spc="-1" strike="noStrike" cap="all">
+                <a:solidFill>
+                  <a:srgbClr val="292929"/>
+                </a:solidFill>
+                <a:latin typeface="Nexa Bold"/>
+                <a:ea typeface="DejaVu Sans"/>
+              </a:rPr>
+              <a:t>Installing Our </a:t>
+            </a:r>
+            <a:r>
+              <a:rPr b="0" lang="en-CA" sz="3000" spc="-1" strike="noStrike" cap="all">
+                <a:solidFill>
+                  <a:srgbClr val="1fa0be"/>
+                </a:solidFill>
+                <a:latin typeface="Nexa Bold"/>
+                <a:ea typeface="DejaVu Sans"/>
+              </a:rPr>
+              <a:t>TooLSET</a:t>
+            </a:r>
+            <a:endParaRPr b="0" lang="en-CA" sz="3000" spc="-1" strike="noStrike">
               <a:latin typeface="Arial"/>
             </a:endParaRPr>
           </a:p>
@@ -7894,234 +10711,23 @@
               <a:lnSpc>
                 <a:spcPct val="100000"/>
               </a:lnSpc>
-              <a:spcBef>
-                <a:spcPts val="479"/>
-              </a:spcBef>
-            </a:pPr>
-            <a:r>
-              <a:rPr b="0" lang="en-CA" sz="2400" spc="-1" strike="noStrike">
-                <a:solidFill>
-                  <a:srgbClr val="000000"/>
-                </a:solidFill>
-                <a:latin typeface="Calibri"/>
-                <a:ea typeface="DejaVu Sans"/>
-              </a:rPr>
-              <a:t>(click the link to be taken directly to the page)</a:t>
-            </a:r>
-            <a:endParaRPr b="0" lang="en-CA" sz="2400" spc="-1" strike="noStrike">
-              <a:latin typeface="Arial"/>
-            </a:endParaRPr>
-          </a:p>
-          <a:p>
-            <a:pPr>
-              <a:lnSpc>
-                <a:spcPct val="100000"/>
-              </a:lnSpc>
-              <a:spcBef>
-                <a:spcPts val="479"/>
-              </a:spcBef>
-            </a:pPr>
-            <a:endParaRPr b="0" lang="en-CA" sz="2400" spc="-1" strike="noStrike">
-              <a:latin typeface="Arial"/>
-            </a:endParaRPr>
-          </a:p>
-          <a:p>
-            <a:pPr>
-              <a:lnSpc>
-                <a:spcPct val="100000"/>
-              </a:lnSpc>
-              <a:spcBef>
-                <a:spcPts val="479"/>
-              </a:spcBef>
-            </a:pPr>
-            <a:r>
-              <a:rPr b="0" lang="en-CA" sz="2400" spc="-1" strike="noStrike">
-                <a:solidFill>
-                  <a:srgbClr val="000000"/>
-                </a:solidFill>
-                <a:latin typeface="Calibri"/>
-                <a:ea typeface="DejaVu Sans"/>
-              </a:rPr>
-              <a:t>1)</a:t>
-            </a:r>
-            <a:r>
-              <a:rPr b="0" lang="en-CA" sz="2400" spc="-1" strike="noStrike">
-                <a:solidFill>
-                  <a:srgbClr val="000000"/>
-                </a:solidFill>
-                <a:latin typeface="Calibri"/>
-                <a:ea typeface="DejaVu Sans"/>
-              </a:rPr>
-              <a:t>	</a:t>
-            </a:r>
-            <a:r>
-              <a:rPr b="0" lang="en-CA" sz="2400" spc="-1" strike="noStrike">
-                <a:solidFill>
-                  <a:srgbClr val="000000"/>
-                </a:solidFill>
-                <a:latin typeface="Calibri"/>
-                <a:ea typeface="DejaVu Sans"/>
-              </a:rPr>
-              <a:t>To Install Linux 19.04 inside of Virtual Box:</a:t>
-            </a:r>
-            <a:endParaRPr b="0" lang="en-CA" sz="2400" spc="-1" strike="noStrike">
-              <a:latin typeface="Arial"/>
-            </a:endParaRPr>
-          </a:p>
-          <a:p>
-            <a:pPr>
-              <a:lnSpc>
-                <a:spcPct val="100000"/>
-              </a:lnSpc>
-              <a:spcBef>
-                <a:spcPts val="479"/>
-              </a:spcBef>
-            </a:pPr>
-            <a:r>
-              <a:rPr b="0" lang="en-CA" sz="2400" spc="-1" strike="noStrike">
-                <a:solidFill>
-                  <a:srgbClr val="000000"/>
-                </a:solidFill>
-                <a:latin typeface="Calibri"/>
-                <a:ea typeface="DejaVu Sans"/>
-              </a:rPr>
-              <a:t>	</a:t>
-            </a:r>
-            <a:r>
-              <a:rPr b="0" lang="en-CA" sz="2400" spc="-1" strike="noStrike" u="sng">
-                <a:solidFill>
-                  <a:srgbClr val="0000ff"/>
-                </a:solidFill>
-                <a:uFillTx/>
-                <a:latin typeface="Calibri"/>
-                <a:ea typeface="DejaVu Sans"/>
-                <a:hlinkClick r:id="rId1"/>
-              </a:rPr>
-              <a:t>https://www.youtube.com/watch?v=QnMHGtaqh-Y</a:t>
-            </a:r>
-            <a:endParaRPr b="0" lang="en-CA" sz="2400" spc="-1" strike="noStrike">
-              <a:latin typeface="Arial"/>
-            </a:endParaRPr>
-          </a:p>
-          <a:p>
-            <a:pPr>
-              <a:lnSpc>
-                <a:spcPct val="100000"/>
-              </a:lnSpc>
-              <a:spcBef>
-                <a:spcPts val="479"/>
-              </a:spcBef>
-            </a:pPr>
-            <a:r>
-              <a:rPr b="0" lang="en-CA" sz="2400" spc="-1" strike="noStrike">
-                <a:solidFill>
-                  <a:srgbClr val="000000"/>
-                </a:solidFill>
-                <a:latin typeface="Calibri"/>
-                <a:ea typeface="DejaVu Sans"/>
-              </a:rPr>
-              <a:t>	</a:t>
-            </a:r>
-            <a:endParaRPr b="0" lang="en-CA" sz="2400" spc="-1" strike="noStrike">
-              <a:latin typeface="Arial"/>
-            </a:endParaRPr>
-          </a:p>
-          <a:p>
-            <a:pPr>
-              <a:lnSpc>
-                <a:spcPct val="100000"/>
-              </a:lnSpc>
-              <a:spcBef>
-                <a:spcPts val="479"/>
-              </a:spcBef>
-            </a:pPr>
-            <a:endParaRPr b="0" lang="en-CA" sz="2400" spc="-1" strike="noStrike">
-              <a:latin typeface="Arial"/>
-            </a:endParaRPr>
-          </a:p>
-        </p:txBody>
-      </p:sp>
-      <p:sp>
-        <p:nvSpPr>
-          <p:cNvPr id="164" name="CustomShape 2"/>
+            </a:pPr>
+            <a:endParaRPr b="0" lang="en-CA" sz="3000" spc="-1" strike="noStrike">
+              <a:latin typeface="Arial"/>
+            </a:endParaRPr>
+          </a:p>
+        </p:txBody>
+      </p:sp>
+      <p:sp>
+        <p:nvSpPr>
+          <p:cNvPr id="165" name="CustomShape 2"/>
           <p:cNvSpPr/>
           <p:nvPr/>
         </p:nvSpPr>
         <p:spPr>
           <a:xfrm>
-            <a:off x="432000" y="0"/>
-            <a:ext cx="7449120" cy="1181160"/>
-          </a:xfrm>
-          <a:prstGeom prst="rect">
-            <a:avLst/>
-          </a:prstGeom>
-          <a:noFill/>
-          <a:ln>
-            <a:noFill/>
-          </a:ln>
-        </p:spPr>
-        <p:style>
-          <a:lnRef idx="0"/>
-          <a:fillRef idx="0"/>
-          <a:effectRef idx="0"/>
-          <a:fontRef idx="minor"/>
-        </p:style>
-        <p:txBody>
-          <a:bodyPr lIns="90000" rIns="90000" tIns="45000" bIns="45000" anchor="ctr">
-            <a:normAutofit/>
-          </a:bodyPr>
-          <a:p>
-            <a:pPr>
-              <a:lnSpc>
-                <a:spcPct val="100000"/>
-              </a:lnSpc>
-            </a:pPr>
-            <a:r>
-              <a:rPr b="0" lang="en-CA" sz="3000" spc="-1" strike="noStrike" cap="all">
-                <a:solidFill>
-                  <a:srgbClr val="292929"/>
-                </a:solidFill>
-                <a:latin typeface="Nexa Bold"/>
-                <a:ea typeface="DejaVu Sans"/>
-              </a:rPr>
-              <a:t>Installing our</a:t>
-            </a:r>
-            <a:r>
-              <a:rPr b="0" lang="en-CA" sz="3000" spc="-1" strike="noStrike">
-                <a:solidFill>
-                  <a:srgbClr val="292929"/>
-                </a:solidFill>
-                <a:latin typeface="Nexa Bold"/>
-                <a:ea typeface="DejaVu Sans"/>
-              </a:rPr>
-              <a:t> </a:t>
-            </a:r>
-            <a:r>
-              <a:rPr b="0" lang="en-CA" sz="3000" spc="-1" strike="noStrike" cap="all">
-                <a:solidFill>
-                  <a:srgbClr val="1fa0be"/>
-                </a:solidFill>
-                <a:latin typeface="Nexa Bold"/>
-                <a:ea typeface="DejaVu Sans"/>
-              </a:rPr>
-              <a:t>Stack</a:t>
-            </a:r>
-            <a:endParaRPr b="0" lang="en-CA" sz="3000" spc="-1" strike="noStrike">
-              <a:latin typeface="Arial"/>
-            </a:endParaRPr>
-          </a:p>
-        </p:txBody>
-      </p:sp>
-      <p:sp>
-        <p:nvSpPr>
-          <p:cNvPr id="165" name="CustomShape 3"/>
-          <p:cNvSpPr/>
-          <p:nvPr/>
-        </p:nvSpPr>
-        <p:spPr>
-          <a:xfrm>
             <a:off x="0" y="0"/>
-            <a:ext cx="248400" cy="1193400"/>
+            <a:ext cx="247680" cy="1192680"/>
           </a:xfrm>
           <a:prstGeom prst="rect">
             <a:avLst/>
@@ -8150,7 +10756,7 @@
       </p:sp>
       <p:sp>
         <p:nvSpPr>
-          <p:cNvPr id="166" name="Line 4"/>
+          <p:cNvPr id="166" name="Line 3"/>
           <p:cNvSpPr/>
           <p:nvPr/>
         </p:nvSpPr>
@@ -8181,6 +10787,518 @@
           </a:effectRef>
           <a:fontRef idx="minor"/>
         </p:style>
+      </p:sp>
+      <p:sp>
+        <p:nvSpPr>
+          <p:cNvPr id="167" name="CustomShape 4"/>
+          <p:cNvSpPr/>
+          <p:nvPr/>
+        </p:nvSpPr>
+        <p:spPr>
+          <a:xfrm>
+            <a:off x="457200" y="273600"/>
+            <a:ext cx="8226720" cy="5305320"/>
+          </a:xfrm>
+          <a:prstGeom prst="rect">
+            <a:avLst/>
+          </a:prstGeom>
+          <a:noFill/>
+          <a:ln>
+            <a:noFill/>
+          </a:ln>
+        </p:spPr>
+        <p:style>
+          <a:lnRef idx="0"/>
+          <a:fillRef idx="0"/>
+          <a:effectRef idx="0"/>
+          <a:fontRef idx="minor"/>
+        </p:style>
+        <p:txBody>
+          <a:bodyPr lIns="0" rIns="0" tIns="0" bIns="0" anchor="ctr"/>
+          <a:p>
+            <a:pPr algn="ctr">
+              <a:lnSpc>
+                <a:spcPct val="100000"/>
+              </a:lnSpc>
+            </a:pPr>
+            <a:endParaRPr b="0" lang="en-CA" sz="1800" spc="-1" strike="noStrike">
+              <a:latin typeface="Arial"/>
+            </a:endParaRPr>
+          </a:p>
+          <a:p>
+            <a:pPr algn="ctr">
+              <a:lnSpc>
+                <a:spcPct val="100000"/>
+              </a:lnSpc>
+            </a:pPr>
+            <a:endParaRPr b="0" lang="en-CA" sz="1800" spc="-1" strike="noStrike">
+              <a:latin typeface="Arial"/>
+            </a:endParaRPr>
+          </a:p>
+        </p:txBody>
+      </p:sp>
+      <p:sp>
+        <p:nvSpPr>
+          <p:cNvPr id="168" name="CustomShape 5"/>
+          <p:cNvSpPr/>
+          <p:nvPr/>
+        </p:nvSpPr>
+        <p:spPr>
+          <a:xfrm>
+            <a:off x="576000" y="1728000"/>
+            <a:ext cx="6765480" cy="2391480"/>
+          </a:xfrm>
+          <a:prstGeom prst="rect">
+            <a:avLst/>
+          </a:prstGeom>
+          <a:noFill/>
+          <a:ln>
+            <a:noFill/>
+          </a:ln>
+        </p:spPr>
+        <p:style>
+          <a:lnRef idx="0"/>
+          <a:fillRef idx="0"/>
+          <a:effectRef idx="0"/>
+          <a:fontRef idx="minor"/>
+        </p:style>
+        <p:txBody>
+          <a:bodyPr lIns="90000" rIns="90000" tIns="45000" bIns="45000"/>
+          <a:p>
+            <a:pPr>
+              <a:lnSpc>
+                <a:spcPct val="100000"/>
+              </a:lnSpc>
+            </a:pPr>
+            <a:r>
+              <a:rPr b="0" lang="en-CA" sz="1800" spc="-1" strike="noStrike">
+                <a:solidFill>
+                  <a:srgbClr val="000000"/>
+                </a:solidFill>
+                <a:latin typeface="Arial"/>
+                <a:ea typeface="DejaVu Sans"/>
+              </a:rPr>
+              <a:t>The tools we will be using in this course:</a:t>
+            </a:r>
+            <a:endParaRPr b="0" lang="en-CA" sz="1800" spc="-1" strike="noStrike">
+              <a:latin typeface="Arial"/>
+            </a:endParaRPr>
+          </a:p>
+          <a:p>
+            <a:pPr>
+              <a:lnSpc>
+                <a:spcPct val="100000"/>
+              </a:lnSpc>
+            </a:pPr>
+            <a:endParaRPr b="0" lang="en-CA" sz="1800" spc="-1" strike="noStrike">
+              <a:latin typeface="Arial"/>
+            </a:endParaRPr>
+          </a:p>
+          <a:p>
+            <a:pPr marL="216000" indent="-213480">
+              <a:lnSpc>
+                <a:spcPct val="100000"/>
+              </a:lnSpc>
+              <a:buClr>
+                <a:srgbClr val="000000"/>
+              </a:buClr>
+              <a:buSzPct val="45000"/>
+              <a:buFont typeface="Wingdings" charset="2"/>
+              <a:buChar char=""/>
+            </a:pPr>
+            <a:r>
+              <a:rPr b="0" lang="en-CA" sz="1800" spc="-1" strike="noStrike">
+                <a:solidFill>
+                  <a:srgbClr val="000000"/>
+                </a:solidFill>
+                <a:latin typeface="Arial"/>
+                <a:ea typeface="DejaVu Sans"/>
+              </a:rPr>
+              <a:t>We will first install virtual box. Links are below:</a:t>
+            </a:r>
+            <a:endParaRPr b="0" lang="en-CA" sz="1800" spc="-1" strike="noStrike">
+              <a:latin typeface="Arial"/>
+            </a:endParaRPr>
+          </a:p>
+          <a:p>
+            <a:pPr>
+              <a:lnSpc>
+                <a:spcPct val="100000"/>
+              </a:lnSpc>
+            </a:pPr>
+            <a:endParaRPr b="0" lang="en-CA" sz="1800" spc="-1" strike="noStrike">
+              <a:latin typeface="Arial"/>
+            </a:endParaRPr>
+          </a:p>
+          <a:p>
+            <a:pPr lvl="1" marL="432000" indent="-215640">
+              <a:lnSpc>
+                <a:spcPct val="100000"/>
+              </a:lnSpc>
+              <a:buClr>
+                <a:srgbClr val="000000"/>
+              </a:buClr>
+              <a:buSzPct val="45000"/>
+              <a:buFont typeface="Wingdings" charset="2"/>
+              <a:buChar char=""/>
+            </a:pPr>
+            <a:r>
+              <a:rPr b="0" lang="en-CA" sz="1800" spc="-1" strike="noStrike">
+                <a:solidFill>
+                  <a:srgbClr val="000000"/>
+                </a:solidFill>
+                <a:latin typeface="Arial"/>
+                <a:ea typeface="DejaVu Sans"/>
+              </a:rPr>
+              <a:t>On Machintosh:</a:t>
+            </a:r>
+            <a:endParaRPr b="0" lang="en-CA" sz="1800" spc="-1" strike="noStrike">
+              <a:latin typeface="Arial"/>
+            </a:endParaRPr>
+          </a:p>
+          <a:p>
+            <a:pPr lvl="2" marL="648000" indent="-215640">
+              <a:lnSpc>
+                <a:spcPct val="100000"/>
+              </a:lnSpc>
+              <a:buClr>
+                <a:srgbClr val="000000"/>
+              </a:buClr>
+              <a:buSzPct val="45000"/>
+              <a:buFont typeface="Wingdings" charset="2"/>
+              <a:buChar char=""/>
+            </a:pPr>
+            <a:r>
+              <a:rPr b="0" lang="en-CA" sz="1800" spc="-1" strike="noStrike">
+                <a:solidFill>
+                  <a:srgbClr val="000000"/>
+                </a:solidFill>
+                <a:latin typeface="Arial"/>
+                <a:ea typeface="DejaVu Sans"/>
+              </a:rPr>
+              <a:t>1)</a:t>
+            </a:r>
+            <a:r>
+              <a:rPr b="0" lang="en-CA" sz="1800" spc="-1" strike="noStrike">
+                <a:solidFill>
+                  <a:srgbClr val="000000"/>
+                </a:solidFill>
+                <a:latin typeface="Arial"/>
+                <a:ea typeface="DejaVu Sans"/>
+              </a:rPr>
+              <a:t>	</a:t>
+            </a:r>
+            <a:r>
+              <a:rPr b="0" lang="en-CA" sz="1800" spc="-1" strike="noStrike">
+                <a:solidFill>
+                  <a:srgbClr val="000000"/>
+                </a:solidFill>
+                <a:latin typeface="Arial"/>
+                <a:ea typeface="DejaVu Sans"/>
+              </a:rPr>
+              <a:t>Navigate to </a:t>
+            </a:r>
+            <a:endParaRPr b="0" lang="en-CA" sz="1800" spc="-1" strike="noStrike">
+              <a:latin typeface="Arial"/>
+            </a:endParaRPr>
+          </a:p>
+          <a:p>
+            <a:pPr lvl="4" marL="1080000" indent="-215640">
+              <a:lnSpc>
+                <a:spcPct val="100000"/>
+              </a:lnSpc>
+              <a:buClr>
+                <a:srgbClr val="000000"/>
+              </a:buClr>
+              <a:buSzPct val="45000"/>
+              <a:buFont typeface="Wingdings" charset="2"/>
+              <a:buChar char=""/>
+            </a:pPr>
+            <a:r>
+              <a:rPr b="0" lang="en-CA" sz="1500" spc="-1" strike="noStrike" u="sng">
+                <a:solidFill>
+                  <a:srgbClr val="0000ff"/>
+                </a:solidFill>
+                <a:uFillTx/>
+                <a:latin typeface="Arial"/>
+                <a:ea typeface="DejaVu Sans"/>
+                <a:hlinkClick r:id="rId1"/>
+              </a:rPr>
+              <a:t>https://www.virtualbox.org/wiki/Download_Old_Builds_6_0</a:t>
+            </a:r>
+            <a:endParaRPr b="0" lang="en-CA" sz="1500" spc="-1" strike="noStrike">
+              <a:latin typeface="Arial"/>
+            </a:endParaRPr>
+          </a:p>
+          <a:p>
+            <a:pPr lvl="2" marL="648000" indent="-215640">
+              <a:lnSpc>
+                <a:spcPct val="100000"/>
+              </a:lnSpc>
+              <a:buClr>
+                <a:srgbClr val="000000"/>
+              </a:buClr>
+              <a:buSzPct val="45000"/>
+              <a:buFont typeface="Wingdings" charset="2"/>
+              <a:buChar char=""/>
+            </a:pPr>
+            <a:r>
+              <a:rPr b="0" lang="en-CA" sz="1800" spc="-1" strike="noStrike">
+                <a:solidFill>
+                  <a:srgbClr val="000000"/>
+                </a:solidFill>
+                <a:latin typeface="Arial"/>
+                <a:ea typeface="DejaVu Sans"/>
+              </a:rPr>
+              <a:t>2)</a:t>
+            </a:r>
+            <a:r>
+              <a:rPr b="0" lang="en-CA" sz="1800" spc="-1" strike="noStrike">
+                <a:solidFill>
+                  <a:srgbClr val="000000"/>
+                </a:solidFill>
+                <a:latin typeface="Arial"/>
+                <a:ea typeface="DejaVu Sans"/>
+              </a:rPr>
+              <a:t>	</a:t>
+            </a:r>
+            <a:r>
+              <a:rPr b="0" lang="en-CA" sz="1800" spc="-1" strike="noStrike">
+                <a:solidFill>
+                  <a:srgbClr val="000000"/>
+                </a:solidFill>
+                <a:latin typeface="Arial"/>
+                <a:ea typeface="DejaVu Sans"/>
+              </a:rPr>
+              <a:t>Select VirtualBox bulid 6.0.4</a:t>
+            </a:r>
+            <a:endParaRPr b="0" lang="en-CA" sz="1800" spc="-1" strike="noStrike">
+              <a:latin typeface="Arial"/>
+            </a:endParaRPr>
+          </a:p>
+          <a:p>
+            <a:pPr lvl="2" marL="648000" indent="-215640">
+              <a:lnSpc>
+                <a:spcPct val="100000"/>
+              </a:lnSpc>
+              <a:buClr>
+                <a:srgbClr val="000000"/>
+              </a:buClr>
+              <a:buSzPct val="45000"/>
+              <a:buFont typeface="Wingdings" charset="2"/>
+              <a:buChar char=""/>
+            </a:pPr>
+            <a:r>
+              <a:rPr b="0" lang="en-CA" sz="1800" spc="-1" strike="noStrike">
+                <a:solidFill>
+                  <a:srgbClr val="000000"/>
+                </a:solidFill>
+                <a:latin typeface="Arial"/>
+                <a:ea typeface="DejaVu Sans"/>
+              </a:rPr>
+              <a:t>3)</a:t>
+            </a:r>
+            <a:r>
+              <a:rPr b="0" lang="en-CA" sz="1800" spc="-1" strike="noStrike">
+                <a:solidFill>
+                  <a:srgbClr val="000000"/>
+                </a:solidFill>
+                <a:latin typeface="Arial"/>
+                <a:ea typeface="DejaVu Sans"/>
+              </a:rPr>
+              <a:t>	</a:t>
+            </a:r>
+            <a:r>
+              <a:rPr b="0" lang="en-CA" sz="1800" spc="-1" strike="noStrike">
+                <a:solidFill>
+                  <a:srgbClr val="000000"/>
+                </a:solidFill>
+                <a:latin typeface="Arial"/>
+                <a:ea typeface="DejaVu Sans"/>
+              </a:rPr>
+              <a:t>Click on OSX hosts</a:t>
+            </a:r>
+            <a:endParaRPr b="0" lang="en-CA" sz="1800" spc="-1" strike="noStrike">
+              <a:latin typeface="Arial"/>
+            </a:endParaRPr>
+          </a:p>
+          <a:p>
+            <a:pPr lvl="2" marL="648000" indent="-215640">
+              <a:lnSpc>
+                <a:spcPct val="100000"/>
+              </a:lnSpc>
+              <a:buClr>
+                <a:srgbClr val="000000"/>
+              </a:buClr>
+              <a:buSzPct val="45000"/>
+              <a:buFont typeface="Wingdings" charset="2"/>
+              <a:buChar char=""/>
+            </a:pPr>
+            <a:r>
+              <a:rPr b="0" lang="en-CA" sz="1800" spc="-1" strike="noStrike">
+                <a:solidFill>
+                  <a:srgbClr val="000000"/>
+                </a:solidFill>
+                <a:latin typeface="Arial"/>
+                <a:ea typeface="DejaVu Sans"/>
+              </a:rPr>
+              <a:t>4)</a:t>
+            </a:r>
+            <a:r>
+              <a:rPr b="0" lang="en-CA" sz="1800" spc="-1" strike="noStrike">
+                <a:solidFill>
+                  <a:srgbClr val="000000"/>
+                </a:solidFill>
+                <a:latin typeface="Arial"/>
+                <a:ea typeface="DejaVu Sans"/>
+              </a:rPr>
+              <a:t>	</a:t>
+            </a:r>
+            <a:r>
+              <a:rPr b="0" lang="en-CA" sz="1800" spc="-1" strike="noStrike">
+                <a:solidFill>
+                  <a:srgbClr val="000000"/>
+                </a:solidFill>
+                <a:latin typeface="Arial"/>
+                <a:ea typeface="DejaVu Sans"/>
+              </a:rPr>
+              <a:t>Once downloaded, click on the application in the </a:t>
+            </a:r>
+            <a:endParaRPr b="0" lang="en-CA" sz="1800" spc="-1" strike="noStrike">
+              <a:latin typeface="Arial"/>
+            </a:endParaRPr>
+          </a:p>
+          <a:p>
+            <a:pPr lvl="4" marL="1080000" indent="-215640">
+              <a:lnSpc>
+                <a:spcPct val="100000"/>
+              </a:lnSpc>
+              <a:buClr>
+                <a:srgbClr val="000000"/>
+              </a:buClr>
+              <a:buSzPct val="45000"/>
+              <a:buFont typeface="Wingdings" charset="2"/>
+              <a:buChar char=""/>
+            </a:pPr>
+            <a:r>
+              <a:rPr b="0" lang="en-CA" sz="1800" spc="-1" strike="noStrike">
+                <a:solidFill>
+                  <a:srgbClr val="000000"/>
+                </a:solidFill>
+                <a:latin typeface="Arial"/>
+                <a:ea typeface="DejaVu Sans"/>
+              </a:rPr>
+              <a:t>downloads section of you browser</a:t>
+            </a:r>
+            <a:endParaRPr b="0" lang="en-CA" sz="1800" spc="-1" strike="noStrike">
+              <a:latin typeface="Arial"/>
+            </a:endParaRPr>
+          </a:p>
+          <a:p>
+            <a:pPr lvl="2" marL="648000" indent="-215640">
+              <a:lnSpc>
+                <a:spcPct val="100000"/>
+              </a:lnSpc>
+              <a:buClr>
+                <a:srgbClr val="000000"/>
+              </a:buClr>
+              <a:buSzPct val="45000"/>
+              <a:buFont typeface="Wingdings" charset="2"/>
+              <a:buChar char=""/>
+            </a:pPr>
+            <a:r>
+              <a:rPr b="0" lang="en-CA" sz="1800" spc="-1" strike="noStrike">
+                <a:solidFill>
+                  <a:srgbClr val="000000"/>
+                </a:solidFill>
+                <a:latin typeface="Arial"/>
+                <a:ea typeface="DejaVu Sans"/>
+              </a:rPr>
+              <a:t>6)</a:t>
+            </a:r>
+            <a:r>
+              <a:rPr b="0" lang="en-CA" sz="1800" spc="-1" strike="noStrike">
+                <a:solidFill>
+                  <a:srgbClr val="000000"/>
+                </a:solidFill>
+                <a:latin typeface="Arial"/>
+                <a:ea typeface="DejaVu Sans"/>
+              </a:rPr>
+              <a:t>	</a:t>
+            </a:r>
+            <a:r>
+              <a:rPr b="0" lang="en-CA" sz="1800" spc="-1" strike="noStrike">
+                <a:solidFill>
+                  <a:srgbClr val="000000"/>
+                </a:solidFill>
+                <a:latin typeface="Arial"/>
+                <a:ea typeface="DejaVu Sans"/>
+              </a:rPr>
+              <a:t>Follow the directions on this video:</a:t>
+            </a:r>
+            <a:endParaRPr b="0" lang="en-CA" sz="1800" spc="-1" strike="noStrike">
+              <a:latin typeface="Arial"/>
+            </a:endParaRPr>
+          </a:p>
+          <a:p>
+            <a:pPr lvl="4" marL="1080000" indent="-215640">
+              <a:lnSpc>
+                <a:spcPct val="100000"/>
+              </a:lnSpc>
+              <a:buClr>
+                <a:srgbClr val="000000"/>
+              </a:buClr>
+              <a:buSzPct val="45000"/>
+              <a:buFont typeface="Wingdings" charset="2"/>
+              <a:buChar char=""/>
+            </a:pPr>
+            <a:r>
+              <a:rPr b="0" lang="en-CA" sz="1600" spc="-1" strike="noStrike" u="sng">
+                <a:solidFill>
+                  <a:srgbClr val="0000ff"/>
+                </a:solidFill>
+                <a:uFillTx/>
+                <a:latin typeface="Arial"/>
+                <a:ea typeface="DejaVu Sans"/>
+                <a:hlinkClick r:id="rId2"/>
+              </a:rPr>
+              <a:t>https://www.youtube.com/watch?v=lEvM-No4eQo</a:t>
+            </a:r>
+            <a:endParaRPr b="0" lang="en-CA" sz="1600" spc="-1" strike="noStrike">
+              <a:latin typeface="Arial"/>
+            </a:endParaRPr>
+          </a:p>
+          <a:p>
+            <a:pPr>
+              <a:lnSpc>
+                <a:spcPct val="100000"/>
+              </a:lnSpc>
+            </a:pPr>
+            <a:endParaRPr b="0" lang="en-CA" sz="1600" spc="-1" strike="noStrike">
+              <a:latin typeface="Arial"/>
+            </a:endParaRPr>
+          </a:p>
+          <a:p>
+            <a:pPr>
+              <a:lnSpc>
+                <a:spcPct val="100000"/>
+              </a:lnSpc>
+            </a:pPr>
+            <a:endParaRPr b="0" lang="en-CA" sz="1600" spc="-1" strike="noStrike">
+              <a:latin typeface="Arial"/>
+            </a:endParaRPr>
+          </a:p>
+          <a:p>
+            <a:pPr>
+              <a:lnSpc>
+                <a:spcPct val="100000"/>
+              </a:lnSpc>
+            </a:pPr>
+            <a:endParaRPr b="0" lang="en-CA" sz="1600" spc="-1" strike="noStrike">
+              <a:latin typeface="Arial"/>
+            </a:endParaRPr>
+          </a:p>
+        </p:txBody>
       </p:sp>
     </p:spTree>
   </p:cSld>
@@ -8240,14 +11358,14 @@
       </p:grpSpPr>
       <p:sp>
         <p:nvSpPr>
-          <p:cNvPr id="167" name="CustomShape 1"/>
+          <p:cNvPr id="169" name="CustomShape 1"/>
           <p:cNvSpPr/>
           <p:nvPr/>
         </p:nvSpPr>
         <p:spPr>
           <a:xfrm>
-            <a:off x="504000" y="1413360"/>
-            <a:ext cx="8276760" cy="5216760"/>
+            <a:off x="432000" y="13680"/>
+            <a:ext cx="7448400" cy="1180440"/>
           </a:xfrm>
           <a:prstGeom prst="rect">
             <a:avLst/>
@@ -8272,21 +11390,28 @@
               <a:lnSpc>
                 <a:spcPct val="100000"/>
               </a:lnSpc>
-              <a:spcBef>
-                <a:spcPts val="479"/>
-              </a:spcBef>
-            </a:pPr>
-            <a:r>
-              <a:rPr b="0" lang="en-CA" sz="2400" spc="-1" strike="noStrike">
-                <a:solidFill>
-                  <a:srgbClr val="000000"/>
-                </a:solidFill>
-                <a:latin typeface="Calibri"/>
-                <a:ea typeface="DejaVu Sans"/>
-              </a:rPr>
-              <a:t>On Linux:</a:t>
-            </a:r>
-            <a:endParaRPr b="0" lang="en-CA" sz="2400" spc="-1" strike="noStrike">
+            </a:pPr>
+            <a:r>
+              <a:rPr b="0" lang="en-CA" sz="3000" spc="-1" strike="noStrike" cap="all">
+                <a:solidFill>
+                  <a:srgbClr val="292929"/>
+                </a:solidFill>
+                <a:latin typeface="Nexa Bold"/>
+                <a:ea typeface="DejaVu Sans"/>
+              </a:rPr>
+              <a:t>Installing Our </a:t>
+            </a:r>
+            <a:r>
+              <a:rPr b="0" lang="en-CA" sz="3000" spc="-1" strike="noStrike" cap="all">
+                <a:solidFill>
+                  <a:srgbClr val="1fa0be"/>
+                </a:solidFill>
+                <a:latin typeface="Nexa Bold"/>
+                <a:ea typeface="DejaVu Sans"/>
+              </a:rPr>
+              <a:t>TooLSET</a:t>
+            </a:r>
+            <a:endParaRPr b="0" lang="en-CA" sz="3000" spc="-1" strike="noStrike">
               <a:latin typeface="Arial"/>
             </a:endParaRPr>
           </a:p>
@@ -8295,234 +11420,23 @@
               <a:lnSpc>
                 <a:spcPct val="100000"/>
               </a:lnSpc>
-              <a:spcBef>
-                <a:spcPts val="479"/>
-              </a:spcBef>
-            </a:pPr>
-            <a:r>
-              <a:rPr b="0" lang="en-CA" sz="2400" spc="-1" strike="noStrike">
-                <a:solidFill>
-                  <a:srgbClr val="000000"/>
-                </a:solidFill>
-                <a:latin typeface="Calibri"/>
-                <a:ea typeface="DejaVu Sans"/>
-              </a:rPr>
-              <a:t>(click the link to be taken directly to the page)</a:t>
-            </a:r>
-            <a:endParaRPr b="0" lang="en-CA" sz="2400" spc="-1" strike="noStrike">
-              <a:latin typeface="Arial"/>
-            </a:endParaRPr>
-          </a:p>
-          <a:p>
-            <a:pPr>
-              <a:lnSpc>
-                <a:spcPct val="100000"/>
-              </a:lnSpc>
-              <a:spcBef>
-                <a:spcPts val="479"/>
-              </a:spcBef>
-            </a:pPr>
-            <a:endParaRPr b="0" lang="en-CA" sz="2400" spc="-1" strike="noStrike">
-              <a:latin typeface="Arial"/>
-            </a:endParaRPr>
-          </a:p>
-          <a:p>
-            <a:pPr>
-              <a:lnSpc>
-                <a:spcPct val="100000"/>
-              </a:lnSpc>
-              <a:spcBef>
-                <a:spcPts val="479"/>
-              </a:spcBef>
-            </a:pPr>
-            <a:r>
-              <a:rPr b="0" lang="en-CA" sz="2400" spc="-1" strike="noStrike">
-                <a:solidFill>
-                  <a:srgbClr val="000000"/>
-                </a:solidFill>
-                <a:latin typeface="Calibri"/>
-                <a:ea typeface="DejaVu Sans"/>
-              </a:rPr>
-              <a:t>1)</a:t>
-            </a:r>
-            <a:r>
-              <a:rPr b="0" lang="en-CA" sz="2400" spc="-1" strike="noStrike">
-                <a:solidFill>
-                  <a:srgbClr val="000000"/>
-                </a:solidFill>
-                <a:latin typeface="Calibri"/>
-                <a:ea typeface="DejaVu Sans"/>
-              </a:rPr>
-              <a:t>	</a:t>
-            </a:r>
-            <a:r>
-              <a:rPr b="0" lang="en-CA" sz="2400" spc="-1" strike="noStrike">
-                <a:solidFill>
-                  <a:srgbClr val="000000"/>
-                </a:solidFill>
-                <a:latin typeface="Calibri"/>
-                <a:ea typeface="DejaVu Sans"/>
-              </a:rPr>
-              <a:t>To Install Linux 19.04 inside of Virtual Box:</a:t>
-            </a:r>
-            <a:endParaRPr b="0" lang="en-CA" sz="2400" spc="-1" strike="noStrike">
-              <a:latin typeface="Arial"/>
-            </a:endParaRPr>
-          </a:p>
-          <a:p>
-            <a:pPr>
-              <a:lnSpc>
-                <a:spcPct val="100000"/>
-              </a:lnSpc>
-              <a:spcBef>
-                <a:spcPts val="479"/>
-              </a:spcBef>
-            </a:pPr>
-            <a:r>
-              <a:rPr b="0" lang="en-CA" sz="2400" spc="-1" strike="noStrike">
-                <a:solidFill>
-                  <a:srgbClr val="000000"/>
-                </a:solidFill>
-                <a:latin typeface="Calibri"/>
-                <a:ea typeface="DejaVu Sans"/>
-              </a:rPr>
-              <a:t>	</a:t>
-            </a:r>
-            <a:r>
-              <a:rPr b="0" lang="en-CA" sz="2400" spc="-1" strike="noStrike" u="sng">
-                <a:solidFill>
-                  <a:srgbClr val="0000ff"/>
-                </a:solidFill>
-                <a:uFillTx/>
-                <a:latin typeface="Calibri"/>
-                <a:ea typeface="DejaVu Sans"/>
-                <a:hlinkClick r:id="rId1"/>
-              </a:rPr>
-              <a:t>https://itsfoss.com/install-virtualbox-ubuntu/</a:t>
-            </a:r>
-            <a:endParaRPr b="0" lang="en-CA" sz="2400" spc="-1" strike="noStrike">
-              <a:latin typeface="Arial"/>
-            </a:endParaRPr>
-          </a:p>
-          <a:p>
-            <a:pPr>
-              <a:lnSpc>
-                <a:spcPct val="100000"/>
-              </a:lnSpc>
-              <a:spcBef>
-                <a:spcPts val="479"/>
-              </a:spcBef>
-            </a:pPr>
-            <a:r>
-              <a:rPr b="0" lang="en-CA" sz="2400" spc="-1" strike="noStrike">
-                <a:solidFill>
-                  <a:srgbClr val="000000"/>
-                </a:solidFill>
-                <a:latin typeface="Calibri"/>
-                <a:ea typeface="DejaVu Sans"/>
-              </a:rPr>
-              <a:t>	</a:t>
-            </a:r>
-            <a:endParaRPr b="0" lang="en-CA" sz="2400" spc="-1" strike="noStrike">
-              <a:latin typeface="Arial"/>
-            </a:endParaRPr>
-          </a:p>
-          <a:p>
-            <a:pPr>
-              <a:lnSpc>
-                <a:spcPct val="100000"/>
-              </a:lnSpc>
-              <a:spcBef>
-                <a:spcPts val="479"/>
-              </a:spcBef>
-            </a:pPr>
-            <a:endParaRPr b="0" lang="en-CA" sz="2400" spc="-1" strike="noStrike">
-              <a:latin typeface="Arial"/>
-            </a:endParaRPr>
-          </a:p>
-        </p:txBody>
-      </p:sp>
-      <p:sp>
-        <p:nvSpPr>
-          <p:cNvPr id="168" name="CustomShape 2"/>
+            </a:pPr>
+            <a:endParaRPr b="0" lang="en-CA" sz="3000" spc="-1" strike="noStrike">
+              <a:latin typeface="Arial"/>
+            </a:endParaRPr>
+          </a:p>
+        </p:txBody>
+      </p:sp>
+      <p:sp>
+        <p:nvSpPr>
+          <p:cNvPr id="170" name="CustomShape 2"/>
           <p:cNvSpPr/>
           <p:nvPr/>
         </p:nvSpPr>
         <p:spPr>
           <a:xfrm>
-            <a:off x="432000" y="0"/>
-            <a:ext cx="7449120" cy="1181160"/>
-          </a:xfrm>
-          <a:prstGeom prst="rect">
-            <a:avLst/>
-          </a:prstGeom>
-          <a:noFill/>
-          <a:ln>
-            <a:noFill/>
-          </a:ln>
-        </p:spPr>
-        <p:style>
-          <a:lnRef idx="0"/>
-          <a:fillRef idx="0"/>
-          <a:effectRef idx="0"/>
-          <a:fontRef idx="minor"/>
-        </p:style>
-        <p:txBody>
-          <a:bodyPr lIns="90000" rIns="90000" tIns="45000" bIns="45000" anchor="ctr">
-            <a:normAutofit/>
-          </a:bodyPr>
-          <a:p>
-            <a:pPr>
-              <a:lnSpc>
-                <a:spcPct val="100000"/>
-              </a:lnSpc>
-            </a:pPr>
-            <a:r>
-              <a:rPr b="0" lang="en-CA" sz="3000" spc="-1" strike="noStrike" cap="all">
-                <a:solidFill>
-                  <a:srgbClr val="292929"/>
-                </a:solidFill>
-                <a:latin typeface="Nexa Bold"/>
-                <a:ea typeface="DejaVu Sans"/>
-              </a:rPr>
-              <a:t>Installing our</a:t>
-            </a:r>
-            <a:r>
-              <a:rPr b="0" lang="en-CA" sz="3000" spc="-1" strike="noStrike">
-                <a:solidFill>
-                  <a:srgbClr val="292929"/>
-                </a:solidFill>
-                <a:latin typeface="Nexa Bold"/>
-                <a:ea typeface="DejaVu Sans"/>
-              </a:rPr>
-              <a:t> </a:t>
-            </a:r>
-            <a:r>
-              <a:rPr b="0" lang="en-CA" sz="3000" spc="-1" strike="noStrike" cap="all">
-                <a:solidFill>
-                  <a:srgbClr val="1fa0be"/>
-                </a:solidFill>
-                <a:latin typeface="Nexa Bold"/>
-                <a:ea typeface="DejaVu Sans"/>
-              </a:rPr>
-              <a:t>Stack</a:t>
-            </a:r>
-            <a:endParaRPr b="0" lang="en-CA" sz="3000" spc="-1" strike="noStrike">
-              <a:latin typeface="Arial"/>
-            </a:endParaRPr>
-          </a:p>
-        </p:txBody>
-      </p:sp>
-      <p:sp>
-        <p:nvSpPr>
-          <p:cNvPr id="169" name="CustomShape 3"/>
-          <p:cNvSpPr/>
-          <p:nvPr/>
-        </p:nvSpPr>
-        <p:spPr>
-          <a:xfrm>
             <a:off x="0" y="0"/>
-            <a:ext cx="248400" cy="1193400"/>
+            <a:ext cx="247680" cy="1192680"/>
           </a:xfrm>
           <a:prstGeom prst="rect">
             <a:avLst/>
@@ -8551,7 +11465,7 @@
       </p:sp>
       <p:sp>
         <p:nvSpPr>
-          <p:cNvPr id="170" name="Line 4"/>
+          <p:cNvPr id="171" name="Line 3"/>
           <p:cNvSpPr/>
           <p:nvPr/>
         </p:nvSpPr>
@@ -8582,6 +11496,528 @@
           </a:effectRef>
           <a:fontRef idx="minor"/>
         </p:style>
+      </p:sp>
+      <p:sp>
+        <p:nvSpPr>
+          <p:cNvPr id="172" name="CustomShape 4"/>
+          <p:cNvSpPr/>
+          <p:nvPr/>
+        </p:nvSpPr>
+        <p:spPr>
+          <a:xfrm>
+            <a:off x="457200" y="273600"/>
+            <a:ext cx="8226720" cy="5305320"/>
+          </a:xfrm>
+          <a:prstGeom prst="rect">
+            <a:avLst/>
+          </a:prstGeom>
+          <a:noFill/>
+          <a:ln>
+            <a:noFill/>
+          </a:ln>
+        </p:spPr>
+        <p:style>
+          <a:lnRef idx="0"/>
+          <a:fillRef idx="0"/>
+          <a:effectRef idx="0"/>
+          <a:fontRef idx="minor"/>
+        </p:style>
+        <p:txBody>
+          <a:bodyPr lIns="0" rIns="0" tIns="0" bIns="0" anchor="ctr"/>
+          <a:p>
+            <a:pPr algn="ctr">
+              <a:lnSpc>
+                <a:spcPct val="100000"/>
+              </a:lnSpc>
+            </a:pPr>
+            <a:endParaRPr b="0" lang="en-CA" sz="1800" spc="-1" strike="noStrike">
+              <a:latin typeface="Arial"/>
+            </a:endParaRPr>
+          </a:p>
+          <a:p>
+            <a:pPr algn="ctr">
+              <a:lnSpc>
+                <a:spcPct val="100000"/>
+              </a:lnSpc>
+            </a:pPr>
+            <a:endParaRPr b="0" lang="en-CA" sz="1800" spc="-1" strike="noStrike">
+              <a:latin typeface="Arial"/>
+            </a:endParaRPr>
+          </a:p>
+        </p:txBody>
+      </p:sp>
+      <p:sp>
+        <p:nvSpPr>
+          <p:cNvPr id="173" name="CustomShape 5"/>
+          <p:cNvSpPr/>
+          <p:nvPr/>
+        </p:nvSpPr>
+        <p:spPr>
+          <a:xfrm>
+            <a:off x="576000" y="1836000"/>
+            <a:ext cx="6765480" cy="2391480"/>
+          </a:xfrm>
+          <a:prstGeom prst="rect">
+            <a:avLst/>
+          </a:prstGeom>
+          <a:noFill/>
+          <a:ln>
+            <a:noFill/>
+          </a:ln>
+        </p:spPr>
+        <p:style>
+          <a:lnRef idx="0"/>
+          <a:fillRef idx="0"/>
+          <a:effectRef idx="0"/>
+          <a:fontRef idx="minor"/>
+        </p:style>
+        <p:txBody>
+          <a:bodyPr lIns="90000" rIns="90000" tIns="45000" bIns="45000"/>
+          <a:p>
+            <a:pPr>
+              <a:lnSpc>
+                <a:spcPct val="100000"/>
+              </a:lnSpc>
+            </a:pPr>
+            <a:r>
+              <a:rPr b="0" lang="en-CA" sz="1800" spc="-1" strike="noStrike">
+                <a:solidFill>
+                  <a:srgbClr val="000000"/>
+                </a:solidFill>
+                <a:latin typeface="Arial"/>
+                <a:ea typeface="DejaVu Sans"/>
+              </a:rPr>
+              <a:t>The tools we will be using in this course:</a:t>
+            </a:r>
+            <a:endParaRPr b="0" lang="en-CA" sz="1800" spc="-1" strike="noStrike">
+              <a:latin typeface="Arial"/>
+            </a:endParaRPr>
+          </a:p>
+          <a:p>
+            <a:pPr>
+              <a:lnSpc>
+                <a:spcPct val="100000"/>
+              </a:lnSpc>
+            </a:pPr>
+            <a:endParaRPr b="0" lang="en-CA" sz="1800" spc="-1" strike="noStrike">
+              <a:latin typeface="Arial"/>
+            </a:endParaRPr>
+          </a:p>
+          <a:p>
+            <a:pPr marL="216000" indent="-213480">
+              <a:lnSpc>
+                <a:spcPct val="100000"/>
+              </a:lnSpc>
+              <a:buClr>
+                <a:srgbClr val="000000"/>
+              </a:buClr>
+              <a:buSzPct val="45000"/>
+              <a:buFont typeface="Wingdings" charset="2"/>
+              <a:buChar char=""/>
+            </a:pPr>
+            <a:r>
+              <a:rPr b="0" lang="en-CA" sz="1800" spc="-1" strike="noStrike">
+                <a:solidFill>
+                  <a:srgbClr val="000000"/>
+                </a:solidFill>
+                <a:latin typeface="Arial"/>
+                <a:ea typeface="DejaVu Sans"/>
+              </a:rPr>
+              <a:t>We will first install virtual box. Links are below:</a:t>
+            </a:r>
+            <a:endParaRPr b="0" lang="en-CA" sz="1800" spc="-1" strike="noStrike">
+              <a:latin typeface="Arial"/>
+            </a:endParaRPr>
+          </a:p>
+          <a:p>
+            <a:pPr>
+              <a:lnSpc>
+                <a:spcPct val="100000"/>
+              </a:lnSpc>
+            </a:pPr>
+            <a:endParaRPr b="0" lang="en-CA" sz="1800" spc="-1" strike="noStrike">
+              <a:latin typeface="Arial"/>
+            </a:endParaRPr>
+          </a:p>
+          <a:p>
+            <a:pPr lvl="1" marL="432000" indent="-215640">
+              <a:lnSpc>
+                <a:spcPct val="100000"/>
+              </a:lnSpc>
+              <a:buClr>
+                <a:srgbClr val="000000"/>
+              </a:buClr>
+              <a:buSzPct val="45000"/>
+              <a:buFont typeface="Wingdings" charset="2"/>
+              <a:buChar char=""/>
+            </a:pPr>
+            <a:r>
+              <a:rPr b="0" lang="en-CA" sz="1800" spc="-1" strike="noStrike">
+                <a:solidFill>
+                  <a:srgbClr val="000000"/>
+                </a:solidFill>
+                <a:latin typeface="Arial"/>
+                <a:ea typeface="DejaVu Sans"/>
+              </a:rPr>
+              <a:t>On Linux:</a:t>
+            </a:r>
+            <a:endParaRPr b="0" lang="en-CA" sz="1800" spc="-1" strike="noStrike">
+              <a:latin typeface="Arial"/>
+            </a:endParaRPr>
+          </a:p>
+          <a:p>
+            <a:pPr lvl="2" marL="648000" indent="-215640">
+              <a:lnSpc>
+                <a:spcPct val="100000"/>
+              </a:lnSpc>
+              <a:buClr>
+                <a:srgbClr val="000000"/>
+              </a:buClr>
+              <a:buSzPct val="45000"/>
+              <a:buFont typeface="Wingdings" charset="2"/>
+              <a:buChar char=""/>
+            </a:pPr>
+            <a:r>
+              <a:rPr b="0" lang="en-CA" sz="1800" spc="-1" strike="noStrike">
+                <a:solidFill>
+                  <a:srgbClr val="000000"/>
+                </a:solidFill>
+                <a:latin typeface="Arial"/>
+                <a:ea typeface="DejaVu Sans"/>
+              </a:rPr>
+              <a:t>1)</a:t>
+            </a:r>
+            <a:r>
+              <a:rPr b="0" lang="en-CA" sz="1800" spc="-1" strike="noStrike">
+                <a:solidFill>
+                  <a:srgbClr val="000000"/>
+                </a:solidFill>
+                <a:latin typeface="Arial"/>
+                <a:ea typeface="DejaVu Sans"/>
+              </a:rPr>
+              <a:t>	</a:t>
+            </a:r>
+            <a:r>
+              <a:rPr b="0" lang="en-CA" sz="1800" spc="-1" strike="noStrike">
+                <a:solidFill>
+                  <a:srgbClr val="000000"/>
+                </a:solidFill>
+                <a:latin typeface="Arial"/>
+                <a:ea typeface="DejaVu Sans"/>
+              </a:rPr>
+              <a:t>Navigate to </a:t>
+            </a:r>
+            <a:endParaRPr b="0" lang="en-CA" sz="1800" spc="-1" strike="noStrike">
+              <a:latin typeface="Arial"/>
+            </a:endParaRPr>
+          </a:p>
+          <a:p>
+            <a:pPr lvl="4" marL="1080000" indent="-215640">
+              <a:lnSpc>
+                <a:spcPct val="100000"/>
+              </a:lnSpc>
+              <a:buClr>
+                <a:srgbClr val="000000"/>
+              </a:buClr>
+              <a:buSzPct val="45000"/>
+              <a:buFont typeface="Wingdings" charset="2"/>
+              <a:buChar char=""/>
+            </a:pPr>
+            <a:r>
+              <a:rPr b="0" lang="en-CA" sz="1500" spc="-1" strike="noStrike" u="sng">
+                <a:solidFill>
+                  <a:srgbClr val="0000ff"/>
+                </a:solidFill>
+                <a:uFillTx/>
+                <a:latin typeface="Arial"/>
+                <a:ea typeface="DejaVu Sans"/>
+                <a:hlinkClick r:id="rId1"/>
+              </a:rPr>
+              <a:t>https://www.virtualbox.org/wiki/Download_Old_Builds_6_0</a:t>
+            </a:r>
+            <a:endParaRPr b="0" lang="en-CA" sz="1500" spc="-1" strike="noStrike">
+              <a:latin typeface="Arial"/>
+            </a:endParaRPr>
+          </a:p>
+          <a:p>
+            <a:pPr lvl="2" marL="648000" indent="-215640">
+              <a:lnSpc>
+                <a:spcPct val="100000"/>
+              </a:lnSpc>
+              <a:buClr>
+                <a:srgbClr val="000000"/>
+              </a:buClr>
+              <a:buSzPct val="45000"/>
+              <a:buFont typeface="Wingdings" charset="2"/>
+              <a:buChar char=""/>
+            </a:pPr>
+            <a:r>
+              <a:rPr b="0" lang="en-CA" sz="1800" spc="-1" strike="noStrike">
+                <a:solidFill>
+                  <a:srgbClr val="000000"/>
+                </a:solidFill>
+                <a:latin typeface="Arial"/>
+                <a:ea typeface="DejaVu Sans"/>
+              </a:rPr>
+              <a:t>2)</a:t>
+            </a:r>
+            <a:r>
+              <a:rPr b="0" lang="en-CA" sz="1800" spc="-1" strike="noStrike">
+                <a:solidFill>
+                  <a:srgbClr val="000000"/>
+                </a:solidFill>
+                <a:latin typeface="Arial"/>
+                <a:ea typeface="DejaVu Sans"/>
+              </a:rPr>
+              <a:t>	</a:t>
+            </a:r>
+            <a:r>
+              <a:rPr b="0" lang="en-CA" sz="1800" spc="-1" strike="noStrike">
+                <a:solidFill>
+                  <a:srgbClr val="000000"/>
+                </a:solidFill>
+                <a:latin typeface="Arial"/>
+                <a:ea typeface="DejaVu Sans"/>
+              </a:rPr>
+              <a:t>Select VirtualBox bulid 6.0.4</a:t>
+            </a:r>
+            <a:endParaRPr b="0" lang="en-CA" sz="1800" spc="-1" strike="noStrike">
+              <a:latin typeface="Arial"/>
+            </a:endParaRPr>
+          </a:p>
+          <a:p>
+            <a:pPr lvl="2" marL="648000" indent="-215640">
+              <a:lnSpc>
+                <a:spcPct val="100000"/>
+              </a:lnSpc>
+              <a:buClr>
+                <a:srgbClr val="000000"/>
+              </a:buClr>
+              <a:buSzPct val="45000"/>
+              <a:buFont typeface="Wingdings" charset="2"/>
+              <a:buChar char=""/>
+            </a:pPr>
+            <a:r>
+              <a:rPr b="0" lang="en-CA" sz="1800" spc="-1" strike="noStrike">
+                <a:solidFill>
+                  <a:srgbClr val="000000"/>
+                </a:solidFill>
+                <a:latin typeface="Arial"/>
+                <a:ea typeface="DejaVu Sans"/>
+              </a:rPr>
+              <a:t>3)</a:t>
+            </a:r>
+            <a:r>
+              <a:rPr b="0" lang="en-CA" sz="1800" spc="-1" strike="noStrike">
+                <a:solidFill>
+                  <a:srgbClr val="000000"/>
+                </a:solidFill>
+                <a:latin typeface="Arial"/>
+                <a:ea typeface="DejaVu Sans"/>
+              </a:rPr>
+              <a:t>	</a:t>
+            </a:r>
+            <a:r>
+              <a:rPr b="0" lang="en-CA" sz="1800" spc="-1" strike="noStrike">
+                <a:solidFill>
+                  <a:srgbClr val="000000"/>
+                </a:solidFill>
+                <a:latin typeface="Arial"/>
+                <a:ea typeface="DejaVu Sans"/>
+              </a:rPr>
+              <a:t>Click on Linux hosts click Ubuntu 19.04 </a:t>
+            </a:r>
+            <a:endParaRPr b="0" lang="en-CA" sz="1800" spc="-1" strike="noStrike">
+              <a:latin typeface="Arial"/>
+            </a:endParaRPr>
+          </a:p>
+          <a:p>
+            <a:pPr lvl="2" marL="648000" indent="-215640">
+              <a:lnSpc>
+                <a:spcPct val="100000"/>
+              </a:lnSpc>
+              <a:buClr>
+                <a:srgbClr val="000000"/>
+              </a:buClr>
+              <a:buSzPct val="45000"/>
+              <a:buFont typeface="Wingdings" charset="2"/>
+              <a:buChar char=""/>
+            </a:pPr>
+            <a:r>
+              <a:rPr b="0" lang="en-CA" sz="1800" spc="-1" strike="noStrike">
+                <a:solidFill>
+                  <a:srgbClr val="000000"/>
+                </a:solidFill>
+                <a:latin typeface="Arial"/>
+                <a:ea typeface="DejaVu Sans"/>
+              </a:rPr>
+              <a:t>4)</a:t>
+            </a:r>
+            <a:r>
+              <a:rPr b="0" lang="en-CA" sz="1800" spc="-1" strike="noStrike">
+                <a:solidFill>
+                  <a:srgbClr val="000000"/>
+                </a:solidFill>
+                <a:latin typeface="Arial"/>
+                <a:ea typeface="DejaVu Sans"/>
+              </a:rPr>
+              <a:t>	</a:t>
+            </a:r>
+            <a:r>
+              <a:rPr b="0" lang="en-CA" sz="1800" spc="-1" strike="noStrike">
+                <a:solidFill>
+                  <a:srgbClr val="000000"/>
+                </a:solidFill>
+                <a:latin typeface="Arial"/>
+                <a:ea typeface="DejaVu Sans"/>
+              </a:rPr>
+              <a:t>Once downloaded, click on the application in the </a:t>
+            </a:r>
+            <a:endParaRPr b="0" lang="en-CA" sz="1800" spc="-1" strike="noStrike">
+              <a:latin typeface="Arial"/>
+            </a:endParaRPr>
+          </a:p>
+          <a:p>
+            <a:pPr lvl="4" marL="1080000" indent="-215640">
+              <a:lnSpc>
+                <a:spcPct val="100000"/>
+              </a:lnSpc>
+              <a:buClr>
+                <a:srgbClr val="000000"/>
+              </a:buClr>
+              <a:buSzPct val="45000"/>
+              <a:buFont typeface="Wingdings" charset="2"/>
+              <a:buChar char=""/>
+            </a:pPr>
+            <a:r>
+              <a:rPr b="0" lang="en-CA" sz="1800" spc="-1" strike="noStrike">
+                <a:solidFill>
+                  <a:srgbClr val="000000"/>
+                </a:solidFill>
+                <a:latin typeface="Arial"/>
+                <a:ea typeface="DejaVu Sans"/>
+              </a:rPr>
+              <a:t>downloads section of you browser</a:t>
+            </a:r>
+            <a:endParaRPr b="0" lang="en-CA" sz="1800" spc="-1" strike="noStrike">
+              <a:latin typeface="Arial"/>
+            </a:endParaRPr>
+          </a:p>
+          <a:p>
+            <a:pPr lvl="2" marL="648000" indent="-215640">
+              <a:lnSpc>
+                <a:spcPct val="100000"/>
+              </a:lnSpc>
+              <a:buClr>
+                <a:srgbClr val="000000"/>
+              </a:buClr>
+              <a:buSzPct val="45000"/>
+              <a:buFont typeface="Wingdings" charset="2"/>
+              <a:buChar char=""/>
+            </a:pPr>
+            <a:r>
+              <a:rPr b="0" lang="en-CA" sz="1800" spc="-1" strike="noStrike">
+                <a:solidFill>
+                  <a:srgbClr val="000000"/>
+                </a:solidFill>
+                <a:latin typeface="Arial"/>
+                <a:ea typeface="DejaVu Sans"/>
+              </a:rPr>
+              <a:t>6)</a:t>
+            </a:r>
+            <a:r>
+              <a:rPr b="0" lang="en-CA" sz="1800" spc="-1" strike="noStrike">
+                <a:solidFill>
+                  <a:srgbClr val="000000"/>
+                </a:solidFill>
+                <a:latin typeface="Arial"/>
+                <a:ea typeface="DejaVu Sans"/>
+              </a:rPr>
+              <a:t>	</a:t>
+            </a:r>
+            <a:r>
+              <a:rPr b="0" lang="en-CA" sz="1800" spc="-1" strike="noStrike">
+                <a:solidFill>
+                  <a:srgbClr val="000000"/>
+                </a:solidFill>
+                <a:latin typeface="Arial"/>
+                <a:ea typeface="DejaVu Sans"/>
+              </a:rPr>
+              <a:t>Follow the directions on this video:</a:t>
+            </a:r>
+            <a:endParaRPr b="0" lang="en-CA" sz="1800" spc="-1" strike="noStrike">
+              <a:latin typeface="Arial"/>
+            </a:endParaRPr>
+          </a:p>
+          <a:p>
+            <a:pPr lvl="4" marL="1080000" indent="-215640">
+              <a:lnSpc>
+                <a:spcPct val="100000"/>
+              </a:lnSpc>
+              <a:buClr>
+                <a:srgbClr val="000000"/>
+              </a:buClr>
+              <a:buSzPct val="45000"/>
+              <a:buFont typeface="Wingdings" charset="2"/>
+              <a:buChar char=""/>
+            </a:pPr>
+            <a:r>
+              <a:rPr b="0" lang="en-CA" sz="1800" spc="-1" strike="noStrike" u="sng">
+                <a:solidFill>
+                  <a:srgbClr val="0000ff"/>
+                </a:solidFill>
+                <a:uFillTx/>
+                <a:latin typeface="Arial"/>
+                <a:ea typeface="DejaVu Sans"/>
+                <a:hlinkClick r:id="rId2"/>
+              </a:rPr>
+              <a:t>https://www.youtube.com/watch?v=_RlsxuayJnI</a:t>
+            </a:r>
+            <a:endParaRPr b="0" lang="en-CA" sz="1800" spc="-1" strike="noStrike">
+              <a:latin typeface="Arial"/>
+            </a:endParaRPr>
+          </a:p>
+          <a:p>
+            <a:pPr>
+              <a:lnSpc>
+                <a:spcPct val="100000"/>
+              </a:lnSpc>
+            </a:pPr>
+            <a:endParaRPr b="0" lang="en-CA" sz="1800" spc="-1" strike="noStrike">
+              <a:latin typeface="Arial"/>
+            </a:endParaRPr>
+          </a:p>
+          <a:p>
+            <a:pPr>
+              <a:lnSpc>
+                <a:spcPct val="100000"/>
+              </a:lnSpc>
+            </a:pPr>
+            <a:endParaRPr b="0" lang="en-CA" sz="1800" spc="-1" strike="noStrike">
+              <a:latin typeface="Arial"/>
+            </a:endParaRPr>
+          </a:p>
+          <a:p>
+            <a:pPr>
+              <a:lnSpc>
+                <a:spcPct val="100000"/>
+              </a:lnSpc>
+            </a:pPr>
+            <a:endParaRPr b="0" lang="en-CA" sz="1800" spc="-1" strike="noStrike">
+              <a:latin typeface="Arial"/>
+            </a:endParaRPr>
+          </a:p>
+          <a:p>
+            <a:pPr>
+              <a:lnSpc>
+                <a:spcPct val="100000"/>
+              </a:lnSpc>
+            </a:pPr>
+            <a:endParaRPr b="0" lang="en-CA" sz="1800" spc="-1" strike="noStrike">
+              <a:latin typeface="Arial"/>
+            </a:endParaRPr>
+          </a:p>
+        </p:txBody>
       </p:sp>
     </p:spTree>
   </p:cSld>
@@ -8641,14 +12077,14 @@
       </p:grpSpPr>
       <p:sp>
         <p:nvSpPr>
-          <p:cNvPr id="171" name="CustomShape 1"/>
+          <p:cNvPr id="174" name="CustomShape 1"/>
           <p:cNvSpPr/>
           <p:nvPr/>
         </p:nvSpPr>
         <p:spPr>
           <a:xfrm>
             <a:off x="504000" y="1413360"/>
-            <a:ext cx="8276760" cy="5216760"/>
+            <a:ext cx="8276040" cy="5216040"/>
           </a:xfrm>
           <a:prstGeom prst="rect">
             <a:avLst/>
@@ -8685,7 +12121,7 @@
                 <a:latin typeface="Calibri"/>
                 <a:ea typeface="DejaVu Sans"/>
               </a:rPr>
-              <a:t>On Windows with Hyper-V:</a:t>
+              <a:t>On Windows:</a:t>
             </a:r>
             <a:endParaRPr b="0" lang="en-CA" sz="2400" spc="-1" strike="noStrike">
               <a:latin typeface="Arial"/>
@@ -8744,7 +12180,27 @@
                 <a:latin typeface="Calibri"/>
                 <a:ea typeface="DejaVu Sans"/>
               </a:rPr>
-              <a:t>There are sometimes issues getting VirtualBox working on a windows host.  As a work-around, please use Hyper-V as a second option.  </a:t>
+              <a:t>1)</a:t>
+            </a:r>
+            <a:r>
+              <a:rPr b="0" lang="en-CA" sz="2400" spc="-1" strike="noStrike">
+                <a:solidFill>
+                  <a:srgbClr val="000000"/>
+                </a:solidFill>
+                <a:latin typeface="Calibri"/>
+                <a:ea typeface="DejaVu Sans"/>
+              </a:rPr>
+              <a:t>	</a:t>
+            </a:r>
+            <a:r>
+              <a:rPr b="0" lang="en-CA" sz="2400" spc="-1" strike="noStrike">
+                <a:solidFill>
+                  <a:srgbClr val="000000"/>
+                </a:solidFill>
+                <a:latin typeface="Calibri"/>
+                <a:ea typeface="DejaVu Sans"/>
+              </a:rPr>
+              <a:t>To Install Linux 19.04 inside of Virtual Box:</a:t>
             </a:r>
             <a:endParaRPr b="0" lang="en-CA" sz="2400" spc="-1" strike="noStrike">
               <a:latin typeface="Arial"/>
@@ -8759,6 +12215,18 @@
                 <a:spcPts val="479"/>
               </a:spcBef>
             </a:pPr>
+            <a:r>
+              <a:rPr b="0" lang="en-CA" sz="2400" spc="-1" strike="noStrike" u="sng">
+                <a:solidFill>
+                  <a:srgbClr val="0000ff"/>
+                </a:solidFill>
+                <a:uFillTx/>
+                <a:latin typeface="Calibri"/>
+                <a:ea typeface="DejaVu Sans"/>
+                <a:hlinkClick r:id="rId1"/>
+              </a:rPr>
+              <a:t> https://www.youtube.com/watch?v=pLARQjMwX10</a:t>
+            </a:r>
             <a:endParaRPr b="0" lang="en-CA" sz="2400" spc="-1" strike="noStrike">
               <a:latin typeface="Arial"/>
             </a:endParaRPr>
@@ -8780,27 +12248,7 @@
                 <a:latin typeface="Calibri"/>
                 <a:ea typeface="DejaVu Sans"/>
               </a:rPr>
-              <a:t>1)</a:t>
-            </a:r>
-            <a:r>
-              <a:rPr b="0" lang="en-CA" sz="2400" spc="-1" strike="noStrike">
-                <a:solidFill>
-                  <a:srgbClr val="000000"/>
-                </a:solidFill>
-                <a:latin typeface="Calibri"/>
-                <a:ea typeface="DejaVu Sans"/>
-              </a:rPr>
               <a:t>	</a:t>
-            </a:r>
-            <a:r>
-              <a:rPr b="0" lang="en-CA" sz="2400" spc="-1" strike="noStrike">
-                <a:solidFill>
-                  <a:srgbClr val="000000"/>
-                </a:solidFill>
-                <a:latin typeface="Calibri"/>
-                <a:ea typeface="DejaVu Sans"/>
-              </a:rPr>
-              <a:t>To Install Linux 19.04 inside of Hyper-V:</a:t>
             </a:r>
             <a:endParaRPr b="0" lang="en-CA" sz="2400" spc="-1" strike="noStrike">
               <a:latin typeface="Arial"/>
@@ -8815,80 +12263,22 @@
                 <a:spcPts val="479"/>
               </a:spcBef>
             </a:pPr>
-            <a:r>
-              <a:rPr b="0" lang="en-CA" sz="2400" spc="-1" strike="noStrike">
-                <a:solidFill>
-                  <a:srgbClr val="000000"/>
-                </a:solidFill>
-                <a:latin typeface="Calibri"/>
-                <a:ea typeface="DejaVu Sans"/>
-              </a:rPr>
-              <a:t>	</a:t>
-            </a:r>
-            <a:r>
-              <a:rPr b="0" lang="en-CA" sz="1500" spc="-1" strike="noStrike" u="sng">
-                <a:solidFill>
-                  <a:srgbClr val="0000ff"/>
-                </a:solidFill>
-                <a:uFillTx/>
-                <a:latin typeface="Calibri"/>
-                <a:ea typeface="DejaVu Sans"/>
-                <a:hlinkClick r:id="rId1"/>
-              </a:rPr>
-              <a:t>https://www.windowscentral.com/how-run-linux-distros-windows-10-using-hyper-v</a:t>
-            </a:r>
-            <a:endParaRPr b="0" lang="en-CA" sz="1500" spc="-1" strike="noStrike">
-              <a:latin typeface="Arial"/>
-            </a:endParaRPr>
-          </a:p>
-          <a:p>
-            <a:pPr>
-              <a:lnSpc>
-                <a:spcPct val="100000"/>
-              </a:lnSpc>
-              <a:spcBef>
-                <a:spcPts val="479"/>
-              </a:spcBef>
-            </a:pPr>
-            <a:r>
-              <a:rPr b="0" lang="en-CA" sz="2400" spc="-1" strike="noStrike">
-                <a:solidFill>
-                  <a:srgbClr val="000000"/>
-                </a:solidFill>
-                <a:latin typeface="Calibri"/>
-                <a:ea typeface="DejaVu Sans"/>
-              </a:rPr>
-              <a:t>	</a:t>
-            </a:r>
             <a:endParaRPr b="0" lang="en-CA" sz="2400" spc="-1" strike="noStrike">
               <a:latin typeface="Arial"/>
             </a:endParaRPr>
           </a:p>
-          <a:p>
-            <a:pPr>
-              <a:lnSpc>
-                <a:spcPct val="100000"/>
-              </a:lnSpc>
-              <a:spcBef>
-                <a:spcPts val="479"/>
-              </a:spcBef>
-            </a:pPr>
-            <a:endParaRPr b="0" lang="en-CA" sz="2400" spc="-1" strike="noStrike">
-              <a:latin typeface="Arial"/>
-            </a:endParaRPr>
-          </a:p>
-        </p:txBody>
-      </p:sp>
-      <p:sp>
-        <p:nvSpPr>
-          <p:cNvPr id="172" name="CustomShape 2"/>
+        </p:txBody>
+      </p:sp>
+      <p:sp>
+        <p:nvSpPr>
+          <p:cNvPr id="175" name="CustomShape 2"/>
           <p:cNvSpPr/>
           <p:nvPr/>
         </p:nvSpPr>
         <p:spPr>
           <a:xfrm>
             <a:off x="432000" y="0"/>
-            <a:ext cx="7449120" cy="1181160"/>
+            <a:ext cx="7448400" cy="1180440"/>
           </a:xfrm>
           <a:prstGeom prst="rect">
             <a:avLst/>
@@ -8952,14 +12342,14 @@
       </p:sp>
       <p:sp>
         <p:nvSpPr>
-          <p:cNvPr id="173" name="CustomShape 3"/>
+          <p:cNvPr id="176" name="CustomShape 3"/>
           <p:cNvSpPr/>
           <p:nvPr/>
         </p:nvSpPr>
         <p:spPr>
           <a:xfrm>
             <a:off x="0" y="0"/>
-            <a:ext cx="248400" cy="1193400"/>
+            <a:ext cx="247680" cy="1192680"/>
           </a:xfrm>
           <a:prstGeom prst="rect">
             <a:avLst/>
@@ -8988,7 +12378,7 @@
       </p:sp>
       <p:sp>
         <p:nvSpPr>
-          <p:cNvPr id="174" name="Line 4"/>
+          <p:cNvPr id="177" name="Line 4"/>
           <p:cNvSpPr/>
           <p:nvPr/>
         </p:nvSpPr>
@@ -9078,14 +12468,14 @@
       </p:grpSpPr>
       <p:sp>
         <p:nvSpPr>
-          <p:cNvPr id="175" name="CustomShape 1"/>
+          <p:cNvPr id="178" name="CustomShape 1"/>
           <p:cNvSpPr/>
           <p:nvPr/>
         </p:nvSpPr>
         <p:spPr>
           <a:xfrm>
-            <a:off x="504000" y="1449360"/>
-            <a:ext cx="8276760" cy="5216760"/>
+            <a:off x="504000" y="1413360"/>
+            <a:ext cx="8276040" cy="5216040"/>
           </a:xfrm>
           <a:prstGeom prst="rect">
             <a:avLst/>
@@ -9122,7 +12512,7 @@
                 <a:latin typeface="Calibri"/>
                 <a:ea typeface="DejaVu Sans"/>
               </a:rPr>
-              <a:t>Now that we all have a working copy of Ubuntu Linux 19.04 installed.  We can begin building our development server.  We will follow the steps we listed above. </a:t>
+              <a:t>On Macintosh:</a:t>
             </a:r>
             <a:endParaRPr b="0" lang="en-CA" sz="2400" spc="-1" strike="noStrike">
               <a:latin typeface="Arial"/>
@@ -9137,6 +12527,16 @@
                 <a:spcPts val="479"/>
               </a:spcBef>
             </a:pPr>
+            <a:r>
+              <a:rPr b="0" lang="en-CA" sz="2400" spc="-1" strike="noStrike">
+                <a:solidFill>
+                  <a:srgbClr val="000000"/>
+                </a:solidFill>
+                <a:latin typeface="Calibri"/>
+                <a:ea typeface="DejaVu Sans"/>
+              </a:rPr>
+              <a:t>(click the link to be taken directly to the page)</a:t>
+            </a:r>
             <a:endParaRPr b="0" lang="en-CA" sz="2400" spc="-1" strike="noStrike">
               <a:latin typeface="Arial"/>
             </a:endParaRPr>
@@ -9150,16 +12550,6 @@
                 <a:spcPts val="479"/>
               </a:spcBef>
             </a:pPr>
-            <a:r>
-              <a:rPr b="0" lang="en-CA" sz="2400" spc="-1" strike="noStrike">
-                <a:solidFill>
-                  <a:srgbClr val="000000"/>
-                </a:solidFill>
-                <a:latin typeface="Calibri"/>
-                <a:ea typeface="DejaVu Sans"/>
-              </a:rPr>
-              <a:t>Ubuntu 19.04 installs in a small box on your screen.  This is a little annoying.  The workaround is here:</a:t>
-            </a:r>
             <a:endParaRPr b="0" lang="en-CA" sz="2400" spc="-1" strike="noStrike">
               <a:latin typeface="Arial"/>
             </a:endParaRPr>
@@ -9174,18 +12564,16 @@
               </a:spcBef>
             </a:pPr>
             <a:r>
-              <a:rPr b="0" lang="en-CA" sz="1600" spc="-1" strike="noStrike" u="sng">
-                <a:solidFill>
-                  <a:srgbClr val="0000ff"/>
-                </a:solidFill>
-                <a:uFillTx/>
+              <a:rPr b="0" lang="en-CA" sz="2400" spc="-1" strike="noStrike">
+                <a:solidFill>
+                  <a:srgbClr val="000000"/>
+                </a:solidFill>
                 <a:latin typeface="Calibri"/>
                 <a:ea typeface="DejaVu Sans"/>
-                <a:hlinkClick r:id="rId1"/>
-              </a:rPr>
-              <a:t>https://www.donovanbrown.com/post/How-to-run-HyperV-base-Ubuntu-VM-full-screen</a:t>
-            </a:r>
-            <a:endParaRPr b="0" lang="en-CA" sz="1600" spc="-1" strike="noStrike">
+              </a:rPr>
+              <a:t>Installing Ubuntu Linux 19.04 in Virtual Box</a:t>
+            </a:r>
+            <a:endParaRPr b="0" lang="en-CA" sz="2400" spc="-1" strike="noStrike">
               <a:latin typeface="Arial"/>
             </a:endParaRPr>
           </a:p>
@@ -9198,7 +12586,7 @@
                 <a:spcPts val="479"/>
               </a:spcBef>
             </a:pPr>
-            <a:endParaRPr b="0" lang="en-CA" sz="1600" spc="-1" strike="noStrike">
+            <a:endParaRPr b="0" lang="en-CA" sz="2400" spc="-1" strike="noStrike">
               <a:latin typeface="Arial"/>
             </a:endParaRPr>
           </a:p>
@@ -9219,24 +12607,115 @@
                 <a:latin typeface="Calibri"/>
                 <a:ea typeface="DejaVu Sans"/>
               </a:rPr>
+              <a:t>1)</a:t>
+            </a:r>
+            <a:r>
+              <a:rPr b="0" lang="en-CA" sz="2400" spc="-1" strike="noStrike">
+                <a:solidFill>
+                  <a:srgbClr val="000000"/>
+                </a:solidFill>
+                <a:latin typeface="Calibri"/>
+                <a:ea typeface="DejaVu Sans"/>
+              </a:rPr>
               <a:t>	</a:t>
             </a:r>
+            <a:r>
+              <a:rPr b="0" lang="en-CA" sz="2400" spc="-1" strike="noStrike">
+                <a:solidFill>
+                  <a:srgbClr val="000000"/>
+                </a:solidFill>
+                <a:latin typeface="Calibri"/>
+                <a:ea typeface="DejaVu Sans"/>
+              </a:rPr>
+              <a:t>To Install Linux 19.04 inside of Virtual Box:</a:t>
+            </a:r>
             <a:endParaRPr b="0" lang="en-CA" sz="2400" spc="-1" strike="noStrike">
               <a:latin typeface="Arial"/>
             </a:endParaRPr>
           </a:p>
-        </p:txBody>
-      </p:sp>
-      <p:sp>
-        <p:nvSpPr>
-          <p:cNvPr id="176" name="CustomShape 2"/>
+          <a:p>
+            <a:pPr>
+              <a:lnSpc>
+                <a:spcPct val="100000"/>
+              </a:lnSpc>
+              <a:spcBef>
+                <a:spcPts val="479"/>
+              </a:spcBef>
+            </a:pPr>
+            <a:r>
+              <a:rPr b="0" lang="en-CA" sz="2400" spc="-1" strike="noStrike">
+                <a:solidFill>
+                  <a:srgbClr val="000000"/>
+                </a:solidFill>
+                <a:latin typeface="Calibri"/>
+                <a:ea typeface="DejaVu Sans"/>
+              </a:rPr>
+              <a:t>	</a:t>
+            </a:r>
+            <a:r>
+              <a:rPr b="0" lang="en-CA" sz="2400" spc="-1" strike="noStrike" u="sng">
+                <a:solidFill>
+                  <a:srgbClr val="0000ff"/>
+                </a:solidFill>
+                <a:uFillTx/>
+                <a:latin typeface="Calibri"/>
+                <a:ea typeface="DejaVu Sans"/>
+                <a:hlinkClick r:id="rId1"/>
+              </a:rPr>
+              <a:t>https://www.youtube.com/watch?v=QnMHGtaqh-Y</a:t>
+            </a:r>
+            <a:endParaRPr b="0" lang="en-CA" sz="2400" spc="-1" strike="noStrike">
+              <a:latin typeface="Arial"/>
+            </a:endParaRPr>
+          </a:p>
+          <a:p>
+            <a:pPr>
+              <a:lnSpc>
+                <a:spcPct val="100000"/>
+              </a:lnSpc>
+              <a:spcBef>
+                <a:spcPts val="479"/>
+              </a:spcBef>
+            </a:pPr>
+            <a:r>
+              <a:rPr b="0" lang="en-CA" sz="2400" spc="-1" strike="noStrike">
+                <a:solidFill>
+                  <a:srgbClr val="000000"/>
+                </a:solidFill>
+                <a:latin typeface="Calibri"/>
+                <a:ea typeface="DejaVu Sans"/>
+              </a:rPr>
+              <a:t>	</a:t>
+            </a:r>
+            <a:endParaRPr b="0" lang="en-CA" sz="2400" spc="-1" strike="noStrike">
+              <a:latin typeface="Arial"/>
+            </a:endParaRPr>
+          </a:p>
+          <a:p>
+            <a:pPr>
+              <a:lnSpc>
+                <a:spcPct val="100000"/>
+              </a:lnSpc>
+              <a:spcBef>
+                <a:spcPts val="479"/>
+              </a:spcBef>
+            </a:pPr>
+            <a:endParaRPr b="0" lang="en-CA" sz="2400" spc="-1" strike="noStrike">
+              <a:latin typeface="Arial"/>
+            </a:endParaRPr>
+          </a:p>
+        </p:txBody>
+      </p:sp>
+      <p:sp>
+        <p:nvSpPr>
+          <p:cNvPr id="179" name="CustomShape 2"/>
           <p:cNvSpPr/>
           <p:nvPr/>
         </p:nvSpPr>
         <p:spPr>
           <a:xfrm>
             <a:off x="432000" y="0"/>
-            <a:ext cx="7449120" cy="1181160"/>
+            <a:ext cx="7448400" cy="1180440"/>
           </a:xfrm>
           <a:prstGeom prst="rect">
             <a:avLst/>
@@ -9300,14 +12779,14 @@
       </p:sp>
       <p:sp>
         <p:nvSpPr>
-          <p:cNvPr id="177" name="CustomShape 3"/>
+          <p:cNvPr id="180" name="CustomShape 3"/>
           <p:cNvSpPr/>
           <p:nvPr/>
         </p:nvSpPr>
         <p:spPr>
           <a:xfrm>
             <a:off x="0" y="0"/>
-            <a:ext cx="248400" cy="1193400"/>
+            <a:ext cx="247680" cy="1192680"/>
           </a:xfrm>
           <a:prstGeom prst="rect">
             <a:avLst/>
@@ -9336,7 +12815,7 @@
       </p:sp>
       <p:sp>
         <p:nvSpPr>
-          <p:cNvPr id="178" name="Line 4"/>
+          <p:cNvPr id="181" name="Line 4"/>
           <p:cNvSpPr/>
           <p:nvPr/>
         </p:nvSpPr>
@@ -9426,14 +12905,14 @@
       </p:grpSpPr>
       <p:sp>
         <p:nvSpPr>
-          <p:cNvPr id="179" name="CustomShape 1"/>
+          <p:cNvPr id="182" name="CustomShape 1"/>
           <p:cNvSpPr/>
           <p:nvPr/>
         </p:nvSpPr>
         <p:spPr>
           <a:xfrm>
-            <a:off x="504000" y="1377360"/>
-            <a:ext cx="8276760" cy="5216760"/>
+            <a:off x="504000" y="1413360"/>
+            <a:ext cx="8276040" cy="5216040"/>
           </a:xfrm>
           <a:prstGeom prst="rect">
             <a:avLst/>
@@ -9463,16 +12942,16 @@
               </a:spcBef>
             </a:pPr>
             <a:r>
-              <a:rPr b="0" lang="en-CA" sz="3600" spc="-1" strike="noStrike">
+              <a:rPr b="0" lang="en-CA" sz="2400" spc="-1" strike="noStrike">
                 <a:solidFill>
                   <a:srgbClr val="000000"/>
                 </a:solidFill>
                 <a:latin typeface="Calibri"/>
                 <a:ea typeface="DejaVu Sans"/>
               </a:rPr>
-              <a:t>Now we begin installing the software we need for our course.  </a:t>
-            </a:r>
-            <a:endParaRPr b="0" lang="en-CA" sz="3600" spc="-1" strike="noStrike">
+              <a:t>On Linux:</a:t>
+            </a:r>
+            <a:endParaRPr b="0" lang="en-CA" sz="2400" spc="-1" strike="noStrike">
               <a:latin typeface="Arial"/>
             </a:endParaRPr>
           </a:p>
@@ -9485,7 +12964,17 @@
                 <a:spcPts val="479"/>
               </a:spcBef>
             </a:pPr>
-            <a:endParaRPr b="0" lang="en-CA" sz="3600" spc="-1" strike="noStrike">
+            <a:r>
+              <a:rPr b="0" lang="en-CA" sz="2400" spc="-1" strike="noStrike">
+                <a:solidFill>
+                  <a:srgbClr val="000000"/>
+                </a:solidFill>
+                <a:latin typeface="Calibri"/>
+                <a:ea typeface="DejaVu Sans"/>
+              </a:rPr>
+              <a:t>(click the link to be taken directly to the page)</a:t>
+            </a:r>
+            <a:endParaRPr b="0" lang="en-CA" sz="2400" spc="-1" strike="noStrike">
               <a:latin typeface="Arial"/>
             </a:endParaRPr>
           </a:p>
@@ -9498,17 +12987,7 @@
                 <a:spcPts val="479"/>
               </a:spcBef>
             </a:pPr>
-            <a:r>
-              <a:rPr b="0" lang="en-CA" sz="3600" spc="-1" strike="noStrike">
-                <a:solidFill>
-                  <a:srgbClr val="000000"/>
-                </a:solidFill>
-                <a:latin typeface="Calibri"/>
-                <a:ea typeface="DejaVu Sans"/>
-              </a:rPr>
-              <a:t>Python</a:t>
-            </a:r>
-            <a:endParaRPr b="0" lang="en-CA" sz="3600" spc="-1" strike="noStrike">
+            <a:endParaRPr b="0" lang="en-CA" sz="2400" spc="-1" strike="noStrike">
               <a:latin typeface="Arial"/>
             </a:endParaRPr>
           </a:p>
@@ -9521,7 +13000,37 @@
                 <a:spcPts val="479"/>
               </a:spcBef>
             </a:pPr>
-            <a:endParaRPr b="0" lang="en-CA" sz="3600" spc="-1" strike="noStrike">
+            <a:r>
+              <a:rPr b="0" lang="en-CA" sz="2400" spc="-1" strike="noStrike">
+                <a:solidFill>
+                  <a:srgbClr val="000000"/>
+                </a:solidFill>
+                <a:latin typeface="Calibri"/>
+                <a:ea typeface="DejaVu Sans"/>
+              </a:rPr>
+              <a:t>1)</a:t>
+            </a:r>
+            <a:r>
+              <a:rPr b="0" lang="en-CA" sz="2400" spc="-1" strike="noStrike">
+                <a:solidFill>
+                  <a:srgbClr val="000000"/>
+                </a:solidFill>
+                <a:latin typeface="Calibri"/>
+                <a:ea typeface="DejaVu Sans"/>
+              </a:rPr>
+              <a:t>	</a:t>
+            </a:r>
+            <a:r>
+              <a:rPr b="0" lang="en-CA" sz="2400" spc="-1" strike="noStrike">
+                <a:solidFill>
+                  <a:srgbClr val="000000"/>
+                </a:solidFill>
+                <a:latin typeface="Calibri"/>
+                <a:ea typeface="DejaVu Sans"/>
+              </a:rPr>
+              <a:t>To Install Linux 19.04 inside of Virtual Box:</a:t>
+            </a:r>
+            <a:endParaRPr b="0" lang="en-CA" sz="2400" spc="-1" strike="noStrike">
               <a:latin typeface="Arial"/>
             </a:endParaRPr>
           </a:p>
@@ -9535,16 +13044,28 @@
               </a:spcBef>
             </a:pPr>
             <a:r>
-              <a:rPr b="0" lang="en-CA" sz="3600" spc="-1" strike="noStrike">
+              <a:rPr b="0" lang="en-CA" sz="2400" spc="-1" strike="noStrike">
                 <a:solidFill>
                   <a:srgbClr val="000000"/>
                 </a:solidFill>
                 <a:latin typeface="Calibri"/>
                 <a:ea typeface="DejaVu Sans"/>
               </a:rPr>
-              <a:t>We will be using the python 3 interpreter (python3) and the python 3 package manager (pip3).  Here is the link you need to install the software:</a:t>
-            </a:r>
-            <a:endParaRPr b="0" lang="en-CA" sz="3600" spc="-1" strike="noStrike">
+              <a:t>	</a:t>
+            </a:r>
+            <a:r>
+              <a:rPr b="0" lang="en-CA" sz="2400" spc="-1" strike="noStrike" u="sng">
+                <a:solidFill>
+                  <a:srgbClr val="0000ff"/>
+                </a:solidFill>
+                <a:uFillTx/>
+                <a:latin typeface="Calibri"/>
+                <a:ea typeface="DejaVu Sans"/>
+                <a:hlinkClick r:id="rId1"/>
+              </a:rPr>
+              <a:t>https://itsfoss.com/install-virtualbox-ubuntu/</a:t>
+            </a:r>
+            <a:endParaRPr b="0" lang="en-CA" sz="2400" spc="-1" strike="noStrike">
               <a:latin typeface="Arial"/>
             </a:endParaRPr>
           </a:p>
@@ -9557,7 +13078,17 @@
                 <a:spcPts val="479"/>
               </a:spcBef>
             </a:pPr>
-            <a:endParaRPr b="0" lang="en-CA" sz="3600" spc="-1" strike="noStrike">
+            <a:r>
+              <a:rPr b="0" lang="en-CA" sz="2400" spc="-1" strike="noStrike">
+                <a:solidFill>
+                  <a:srgbClr val="000000"/>
+                </a:solidFill>
+                <a:latin typeface="Calibri"/>
+                <a:ea typeface="DejaVu Sans"/>
+              </a:rPr>
+              <a:t>	</a:t>
+            </a:r>
+            <a:endParaRPr b="0" lang="en-CA" sz="2400" spc="-1" strike="noStrike">
               <a:latin typeface="Arial"/>
             </a:endParaRPr>
           </a:p>
@@ -9570,67 +13101,6 @@
                 <a:spcPts val="479"/>
               </a:spcBef>
             </a:pPr>
-            <a:r>
-              <a:rPr b="0" lang="en-CA" sz="3600" spc="-1" strike="noStrike" u="sng">
-                <a:solidFill>
-                  <a:srgbClr val="0000ff"/>
-                </a:solidFill>
-                <a:uFillTx/>
-                <a:latin typeface="Calibri"/>
-                <a:ea typeface="DejaVu Sans"/>
-                <a:hlinkClick r:id="rId1"/>
-              </a:rPr>
-              <a:t>https://tubemint.com/how-to-install-python-3-7-pip-3-ubuntu-19-04/</a:t>
-            </a:r>
-            <a:endParaRPr b="0" lang="en-CA" sz="3600" spc="-1" strike="noStrike">
-              <a:latin typeface="Arial"/>
-            </a:endParaRPr>
-          </a:p>
-          <a:p>
-            <a:pPr>
-              <a:lnSpc>
-                <a:spcPct val="100000"/>
-              </a:lnSpc>
-              <a:spcBef>
-                <a:spcPts val="479"/>
-              </a:spcBef>
-            </a:pPr>
-            <a:endParaRPr b="0" lang="en-CA" sz="3600" spc="-1" strike="noStrike">
-              <a:latin typeface="Arial"/>
-            </a:endParaRPr>
-          </a:p>
-          <a:p>
-            <a:pPr>
-              <a:lnSpc>
-                <a:spcPct val="100000"/>
-              </a:lnSpc>
-              <a:spcBef>
-                <a:spcPts val="479"/>
-              </a:spcBef>
-            </a:pPr>
-            <a:endParaRPr b="0" lang="en-CA" sz="3600" spc="-1" strike="noStrike">
-              <a:latin typeface="Arial"/>
-            </a:endParaRPr>
-          </a:p>
-          <a:p>
-            <a:pPr>
-              <a:lnSpc>
-                <a:spcPct val="100000"/>
-              </a:lnSpc>
-              <a:spcBef>
-                <a:spcPts val="479"/>
-              </a:spcBef>
-            </a:pPr>
-            <a:r>
-              <a:rPr b="0" lang="en-CA" sz="2400" spc="-1" strike="noStrike">
-                <a:solidFill>
-                  <a:srgbClr val="000000"/>
-                </a:solidFill>
-                <a:latin typeface="Calibri"/>
-                <a:ea typeface="DejaVu Sans"/>
-              </a:rPr>
-              <a:t>	</a:t>
-            </a:r>
             <a:endParaRPr b="0" lang="en-CA" sz="2400" spc="-1" strike="noStrike">
               <a:latin typeface="Arial"/>
             </a:endParaRPr>
@@ -9639,14 +13109,14 @@
       </p:sp>
       <p:sp>
         <p:nvSpPr>
-          <p:cNvPr id="180" name="CustomShape 2"/>
+          <p:cNvPr id="183" name="CustomShape 2"/>
           <p:cNvSpPr/>
           <p:nvPr/>
         </p:nvSpPr>
         <p:spPr>
           <a:xfrm>
             <a:off x="432000" y="0"/>
-            <a:ext cx="7449120" cy="1181160"/>
+            <a:ext cx="7448400" cy="1180440"/>
           </a:xfrm>
           <a:prstGeom prst="rect">
             <a:avLst/>
@@ -9710,14 +13180,14 @@
       </p:sp>
       <p:sp>
         <p:nvSpPr>
-          <p:cNvPr id="181" name="CustomShape 3"/>
+          <p:cNvPr id="184" name="CustomShape 3"/>
           <p:cNvSpPr/>
           <p:nvPr/>
         </p:nvSpPr>
         <p:spPr>
           <a:xfrm>
             <a:off x="0" y="0"/>
-            <a:ext cx="248400" cy="1193400"/>
+            <a:ext cx="247680" cy="1192680"/>
           </a:xfrm>
           <a:prstGeom prst="rect">
             <a:avLst/>
@@ -9746,7 +13216,7 @@
       </p:sp>
       <p:sp>
         <p:nvSpPr>
-          <p:cNvPr id="182" name="Line 4"/>
+          <p:cNvPr id="185" name="Line 4"/>
           <p:cNvSpPr/>
           <p:nvPr/>
         </p:nvSpPr>
@@ -9836,14 +13306,14 @@
       </p:grpSpPr>
       <p:sp>
         <p:nvSpPr>
-          <p:cNvPr id="183" name="CustomShape 1"/>
+          <p:cNvPr id="186" name="CustomShape 1"/>
           <p:cNvSpPr/>
           <p:nvPr/>
         </p:nvSpPr>
         <p:spPr>
           <a:xfrm>
-            <a:off x="504000" y="1377360"/>
-            <a:ext cx="8276760" cy="5216760"/>
+            <a:off x="504000" y="1413360"/>
+            <a:ext cx="8276040" cy="5216040"/>
           </a:xfrm>
           <a:prstGeom prst="rect">
             <a:avLst/>
@@ -9873,16 +13343,16 @@
               </a:spcBef>
             </a:pPr>
             <a:r>
-              <a:rPr b="0" lang="en-CA" sz="3600" spc="-1" strike="noStrike">
+              <a:rPr b="0" lang="en-CA" sz="2400" spc="-1" strike="noStrike">
                 <a:solidFill>
                   <a:srgbClr val="000000"/>
                 </a:solidFill>
                 <a:latin typeface="Calibri"/>
                 <a:ea typeface="DejaVu Sans"/>
               </a:rPr>
-              <a:t>Docker</a:t>
-            </a:r>
-            <a:endParaRPr b="0" lang="en-CA" sz="3600" spc="-1" strike="noStrike">
+              <a:t>On Windows with Hyper-V:</a:t>
+            </a:r>
+            <a:endParaRPr b="0" lang="en-CA" sz="2400" spc="-1" strike="noStrike">
               <a:latin typeface="Arial"/>
             </a:endParaRPr>
           </a:p>
@@ -9895,7 +13365,17 @@
                 <a:spcPts val="479"/>
               </a:spcBef>
             </a:pPr>
-            <a:endParaRPr b="0" lang="en-CA" sz="3600" spc="-1" strike="noStrike">
+            <a:r>
+              <a:rPr b="0" lang="en-CA" sz="2400" spc="-1" strike="noStrike">
+                <a:solidFill>
+                  <a:srgbClr val="000000"/>
+                </a:solidFill>
+                <a:latin typeface="Calibri"/>
+                <a:ea typeface="DejaVu Sans"/>
+              </a:rPr>
+              <a:t>(click the link to be taken directly to the page)</a:t>
+            </a:r>
+            <a:endParaRPr b="0" lang="en-CA" sz="2400" spc="-1" strike="noStrike">
               <a:latin typeface="Arial"/>
             </a:endParaRPr>
           </a:p>
@@ -9908,19 +13388,7 @@
                 <a:spcPts val="479"/>
               </a:spcBef>
             </a:pPr>
-            <a:r>
-              <a:rPr b="0" lang="en-CA" sz="1800" spc="-1" strike="noStrike" u="sng">
-                <a:solidFill>
-                  <a:srgbClr val="0000ff"/>
-                </a:solidFill>
-                <a:uFillTx/>
-                <a:latin typeface="Calibri"/>
-                <a:ea typeface="DejaVu Sans"/>
-                <a:hlinkClick r:id="rId1"/>
-              </a:rPr>
-              <a:t>https://medium.com/@Grigorkh/how-to-install-docker-on-ubuntu-19-04-7ccfeda5935</a:t>
-            </a:r>
-            <a:endParaRPr b="0" lang="en-CA" sz="1800" spc="-1" strike="noStrike">
+            <a:endParaRPr b="0" lang="en-CA" sz="2400" spc="-1" strike="noStrike">
               <a:latin typeface="Arial"/>
             </a:endParaRPr>
           </a:p>
@@ -9933,7 +13401,17 @@
                 <a:spcPts val="479"/>
               </a:spcBef>
             </a:pPr>
-            <a:endParaRPr b="0" lang="en-CA" sz="1800" spc="-1" strike="noStrike">
+            <a:r>
+              <a:rPr b="0" lang="en-CA" sz="2400" spc="-1" strike="noStrike">
+                <a:solidFill>
+                  <a:srgbClr val="000000"/>
+                </a:solidFill>
+                <a:latin typeface="Calibri"/>
+                <a:ea typeface="DejaVu Sans"/>
+              </a:rPr>
+              <a:t>There are sometimes issues getting VirtualBox working on a windows host.  As a work-around, please use Hyper-V as a second option.  </a:t>
+            </a:r>
+            <a:endParaRPr b="0" lang="en-CA" sz="2400" spc="-1" strike="noStrike">
               <a:latin typeface="Arial"/>
             </a:endParaRPr>
           </a:p>
@@ -9946,6 +13424,19 @@
                 <a:spcPts val="479"/>
               </a:spcBef>
             </a:pPr>
+            <a:endParaRPr b="0" lang="en-CA" sz="2400" spc="-1" strike="noStrike">
+              <a:latin typeface="Arial"/>
+            </a:endParaRPr>
+          </a:p>
+          <a:p>
+            <a:pPr>
+              <a:lnSpc>
+                <a:spcPct val="100000"/>
+              </a:lnSpc>
+              <a:spcBef>
+                <a:spcPts val="479"/>
+              </a:spcBef>
+            </a:pPr>
             <a:r>
               <a:rPr b="0" lang="en-CA" sz="2400" spc="-1" strike="noStrike">
                 <a:solidFill>
@@ -9954,24 +13445,115 @@
                 <a:latin typeface="Calibri"/>
                 <a:ea typeface="DejaVu Sans"/>
               </a:rPr>
+              <a:t>1)</a:t>
+            </a:r>
+            <a:r>
+              <a:rPr b="0" lang="en-CA" sz="2400" spc="-1" strike="noStrike">
+                <a:solidFill>
+                  <a:srgbClr val="000000"/>
+                </a:solidFill>
+                <a:latin typeface="Calibri"/>
+                <a:ea typeface="DejaVu Sans"/>
+              </a:rPr>
               <a:t>	</a:t>
             </a:r>
+            <a:r>
+              <a:rPr b="0" lang="en-CA" sz="2400" spc="-1" strike="noStrike">
+                <a:solidFill>
+                  <a:srgbClr val="000000"/>
+                </a:solidFill>
+                <a:latin typeface="Calibri"/>
+                <a:ea typeface="DejaVu Sans"/>
+              </a:rPr>
+              <a:t>To Install Linux 19.04 inside of Hyper-V:</a:t>
+            </a:r>
             <a:endParaRPr b="0" lang="en-CA" sz="2400" spc="-1" strike="noStrike">
               <a:latin typeface="Arial"/>
             </a:endParaRPr>
           </a:p>
-        </p:txBody>
-      </p:sp>
-      <p:sp>
-        <p:nvSpPr>
-          <p:cNvPr id="184" name="CustomShape 2"/>
+          <a:p>
+            <a:pPr>
+              <a:lnSpc>
+                <a:spcPct val="100000"/>
+              </a:lnSpc>
+              <a:spcBef>
+                <a:spcPts val="479"/>
+              </a:spcBef>
+            </a:pPr>
+            <a:r>
+              <a:rPr b="0" lang="en-CA" sz="2400" spc="-1" strike="noStrike">
+                <a:solidFill>
+                  <a:srgbClr val="000000"/>
+                </a:solidFill>
+                <a:latin typeface="Calibri"/>
+                <a:ea typeface="DejaVu Sans"/>
+              </a:rPr>
+              <a:t>	</a:t>
+            </a:r>
+            <a:r>
+              <a:rPr b="0" lang="en-CA" sz="1500" spc="-1" strike="noStrike" u="sng">
+                <a:solidFill>
+                  <a:srgbClr val="0000ff"/>
+                </a:solidFill>
+                <a:uFillTx/>
+                <a:latin typeface="Calibri"/>
+                <a:ea typeface="DejaVu Sans"/>
+                <a:hlinkClick r:id="rId1"/>
+              </a:rPr>
+              <a:t>https://www.windowscentral.com/how-run-linux-distros-windows-10-using-hyper-v</a:t>
+            </a:r>
+            <a:endParaRPr b="0" lang="en-CA" sz="1500" spc="-1" strike="noStrike">
+              <a:latin typeface="Arial"/>
+            </a:endParaRPr>
+          </a:p>
+          <a:p>
+            <a:pPr>
+              <a:lnSpc>
+                <a:spcPct val="100000"/>
+              </a:lnSpc>
+              <a:spcBef>
+                <a:spcPts val="479"/>
+              </a:spcBef>
+            </a:pPr>
+            <a:r>
+              <a:rPr b="0" lang="en-CA" sz="2400" spc="-1" strike="noStrike">
+                <a:solidFill>
+                  <a:srgbClr val="000000"/>
+                </a:solidFill>
+                <a:latin typeface="Calibri"/>
+                <a:ea typeface="DejaVu Sans"/>
+              </a:rPr>
+              <a:t>	</a:t>
+            </a:r>
+            <a:endParaRPr b="0" lang="en-CA" sz="2400" spc="-1" strike="noStrike">
+              <a:latin typeface="Arial"/>
+            </a:endParaRPr>
+          </a:p>
+          <a:p>
+            <a:pPr>
+              <a:lnSpc>
+                <a:spcPct val="100000"/>
+              </a:lnSpc>
+              <a:spcBef>
+                <a:spcPts val="479"/>
+              </a:spcBef>
+            </a:pPr>
+            <a:endParaRPr b="0" lang="en-CA" sz="2400" spc="-1" strike="noStrike">
+              <a:latin typeface="Arial"/>
+            </a:endParaRPr>
+          </a:p>
+        </p:txBody>
+      </p:sp>
+      <p:sp>
+        <p:nvSpPr>
+          <p:cNvPr id="187" name="CustomShape 2"/>
           <p:cNvSpPr/>
           <p:nvPr/>
         </p:nvSpPr>
         <p:spPr>
           <a:xfrm>
             <a:off x="432000" y="0"/>
-            <a:ext cx="7449120" cy="1181160"/>
+            <a:ext cx="7448400" cy="1180440"/>
           </a:xfrm>
           <a:prstGeom prst="rect">
             <a:avLst/>
@@ -10035,14 +13617,14 @@
       </p:sp>
       <p:sp>
         <p:nvSpPr>
-          <p:cNvPr id="185" name="CustomShape 3"/>
+          <p:cNvPr id="188" name="CustomShape 3"/>
           <p:cNvSpPr/>
           <p:nvPr/>
         </p:nvSpPr>
         <p:spPr>
           <a:xfrm>
             <a:off x="0" y="0"/>
-            <a:ext cx="248400" cy="1193400"/>
+            <a:ext cx="247680" cy="1192680"/>
           </a:xfrm>
           <a:prstGeom prst="rect">
             <a:avLst/>
@@ -10071,7 +13653,7 @@
       </p:sp>
       <p:sp>
         <p:nvSpPr>
-          <p:cNvPr id="186" name="Line 4"/>
+          <p:cNvPr id="189" name="Line 4"/>
           <p:cNvSpPr/>
           <p:nvPr/>
         </p:nvSpPr>

--- a/Dev Ops Course - Desktop Setup.pptx
+++ b/Dev Ops Course - Desktop Setup.pptx
@@ -24,6 +24,14 @@
     <p:sldId id="269" r:id="rId19"/>
     <p:sldId id="270" r:id="rId20"/>
     <p:sldId id="271" r:id="rId21"/>
+    <p:sldId id="272" r:id="rId22"/>
+    <p:sldId id="273" r:id="rId23"/>
+    <p:sldId id="274" r:id="rId24"/>
+    <p:sldId id="275" r:id="rId25"/>
+    <p:sldId id="276" r:id="rId26"/>
+    <p:sldId id="277" r:id="rId27"/>
+    <p:sldId id="278" r:id="rId28"/>
+    <p:sldId id="279" r:id="rId29"/>
   </p:sldIdLst>
   <p:sldSz cx="9144000" cy="6858000"/>
   <p:notesSz cx="7772400" cy="10058400"/>
@@ -6423,7 +6431,7 @@
         <p:spPr>
           <a:xfrm>
             <a:off x="-71640" y="3240000"/>
-            <a:ext cx="9140040" cy="3569040"/>
+            <a:ext cx="9139680" cy="3568680"/>
           </a:xfrm>
           <a:prstGeom prst="rect">
             <a:avLst/>
@@ -6550,7 +6558,7 @@
         <p:spPr>
           <a:xfrm>
             <a:off x="3311640" y="1268640"/>
-            <a:ext cx="2264400" cy="661680"/>
+            <a:ext cx="2264040" cy="661320"/>
           </a:xfrm>
           <a:prstGeom prst="rect">
             <a:avLst/>
@@ -6618,14 +6626,14 @@
       </p:grpSpPr>
       <p:sp>
         <p:nvSpPr>
-          <p:cNvPr id="190" name="CustomShape 1"/>
+          <p:cNvPr id="191" name="CustomShape 1"/>
           <p:cNvSpPr/>
           <p:nvPr/>
         </p:nvSpPr>
         <p:spPr>
           <a:xfrm>
-            <a:off x="504000" y="1449360"/>
-            <a:ext cx="8276040" cy="5216040"/>
+            <a:off x="504000" y="1413360"/>
+            <a:ext cx="8275680" cy="5215680"/>
           </a:xfrm>
           <a:prstGeom prst="rect">
             <a:avLst/>
@@ -6662,7 +6670,7 @@
                 <a:latin typeface="Calibri"/>
                 <a:ea typeface="DejaVu Sans"/>
               </a:rPr>
-              <a:t>Now that we all have a working copy of Ubuntu Linux 19.04 installed.  We can begin building our development server.  We will follow the steps we listed above. </a:t>
+              <a:t>On Linux:</a:t>
             </a:r>
             <a:endParaRPr b="0" lang="en-CA" sz="2400" spc="-1" strike="noStrike">
               <a:latin typeface="Arial"/>
@@ -6677,6 +6685,16 @@
                 <a:spcPts val="479"/>
               </a:spcBef>
             </a:pPr>
+            <a:r>
+              <a:rPr b="0" lang="en-CA" sz="2400" spc="-1" strike="noStrike">
+                <a:solidFill>
+                  <a:srgbClr val="000000"/>
+                </a:solidFill>
+                <a:latin typeface="Calibri"/>
+                <a:ea typeface="DejaVu Sans"/>
+              </a:rPr>
+              <a:t>(click the link to be taken directly to the page)</a:t>
+            </a:r>
             <a:endParaRPr b="0" lang="en-CA" sz="2400" spc="-1" strike="noStrike">
               <a:latin typeface="Arial"/>
             </a:endParaRPr>
@@ -6690,16 +6708,6 @@
                 <a:spcPts val="479"/>
               </a:spcBef>
             </a:pPr>
-            <a:r>
-              <a:rPr b="0" lang="en-CA" sz="2400" spc="-1" strike="noStrike">
-                <a:solidFill>
-                  <a:srgbClr val="000000"/>
-                </a:solidFill>
-                <a:latin typeface="Calibri"/>
-                <a:ea typeface="DejaVu Sans"/>
-              </a:rPr>
-              <a:t>Ubuntu 19.04 installs in a small box on your screen.  This is a little annoying.  The workaround is here:</a:t>
-            </a:r>
             <a:endParaRPr b="0" lang="en-CA" sz="2400" spc="-1" strike="noStrike">
               <a:latin typeface="Arial"/>
             </a:endParaRPr>
@@ -6714,18 +6722,36 @@
               </a:spcBef>
             </a:pPr>
             <a:r>
-              <a:rPr b="0" lang="en-CA" sz="1600" spc="-1" strike="noStrike" u="sng">
-                <a:solidFill>
-                  <a:srgbClr val="0000ff"/>
-                </a:solidFill>
-                <a:uFillTx/>
+              <a:rPr b="0" lang="en-CA" sz="2400" spc="-1" strike="noStrike">
+                <a:solidFill>
+                  <a:srgbClr val="000000"/>
+                </a:solidFill>
                 <a:latin typeface="Calibri"/>
                 <a:ea typeface="DejaVu Sans"/>
-                <a:hlinkClick r:id="rId1"/>
-              </a:rPr>
-              <a:t>https://www.donovanbrown.com/post/How-to-run-HyperV-base-Ubuntu-VM-full-screen</a:t>
-            </a:r>
-            <a:endParaRPr b="0" lang="en-CA" sz="1600" spc="-1" strike="noStrike">
+              </a:rPr>
+              <a:t>1)</a:t>
+            </a:r>
+            <a:r>
+              <a:rPr b="0" lang="en-CA" sz="2400" spc="-1" strike="noStrike">
+                <a:solidFill>
+                  <a:srgbClr val="000000"/>
+                </a:solidFill>
+                <a:latin typeface="Calibri"/>
+                <a:ea typeface="DejaVu Sans"/>
+              </a:rPr>
+              <a:t>	</a:t>
+            </a:r>
+            <a:r>
+              <a:rPr b="0" lang="en-CA" sz="2400" spc="-1" strike="noStrike">
+                <a:solidFill>
+                  <a:srgbClr val="000000"/>
+                </a:solidFill>
+                <a:latin typeface="Calibri"/>
+                <a:ea typeface="DejaVu Sans"/>
+              </a:rPr>
+              <a:t>To Install Linux 19.04 inside of Virtual Box:</a:t>
+            </a:r>
+            <a:endParaRPr b="0" lang="en-CA" sz="2400" spc="-1" strike="noStrike">
               <a:latin typeface="Arial"/>
             </a:endParaRPr>
           </a:p>
@@ -6738,7 +6764,29 @@
                 <a:spcPts val="479"/>
               </a:spcBef>
             </a:pPr>
-            <a:endParaRPr b="0" lang="en-CA" sz="1600" spc="-1" strike="noStrike">
+            <a:r>
+              <a:rPr b="0" lang="en-CA" sz="2400" spc="-1" strike="noStrike">
+                <a:solidFill>
+                  <a:srgbClr val="000000"/>
+                </a:solidFill>
+                <a:latin typeface="Calibri"/>
+                <a:ea typeface="DejaVu Sans"/>
+              </a:rPr>
+              <a:t>	</a:t>
+            </a:r>
+            <a:r>
+              <a:rPr b="0" lang="en-CA" sz="2400" spc="-1" strike="noStrike" u="sng">
+                <a:solidFill>
+                  <a:srgbClr val="0000ff"/>
+                </a:solidFill>
+                <a:uFillTx/>
+                <a:latin typeface="Calibri"/>
+                <a:ea typeface="DejaVu Sans"/>
+                <a:hlinkClick r:id="rId1"/>
+              </a:rPr>
+              <a:t>https://itsfoss.com/install-virtualbox-ubuntu/</a:t>
+            </a:r>
+            <a:endParaRPr b="0" lang="en-CA" sz="2400" spc="-1" strike="noStrike">
               <a:latin typeface="Arial"/>
             </a:endParaRPr>
           </a:p>
@@ -6765,18 +6813,31 @@
               <a:latin typeface="Arial"/>
             </a:endParaRPr>
           </a:p>
-        </p:txBody>
-      </p:sp>
-      <p:sp>
-        <p:nvSpPr>
-          <p:cNvPr id="191" name="CustomShape 2"/>
+          <a:p>
+            <a:pPr>
+              <a:lnSpc>
+                <a:spcPct val="100000"/>
+              </a:lnSpc>
+              <a:spcBef>
+                <a:spcPts val="479"/>
+              </a:spcBef>
+            </a:pPr>
+            <a:endParaRPr b="0" lang="en-CA" sz="2400" spc="-1" strike="noStrike">
+              <a:latin typeface="Arial"/>
+            </a:endParaRPr>
+          </a:p>
+        </p:txBody>
+      </p:sp>
+      <p:sp>
+        <p:nvSpPr>
+          <p:cNvPr id="192" name="CustomShape 2"/>
           <p:cNvSpPr/>
           <p:nvPr/>
         </p:nvSpPr>
         <p:spPr>
           <a:xfrm>
             <a:off x="432000" y="0"/>
-            <a:ext cx="7448400" cy="1180440"/>
+            <a:ext cx="7448040" cy="1180080"/>
           </a:xfrm>
           <a:prstGeom prst="rect">
             <a:avLst/>
@@ -6840,14 +6901,14 @@
       </p:sp>
       <p:sp>
         <p:nvSpPr>
-          <p:cNvPr id="192" name="CustomShape 3"/>
+          <p:cNvPr id="193" name="CustomShape 3"/>
           <p:cNvSpPr/>
           <p:nvPr/>
         </p:nvSpPr>
         <p:spPr>
           <a:xfrm>
             <a:off x="0" y="0"/>
-            <a:ext cx="247680" cy="1192680"/>
+            <a:ext cx="247320" cy="1192320"/>
           </a:xfrm>
           <a:prstGeom prst="rect">
             <a:avLst/>
@@ -6876,7 +6937,7 @@
       </p:sp>
       <p:sp>
         <p:nvSpPr>
-          <p:cNvPr id="193" name="Line 4"/>
+          <p:cNvPr id="194" name="Line 4"/>
           <p:cNvSpPr/>
           <p:nvPr/>
         </p:nvSpPr>
@@ -6966,14 +7027,14 @@
       </p:grpSpPr>
       <p:sp>
         <p:nvSpPr>
-          <p:cNvPr id="194" name="CustomShape 1"/>
+          <p:cNvPr id="195" name="CustomShape 1"/>
           <p:cNvSpPr/>
           <p:nvPr/>
         </p:nvSpPr>
         <p:spPr>
           <a:xfrm>
-            <a:off x="504000" y="1377360"/>
-            <a:ext cx="8276040" cy="5216040"/>
+            <a:off x="504000" y="1413360"/>
+            <a:ext cx="8275680" cy="5215680"/>
           </a:xfrm>
           <a:prstGeom prst="rect">
             <a:avLst/>
@@ -7003,16 +7064,16 @@
               </a:spcBef>
             </a:pPr>
             <a:r>
-              <a:rPr b="0" lang="en-CA" sz="3600" spc="-1" strike="noStrike">
+              <a:rPr b="0" lang="en-CA" sz="2400" spc="-1" strike="noStrike">
                 <a:solidFill>
                   <a:srgbClr val="000000"/>
                 </a:solidFill>
                 <a:latin typeface="Calibri"/>
                 <a:ea typeface="DejaVu Sans"/>
               </a:rPr>
-              <a:t>Now we begin installing the software we need for our course.  </a:t>
-            </a:r>
-            <a:endParaRPr b="0" lang="en-CA" sz="3600" spc="-1" strike="noStrike">
+              <a:t>On Windows with Hyper-V:</a:t>
+            </a:r>
+            <a:endParaRPr b="0" lang="en-CA" sz="2400" spc="-1" strike="noStrike">
               <a:latin typeface="Arial"/>
             </a:endParaRPr>
           </a:p>
@@ -7025,7 +7086,17 @@
                 <a:spcPts val="479"/>
               </a:spcBef>
             </a:pPr>
-            <a:endParaRPr b="0" lang="en-CA" sz="3600" spc="-1" strike="noStrike">
+            <a:r>
+              <a:rPr b="0" lang="en-CA" sz="2400" spc="-1" strike="noStrike">
+                <a:solidFill>
+                  <a:srgbClr val="000000"/>
+                </a:solidFill>
+                <a:latin typeface="Calibri"/>
+                <a:ea typeface="DejaVu Sans"/>
+              </a:rPr>
+              <a:t>(click the link to be taken directly to the page)</a:t>
+            </a:r>
+            <a:endParaRPr b="0" lang="en-CA" sz="2400" spc="-1" strike="noStrike">
               <a:latin typeface="Arial"/>
             </a:endParaRPr>
           </a:p>
@@ -7038,17 +7109,7 @@
                 <a:spcPts val="479"/>
               </a:spcBef>
             </a:pPr>
-            <a:r>
-              <a:rPr b="0" lang="en-CA" sz="3600" spc="-1" strike="noStrike">
-                <a:solidFill>
-                  <a:srgbClr val="000000"/>
-                </a:solidFill>
-                <a:latin typeface="Calibri"/>
-                <a:ea typeface="DejaVu Sans"/>
-              </a:rPr>
-              <a:t>Python</a:t>
-            </a:r>
-            <a:endParaRPr b="0" lang="en-CA" sz="3600" spc="-1" strike="noStrike">
+            <a:endParaRPr b="0" lang="en-CA" sz="2400" spc="-1" strike="noStrike">
               <a:latin typeface="Arial"/>
             </a:endParaRPr>
           </a:p>
@@ -7061,7 +7122,17 @@
                 <a:spcPts val="479"/>
               </a:spcBef>
             </a:pPr>
-            <a:endParaRPr b="0" lang="en-CA" sz="3600" spc="-1" strike="noStrike">
+            <a:r>
+              <a:rPr b="0" lang="en-CA" sz="2400" spc="-1" strike="noStrike">
+                <a:solidFill>
+                  <a:srgbClr val="000000"/>
+                </a:solidFill>
+                <a:latin typeface="Calibri"/>
+                <a:ea typeface="DejaVu Sans"/>
+              </a:rPr>
+              <a:t>There are sometimes issues getting VirtualBox working on a windows host.  As a work-around, please use Hyper-V as a second option.  </a:t>
+            </a:r>
+            <a:endParaRPr b="0" lang="en-CA" sz="2400" spc="-1" strike="noStrike">
               <a:latin typeface="Arial"/>
             </a:endParaRPr>
           </a:p>
@@ -7074,17 +7145,7 @@
                 <a:spcPts val="479"/>
               </a:spcBef>
             </a:pPr>
-            <a:r>
-              <a:rPr b="0" lang="en-CA" sz="3600" spc="-1" strike="noStrike">
-                <a:solidFill>
-                  <a:srgbClr val="000000"/>
-                </a:solidFill>
-                <a:latin typeface="Calibri"/>
-                <a:ea typeface="DejaVu Sans"/>
-              </a:rPr>
-              <a:t>We will be using the python 3 interpreter (python3) and the python 3 package manager (pip3).  Here is the link you need to install the software:</a:t>
-            </a:r>
-            <a:endParaRPr b="0" lang="en-CA" sz="3600" spc="-1" strike="noStrike">
+            <a:endParaRPr b="0" lang="en-CA" sz="2400" spc="-1" strike="noStrike">
               <a:latin typeface="Arial"/>
             </a:endParaRPr>
           </a:p>
@@ -7097,7 +7158,37 @@
                 <a:spcPts val="479"/>
               </a:spcBef>
             </a:pPr>
-            <a:endParaRPr b="0" lang="en-CA" sz="3600" spc="-1" strike="noStrike">
+            <a:r>
+              <a:rPr b="0" lang="en-CA" sz="2400" spc="-1" strike="noStrike">
+                <a:solidFill>
+                  <a:srgbClr val="000000"/>
+                </a:solidFill>
+                <a:latin typeface="Calibri"/>
+                <a:ea typeface="DejaVu Sans"/>
+              </a:rPr>
+              <a:t>1)</a:t>
+            </a:r>
+            <a:r>
+              <a:rPr b="0" lang="en-CA" sz="2400" spc="-1" strike="noStrike">
+                <a:solidFill>
+                  <a:srgbClr val="000000"/>
+                </a:solidFill>
+                <a:latin typeface="Calibri"/>
+                <a:ea typeface="DejaVu Sans"/>
+              </a:rPr>
+              <a:t>	</a:t>
+            </a:r>
+            <a:r>
+              <a:rPr b="0" lang="en-CA" sz="2400" spc="-1" strike="noStrike">
+                <a:solidFill>
+                  <a:srgbClr val="000000"/>
+                </a:solidFill>
+                <a:latin typeface="Calibri"/>
+                <a:ea typeface="DejaVu Sans"/>
+              </a:rPr>
+              <a:t>To Install Linux 19.04 inside of Hyper-V:</a:t>
+            </a:r>
+            <a:endParaRPr b="0" lang="en-CA" sz="2400" spc="-1" strike="noStrike">
               <a:latin typeface="Arial"/>
             </a:endParaRPr>
           </a:p>
@@ -7111,7 +7202,17 @@
               </a:spcBef>
             </a:pPr>
             <a:r>
-              <a:rPr b="0" lang="en-CA" sz="3600" spc="-1" strike="noStrike" u="sng">
+              <a:rPr b="0" lang="en-CA" sz="2400" spc="-1" strike="noStrike">
+                <a:solidFill>
+                  <a:srgbClr val="000000"/>
+                </a:solidFill>
+                <a:latin typeface="Calibri"/>
+                <a:ea typeface="DejaVu Sans"/>
+              </a:rPr>
+              <a:t>	</a:t>
+            </a:r>
+            <a:r>
+              <a:rPr b="0" lang="en-CA" sz="1500" spc="-1" strike="noStrike" u="sng">
                 <a:solidFill>
                   <a:srgbClr val="0000ff"/>
                 </a:solidFill>
@@ -7120,9 +7221,9 @@
                 <a:ea typeface="DejaVu Sans"/>
                 <a:hlinkClick r:id="rId1"/>
               </a:rPr>
-              <a:t>https://tubemint.com/how-to-install-python-3-7-pip-3-ubuntu-19-04/</a:t>
-            </a:r>
-            <a:endParaRPr b="0" lang="en-CA" sz="3600" spc="-1" strike="noStrike">
+              <a:t>https://www.windowscentral.com/how-run-linux-distros-windows-10-using-hyper-v</a:t>
+            </a:r>
+            <a:endParaRPr b="0" lang="en-CA" sz="1500" spc="-1" strike="noStrike">
               <a:latin typeface="Arial"/>
             </a:endParaRPr>
           </a:p>
@@ -7135,7 +7236,17 @@
                 <a:spcPts val="479"/>
               </a:spcBef>
             </a:pPr>
-            <a:endParaRPr b="0" lang="en-CA" sz="3600" spc="-1" strike="noStrike">
+            <a:r>
+              <a:rPr b="0" lang="en-CA" sz="2400" spc="-1" strike="noStrike">
+                <a:solidFill>
+                  <a:srgbClr val="000000"/>
+                </a:solidFill>
+                <a:latin typeface="Calibri"/>
+                <a:ea typeface="DejaVu Sans"/>
+              </a:rPr>
+              <a:t>	</a:t>
+            </a:r>
+            <a:endParaRPr b="0" lang="en-CA" sz="2400" spc="-1" strike="noStrike">
               <a:latin typeface="Arial"/>
             </a:endParaRPr>
           </a:p>
@@ -7148,29 +7259,6 @@
                 <a:spcPts val="479"/>
               </a:spcBef>
             </a:pPr>
-            <a:endParaRPr b="0" lang="en-CA" sz="3600" spc="-1" strike="noStrike">
-              <a:latin typeface="Arial"/>
-            </a:endParaRPr>
-          </a:p>
-          <a:p>
-            <a:pPr>
-              <a:lnSpc>
-                <a:spcPct val="100000"/>
-              </a:lnSpc>
-              <a:spcBef>
-                <a:spcPts val="479"/>
-              </a:spcBef>
-            </a:pPr>
-            <a:r>
-              <a:rPr b="0" lang="en-CA" sz="2400" spc="-1" strike="noStrike">
-                <a:solidFill>
-                  <a:srgbClr val="000000"/>
-                </a:solidFill>
-                <a:latin typeface="Calibri"/>
-                <a:ea typeface="DejaVu Sans"/>
-              </a:rPr>
-              <a:t>	</a:t>
-            </a:r>
             <a:endParaRPr b="0" lang="en-CA" sz="2400" spc="-1" strike="noStrike">
               <a:latin typeface="Arial"/>
             </a:endParaRPr>
@@ -7179,14 +7267,14 @@
       </p:sp>
       <p:sp>
         <p:nvSpPr>
-          <p:cNvPr id="195" name="CustomShape 2"/>
+          <p:cNvPr id="196" name="CustomShape 2"/>
           <p:cNvSpPr/>
           <p:nvPr/>
         </p:nvSpPr>
         <p:spPr>
           <a:xfrm>
             <a:off x="432000" y="0"/>
-            <a:ext cx="7448400" cy="1180440"/>
+            <a:ext cx="7448040" cy="1180080"/>
           </a:xfrm>
           <a:prstGeom prst="rect">
             <a:avLst/>
@@ -7250,14 +7338,14 @@
       </p:sp>
       <p:sp>
         <p:nvSpPr>
-          <p:cNvPr id="196" name="CustomShape 3"/>
+          <p:cNvPr id="197" name="CustomShape 3"/>
           <p:cNvSpPr/>
           <p:nvPr/>
         </p:nvSpPr>
         <p:spPr>
           <a:xfrm>
             <a:off x="0" y="0"/>
-            <a:ext cx="247680" cy="1192680"/>
+            <a:ext cx="247320" cy="1192320"/>
           </a:xfrm>
           <a:prstGeom prst="rect">
             <a:avLst/>
@@ -7286,7 +7374,7 @@
       </p:sp>
       <p:sp>
         <p:nvSpPr>
-          <p:cNvPr id="197" name="Line 4"/>
+          <p:cNvPr id="198" name="Line 4"/>
           <p:cNvSpPr/>
           <p:nvPr/>
         </p:nvSpPr>
@@ -7376,14 +7464,14 @@
       </p:grpSpPr>
       <p:sp>
         <p:nvSpPr>
-          <p:cNvPr id="198" name="CustomShape 1"/>
+          <p:cNvPr id="199" name="CustomShape 1"/>
           <p:cNvSpPr/>
           <p:nvPr/>
         </p:nvSpPr>
         <p:spPr>
           <a:xfrm>
-            <a:off x="1083960" y="1551960"/>
-            <a:ext cx="8276040" cy="5216040"/>
+            <a:off x="504000" y="1449360"/>
+            <a:ext cx="8275680" cy="5215680"/>
           </a:xfrm>
           <a:prstGeom prst="rect">
             <a:avLst/>
@@ -7413,16 +7501,16 @@
               </a:spcBef>
             </a:pPr>
             <a:r>
-              <a:rPr b="0" lang="en-CA" sz="3600" spc="-1" strike="noStrike">
+              <a:rPr b="0" lang="en-CA" sz="2400" spc="-1" strike="noStrike">
                 <a:solidFill>
                   <a:srgbClr val="000000"/>
                 </a:solidFill>
                 <a:latin typeface="Calibri"/>
                 <a:ea typeface="DejaVu Sans"/>
               </a:rPr>
-              <a:t>Docker</a:t>
-            </a:r>
-            <a:endParaRPr b="0" lang="en-CA" sz="3600" spc="-1" strike="noStrike">
+              <a:t>Now that we all have a working copy of Ubuntu Linux 19.04 installed.  We can begin building our development server.  We will follow the steps we listed above. </a:t>
+            </a:r>
+            <a:endParaRPr b="0" lang="en-CA" sz="2400" spc="-1" strike="noStrike">
               <a:latin typeface="Arial"/>
             </a:endParaRPr>
           </a:p>
@@ -7435,7 +7523,7 @@
                 <a:spcPts val="479"/>
               </a:spcBef>
             </a:pPr>
-            <a:endParaRPr b="0" lang="en-CA" sz="3600" spc="-1" strike="noStrike">
+            <a:endParaRPr b="0" lang="en-CA" sz="2400" spc="-1" strike="noStrike">
               <a:latin typeface="Arial"/>
             </a:endParaRPr>
           </a:p>
@@ -7448,7 +7536,17 @@
                 <a:spcPts val="479"/>
               </a:spcBef>
             </a:pPr>
-            <a:endParaRPr b="0" lang="en-CA" sz="3600" spc="-1" strike="noStrike">
+            <a:r>
+              <a:rPr b="0" lang="en-CA" sz="2400" spc="-1" strike="noStrike">
+                <a:solidFill>
+                  <a:srgbClr val="000000"/>
+                </a:solidFill>
+                <a:latin typeface="Calibri"/>
+                <a:ea typeface="DejaVu Sans"/>
+              </a:rPr>
+              <a:t>Ubuntu 19.04 installs in a small box on your screen.  This is a little annoying.  The workaround is here:</a:t>
+            </a:r>
+            <a:endParaRPr b="0" lang="en-CA" sz="2400" spc="-1" strike="noStrike">
               <a:latin typeface="Arial"/>
             </a:endParaRPr>
           </a:p>
@@ -7462,16 +7560,18 @@
               </a:spcBef>
             </a:pPr>
             <a:r>
-              <a:rPr b="0" lang="en-CA" sz="2600" spc="-1" strike="noStrike">
-                <a:solidFill>
-                  <a:srgbClr val="000000"/>
-                </a:solidFill>
-                <a:latin typeface="Arial"/>
-                <a:ea typeface="DejaVu Sans"/>
-              </a:rPr>
-              <a:t>1) Install curl:</a:t>
-            </a:r>
-            <a:endParaRPr b="0" lang="en-CA" sz="2600" spc="-1" strike="noStrike">
+              <a:rPr b="0" lang="en-CA" sz="1600" spc="-1" strike="noStrike" u="sng">
+                <a:solidFill>
+                  <a:srgbClr val="0000ff"/>
+                </a:solidFill>
+                <a:uFillTx/>
+                <a:latin typeface="Calibri"/>
+                <a:ea typeface="DejaVu Sans"/>
+                <a:hlinkClick r:id="rId1"/>
+              </a:rPr>
+              <a:t>https://www.donovanbrown.com/post/How-to-run-HyperV-base-Ubuntu-VM-full-screen</a:t>
+            </a:r>
+            <a:endParaRPr b="0" lang="en-CA" sz="1600" spc="-1" strike="noStrike">
               <a:latin typeface="Arial"/>
             </a:endParaRPr>
           </a:p>
@@ -7484,27 +7584,7 @@
                 <a:spcPts val="479"/>
               </a:spcBef>
             </a:pPr>
-            <a:r>
-              <a:rPr b="0" lang="en-CA" sz="2600" spc="-1" strike="noStrike">
-                <a:solidFill>
-                  <a:srgbClr val="000000"/>
-                </a:solidFill>
-                <a:latin typeface="Arial"/>
-                <a:ea typeface="DejaVu Sans"/>
-              </a:rPr>
-              <a:t>	</a:t>
-            </a:r>
-            <a:r>
-              <a:rPr b="0" lang="en-CA" sz="2600" spc="-1" strike="noStrike">
-                <a:solidFill>
-                  <a:srgbClr val="000000"/>
-                </a:solidFill>
-                <a:latin typeface="Arial"/>
-                <a:ea typeface="DejaVu Sans"/>
-              </a:rPr>
-              <a:t>apt install curl</a:t>
-            </a:r>
-            <a:endParaRPr b="0" lang="en-CA" sz="2600" spc="-1" strike="noStrike">
+            <a:endParaRPr b="0" lang="en-CA" sz="1600" spc="-1" strike="noStrike">
               <a:latin typeface="Arial"/>
             </a:endParaRPr>
           </a:p>
@@ -7518,225 +7598,15 @@
               </a:spcBef>
             </a:pPr>
             <a:r>
-              <a:rPr b="0" lang="en-CA" sz="2600" spc="-1" strike="noStrike">
-                <a:solidFill>
-                  <a:srgbClr val="000000"/>
-                </a:solidFill>
-                <a:latin typeface="Arial"/>
-                <a:ea typeface="DejaVu Sans"/>
-              </a:rPr>
-              <a:t>2) Install docker </a:t>
-            </a:r>
-            <a:endParaRPr b="0" lang="en-CA" sz="2600" spc="-1" strike="noStrike">
-              <a:latin typeface="Arial"/>
-            </a:endParaRPr>
-          </a:p>
-          <a:p>
-            <a:pPr>
-              <a:lnSpc>
-                <a:spcPct val="100000"/>
-              </a:lnSpc>
-              <a:spcBef>
-                <a:spcPts val="479"/>
-              </a:spcBef>
-            </a:pPr>
-            <a:r>
-              <a:rPr b="0" lang="en-CA" sz="2000" spc="-1" strike="noStrike">
-                <a:solidFill>
-                  <a:srgbClr val="000000"/>
-                </a:solidFill>
-                <a:latin typeface="Arial"/>
-                <a:ea typeface="DejaVu Sans"/>
-              </a:rPr>
-              <a:t>(use this command: </a:t>
-            </a:r>
-            <a:r>
-              <a:rPr b="0" lang="en-CA" sz="900" spc="-1" strike="noStrike">
-                <a:solidFill>
-                  <a:srgbClr val="000000"/>
-                </a:solidFill>
-                <a:latin typeface="Arial"/>
-                <a:ea typeface="DejaVu Sans"/>
-              </a:rPr>
-              <a:t>sudo add-apt-repository "deb [arch=amd64] https://download.docker.com/linux/ubuntu $(lsb_release -cs) stable edge”</a:t>
-            </a:r>
-            <a:endParaRPr b="0" lang="en-CA" sz="900" spc="-1" strike="noStrike">
-              <a:latin typeface="Arial"/>
-            </a:endParaRPr>
-          </a:p>
-          <a:p>
-            <a:pPr>
-              <a:lnSpc>
-                <a:spcPct val="100000"/>
-              </a:lnSpc>
-              <a:spcBef>
-                <a:spcPts val="479"/>
-              </a:spcBef>
-            </a:pPr>
-            <a:r>
-              <a:rPr b="0" lang="en-CA" sz="2600" spc="-1" strike="noStrike">
-                <a:solidFill>
-                  <a:srgbClr val="000000"/>
-                </a:solidFill>
-                <a:latin typeface="Arial"/>
+              <a:rPr b="0" lang="en-CA" sz="2400" spc="-1" strike="noStrike">
+                <a:solidFill>
+                  <a:srgbClr val="000000"/>
+                </a:solidFill>
+                <a:latin typeface="Calibri"/>
                 <a:ea typeface="DejaVu Sans"/>
               </a:rPr>
               <a:t>	</a:t>
             </a:r>
-            <a:r>
-              <a:rPr b="0" lang="en-CA" sz="2600" spc="-1" strike="noStrike">
-                <a:solidFill>
-                  <a:srgbClr val="000000"/>
-                </a:solidFill>
-                <a:latin typeface="Arial"/>
-                <a:ea typeface="DejaVu Sans"/>
-              </a:rPr>
-              <a:t>	</a:t>
-            </a:r>
-            <a:r>
-              <a:rPr b="0" lang="en-CA" sz="2600" spc="-1" strike="noStrike">
-                <a:solidFill>
-                  <a:srgbClr val="000000"/>
-                </a:solidFill>
-                <a:latin typeface="Arial"/>
-                <a:ea typeface="DejaVu Sans"/>
-              </a:rPr>
-              <a:t>	</a:t>
-            </a:r>
-            <a:r>
-              <a:rPr b="0" lang="en-CA" sz="2600" spc="-1" strike="noStrike">
-                <a:solidFill>
-                  <a:srgbClr val="000000"/>
-                </a:solidFill>
-                <a:latin typeface="Arial"/>
-                <a:ea typeface="DejaVu Sans"/>
-              </a:rPr>
-              <a:t>                </a:t>
-            </a:r>
-            <a:r>
-              <a:rPr b="0" lang="en-CA" sz="2600" spc="-1" strike="noStrike">
-                <a:solidFill>
-                  <a:srgbClr val="000000"/>
-                </a:solidFill>
-                <a:latin typeface="Arial"/>
-                <a:ea typeface="DejaVu Sans"/>
-              </a:rPr>
-              <a:t>	</a:t>
-            </a:r>
-            <a:r>
-              <a:rPr b="0" lang="en-CA" sz="2600" spc="-1" strike="noStrike">
-                <a:solidFill>
-                  <a:srgbClr val="000000"/>
-                </a:solidFill>
-                <a:latin typeface="Arial"/>
-                <a:ea typeface="DejaVu Sans"/>
-              </a:rPr>
-              <a:t>	</a:t>
-            </a:r>
-            <a:r>
-              <a:rPr b="0" lang="en-CA" sz="2600" spc="-1" strike="noStrike">
-                <a:solidFill>
-                  <a:srgbClr val="000000"/>
-                </a:solidFill>
-                <a:latin typeface="Arial"/>
-                <a:ea typeface="DejaVu Sans"/>
-              </a:rPr>
-              <a:t>	</a:t>
-            </a:r>
-            <a:r>
-              <a:rPr b="0" lang="en-CA" sz="2600" spc="-1" strike="noStrike">
-                <a:solidFill>
-                  <a:srgbClr val="000000"/>
-                </a:solidFill>
-                <a:latin typeface="Arial"/>
-                <a:ea typeface="DejaVu Sans"/>
-              </a:rPr>
-              <a:t>	</a:t>
-            </a:r>
-            <a:r>
-              <a:rPr b="0" lang="en-CA" sz="2600" spc="-1" strike="noStrike">
-                <a:solidFill>
-                  <a:srgbClr val="000000"/>
-                </a:solidFill>
-                <a:latin typeface="Arial"/>
-                <a:ea typeface="DejaVu Sans"/>
-              </a:rPr>
-              <a:t>	</a:t>
-            </a:r>
-            <a:r>
-              <a:rPr b="0" lang="en-CA" sz="1800" spc="-1" strike="noStrike" u="sng">
-                <a:solidFill>
-                  <a:srgbClr val="0000ff"/>
-                </a:solidFill>
-                <a:uFillTx/>
-                <a:latin typeface="Calibri"/>
-                <a:ea typeface="DejaVu Sans"/>
-                <a:hlinkClick r:id="rId1"/>
-              </a:rPr>
-              <a:t>https://medium.com/@Grigorkh/how-to-install-docker-on-ubuntu-19-04-7ccfeda5935</a:t>
-            </a:r>
-            <a:endParaRPr b="0" lang="en-CA" sz="1800" spc="-1" strike="noStrike">
-              <a:latin typeface="Arial"/>
-            </a:endParaRPr>
-          </a:p>
-          <a:p>
-            <a:pPr>
-              <a:lnSpc>
-                <a:spcPct val="100000"/>
-              </a:lnSpc>
-              <a:spcBef>
-                <a:spcPts val="479"/>
-              </a:spcBef>
-            </a:pPr>
-            <a:endParaRPr b="0" lang="en-CA" sz="1800" spc="-1" strike="noStrike">
-              <a:latin typeface="Arial"/>
-            </a:endParaRPr>
-          </a:p>
-          <a:p>
-            <a:pPr>
-              <a:lnSpc>
-                <a:spcPct val="100000"/>
-              </a:lnSpc>
-              <a:spcBef>
-                <a:spcPts val="479"/>
-              </a:spcBef>
-            </a:pPr>
-            <a:endParaRPr b="0" lang="en-CA" sz="1800" spc="-1" strike="noStrike">
-              <a:latin typeface="Arial"/>
-            </a:endParaRPr>
-          </a:p>
-          <a:p>
-            <a:pPr>
-              <a:lnSpc>
-                <a:spcPct val="100000"/>
-              </a:lnSpc>
-              <a:spcBef>
-                <a:spcPts val="479"/>
-              </a:spcBef>
-            </a:pPr>
-            <a:endParaRPr b="0" lang="en-CA" sz="1800" spc="-1" strike="noStrike">
-              <a:latin typeface="Arial"/>
-            </a:endParaRPr>
-          </a:p>
-          <a:p>
-            <a:pPr>
-              <a:lnSpc>
-                <a:spcPct val="100000"/>
-              </a:lnSpc>
-              <a:spcBef>
-                <a:spcPts val="479"/>
-              </a:spcBef>
-            </a:pPr>
-            <a:r>
-              <a:rPr b="0" lang="en-CA" sz="2400" spc="-1" strike="noStrike">
-                <a:solidFill>
-                  <a:srgbClr val="000000"/>
-                </a:solidFill>
-                <a:latin typeface="Calibri"/>
-                <a:ea typeface="DejaVu Sans"/>
-              </a:rPr>
-              <a:t>	</a:t>
-            </a:r>
             <a:endParaRPr b="0" lang="en-CA" sz="2400" spc="-1" strike="noStrike">
               <a:latin typeface="Arial"/>
             </a:endParaRPr>
@@ -7745,14 +7615,14 @@
       </p:sp>
       <p:sp>
         <p:nvSpPr>
-          <p:cNvPr id="199" name="CustomShape 2"/>
+          <p:cNvPr id="200" name="CustomShape 2"/>
           <p:cNvSpPr/>
           <p:nvPr/>
         </p:nvSpPr>
         <p:spPr>
           <a:xfrm>
             <a:off x="432000" y="0"/>
-            <a:ext cx="7448400" cy="1180440"/>
+            <a:ext cx="7448040" cy="1180080"/>
           </a:xfrm>
           <a:prstGeom prst="rect">
             <a:avLst/>
@@ -7816,14 +7686,14 @@
       </p:sp>
       <p:sp>
         <p:nvSpPr>
-          <p:cNvPr id="200" name="CustomShape 3"/>
+          <p:cNvPr id="201" name="CustomShape 3"/>
           <p:cNvSpPr/>
           <p:nvPr/>
         </p:nvSpPr>
         <p:spPr>
           <a:xfrm>
             <a:off x="0" y="0"/>
-            <a:ext cx="247680" cy="1192680"/>
+            <a:ext cx="247320" cy="1192320"/>
           </a:xfrm>
           <a:prstGeom prst="rect">
             <a:avLst/>
@@ -7852,7 +7722,7 @@
       </p:sp>
       <p:sp>
         <p:nvSpPr>
-          <p:cNvPr id="201" name="Line 4"/>
+          <p:cNvPr id="202" name="Line 4"/>
           <p:cNvSpPr/>
           <p:nvPr/>
         </p:nvSpPr>
@@ -7942,14 +7812,14 @@
       </p:grpSpPr>
       <p:sp>
         <p:nvSpPr>
-          <p:cNvPr id="202" name="CustomShape 1"/>
+          <p:cNvPr id="203" name="CustomShape 1"/>
           <p:cNvSpPr/>
           <p:nvPr/>
         </p:nvSpPr>
         <p:spPr>
           <a:xfrm>
-            <a:off x="504000" y="1377360"/>
-            <a:ext cx="8276040" cy="5216040"/>
+            <a:off x="504000" y="1449360"/>
+            <a:ext cx="8275680" cy="5215680"/>
           </a:xfrm>
           <a:prstGeom prst="rect">
             <a:avLst/>
@@ -7979,16 +7849,16 @@
               </a:spcBef>
             </a:pPr>
             <a:r>
-              <a:rPr b="0" lang="en-CA" sz="3600" spc="-1" strike="noStrike">
+              <a:rPr b="1" lang="en-CA" sz="2200" spc="-1" strike="noStrike">
                 <a:solidFill>
                   <a:srgbClr val="000000"/>
                 </a:solidFill>
                 <a:latin typeface="Calibri"/>
                 <a:ea typeface="DejaVu Sans"/>
               </a:rPr>
-              <a:t>Git VCS</a:t>
-            </a:r>
-            <a:endParaRPr b="0" lang="en-CA" sz="3600" spc="-1" strike="noStrike">
+              <a:t>Resouces:</a:t>
+            </a:r>
+            <a:endParaRPr b="0" lang="en-CA" sz="2200" spc="-1" strike="noStrike">
               <a:latin typeface="Arial"/>
             </a:endParaRPr>
           </a:p>
@@ -8002,32 +7872,138 @@
               </a:spcBef>
             </a:pPr>
             <a:r>
-              <a:rPr b="0" lang="en-CA" sz="1800" spc="-1" strike="noStrike" u="sng">
-                <a:solidFill>
-                  <a:srgbClr val="0000ff"/>
-                </a:solidFill>
-                <a:uFillTx/>
+              <a:rPr b="0" lang="en-CA" sz="2200" spc="-1" strike="noStrike">
+                <a:solidFill>
+                  <a:srgbClr val="000000"/>
+                </a:solidFill>
                 <a:latin typeface="Calibri"/>
                 <a:ea typeface="DejaVu Sans"/>
               </a:rPr>
-              <a:t>https://linuxconcept.com/install-git-on-ubuntu-19-04-operating-system/</a:t>
-            </a:r>
-            <a:endParaRPr b="0" lang="en-CA" sz="1800" spc="-1" strike="noStrike">
-              <a:latin typeface="Arial"/>
-            </a:endParaRPr>
-          </a:p>
-        </p:txBody>
-      </p:sp>
-      <p:sp>
-        <p:nvSpPr>
-          <p:cNvPr id="203" name="CustomShape 2"/>
+              <a:t>What is a programming language</a:t>
+            </a:r>
+            <a:endParaRPr b="0" lang="en-CA" sz="2200" spc="-1" strike="noStrike">
+              <a:latin typeface="Arial"/>
+            </a:endParaRPr>
+          </a:p>
+          <a:p>
+            <a:pPr>
+              <a:lnSpc>
+                <a:spcPct val="100000"/>
+              </a:lnSpc>
+              <a:spcBef>
+                <a:spcPts val="479"/>
+              </a:spcBef>
+            </a:pPr>
+            <a:r>
+              <a:rPr b="0" lang="en-CA" sz="2200" spc="-1" strike="noStrike">
+                <a:solidFill>
+                  <a:srgbClr val="000000"/>
+                </a:solidFill>
+                <a:latin typeface="Calibri"/>
+                <a:ea typeface="DejaVu Sans"/>
+                <a:hlinkClick r:id="rId1"/>
+              </a:rPr>
+              <a:t>https://www.youtube.com/watch?v=orCRdBBVLUk</a:t>
+            </a:r>
+            <a:endParaRPr b="0" lang="en-CA" sz="2200" spc="-1" strike="noStrike">
+              <a:latin typeface="Arial"/>
+            </a:endParaRPr>
+          </a:p>
+          <a:p>
+            <a:pPr>
+              <a:lnSpc>
+                <a:spcPct val="100000"/>
+              </a:lnSpc>
+              <a:spcBef>
+                <a:spcPts val="479"/>
+              </a:spcBef>
+            </a:pPr>
+            <a:endParaRPr b="0" lang="en-CA" sz="2200" spc="-1" strike="noStrike">
+              <a:latin typeface="Arial"/>
+            </a:endParaRPr>
+          </a:p>
+          <a:p>
+            <a:pPr>
+              <a:lnSpc>
+                <a:spcPct val="100000"/>
+              </a:lnSpc>
+              <a:spcBef>
+                <a:spcPts val="479"/>
+              </a:spcBef>
+            </a:pPr>
+            <a:r>
+              <a:rPr b="0" lang="en-CA" sz="2200" spc="-1" strike="noStrike">
+                <a:solidFill>
+                  <a:srgbClr val="000000"/>
+                </a:solidFill>
+                <a:latin typeface="Calibri"/>
+                <a:ea typeface="DejaVu Sans"/>
+              </a:rPr>
+              <a:t>What is python</a:t>
+            </a:r>
+            <a:endParaRPr b="0" lang="en-CA" sz="2200" spc="-1" strike="noStrike">
+              <a:latin typeface="Arial"/>
+            </a:endParaRPr>
+          </a:p>
+          <a:p>
+            <a:pPr>
+              <a:lnSpc>
+                <a:spcPct val="100000"/>
+              </a:lnSpc>
+              <a:spcBef>
+                <a:spcPts val="479"/>
+              </a:spcBef>
+            </a:pPr>
+            <a:r>
+              <a:rPr b="0" lang="en-CA" sz="2200" spc="-1" strike="noStrike">
+                <a:solidFill>
+                  <a:srgbClr val="000000"/>
+                </a:solidFill>
+                <a:latin typeface="Calibri"/>
+                <a:ea typeface="DejaVu Sans"/>
+                <a:hlinkClick r:id="rId2"/>
+              </a:rPr>
+              <a:t>https://www.youtube.com/watch?v=Y8Tko2YC5hA</a:t>
+            </a:r>
+            <a:endParaRPr b="0" lang="en-CA" sz="2200" spc="-1" strike="noStrike">
+              <a:latin typeface="Arial"/>
+            </a:endParaRPr>
+          </a:p>
+          <a:p>
+            <a:pPr>
+              <a:lnSpc>
+                <a:spcPct val="100000"/>
+              </a:lnSpc>
+              <a:spcBef>
+                <a:spcPts val="479"/>
+              </a:spcBef>
+            </a:pPr>
+            <a:r>
+              <a:rPr b="0" lang="en-CA" sz="2200" spc="-1" strike="noStrike">
+                <a:solidFill>
+                  <a:srgbClr val="000000"/>
+                </a:solidFill>
+                <a:latin typeface="Calibri"/>
+                <a:ea typeface="DejaVu Sans"/>
+              </a:rPr>
+              <a:t>	</a:t>
+            </a:r>
+            <a:endParaRPr b="0" lang="en-CA" sz="2200" spc="-1" strike="noStrike">
+              <a:latin typeface="Arial"/>
+            </a:endParaRPr>
+          </a:p>
+        </p:txBody>
+      </p:sp>
+      <p:sp>
+        <p:nvSpPr>
+          <p:cNvPr id="204" name="CustomShape 2"/>
           <p:cNvSpPr/>
           <p:nvPr/>
         </p:nvSpPr>
         <p:spPr>
           <a:xfrm>
             <a:off x="432000" y="0"/>
-            <a:ext cx="7448400" cy="1180440"/>
+            <a:ext cx="7448040" cy="1180080"/>
           </a:xfrm>
           <a:prstGeom prst="rect">
             <a:avLst/>
@@ -8091,14 +8067,14 @@
       </p:sp>
       <p:sp>
         <p:nvSpPr>
-          <p:cNvPr id="204" name="CustomShape 3"/>
+          <p:cNvPr id="205" name="CustomShape 3"/>
           <p:cNvSpPr/>
           <p:nvPr/>
         </p:nvSpPr>
         <p:spPr>
           <a:xfrm>
             <a:off x="0" y="0"/>
-            <a:ext cx="247680" cy="1192680"/>
+            <a:ext cx="247320" cy="1192320"/>
           </a:xfrm>
           <a:prstGeom prst="rect">
             <a:avLst/>
@@ -8127,7 +8103,7 @@
       </p:sp>
       <p:sp>
         <p:nvSpPr>
-          <p:cNvPr id="205" name="Line 4"/>
+          <p:cNvPr id="206" name="Line 4"/>
           <p:cNvSpPr/>
           <p:nvPr/>
         </p:nvSpPr>
@@ -8217,14 +8193,14 @@
       </p:grpSpPr>
       <p:sp>
         <p:nvSpPr>
-          <p:cNvPr id="206" name="CustomShape 1"/>
+          <p:cNvPr id="207" name="CustomShape 1"/>
           <p:cNvSpPr/>
           <p:nvPr/>
         </p:nvSpPr>
         <p:spPr>
           <a:xfrm>
             <a:off x="504000" y="1377360"/>
-            <a:ext cx="8276040" cy="5216040"/>
+            <a:ext cx="8275680" cy="5215680"/>
           </a:xfrm>
           <a:prstGeom prst="rect">
             <a:avLst/>
@@ -8254,16 +8230,16 @@
               </a:spcBef>
             </a:pPr>
             <a:r>
-              <a:rPr b="0" lang="en-CA" sz="2400" spc="-1" strike="noStrike">
+              <a:rPr b="0" lang="en-CA" sz="3600" spc="-1" strike="noStrike">
                 <a:solidFill>
                   <a:srgbClr val="000000"/>
                 </a:solidFill>
                 <a:latin typeface="Calibri"/>
                 <a:ea typeface="DejaVu Sans"/>
               </a:rPr>
-              <a:t>GIT (continued)</a:t>
-            </a:r>
-            <a:endParaRPr b="0" lang="en-CA" sz="2400" spc="-1" strike="noStrike">
+              <a:t>Now we begin installing the software we need for our course.  </a:t>
+            </a:r>
+            <a:endParaRPr b="0" lang="en-CA" sz="3600" spc="-1" strike="noStrike">
               <a:latin typeface="Arial"/>
             </a:endParaRPr>
           </a:p>
@@ -8276,17 +8252,7 @@
                 <a:spcPts val="479"/>
               </a:spcBef>
             </a:pPr>
-            <a:r>
-              <a:rPr b="0" lang="en-CA" sz="2400" spc="-1" strike="noStrike">
-                <a:solidFill>
-                  <a:srgbClr val="000000"/>
-                </a:solidFill>
-                <a:latin typeface="Calibri"/>
-                <a:ea typeface="DejaVu Sans"/>
-              </a:rPr>
-              <a:t>Testing out our GIT installation.</a:t>
-            </a:r>
-            <a:endParaRPr b="0" lang="en-CA" sz="2400" spc="-1" strike="noStrike">
+            <a:endParaRPr b="0" lang="en-CA" sz="3600" spc="-1" strike="noStrike">
               <a:latin typeface="Arial"/>
             </a:endParaRPr>
           </a:p>
@@ -8299,7 +8265,17 @@
                 <a:spcPts val="479"/>
               </a:spcBef>
             </a:pPr>
-            <a:endParaRPr b="0" lang="en-CA" sz="2400" spc="-1" strike="noStrike">
+            <a:r>
+              <a:rPr b="0" lang="en-CA" sz="3600" spc="-1" strike="noStrike">
+                <a:solidFill>
+                  <a:srgbClr val="000000"/>
+                </a:solidFill>
+                <a:latin typeface="Calibri"/>
+                <a:ea typeface="DejaVu Sans"/>
+              </a:rPr>
+              <a:t>Python</a:t>
+            </a:r>
+            <a:endParaRPr b="0" lang="en-CA" sz="3600" spc="-1" strike="noStrike">
               <a:latin typeface="Arial"/>
             </a:endParaRPr>
           </a:p>
@@ -8312,37 +8288,7 @@
                 <a:spcPts val="479"/>
               </a:spcBef>
             </a:pPr>
-            <a:r>
-              <a:rPr b="0" lang="en-CA" sz="2400" spc="-1" strike="noStrike">
-                <a:solidFill>
-                  <a:srgbClr val="000000"/>
-                </a:solidFill>
-                <a:latin typeface="Calibri"/>
-                <a:ea typeface="DejaVu Sans"/>
-              </a:rPr>
-              <a:t>1)</a:t>
-            </a:r>
-            <a:r>
-              <a:rPr b="0" lang="en-CA" sz="2400" spc="-1" strike="noStrike">
-                <a:solidFill>
-                  <a:srgbClr val="000000"/>
-                </a:solidFill>
-                <a:latin typeface="Calibri"/>
-                <a:ea typeface="DejaVu Sans"/>
-              </a:rPr>
-              <a:t>	</a:t>
-            </a:r>
-            <a:r>
-              <a:rPr b="0" lang="en-CA" sz="2400" spc="-1" strike="noStrike">
-                <a:solidFill>
-                  <a:srgbClr val="000000"/>
-                </a:solidFill>
-                <a:latin typeface="Calibri"/>
-                <a:ea typeface="DejaVu Sans"/>
-              </a:rPr>
-              <a:t>cd ~</a:t>
-            </a:r>
-            <a:endParaRPr b="0" lang="en-CA" sz="2400" spc="-1" strike="noStrike">
+            <a:endParaRPr b="0" lang="en-CA" sz="3600" spc="-1" strike="noStrike">
               <a:latin typeface="Arial"/>
             </a:endParaRPr>
           </a:p>
@@ -8356,46 +8302,16 @@
               </a:spcBef>
             </a:pPr>
             <a:r>
-              <a:rPr b="0" lang="en-CA" sz="2400" spc="-1" strike="noStrike">
+              <a:rPr b="0" lang="en-CA" sz="3600" spc="-1" strike="noStrike">
                 <a:solidFill>
                   <a:srgbClr val="000000"/>
                 </a:solidFill>
                 <a:latin typeface="Calibri"/>
                 <a:ea typeface="DejaVu Sans"/>
               </a:rPr>
-              <a:t>2)</a:t>
-            </a:r>
-            <a:r>
-              <a:rPr b="0" lang="en-CA" sz="2400" spc="-1" strike="noStrike">
-                <a:solidFill>
-                  <a:srgbClr val="000000"/>
-                </a:solidFill>
-                <a:latin typeface="Calibri"/>
-                <a:ea typeface="DejaVu Sans"/>
-              </a:rPr>
-              <a:t>	</a:t>
-            </a:r>
-            <a:r>
-              <a:rPr b="0" lang="en-CA" sz="2400" spc="-1" strike="noStrike">
-                <a:solidFill>
-                  <a:srgbClr val="000000"/>
-                </a:solidFill>
-                <a:latin typeface="Calibri"/>
-                <a:ea typeface="DejaVu Sans"/>
-              </a:rPr>
-              <a:t>git clone </a:t>
-            </a:r>
-            <a:r>
-              <a:rPr b="0" lang="en-CA" sz="2000" spc="-1" strike="noStrike">
-                <a:solidFill>
-                  <a:srgbClr val="000000"/>
-                </a:solidFill>
-                <a:latin typeface="Calibri"/>
-                <a:ea typeface="DejaVu Sans"/>
-              </a:rPr>
-              <a:t>https://github.com/chrisgauthier742018/devopscourse.git </a:t>
-            </a:r>
-            <a:endParaRPr b="0" lang="en-CA" sz="2000" spc="-1" strike="noStrike">
+              <a:t>We will be using the python 3 interpreter (python3) and the python 3 package manager (pip3).  Here is the link you need to install the software:</a:t>
+            </a:r>
+            <a:endParaRPr b="0" lang="en-CA" sz="3600" spc="-1" strike="noStrike">
               <a:latin typeface="Arial"/>
             </a:endParaRPr>
           </a:p>
@@ -8408,7 +8324,7 @@
                 <a:spcPts val="479"/>
               </a:spcBef>
             </a:pPr>
-            <a:endParaRPr b="0" lang="en-CA" sz="2000" spc="-1" strike="noStrike">
+            <a:endParaRPr b="0" lang="en-CA" sz="3600" spc="-1" strike="noStrike">
               <a:latin typeface="Arial"/>
             </a:endParaRPr>
           </a:p>
@@ -8422,31 +8338,82 @@
               </a:spcBef>
             </a:pPr>
             <a:r>
-              <a:rPr b="0" lang="en-CA" sz="2000" spc="-1" strike="noStrike">
-                <a:solidFill>
-                  <a:srgbClr val="000000"/>
-                </a:solidFill>
+              <a:rPr b="0" lang="en-CA" sz="3600" spc="-1" strike="noStrike" u="sng">
+                <a:solidFill>
+                  <a:srgbClr val="0000ff"/>
+                </a:solidFill>
+                <a:uFillTx/>
                 <a:latin typeface="Calibri"/>
                 <a:ea typeface="DejaVu Sans"/>
-              </a:rPr>
-              <a:t>If you get the repo, you’re all set to go!  If not, review our docs or contact your professor!</a:t>
-            </a:r>
-            <a:endParaRPr b="0" lang="en-CA" sz="2000" spc="-1" strike="noStrike">
-              <a:latin typeface="Arial"/>
-            </a:endParaRPr>
-          </a:p>
-        </p:txBody>
-      </p:sp>
-      <p:sp>
-        <p:nvSpPr>
-          <p:cNvPr id="207" name="CustomShape 2"/>
+                <a:hlinkClick r:id="rId1"/>
+              </a:rPr>
+              <a:t>https://tubemint.com/how-to-install-python-3-7-pip-3-ubuntu-19-04/</a:t>
+            </a:r>
+            <a:endParaRPr b="0" lang="en-CA" sz="3600" spc="-1" strike="noStrike">
+              <a:latin typeface="Arial"/>
+            </a:endParaRPr>
+          </a:p>
+          <a:p>
+            <a:pPr>
+              <a:lnSpc>
+                <a:spcPct val="100000"/>
+              </a:lnSpc>
+              <a:spcBef>
+                <a:spcPts val="479"/>
+              </a:spcBef>
+            </a:pPr>
+            <a:endParaRPr b="0" lang="en-CA" sz="3600" spc="-1" strike="noStrike">
+              <a:latin typeface="Arial"/>
+            </a:endParaRPr>
+          </a:p>
+          <a:p>
+            <a:pPr>
+              <a:lnSpc>
+                <a:spcPct val="100000"/>
+              </a:lnSpc>
+              <a:spcBef>
+                <a:spcPts val="479"/>
+              </a:spcBef>
+            </a:pPr>
+            <a:endParaRPr b="0" lang="en-CA" sz="3600" spc="-1" strike="noStrike">
+              <a:latin typeface="Arial"/>
+            </a:endParaRPr>
+          </a:p>
+          <a:p>
+            <a:pPr>
+              <a:lnSpc>
+                <a:spcPct val="100000"/>
+              </a:lnSpc>
+              <a:spcBef>
+                <a:spcPts val="479"/>
+              </a:spcBef>
+            </a:pPr>
+            <a:r>
+              <a:rPr b="0" lang="en-CA" sz="2400" spc="-1" strike="noStrike">
+                <a:solidFill>
+                  <a:srgbClr val="000000"/>
+                </a:solidFill>
+                <a:latin typeface="Calibri"/>
+                <a:ea typeface="DejaVu Sans"/>
+              </a:rPr>
+              <a:t>	</a:t>
+            </a:r>
+            <a:endParaRPr b="0" lang="en-CA" sz="2400" spc="-1" strike="noStrike">
+              <a:latin typeface="Arial"/>
+            </a:endParaRPr>
+          </a:p>
+        </p:txBody>
+      </p:sp>
+      <p:sp>
+        <p:nvSpPr>
+          <p:cNvPr id="208" name="CustomShape 2"/>
           <p:cNvSpPr/>
           <p:nvPr/>
         </p:nvSpPr>
         <p:spPr>
           <a:xfrm>
             <a:off x="432000" y="0"/>
-            <a:ext cx="7448400" cy="1180440"/>
+            <a:ext cx="7448040" cy="1180080"/>
           </a:xfrm>
           <a:prstGeom prst="rect">
             <a:avLst/>
@@ -8510,14 +8477,14 @@
       </p:sp>
       <p:sp>
         <p:nvSpPr>
-          <p:cNvPr id="208" name="CustomShape 3"/>
+          <p:cNvPr id="209" name="CustomShape 3"/>
           <p:cNvSpPr/>
           <p:nvPr/>
         </p:nvSpPr>
         <p:spPr>
           <a:xfrm>
             <a:off x="0" y="0"/>
-            <a:ext cx="247680" cy="1192680"/>
+            <a:ext cx="247320" cy="1192320"/>
           </a:xfrm>
           <a:prstGeom prst="rect">
             <a:avLst/>
@@ -8546,7 +8513,7 @@
       </p:sp>
       <p:sp>
         <p:nvSpPr>
-          <p:cNvPr id="209" name="Line 4"/>
+          <p:cNvPr id="210" name="Line 4"/>
           <p:cNvSpPr/>
           <p:nvPr/>
         </p:nvSpPr>
@@ -8636,14 +8603,14 @@
       </p:grpSpPr>
       <p:sp>
         <p:nvSpPr>
-          <p:cNvPr id="210" name="CustomShape 1"/>
+          <p:cNvPr id="211" name="CustomShape 1"/>
           <p:cNvSpPr/>
           <p:nvPr/>
         </p:nvSpPr>
         <p:spPr>
           <a:xfrm>
-            <a:off x="504000" y="1377360"/>
-            <a:ext cx="8276040" cy="5216040"/>
+            <a:off x="1083960" y="1551960"/>
+            <a:ext cx="8275680" cy="5215680"/>
           </a:xfrm>
           <a:prstGeom prst="rect">
             <a:avLst/>
@@ -8673,14 +8640,14 @@
               </a:spcBef>
             </a:pPr>
             <a:r>
-              <a:rPr b="0" lang="en-CA" sz="2400" spc="-1" strike="noStrike">
+              <a:rPr b="1" lang="en-CA" sz="2400" spc="-1" strike="noStrike">
                 <a:solidFill>
                   <a:srgbClr val="000000"/>
                 </a:solidFill>
                 <a:latin typeface="Calibri"/>
                 <a:ea typeface="DejaVu Sans"/>
               </a:rPr>
-              <a:t>Installing Jenkins</a:t>
+              <a:t>Installing Docker</a:t>
             </a:r>
             <a:endParaRPr b="0" lang="en-CA" sz="2400" spc="-1" strike="noStrike">
               <a:latin typeface="Arial"/>
@@ -8695,6 +8662,16 @@
                 <a:spcPts val="479"/>
               </a:spcBef>
             </a:pPr>
+            <a:r>
+              <a:rPr b="1" lang="en-CA" sz="2400" spc="-1" strike="noStrike">
+                <a:solidFill>
+                  <a:srgbClr val="000000"/>
+                </a:solidFill>
+                <a:latin typeface="Calibri"/>
+                <a:ea typeface="DejaVu Sans"/>
+              </a:rPr>
+              <a:t>Resources:</a:t>
+            </a:r>
             <a:endParaRPr b="0" lang="en-CA" sz="2400" spc="-1" strike="noStrike">
               <a:latin typeface="Arial"/>
             </a:endParaRPr>
@@ -8708,16 +8685,6 @@
                 <a:spcPts val="479"/>
               </a:spcBef>
             </a:pPr>
-            <a:r>
-              <a:rPr b="0" lang="en-CA" sz="2400" spc="-1" strike="noStrike">
-                <a:solidFill>
-                  <a:srgbClr val="000000"/>
-                </a:solidFill>
-                <a:latin typeface="Calibri"/>
-                <a:ea typeface="DejaVu Sans"/>
-              </a:rPr>
-              <a:t>1) Installing Java</a:t>
-            </a:r>
             <a:endParaRPr b="0" lang="en-CA" sz="2400" spc="-1" strike="noStrike">
               <a:latin typeface="Arial"/>
             </a:endParaRPr>
@@ -8739,37 +8706,7 @@
                 <a:latin typeface="Calibri"/>
                 <a:ea typeface="DejaVu Sans"/>
               </a:rPr>
-              <a:t>	</a:t>
-            </a:r>
-            <a:r>
-              <a:rPr b="0" lang="en-CA" sz="2400" spc="-1" strike="noStrike">
-                <a:solidFill>
-                  <a:srgbClr val="000000"/>
-                </a:solidFill>
-                <a:latin typeface="Calibri"/>
-                <a:ea typeface="DejaVu Sans"/>
-              </a:rPr>
-              <a:t>1)</a:t>
-            </a:r>
-            <a:r>
-              <a:rPr b="0" lang="en-CA" sz="2400" spc="-1" strike="noStrike">
-                <a:solidFill>
-                  <a:srgbClr val="000000"/>
-                </a:solidFill>
-                <a:latin typeface="Calibri"/>
-                <a:ea typeface="DejaVu Sans"/>
-              </a:rPr>
-              <a:t>	</a:t>
-            </a:r>
-            <a:r>
-              <a:rPr b="0" lang="en-CA" sz="2400" spc="-1" strike="noStrike">
-                <a:solidFill>
-                  <a:srgbClr val="000000"/>
-                </a:solidFill>
-                <a:latin typeface="Calibri"/>
-                <a:ea typeface="DejaVu Sans"/>
-              </a:rPr>
-              <a:t>sudo apt install openjdk-13-jre-headless</a:t>
+              <a:t>What is docker</a:t>
             </a:r>
             <a:endParaRPr b="0" lang="en-CA" sz="2400" spc="-1" strike="noStrike">
               <a:latin typeface="Arial"/>
@@ -8784,6 +8721,17 @@
                 <a:spcPts val="479"/>
               </a:spcBef>
             </a:pPr>
+            <a:r>
+              <a:rPr b="0" lang="en-CA" sz="2400" spc="-1" strike="noStrike">
+                <a:solidFill>
+                  <a:srgbClr val="000000"/>
+                </a:solidFill>
+                <a:latin typeface="Calibri"/>
+                <a:ea typeface="DejaVu Sans"/>
+                <a:hlinkClick r:id="rId1"/>
+              </a:rPr>
+              <a:t>https://www.youtube.com/watch?v=_dfLOzuIg2o</a:t>
+            </a:r>
             <a:endParaRPr b="0" lang="en-CA" sz="2400" spc="-1" strike="noStrike">
               <a:latin typeface="Arial"/>
             </a:endParaRPr>
@@ -8805,80 +8753,24 @@
                 <a:latin typeface="Calibri"/>
                 <a:ea typeface="DejaVu Sans"/>
               </a:rPr>
-              <a:t>2)</a:t>
-            </a:r>
-            <a:r>
-              <a:rPr b="0" lang="en-CA" sz="2400" spc="-1" strike="noStrike">
-                <a:solidFill>
-                  <a:srgbClr val="000000"/>
-                </a:solidFill>
-                <a:latin typeface="Calibri"/>
-                <a:ea typeface="DejaVu Sans"/>
-              </a:rPr>
               <a:t>	</a:t>
             </a:r>
             <a:endParaRPr b="0" lang="en-CA" sz="2400" spc="-1" strike="noStrike">
               <a:latin typeface="Arial"/>
             </a:endParaRPr>
           </a:p>
-          <a:p>
-            <a:pPr>
-              <a:lnSpc>
-                <a:spcPct val="100000"/>
-              </a:lnSpc>
-              <a:spcBef>
-                <a:spcPts val="479"/>
-              </a:spcBef>
-            </a:pPr>
-            <a:r>
-              <a:rPr b="0" lang="en-CA" sz="2400" spc="-1" strike="noStrike">
-                <a:solidFill>
-                  <a:srgbClr val="000000"/>
-                </a:solidFill>
-                <a:latin typeface="Calibri"/>
-                <a:ea typeface="DejaVu Sans"/>
-              </a:rPr>
-              <a:t>	</a:t>
-            </a:r>
-            <a:endParaRPr b="0" lang="en-CA" sz="2400" spc="-1" strike="noStrike">
-              <a:latin typeface="Arial"/>
-            </a:endParaRPr>
-          </a:p>
-          <a:p>
-            <a:pPr>
-              <a:lnSpc>
-                <a:spcPct val="100000"/>
-              </a:lnSpc>
-              <a:spcBef>
-                <a:spcPts val="479"/>
-              </a:spcBef>
-            </a:pPr>
-            <a:r>
-              <a:rPr b="0" lang="en-CA" sz="2400" spc="-1" strike="noStrike">
-                <a:solidFill>
-                  <a:srgbClr val="000000"/>
-                </a:solidFill>
-                <a:latin typeface="Calibri"/>
-                <a:ea typeface="DejaVu Sans"/>
-              </a:rPr>
-              <a:t>	</a:t>
-            </a:r>
-            <a:endParaRPr b="0" lang="en-CA" sz="2400" spc="-1" strike="noStrike">
-              <a:latin typeface="Arial"/>
-            </a:endParaRPr>
-          </a:p>
-        </p:txBody>
-      </p:sp>
-      <p:sp>
-        <p:nvSpPr>
-          <p:cNvPr id="211" name="CustomShape 2"/>
+        </p:txBody>
+      </p:sp>
+      <p:sp>
+        <p:nvSpPr>
+          <p:cNvPr id="212" name="CustomShape 2"/>
           <p:cNvSpPr/>
           <p:nvPr/>
         </p:nvSpPr>
         <p:spPr>
           <a:xfrm>
             <a:off x="432000" y="0"/>
-            <a:ext cx="7448400" cy="1180440"/>
+            <a:ext cx="7448040" cy="1180080"/>
           </a:xfrm>
           <a:prstGeom prst="rect">
             <a:avLst/>
@@ -8942,14 +8834,14 @@
       </p:sp>
       <p:sp>
         <p:nvSpPr>
-          <p:cNvPr id="212" name="CustomShape 3"/>
+          <p:cNvPr id="213" name="CustomShape 3"/>
           <p:cNvSpPr/>
           <p:nvPr/>
         </p:nvSpPr>
         <p:spPr>
           <a:xfrm>
             <a:off x="0" y="0"/>
-            <a:ext cx="247680" cy="1192680"/>
+            <a:ext cx="247320" cy="1192320"/>
           </a:xfrm>
           <a:prstGeom prst="rect">
             <a:avLst/>
@@ -8978,7 +8870,7 @@
       </p:sp>
       <p:sp>
         <p:nvSpPr>
-          <p:cNvPr id="213" name="Line 4"/>
+          <p:cNvPr id="214" name="Line 4"/>
           <p:cNvSpPr/>
           <p:nvPr/>
         </p:nvSpPr>
@@ -9045,6 +8937,13 @@
 <file path=ppt/slides/slide16.xml><?xml version="1.0" encoding="utf-8"?>
 <p:sld xmlns:a="http://schemas.openxmlformats.org/drawingml/2006/main" xmlns:p="http://schemas.openxmlformats.org/presentationml/2006/main" xmlns:r="http://schemas.openxmlformats.org/officeDocument/2006/relationships" xmlns:p14="http://schemas.microsoft.com/office/powerpoint/2010/main" xmlns:p15="http://schemas.microsoft.com/office/powerpoint/2012/main" xmlns:mc="http://schemas.openxmlformats.org/markup-compatibility/2006">
   <p:cSld>
+    <p:bg>
+      <p:bgPr>
+        <a:solidFill>
+          <a:srgbClr val="f2f2f2"/>
+        </a:solidFill>
+      </p:bgPr>
+    </p:bg>
     <p:spTree>
       <p:nvGrpSpPr>
         <p:cNvPr id="1" name=""/>
@@ -9061,14 +8960,14 @@
       </p:grpSpPr>
       <p:sp>
         <p:nvSpPr>
-          <p:cNvPr id="214" name="CustomShape 1"/>
+          <p:cNvPr id="215" name="CustomShape 1"/>
           <p:cNvSpPr/>
           <p:nvPr/>
         </p:nvSpPr>
         <p:spPr>
           <a:xfrm>
-            <a:off x="457200" y="273600"/>
-            <a:ext cx="8227800" cy="1143360"/>
+            <a:off x="1083960" y="1551960"/>
+            <a:ext cx="8275680" cy="5215680"/>
           </a:xfrm>
           <a:prstGeom prst="rect">
             <a:avLst/>
@@ -9084,17 +8983,360 @@
           <a:effectRef idx="0"/>
           <a:fontRef idx="minor"/>
         </p:style>
-      </p:sp>
-      <p:sp>
-        <p:nvSpPr>
-          <p:cNvPr id="215" name="CustomShape 2"/>
+        <p:txBody>
+          <a:bodyPr lIns="90000" rIns="90000" tIns="45000" bIns="45000" anchor="ctr">
+            <a:normAutofit/>
+          </a:bodyPr>
+          <a:p>
+            <a:pPr>
+              <a:lnSpc>
+                <a:spcPct val="100000"/>
+              </a:lnSpc>
+              <a:spcBef>
+                <a:spcPts val="479"/>
+              </a:spcBef>
+            </a:pPr>
+            <a:r>
+              <a:rPr b="0" lang="en-CA" sz="3600" spc="-1" strike="noStrike">
+                <a:solidFill>
+                  <a:srgbClr val="000000"/>
+                </a:solidFill>
+                <a:latin typeface="Calibri"/>
+                <a:ea typeface="DejaVu Sans"/>
+              </a:rPr>
+              <a:t>Docker</a:t>
+            </a:r>
+            <a:endParaRPr b="0" lang="en-CA" sz="3600" spc="-1" strike="noStrike">
+              <a:latin typeface="Arial"/>
+            </a:endParaRPr>
+          </a:p>
+          <a:p>
+            <a:pPr>
+              <a:lnSpc>
+                <a:spcPct val="100000"/>
+              </a:lnSpc>
+              <a:spcBef>
+                <a:spcPts val="479"/>
+              </a:spcBef>
+            </a:pPr>
+            <a:endParaRPr b="0" lang="en-CA" sz="3600" spc="-1" strike="noStrike">
+              <a:latin typeface="Arial"/>
+            </a:endParaRPr>
+          </a:p>
+          <a:p>
+            <a:pPr>
+              <a:lnSpc>
+                <a:spcPct val="100000"/>
+              </a:lnSpc>
+              <a:spcBef>
+                <a:spcPts val="479"/>
+              </a:spcBef>
+            </a:pPr>
+            <a:endParaRPr b="0" lang="en-CA" sz="3600" spc="-1" strike="noStrike">
+              <a:latin typeface="Arial"/>
+            </a:endParaRPr>
+          </a:p>
+          <a:p>
+            <a:pPr>
+              <a:lnSpc>
+                <a:spcPct val="100000"/>
+              </a:lnSpc>
+              <a:spcBef>
+                <a:spcPts val="479"/>
+              </a:spcBef>
+            </a:pPr>
+            <a:r>
+              <a:rPr b="0" lang="en-CA" sz="2600" spc="-1" strike="noStrike">
+                <a:solidFill>
+                  <a:srgbClr val="000000"/>
+                </a:solidFill>
+                <a:latin typeface="Arial"/>
+                <a:ea typeface="DejaVu Sans"/>
+              </a:rPr>
+              <a:t>1) Install curl:</a:t>
+            </a:r>
+            <a:endParaRPr b="0" lang="en-CA" sz="2600" spc="-1" strike="noStrike">
+              <a:latin typeface="Arial"/>
+            </a:endParaRPr>
+          </a:p>
+          <a:p>
+            <a:pPr>
+              <a:lnSpc>
+                <a:spcPct val="100000"/>
+              </a:lnSpc>
+              <a:spcBef>
+                <a:spcPts val="479"/>
+              </a:spcBef>
+            </a:pPr>
+            <a:r>
+              <a:rPr b="0" lang="en-CA" sz="2600" spc="-1" strike="noStrike">
+                <a:solidFill>
+                  <a:srgbClr val="000000"/>
+                </a:solidFill>
+                <a:latin typeface="Arial"/>
+                <a:ea typeface="DejaVu Sans"/>
+              </a:rPr>
+              <a:t>	</a:t>
+            </a:r>
+            <a:r>
+              <a:rPr b="0" lang="en-CA" sz="2600" spc="-1" strike="noStrike">
+                <a:solidFill>
+                  <a:srgbClr val="000000"/>
+                </a:solidFill>
+                <a:latin typeface="Arial"/>
+                <a:ea typeface="DejaVu Sans"/>
+              </a:rPr>
+              <a:t>apt install curl</a:t>
+            </a:r>
+            <a:endParaRPr b="0" lang="en-CA" sz="2600" spc="-1" strike="noStrike">
+              <a:latin typeface="Arial"/>
+            </a:endParaRPr>
+          </a:p>
+          <a:p>
+            <a:pPr>
+              <a:lnSpc>
+                <a:spcPct val="100000"/>
+              </a:lnSpc>
+              <a:spcBef>
+                <a:spcPts val="479"/>
+              </a:spcBef>
+            </a:pPr>
+            <a:r>
+              <a:rPr b="0" lang="en-CA" sz="2600" spc="-1" strike="noStrike">
+                <a:solidFill>
+                  <a:srgbClr val="000000"/>
+                </a:solidFill>
+                <a:latin typeface="Arial"/>
+                <a:ea typeface="DejaVu Sans"/>
+              </a:rPr>
+              <a:t>2) Install docker </a:t>
+            </a:r>
+            <a:endParaRPr b="0" lang="en-CA" sz="2600" spc="-1" strike="noStrike">
+              <a:latin typeface="Arial"/>
+            </a:endParaRPr>
+          </a:p>
+          <a:p>
+            <a:pPr>
+              <a:lnSpc>
+                <a:spcPct val="100000"/>
+              </a:lnSpc>
+              <a:spcBef>
+                <a:spcPts val="479"/>
+              </a:spcBef>
+            </a:pPr>
+            <a:r>
+              <a:rPr b="0" lang="en-CA" sz="2000" spc="-1" strike="noStrike">
+                <a:solidFill>
+                  <a:srgbClr val="000000"/>
+                </a:solidFill>
+                <a:latin typeface="Arial"/>
+                <a:ea typeface="DejaVu Sans"/>
+              </a:rPr>
+              <a:t>(use this command: </a:t>
+            </a:r>
+            <a:r>
+              <a:rPr b="0" lang="en-CA" sz="900" spc="-1" strike="noStrike">
+                <a:solidFill>
+                  <a:srgbClr val="000000"/>
+                </a:solidFill>
+                <a:latin typeface="Arial"/>
+                <a:ea typeface="DejaVu Sans"/>
+              </a:rPr>
+              <a:t>sudo add-apt-repository "deb [arch=amd64] https://download.docker.com/linux/ubuntu $(lsb_release -cs) stable edge”</a:t>
+            </a:r>
+            <a:endParaRPr b="0" lang="en-CA" sz="900" spc="-1" strike="noStrike">
+              <a:latin typeface="Arial"/>
+            </a:endParaRPr>
+          </a:p>
+          <a:p>
+            <a:pPr>
+              <a:lnSpc>
+                <a:spcPct val="100000"/>
+              </a:lnSpc>
+              <a:spcBef>
+                <a:spcPts val="479"/>
+              </a:spcBef>
+            </a:pPr>
+            <a:r>
+              <a:rPr b="0" lang="en-CA" sz="2600" spc="-1" strike="noStrike">
+                <a:solidFill>
+                  <a:srgbClr val="000000"/>
+                </a:solidFill>
+                <a:latin typeface="Arial"/>
+                <a:ea typeface="DejaVu Sans"/>
+              </a:rPr>
+              <a:t>	</a:t>
+            </a:r>
+            <a:r>
+              <a:rPr b="0" lang="en-CA" sz="2600" spc="-1" strike="noStrike">
+                <a:solidFill>
+                  <a:srgbClr val="000000"/>
+                </a:solidFill>
+                <a:latin typeface="Arial"/>
+                <a:ea typeface="DejaVu Sans"/>
+              </a:rPr>
+              <a:t>	</a:t>
+            </a:r>
+            <a:r>
+              <a:rPr b="0" lang="en-CA" sz="2600" spc="-1" strike="noStrike">
+                <a:solidFill>
+                  <a:srgbClr val="000000"/>
+                </a:solidFill>
+                <a:latin typeface="Arial"/>
+                <a:ea typeface="DejaVu Sans"/>
+              </a:rPr>
+              <a:t>	</a:t>
+            </a:r>
+            <a:r>
+              <a:rPr b="0" lang="en-CA" sz="2600" spc="-1" strike="noStrike">
+                <a:solidFill>
+                  <a:srgbClr val="000000"/>
+                </a:solidFill>
+                <a:latin typeface="Arial"/>
+                <a:ea typeface="DejaVu Sans"/>
+              </a:rPr>
+              <a:t>                </a:t>
+            </a:r>
+            <a:r>
+              <a:rPr b="0" lang="en-CA" sz="2600" spc="-1" strike="noStrike">
+                <a:solidFill>
+                  <a:srgbClr val="000000"/>
+                </a:solidFill>
+                <a:latin typeface="Arial"/>
+                <a:ea typeface="DejaVu Sans"/>
+              </a:rPr>
+              <a:t>	</a:t>
+            </a:r>
+            <a:r>
+              <a:rPr b="0" lang="en-CA" sz="2600" spc="-1" strike="noStrike">
+                <a:solidFill>
+                  <a:srgbClr val="000000"/>
+                </a:solidFill>
+                <a:latin typeface="Arial"/>
+                <a:ea typeface="DejaVu Sans"/>
+              </a:rPr>
+              <a:t>	</a:t>
+            </a:r>
+            <a:r>
+              <a:rPr b="0" lang="en-CA" sz="2600" spc="-1" strike="noStrike">
+                <a:solidFill>
+                  <a:srgbClr val="000000"/>
+                </a:solidFill>
+                <a:latin typeface="Arial"/>
+                <a:ea typeface="DejaVu Sans"/>
+              </a:rPr>
+              <a:t>	</a:t>
+            </a:r>
+            <a:r>
+              <a:rPr b="0" lang="en-CA" sz="2600" spc="-1" strike="noStrike">
+                <a:solidFill>
+                  <a:srgbClr val="000000"/>
+                </a:solidFill>
+                <a:latin typeface="Arial"/>
+                <a:ea typeface="DejaVu Sans"/>
+              </a:rPr>
+              <a:t>	</a:t>
+            </a:r>
+            <a:r>
+              <a:rPr b="0" lang="en-CA" sz="2600" spc="-1" strike="noStrike">
+                <a:solidFill>
+                  <a:srgbClr val="000000"/>
+                </a:solidFill>
+                <a:latin typeface="Arial"/>
+                <a:ea typeface="DejaVu Sans"/>
+              </a:rPr>
+              <a:t>	</a:t>
+            </a:r>
+            <a:r>
+              <a:rPr b="0" lang="en-CA" sz="1800" spc="-1" strike="noStrike" u="sng">
+                <a:solidFill>
+                  <a:srgbClr val="0000ff"/>
+                </a:solidFill>
+                <a:uFillTx/>
+                <a:latin typeface="Calibri"/>
+                <a:ea typeface="DejaVu Sans"/>
+                <a:hlinkClick r:id="rId1"/>
+              </a:rPr>
+              <a:t>https://medium.com/@Grigorkh/how-to-install-docker-on-ubuntu-19-04-7ccfeda5935</a:t>
+            </a:r>
+            <a:endParaRPr b="0" lang="en-CA" sz="1800" spc="-1" strike="noStrike">
+              <a:latin typeface="Arial"/>
+            </a:endParaRPr>
+          </a:p>
+          <a:p>
+            <a:pPr>
+              <a:lnSpc>
+                <a:spcPct val="100000"/>
+              </a:lnSpc>
+              <a:spcBef>
+                <a:spcPts val="479"/>
+              </a:spcBef>
+            </a:pPr>
+            <a:endParaRPr b="0" lang="en-CA" sz="1800" spc="-1" strike="noStrike">
+              <a:latin typeface="Arial"/>
+            </a:endParaRPr>
+          </a:p>
+          <a:p>
+            <a:pPr>
+              <a:lnSpc>
+                <a:spcPct val="100000"/>
+              </a:lnSpc>
+              <a:spcBef>
+                <a:spcPts val="479"/>
+              </a:spcBef>
+            </a:pPr>
+            <a:endParaRPr b="0" lang="en-CA" sz="1800" spc="-1" strike="noStrike">
+              <a:latin typeface="Arial"/>
+            </a:endParaRPr>
+          </a:p>
+          <a:p>
+            <a:pPr>
+              <a:lnSpc>
+                <a:spcPct val="100000"/>
+              </a:lnSpc>
+              <a:spcBef>
+                <a:spcPts val="479"/>
+              </a:spcBef>
+            </a:pPr>
+            <a:endParaRPr b="0" lang="en-CA" sz="1800" spc="-1" strike="noStrike">
+              <a:latin typeface="Arial"/>
+            </a:endParaRPr>
+          </a:p>
+          <a:p>
+            <a:pPr>
+              <a:lnSpc>
+                <a:spcPct val="100000"/>
+              </a:lnSpc>
+              <a:spcBef>
+                <a:spcPts val="479"/>
+              </a:spcBef>
+            </a:pPr>
+            <a:r>
+              <a:rPr b="0" lang="en-CA" sz="2400" spc="-1" strike="noStrike">
+                <a:solidFill>
+                  <a:srgbClr val="000000"/>
+                </a:solidFill>
+                <a:latin typeface="Calibri"/>
+                <a:ea typeface="DejaVu Sans"/>
+              </a:rPr>
+              <a:t>	</a:t>
+            </a:r>
+            <a:endParaRPr b="0" lang="en-CA" sz="2400" spc="-1" strike="noStrike">
+              <a:latin typeface="Arial"/>
+            </a:endParaRPr>
+          </a:p>
+        </p:txBody>
+      </p:sp>
+      <p:sp>
+        <p:nvSpPr>
+          <p:cNvPr id="216" name="CustomShape 2"/>
           <p:cNvSpPr/>
           <p:nvPr/>
         </p:nvSpPr>
         <p:spPr>
           <a:xfrm>
-            <a:off x="457200" y="1604520"/>
-            <a:ext cx="2648160" cy="1895400"/>
+            <a:off x="432000" y="0"/>
+            <a:ext cx="7448040" cy="1180080"/>
           </a:xfrm>
           <a:prstGeom prst="rect">
             <a:avLst/>
@@ -9110,134 +9352,119 @@
           <a:effectRef idx="0"/>
           <a:fontRef idx="minor"/>
         </p:style>
-      </p:sp>
-      <p:sp>
-        <p:nvSpPr>
-          <p:cNvPr id="216" name="CustomShape 3"/>
+        <p:txBody>
+          <a:bodyPr lIns="90000" rIns="90000" tIns="45000" bIns="45000" anchor="ctr">
+            <a:normAutofit/>
+          </a:bodyPr>
+          <a:p>
+            <a:pPr>
+              <a:lnSpc>
+                <a:spcPct val="100000"/>
+              </a:lnSpc>
+            </a:pPr>
+            <a:r>
+              <a:rPr b="0" lang="en-CA" sz="3000" spc="-1" strike="noStrike" cap="all">
+                <a:solidFill>
+                  <a:srgbClr val="292929"/>
+                </a:solidFill>
+                <a:latin typeface="Nexa Bold"/>
+                <a:ea typeface="DejaVu Sans"/>
+              </a:rPr>
+              <a:t>Installing our</a:t>
+            </a:r>
+            <a:r>
+              <a:rPr b="0" lang="en-CA" sz="3000" spc="-1" strike="noStrike">
+                <a:solidFill>
+                  <a:srgbClr val="292929"/>
+                </a:solidFill>
+                <a:latin typeface="Nexa Bold"/>
+                <a:ea typeface="DejaVu Sans"/>
+              </a:rPr>
+              <a:t> </a:t>
+            </a:r>
+            <a:r>
+              <a:rPr b="0" lang="en-CA" sz="3000" spc="-1" strike="noStrike" cap="all">
+                <a:solidFill>
+                  <a:srgbClr val="1fa0be"/>
+                </a:solidFill>
+                <a:latin typeface="Nexa Bold"/>
+                <a:ea typeface="DejaVu Sans"/>
+              </a:rPr>
+              <a:t>Stack</a:t>
+            </a:r>
+            <a:endParaRPr b="0" lang="en-CA" sz="3000" spc="-1" strike="noStrike">
+              <a:latin typeface="Arial"/>
+            </a:endParaRPr>
+          </a:p>
+        </p:txBody>
+      </p:sp>
+      <p:sp>
+        <p:nvSpPr>
+          <p:cNvPr id="217" name="CustomShape 3"/>
           <p:cNvSpPr/>
           <p:nvPr/>
         </p:nvSpPr>
         <p:spPr>
           <a:xfrm>
-            <a:off x="3239640" y="1604520"/>
-            <a:ext cx="2648160" cy="1895400"/>
-          </a:xfrm>
-          <a:prstGeom prst="rect">
-            <a:avLst/>
-          </a:prstGeom>
-          <a:noFill/>
+            <a:off x="0" y="0"/>
+            <a:ext cx="247320" cy="1192320"/>
+          </a:xfrm>
+          <a:prstGeom prst="rect">
+            <a:avLst/>
+          </a:prstGeom>
+          <a:solidFill>
+            <a:srgbClr val="146e83"/>
+          </a:solidFill>
           <a:ln>
-            <a:noFill/>
+            <a:round/>
           </a:ln>
         </p:spPr>
         <p:style>
-          <a:lnRef idx="0"/>
-          <a:fillRef idx="0"/>
-          <a:effectRef idx="0"/>
+          <a:lnRef idx="2">
+            <a:schemeClr val="accent1">
+              <a:shade val="50000"/>
+            </a:schemeClr>
+          </a:lnRef>
+          <a:fillRef idx="1">
+            <a:schemeClr val="accent1"/>
+          </a:fillRef>
+          <a:effectRef idx="0">
+            <a:schemeClr val="accent1"/>
+          </a:effectRef>
           <a:fontRef idx="minor"/>
         </p:style>
       </p:sp>
       <p:sp>
         <p:nvSpPr>
-          <p:cNvPr id="217" name="CustomShape 4"/>
+          <p:cNvPr id="218" name="Line 4"/>
           <p:cNvSpPr/>
           <p:nvPr/>
         </p:nvSpPr>
         <p:spPr>
           <a:xfrm>
-            <a:off x="6022080" y="1604520"/>
-            <a:ext cx="2648160" cy="1895400"/>
-          </a:xfrm>
-          <a:prstGeom prst="rect">
-            <a:avLst/>
-          </a:prstGeom>
-          <a:noFill/>
-          <a:ln>
-            <a:noFill/>
+            <a:off x="251280" y="1196640"/>
+            <a:ext cx="8892720" cy="360"/>
+          </a:xfrm>
+          <a:prstGeom prst="line">
+            <a:avLst/>
+          </a:prstGeom>
+          <a:ln w="22320">
+            <a:solidFill>
+              <a:srgbClr val="146e83"/>
+            </a:solidFill>
+            <a:round/>
           </a:ln>
         </p:spPr>
         <p:style>
-          <a:lnRef idx="0"/>
-          <a:fillRef idx="0"/>
-          <a:effectRef idx="0"/>
-          <a:fontRef idx="minor"/>
-        </p:style>
-      </p:sp>
-      <p:sp>
-        <p:nvSpPr>
-          <p:cNvPr id="218" name="CustomShape 5"/>
-          <p:cNvSpPr/>
-          <p:nvPr/>
-        </p:nvSpPr>
-        <p:spPr>
-          <a:xfrm>
-            <a:off x="457200" y="3682080"/>
-            <a:ext cx="2648160" cy="1895400"/>
-          </a:xfrm>
-          <a:prstGeom prst="rect">
-            <a:avLst/>
-          </a:prstGeom>
-          <a:noFill/>
-          <a:ln>
-            <a:noFill/>
-          </a:ln>
-        </p:spPr>
-        <p:style>
-          <a:lnRef idx="0"/>
-          <a:fillRef idx="0"/>
-          <a:effectRef idx="0"/>
-          <a:fontRef idx="minor"/>
-        </p:style>
-      </p:sp>
-      <p:sp>
-        <p:nvSpPr>
-          <p:cNvPr id="219" name="CustomShape 6"/>
-          <p:cNvSpPr/>
-          <p:nvPr/>
-        </p:nvSpPr>
-        <p:spPr>
-          <a:xfrm>
-            <a:off x="3239640" y="3682080"/>
-            <a:ext cx="2648160" cy="1895400"/>
-          </a:xfrm>
-          <a:prstGeom prst="rect">
-            <a:avLst/>
-          </a:prstGeom>
-          <a:noFill/>
-          <a:ln>
-            <a:noFill/>
-          </a:ln>
-        </p:spPr>
-        <p:style>
-          <a:lnRef idx="0"/>
-          <a:fillRef idx="0"/>
-          <a:effectRef idx="0"/>
-          <a:fontRef idx="minor"/>
-        </p:style>
-      </p:sp>
-      <p:sp>
-        <p:nvSpPr>
-          <p:cNvPr id="220" name="CustomShape 7"/>
-          <p:cNvSpPr/>
-          <p:nvPr/>
-        </p:nvSpPr>
-        <p:spPr>
-          <a:xfrm>
-            <a:off x="6022080" y="3682080"/>
-            <a:ext cx="2648160" cy="1895400"/>
-          </a:xfrm>
-          <a:prstGeom prst="rect">
-            <a:avLst/>
-          </a:prstGeom>
-          <a:noFill/>
-          <a:ln>
-            <a:noFill/>
-          </a:ln>
-        </p:spPr>
-        <p:style>
-          <a:lnRef idx="0"/>
-          <a:fillRef idx="0"/>
-          <a:effectRef idx="0"/>
+          <a:lnRef idx="1">
+            <a:schemeClr val="accent1"/>
+          </a:lnRef>
+          <a:fillRef idx="0">
+            <a:schemeClr val="accent1"/>
+          </a:fillRef>
+          <a:effectRef idx="0">
+            <a:schemeClr val="accent1"/>
+          </a:effectRef>
           <a:fontRef idx="minor"/>
         </p:style>
       </p:sp>
@@ -9250,6 +9477,998 @@
           <p:childTnLst>
             <p:seq>
               <p:cTn id="32" dur="indefinite" nodeType="mainSeq"/>
+              <p:prevCondLst>
+                <p:cond delay="0" evt="onPrev">
+                  <p:tgtEl>
+                    <p:sldTgt/>
+                  </p:tgtEl>
+                </p:cond>
+              </p:prevCondLst>
+              <p:nextCondLst>
+                <p:cond delay="0" evt="onNext">
+                  <p:tgtEl>
+                    <p:sldTgt/>
+                  </p:tgtEl>
+                </p:cond>
+              </p:nextCondLst>
+            </p:seq>
+          </p:childTnLst>
+        </p:cTn>
+      </p:par>
+    </p:tnLst>
+  </p:timing>
+</p:sld>
+</file>
+
+<file path=ppt/slides/slide17.xml><?xml version="1.0" encoding="utf-8"?>
+<p:sld xmlns:a="http://schemas.openxmlformats.org/drawingml/2006/main" xmlns:p="http://schemas.openxmlformats.org/presentationml/2006/main" xmlns:r="http://schemas.openxmlformats.org/officeDocument/2006/relationships" xmlns:p14="http://schemas.microsoft.com/office/powerpoint/2010/main" xmlns:p15="http://schemas.microsoft.com/office/powerpoint/2012/main" xmlns:mc="http://schemas.openxmlformats.org/markup-compatibility/2006">
+  <p:cSld>
+    <p:bg>
+      <p:bgPr>
+        <a:solidFill>
+          <a:srgbClr val="f2f2f2"/>
+        </a:solidFill>
+      </p:bgPr>
+    </p:bg>
+    <p:spTree>
+      <p:nvGrpSpPr>
+        <p:cNvPr id="1" name=""/>
+        <p:cNvGrpSpPr/>
+        <p:nvPr/>
+      </p:nvGrpSpPr>
+      <p:grpSpPr>
+        <a:xfrm>
+          <a:off x="0" y="0"/>
+          <a:ext cx="0" cy="0"/>
+          <a:chOff x="0" y="0"/>
+          <a:chExt cx="0" cy="0"/>
+        </a:xfrm>
+      </p:grpSpPr>
+      <p:sp>
+        <p:nvSpPr>
+          <p:cNvPr id="219" name="CustomShape 1"/>
+          <p:cNvSpPr/>
+          <p:nvPr/>
+        </p:nvSpPr>
+        <p:spPr>
+          <a:xfrm>
+            <a:off x="504000" y="1989360"/>
+            <a:ext cx="8275680" cy="5215680"/>
+          </a:xfrm>
+          <a:prstGeom prst="rect">
+            <a:avLst/>
+          </a:prstGeom>
+          <a:noFill/>
+          <a:ln>
+            <a:noFill/>
+          </a:ln>
+        </p:spPr>
+        <p:style>
+          <a:lnRef idx="0"/>
+          <a:fillRef idx="0"/>
+          <a:effectRef idx="0"/>
+          <a:fontRef idx="minor"/>
+        </p:style>
+        <p:txBody>
+          <a:bodyPr lIns="90000" rIns="90000" tIns="45000" bIns="45000" anchor="ctr">
+            <a:normAutofit/>
+          </a:bodyPr>
+          <a:p>
+            <a:pPr>
+              <a:lnSpc>
+                <a:spcPct val="100000"/>
+              </a:lnSpc>
+              <a:spcBef>
+                <a:spcPts val="479"/>
+              </a:spcBef>
+            </a:pPr>
+            <a:r>
+              <a:rPr b="1" lang="en-CA" sz="2800" spc="-1" strike="noStrike">
+                <a:solidFill>
+                  <a:srgbClr val="000000"/>
+                </a:solidFill>
+                <a:latin typeface="Calibri"/>
+                <a:ea typeface="DejaVu Sans"/>
+              </a:rPr>
+              <a:t>Installing GIT Resources</a:t>
+            </a:r>
+            <a:endParaRPr b="1" lang="en-CA" sz="2800" spc="-1" strike="noStrike">
+              <a:latin typeface="Arial"/>
+            </a:endParaRPr>
+          </a:p>
+          <a:p>
+            <a:pPr>
+              <a:lnSpc>
+                <a:spcPct val="100000"/>
+              </a:lnSpc>
+              <a:spcBef>
+                <a:spcPts val="479"/>
+              </a:spcBef>
+            </a:pPr>
+            <a:r>
+              <a:rPr b="0" lang="en-CA" sz="2800" spc="-1" strike="noStrike">
+                <a:solidFill>
+                  <a:srgbClr val="000000"/>
+                </a:solidFill>
+                <a:latin typeface="Calibri"/>
+                <a:ea typeface="DejaVu Sans"/>
+              </a:rPr>
+              <a:t>What is git:</a:t>
+            </a:r>
+            <a:endParaRPr b="1" lang="en-CA" sz="2800" spc="-1" strike="noStrike">
+              <a:latin typeface="Arial"/>
+            </a:endParaRPr>
+          </a:p>
+          <a:p>
+            <a:pPr>
+              <a:lnSpc>
+                <a:spcPct val="100000"/>
+              </a:lnSpc>
+              <a:spcBef>
+                <a:spcPts val="479"/>
+              </a:spcBef>
+            </a:pPr>
+            <a:r>
+              <a:rPr b="1" lang="en-CA" sz="2800" spc="-1" strike="noStrike">
+                <a:solidFill>
+                  <a:srgbClr val="000000"/>
+                </a:solidFill>
+                <a:latin typeface="Calibri"/>
+                <a:ea typeface="DejaVu Sans"/>
+                <a:hlinkClick r:id="rId1"/>
+              </a:rPr>
+              <a:t>https://www.youtube.com/watch?v=uUuTYDg9XoI</a:t>
+            </a:r>
+            <a:endParaRPr b="1" lang="en-CA" sz="2800" spc="-1" strike="noStrike">
+              <a:latin typeface="Arial"/>
+            </a:endParaRPr>
+          </a:p>
+        </p:txBody>
+      </p:sp>
+      <p:sp>
+        <p:nvSpPr>
+          <p:cNvPr id="220" name="CustomShape 2"/>
+          <p:cNvSpPr/>
+          <p:nvPr/>
+        </p:nvSpPr>
+        <p:spPr>
+          <a:xfrm>
+            <a:off x="432000" y="0"/>
+            <a:ext cx="7448040" cy="1180080"/>
+          </a:xfrm>
+          <a:prstGeom prst="rect">
+            <a:avLst/>
+          </a:prstGeom>
+          <a:noFill/>
+          <a:ln>
+            <a:noFill/>
+          </a:ln>
+        </p:spPr>
+        <p:style>
+          <a:lnRef idx="0"/>
+          <a:fillRef idx="0"/>
+          <a:effectRef idx="0"/>
+          <a:fontRef idx="minor"/>
+        </p:style>
+        <p:txBody>
+          <a:bodyPr lIns="90000" rIns="90000" tIns="45000" bIns="45000" anchor="ctr">
+            <a:normAutofit/>
+          </a:bodyPr>
+          <a:p>
+            <a:pPr>
+              <a:lnSpc>
+                <a:spcPct val="100000"/>
+              </a:lnSpc>
+            </a:pPr>
+            <a:r>
+              <a:rPr b="0" lang="en-CA" sz="3000" spc="-1" strike="noStrike" cap="all">
+                <a:solidFill>
+                  <a:srgbClr val="292929"/>
+                </a:solidFill>
+                <a:latin typeface="Nexa Bold"/>
+                <a:ea typeface="DejaVu Sans"/>
+              </a:rPr>
+              <a:t>Installing our</a:t>
+            </a:r>
+            <a:r>
+              <a:rPr b="0" lang="en-CA" sz="3000" spc="-1" strike="noStrike">
+                <a:solidFill>
+                  <a:srgbClr val="292929"/>
+                </a:solidFill>
+                <a:latin typeface="Nexa Bold"/>
+                <a:ea typeface="DejaVu Sans"/>
+              </a:rPr>
+              <a:t> </a:t>
+            </a:r>
+            <a:r>
+              <a:rPr b="0" lang="en-CA" sz="3000" spc="-1" strike="noStrike" cap="all">
+                <a:solidFill>
+                  <a:srgbClr val="1fa0be"/>
+                </a:solidFill>
+                <a:latin typeface="Nexa Bold"/>
+                <a:ea typeface="DejaVu Sans"/>
+              </a:rPr>
+              <a:t>Stack</a:t>
+            </a:r>
+            <a:endParaRPr b="0" lang="en-CA" sz="3000" spc="-1" strike="noStrike">
+              <a:latin typeface="Arial"/>
+            </a:endParaRPr>
+          </a:p>
+        </p:txBody>
+      </p:sp>
+      <p:sp>
+        <p:nvSpPr>
+          <p:cNvPr id="221" name="CustomShape 3"/>
+          <p:cNvSpPr/>
+          <p:nvPr/>
+        </p:nvSpPr>
+        <p:spPr>
+          <a:xfrm>
+            <a:off x="0" y="0"/>
+            <a:ext cx="247320" cy="1192320"/>
+          </a:xfrm>
+          <a:prstGeom prst="rect">
+            <a:avLst/>
+          </a:prstGeom>
+          <a:solidFill>
+            <a:srgbClr val="146e83"/>
+          </a:solidFill>
+          <a:ln>
+            <a:round/>
+          </a:ln>
+        </p:spPr>
+        <p:style>
+          <a:lnRef idx="2">
+            <a:schemeClr val="accent1">
+              <a:shade val="50000"/>
+            </a:schemeClr>
+          </a:lnRef>
+          <a:fillRef idx="1">
+            <a:schemeClr val="accent1"/>
+          </a:fillRef>
+          <a:effectRef idx="0">
+            <a:schemeClr val="accent1"/>
+          </a:effectRef>
+          <a:fontRef idx="minor"/>
+        </p:style>
+      </p:sp>
+      <p:sp>
+        <p:nvSpPr>
+          <p:cNvPr id="222" name="Line 4"/>
+          <p:cNvSpPr/>
+          <p:nvPr/>
+        </p:nvSpPr>
+        <p:spPr>
+          <a:xfrm>
+            <a:off x="251280" y="1196640"/>
+            <a:ext cx="8892720" cy="360"/>
+          </a:xfrm>
+          <a:prstGeom prst="line">
+            <a:avLst/>
+          </a:prstGeom>
+          <a:ln w="22320">
+            <a:solidFill>
+              <a:srgbClr val="146e83"/>
+            </a:solidFill>
+            <a:round/>
+          </a:ln>
+        </p:spPr>
+        <p:style>
+          <a:lnRef idx="1">
+            <a:schemeClr val="accent1"/>
+          </a:lnRef>
+          <a:fillRef idx="0">
+            <a:schemeClr val="accent1"/>
+          </a:fillRef>
+          <a:effectRef idx="0">
+            <a:schemeClr val="accent1"/>
+          </a:effectRef>
+          <a:fontRef idx="minor"/>
+        </p:style>
+      </p:sp>
+    </p:spTree>
+  </p:cSld>
+  <p:timing>
+    <p:tnLst>
+      <p:par>
+        <p:cTn id="33" dur="indefinite" restart="never" nodeType="tmRoot">
+          <p:childTnLst>
+            <p:seq>
+              <p:cTn id="34" dur="indefinite" nodeType="mainSeq"/>
+              <p:prevCondLst>
+                <p:cond delay="0" evt="onPrev">
+                  <p:tgtEl>
+                    <p:sldTgt/>
+                  </p:tgtEl>
+                </p:cond>
+              </p:prevCondLst>
+              <p:nextCondLst>
+                <p:cond delay="0" evt="onNext">
+                  <p:tgtEl>
+                    <p:sldTgt/>
+                  </p:tgtEl>
+                </p:cond>
+              </p:nextCondLst>
+            </p:seq>
+          </p:childTnLst>
+        </p:cTn>
+      </p:par>
+    </p:tnLst>
+  </p:timing>
+</p:sld>
+</file>
+
+<file path=ppt/slides/slide18.xml><?xml version="1.0" encoding="utf-8"?>
+<p:sld xmlns:a="http://schemas.openxmlformats.org/drawingml/2006/main" xmlns:p="http://schemas.openxmlformats.org/presentationml/2006/main" xmlns:r="http://schemas.openxmlformats.org/officeDocument/2006/relationships" xmlns:p14="http://schemas.microsoft.com/office/powerpoint/2010/main" xmlns:p15="http://schemas.microsoft.com/office/powerpoint/2012/main" xmlns:mc="http://schemas.openxmlformats.org/markup-compatibility/2006">
+  <p:cSld>
+    <p:bg>
+      <p:bgPr>
+        <a:solidFill>
+          <a:srgbClr val="f2f2f2"/>
+        </a:solidFill>
+      </p:bgPr>
+    </p:bg>
+    <p:spTree>
+      <p:nvGrpSpPr>
+        <p:cNvPr id="1" name=""/>
+        <p:cNvGrpSpPr/>
+        <p:nvPr/>
+      </p:nvGrpSpPr>
+      <p:grpSpPr>
+        <a:xfrm>
+          <a:off x="0" y="0"/>
+          <a:ext cx="0" cy="0"/>
+          <a:chOff x="0" y="0"/>
+          <a:chExt cx="0" cy="0"/>
+        </a:xfrm>
+      </p:grpSpPr>
+      <p:sp>
+        <p:nvSpPr>
+          <p:cNvPr id="223" name="CustomShape 1"/>
+          <p:cNvSpPr/>
+          <p:nvPr/>
+        </p:nvSpPr>
+        <p:spPr>
+          <a:xfrm>
+            <a:off x="504000" y="1377360"/>
+            <a:ext cx="8275680" cy="5215680"/>
+          </a:xfrm>
+          <a:prstGeom prst="rect">
+            <a:avLst/>
+          </a:prstGeom>
+          <a:noFill/>
+          <a:ln>
+            <a:noFill/>
+          </a:ln>
+        </p:spPr>
+        <p:style>
+          <a:lnRef idx="0"/>
+          <a:fillRef idx="0"/>
+          <a:effectRef idx="0"/>
+          <a:fontRef idx="minor"/>
+        </p:style>
+        <p:txBody>
+          <a:bodyPr lIns="90000" rIns="90000" tIns="45000" bIns="45000" anchor="ctr">
+            <a:normAutofit/>
+          </a:bodyPr>
+          <a:p>
+            <a:pPr>
+              <a:lnSpc>
+                <a:spcPct val="100000"/>
+              </a:lnSpc>
+              <a:spcBef>
+                <a:spcPts val="479"/>
+              </a:spcBef>
+            </a:pPr>
+            <a:r>
+              <a:rPr b="0" lang="en-CA" sz="3600" spc="-1" strike="noStrike">
+                <a:solidFill>
+                  <a:srgbClr val="000000"/>
+                </a:solidFill>
+                <a:latin typeface="Calibri"/>
+                <a:ea typeface="DejaVu Sans"/>
+              </a:rPr>
+              <a:t>Git VCS</a:t>
+            </a:r>
+            <a:endParaRPr b="0" lang="en-CA" sz="3600" spc="-1" strike="noStrike">
+              <a:latin typeface="Arial"/>
+            </a:endParaRPr>
+          </a:p>
+          <a:p>
+            <a:pPr>
+              <a:lnSpc>
+                <a:spcPct val="100000"/>
+              </a:lnSpc>
+              <a:spcBef>
+                <a:spcPts val="479"/>
+              </a:spcBef>
+            </a:pPr>
+            <a:r>
+              <a:rPr b="0" lang="en-CA" sz="1800" spc="-1" strike="noStrike" u="sng">
+                <a:solidFill>
+                  <a:srgbClr val="0000ff"/>
+                </a:solidFill>
+                <a:uFillTx/>
+                <a:latin typeface="Calibri"/>
+                <a:ea typeface="DejaVu Sans"/>
+              </a:rPr>
+              <a:t>https://linuxconcept.com/install-git-on-ubuntu-19-04-operating-system/</a:t>
+            </a:r>
+            <a:endParaRPr b="0" lang="en-CA" sz="1800" spc="-1" strike="noStrike">
+              <a:latin typeface="Arial"/>
+            </a:endParaRPr>
+          </a:p>
+        </p:txBody>
+      </p:sp>
+      <p:sp>
+        <p:nvSpPr>
+          <p:cNvPr id="224" name="CustomShape 2"/>
+          <p:cNvSpPr/>
+          <p:nvPr/>
+        </p:nvSpPr>
+        <p:spPr>
+          <a:xfrm>
+            <a:off x="432000" y="0"/>
+            <a:ext cx="7448040" cy="1180080"/>
+          </a:xfrm>
+          <a:prstGeom prst="rect">
+            <a:avLst/>
+          </a:prstGeom>
+          <a:noFill/>
+          <a:ln>
+            <a:noFill/>
+          </a:ln>
+        </p:spPr>
+        <p:style>
+          <a:lnRef idx="0"/>
+          <a:fillRef idx="0"/>
+          <a:effectRef idx="0"/>
+          <a:fontRef idx="minor"/>
+        </p:style>
+        <p:txBody>
+          <a:bodyPr lIns="90000" rIns="90000" tIns="45000" bIns="45000" anchor="ctr">
+            <a:normAutofit/>
+          </a:bodyPr>
+          <a:p>
+            <a:pPr>
+              <a:lnSpc>
+                <a:spcPct val="100000"/>
+              </a:lnSpc>
+            </a:pPr>
+            <a:r>
+              <a:rPr b="0" lang="en-CA" sz="3000" spc="-1" strike="noStrike" cap="all">
+                <a:solidFill>
+                  <a:srgbClr val="292929"/>
+                </a:solidFill>
+                <a:latin typeface="Nexa Bold"/>
+                <a:ea typeface="DejaVu Sans"/>
+              </a:rPr>
+              <a:t>Installing our</a:t>
+            </a:r>
+            <a:r>
+              <a:rPr b="0" lang="en-CA" sz="3000" spc="-1" strike="noStrike">
+                <a:solidFill>
+                  <a:srgbClr val="292929"/>
+                </a:solidFill>
+                <a:latin typeface="Nexa Bold"/>
+                <a:ea typeface="DejaVu Sans"/>
+              </a:rPr>
+              <a:t> </a:t>
+            </a:r>
+            <a:r>
+              <a:rPr b="0" lang="en-CA" sz="3000" spc="-1" strike="noStrike" cap="all">
+                <a:solidFill>
+                  <a:srgbClr val="1fa0be"/>
+                </a:solidFill>
+                <a:latin typeface="Nexa Bold"/>
+                <a:ea typeface="DejaVu Sans"/>
+              </a:rPr>
+              <a:t>Stack</a:t>
+            </a:r>
+            <a:endParaRPr b="0" lang="en-CA" sz="3000" spc="-1" strike="noStrike">
+              <a:latin typeface="Arial"/>
+            </a:endParaRPr>
+          </a:p>
+        </p:txBody>
+      </p:sp>
+      <p:sp>
+        <p:nvSpPr>
+          <p:cNvPr id="225" name="CustomShape 3"/>
+          <p:cNvSpPr/>
+          <p:nvPr/>
+        </p:nvSpPr>
+        <p:spPr>
+          <a:xfrm>
+            <a:off x="0" y="0"/>
+            <a:ext cx="247320" cy="1192320"/>
+          </a:xfrm>
+          <a:prstGeom prst="rect">
+            <a:avLst/>
+          </a:prstGeom>
+          <a:solidFill>
+            <a:srgbClr val="146e83"/>
+          </a:solidFill>
+          <a:ln>
+            <a:round/>
+          </a:ln>
+        </p:spPr>
+        <p:style>
+          <a:lnRef idx="2">
+            <a:schemeClr val="accent1">
+              <a:shade val="50000"/>
+            </a:schemeClr>
+          </a:lnRef>
+          <a:fillRef idx="1">
+            <a:schemeClr val="accent1"/>
+          </a:fillRef>
+          <a:effectRef idx="0">
+            <a:schemeClr val="accent1"/>
+          </a:effectRef>
+          <a:fontRef idx="minor"/>
+        </p:style>
+      </p:sp>
+      <p:sp>
+        <p:nvSpPr>
+          <p:cNvPr id="226" name="Line 4"/>
+          <p:cNvSpPr/>
+          <p:nvPr/>
+        </p:nvSpPr>
+        <p:spPr>
+          <a:xfrm>
+            <a:off x="251280" y="1196640"/>
+            <a:ext cx="8892720" cy="360"/>
+          </a:xfrm>
+          <a:prstGeom prst="line">
+            <a:avLst/>
+          </a:prstGeom>
+          <a:ln w="22320">
+            <a:solidFill>
+              <a:srgbClr val="146e83"/>
+            </a:solidFill>
+            <a:round/>
+          </a:ln>
+        </p:spPr>
+        <p:style>
+          <a:lnRef idx="1">
+            <a:schemeClr val="accent1"/>
+          </a:lnRef>
+          <a:fillRef idx="0">
+            <a:schemeClr val="accent1"/>
+          </a:fillRef>
+          <a:effectRef idx="0">
+            <a:schemeClr val="accent1"/>
+          </a:effectRef>
+          <a:fontRef idx="minor"/>
+        </p:style>
+      </p:sp>
+    </p:spTree>
+  </p:cSld>
+  <p:timing>
+    <p:tnLst>
+      <p:par>
+        <p:cTn id="35" dur="indefinite" restart="never" nodeType="tmRoot">
+          <p:childTnLst>
+            <p:seq>
+              <p:cTn id="36" dur="indefinite" nodeType="mainSeq"/>
+              <p:prevCondLst>
+                <p:cond delay="0" evt="onPrev">
+                  <p:tgtEl>
+                    <p:sldTgt/>
+                  </p:tgtEl>
+                </p:cond>
+              </p:prevCondLst>
+              <p:nextCondLst>
+                <p:cond delay="0" evt="onNext">
+                  <p:tgtEl>
+                    <p:sldTgt/>
+                  </p:tgtEl>
+                </p:cond>
+              </p:nextCondLst>
+            </p:seq>
+          </p:childTnLst>
+        </p:cTn>
+      </p:par>
+    </p:tnLst>
+  </p:timing>
+</p:sld>
+</file>
+
+<file path=ppt/slides/slide19.xml><?xml version="1.0" encoding="utf-8"?>
+<p:sld xmlns:a="http://schemas.openxmlformats.org/drawingml/2006/main" xmlns:p="http://schemas.openxmlformats.org/presentationml/2006/main" xmlns:r="http://schemas.openxmlformats.org/officeDocument/2006/relationships" xmlns:p14="http://schemas.microsoft.com/office/powerpoint/2010/main" xmlns:p15="http://schemas.microsoft.com/office/powerpoint/2012/main" xmlns:mc="http://schemas.openxmlformats.org/markup-compatibility/2006">
+  <p:cSld>
+    <p:bg>
+      <p:bgPr>
+        <a:solidFill>
+          <a:srgbClr val="f2f2f2"/>
+        </a:solidFill>
+      </p:bgPr>
+    </p:bg>
+    <p:spTree>
+      <p:nvGrpSpPr>
+        <p:cNvPr id="1" name=""/>
+        <p:cNvGrpSpPr/>
+        <p:nvPr/>
+      </p:nvGrpSpPr>
+      <p:grpSpPr>
+        <a:xfrm>
+          <a:off x="0" y="0"/>
+          <a:ext cx="0" cy="0"/>
+          <a:chOff x="0" y="0"/>
+          <a:chExt cx="0" cy="0"/>
+        </a:xfrm>
+      </p:grpSpPr>
+      <p:sp>
+        <p:nvSpPr>
+          <p:cNvPr id="227" name="CustomShape 1"/>
+          <p:cNvSpPr/>
+          <p:nvPr/>
+        </p:nvSpPr>
+        <p:spPr>
+          <a:xfrm>
+            <a:off x="504000" y="1377360"/>
+            <a:ext cx="8275680" cy="5215680"/>
+          </a:xfrm>
+          <a:prstGeom prst="rect">
+            <a:avLst/>
+          </a:prstGeom>
+          <a:noFill/>
+          <a:ln>
+            <a:noFill/>
+          </a:ln>
+        </p:spPr>
+        <p:style>
+          <a:lnRef idx="0"/>
+          <a:fillRef idx="0"/>
+          <a:effectRef idx="0"/>
+          <a:fontRef idx="minor"/>
+        </p:style>
+        <p:txBody>
+          <a:bodyPr lIns="90000" rIns="90000" tIns="45000" bIns="45000" anchor="ctr">
+            <a:normAutofit/>
+          </a:bodyPr>
+          <a:p>
+            <a:pPr>
+              <a:lnSpc>
+                <a:spcPct val="100000"/>
+              </a:lnSpc>
+              <a:spcBef>
+                <a:spcPts val="479"/>
+              </a:spcBef>
+            </a:pPr>
+            <a:r>
+              <a:rPr b="0" lang="en-CA" sz="2400" spc="-1" strike="noStrike">
+                <a:solidFill>
+                  <a:srgbClr val="000000"/>
+                </a:solidFill>
+                <a:latin typeface="Calibri"/>
+                <a:ea typeface="DejaVu Sans"/>
+              </a:rPr>
+              <a:t>GIT (continued)</a:t>
+            </a:r>
+            <a:endParaRPr b="0" lang="en-CA" sz="2400" spc="-1" strike="noStrike">
+              <a:latin typeface="Arial"/>
+            </a:endParaRPr>
+          </a:p>
+          <a:p>
+            <a:pPr>
+              <a:lnSpc>
+                <a:spcPct val="100000"/>
+              </a:lnSpc>
+              <a:spcBef>
+                <a:spcPts val="479"/>
+              </a:spcBef>
+            </a:pPr>
+            <a:r>
+              <a:rPr b="0" lang="en-CA" sz="2400" spc="-1" strike="noStrike">
+                <a:solidFill>
+                  <a:srgbClr val="000000"/>
+                </a:solidFill>
+                <a:latin typeface="Calibri"/>
+                <a:ea typeface="DejaVu Sans"/>
+              </a:rPr>
+              <a:t>Testing out our GIT installation.</a:t>
+            </a:r>
+            <a:endParaRPr b="0" lang="en-CA" sz="2400" spc="-1" strike="noStrike">
+              <a:latin typeface="Arial"/>
+            </a:endParaRPr>
+          </a:p>
+          <a:p>
+            <a:pPr>
+              <a:lnSpc>
+                <a:spcPct val="100000"/>
+              </a:lnSpc>
+              <a:spcBef>
+                <a:spcPts val="479"/>
+              </a:spcBef>
+            </a:pPr>
+            <a:endParaRPr b="0" lang="en-CA" sz="2400" spc="-1" strike="noStrike">
+              <a:latin typeface="Arial"/>
+            </a:endParaRPr>
+          </a:p>
+          <a:p>
+            <a:pPr>
+              <a:lnSpc>
+                <a:spcPct val="100000"/>
+              </a:lnSpc>
+              <a:spcBef>
+                <a:spcPts val="479"/>
+              </a:spcBef>
+            </a:pPr>
+            <a:r>
+              <a:rPr b="0" lang="en-CA" sz="2400" spc="-1" strike="noStrike">
+                <a:solidFill>
+                  <a:srgbClr val="000000"/>
+                </a:solidFill>
+                <a:latin typeface="Calibri"/>
+                <a:ea typeface="DejaVu Sans"/>
+              </a:rPr>
+              <a:t>1)</a:t>
+            </a:r>
+            <a:r>
+              <a:rPr b="0" lang="en-CA" sz="2400" spc="-1" strike="noStrike">
+                <a:solidFill>
+                  <a:srgbClr val="000000"/>
+                </a:solidFill>
+                <a:latin typeface="Calibri"/>
+                <a:ea typeface="DejaVu Sans"/>
+              </a:rPr>
+              <a:t>	</a:t>
+            </a:r>
+            <a:r>
+              <a:rPr b="0" lang="en-CA" sz="2400" spc="-1" strike="noStrike">
+                <a:solidFill>
+                  <a:srgbClr val="000000"/>
+                </a:solidFill>
+                <a:latin typeface="Calibri"/>
+                <a:ea typeface="DejaVu Sans"/>
+              </a:rPr>
+              <a:t>cd ~</a:t>
+            </a:r>
+            <a:endParaRPr b="0" lang="en-CA" sz="2400" spc="-1" strike="noStrike">
+              <a:latin typeface="Arial"/>
+            </a:endParaRPr>
+          </a:p>
+          <a:p>
+            <a:pPr>
+              <a:lnSpc>
+                <a:spcPct val="100000"/>
+              </a:lnSpc>
+              <a:spcBef>
+                <a:spcPts val="479"/>
+              </a:spcBef>
+            </a:pPr>
+            <a:r>
+              <a:rPr b="0" lang="en-CA" sz="2400" spc="-1" strike="noStrike">
+                <a:solidFill>
+                  <a:srgbClr val="000000"/>
+                </a:solidFill>
+                <a:latin typeface="Calibri"/>
+                <a:ea typeface="DejaVu Sans"/>
+              </a:rPr>
+              <a:t>2)</a:t>
+            </a:r>
+            <a:r>
+              <a:rPr b="0" lang="en-CA" sz="2400" spc="-1" strike="noStrike">
+                <a:solidFill>
+                  <a:srgbClr val="000000"/>
+                </a:solidFill>
+                <a:latin typeface="Calibri"/>
+                <a:ea typeface="DejaVu Sans"/>
+              </a:rPr>
+              <a:t>	</a:t>
+            </a:r>
+            <a:r>
+              <a:rPr b="0" lang="en-CA" sz="2400" spc="-1" strike="noStrike">
+                <a:solidFill>
+                  <a:srgbClr val="000000"/>
+                </a:solidFill>
+                <a:latin typeface="Calibri"/>
+                <a:ea typeface="DejaVu Sans"/>
+              </a:rPr>
+              <a:t>git clone </a:t>
+            </a:r>
+            <a:r>
+              <a:rPr b="0" lang="en-CA" sz="2000" spc="-1" strike="noStrike">
+                <a:solidFill>
+                  <a:srgbClr val="000000"/>
+                </a:solidFill>
+                <a:latin typeface="Calibri"/>
+                <a:ea typeface="DejaVu Sans"/>
+              </a:rPr>
+              <a:t>https://github.com/chrisgauthier742018/devopscourse.git </a:t>
+            </a:r>
+            <a:endParaRPr b="0" lang="en-CA" sz="2000" spc="-1" strike="noStrike">
+              <a:latin typeface="Arial"/>
+            </a:endParaRPr>
+          </a:p>
+          <a:p>
+            <a:pPr>
+              <a:lnSpc>
+                <a:spcPct val="100000"/>
+              </a:lnSpc>
+              <a:spcBef>
+                <a:spcPts val="479"/>
+              </a:spcBef>
+            </a:pPr>
+            <a:endParaRPr b="0" lang="en-CA" sz="2000" spc="-1" strike="noStrike">
+              <a:latin typeface="Arial"/>
+            </a:endParaRPr>
+          </a:p>
+          <a:p>
+            <a:pPr>
+              <a:lnSpc>
+                <a:spcPct val="100000"/>
+              </a:lnSpc>
+              <a:spcBef>
+                <a:spcPts val="479"/>
+              </a:spcBef>
+            </a:pPr>
+            <a:r>
+              <a:rPr b="0" lang="en-CA" sz="2000" spc="-1" strike="noStrike">
+                <a:solidFill>
+                  <a:srgbClr val="000000"/>
+                </a:solidFill>
+                <a:latin typeface="Calibri"/>
+                <a:ea typeface="DejaVu Sans"/>
+              </a:rPr>
+              <a:t>If you get the repo, you’re all set to go!  If not, review our docs or contact your professor!</a:t>
+            </a:r>
+            <a:endParaRPr b="0" lang="en-CA" sz="2000" spc="-1" strike="noStrike">
+              <a:latin typeface="Arial"/>
+            </a:endParaRPr>
+          </a:p>
+        </p:txBody>
+      </p:sp>
+      <p:sp>
+        <p:nvSpPr>
+          <p:cNvPr id="228" name="CustomShape 2"/>
+          <p:cNvSpPr/>
+          <p:nvPr/>
+        </p:nvSpPr>
+        <p:spPr>
+          <a:xfrm>
+            <a:off x="432000" y="0"/>
+            <a:ext cx="7448040" cy="1180080"/>
+          </a:xfrm>
+          <a:prstGeom prst="rect">
+            <a:avLst/>
+          </a:prstGeom>
+          <a:noFill/>
+          <a:ln>
+            <a:noFill/>
+          </a:ln>
+        </p:spPr>
+        <p:style>
+          <a:lnRef idx="0"/>
+          <a:fillRef idx="0"/>
+          <a:effectRef idx="0"/>
+          <a:fontRef idx="minor"/>
+        </p:style>
+        <p:txBody>
+          <a:bodyPr lIns="90000" rIns="90000" tIns="45000" bIns="45000" anchor="ctr">
+            <a:normAutofit/>
+          </a:bodyPr>
+          <a:p>
+            <a:pPr>
+              <a:lnSpc>
+                <a:spcPct val="100000"/>
+              </a:lnSpc>
+            </a:pPr>
+            <a:r>
+              <a:rPr b="0" lang="en-CA" sz="3000" spc="-1" strike="noStrike" cap="all">
+                <a:solidFill>
+                  <a:srgbClr val="292929"/>
+                </a:solidFill>
+                <a:latin typeface="Nexa Bold"/>
+                <a:ea typeface="DejaVu Sans"/>
+              </a:rPr>
+              <a:t>Installing our</a:t>
+            </a:r>
+            <a:r>
+              <a:rPr b="0" lang="en-CA" sz="3000" spc="-1" strike="noStrike">
+                <a:solidFill>
+                  <a:srgbClr val="292929"/>
+                </a:solidFill>
+                <a:latin typeface="Nexa Bold"/>
+                <a:ea typeface="DejaVu Sans"/>
+              </a:rPr>
+              <a:t> </a:t>
+            </a:r>
+            <a:r>
+              <a:rPr b="0" lang="en-CA" sz="3000" spc="-1" strike="noStrike" cap="all">
+                <a:solidFill>
+                  <a:srgbClr val="1fa0be"/>
+                </a:solidFill>
+                <a:latin typeface="Nexa Bold"/>
+                <a:ea typeface="DejaVu Sans"/>
+              </a:rPr>
+              <a:t>Stack</a:t>
+            </a:r>
+            <a:endParaRPr b="0" lang="en-CA" sz="3000" spc="-1" strike="noStrike">
+              <a:latin typeface="Arial"/>
+            </a:endParaRPr>
+          </a:p>
+        </p:txBody>
+      </p:sp>
+      <p:sp>
+        <p:nvSpPr>
+          <p:cNvPr id="229" name="CustomShape 3"/>
+          <p:cNvSpPr/>
+          <p:nvPr/>
+        </p:nvSpPr>
+        <p:spPr>
+          <a:xfrm>
+            <a:off x="0" y="0"/>
+            <a:ext cx="247320" cy="1192320"/>
+          </a:xfrm>
+          <a:prstGeom prst="rect">
+            <a:avLst/>
+          </a:prstGeom>
+          <a:solidFill>
+            <a:srgbClr val="146e83"/>
+          </a:solidFill>
+          <a:ln>
+            <a:round/>
+          </a:ln>
+        </p:spPr>
+        <p:style>
+          <a:lnRef idx="2">
+            <a:schemeClr val="accent1">
+              <a:shade val="50000"/>
+            </a:schemeClr>
+          </a:lnRef>
+          <a:fillRef idx="1">
+            <a:schemeClr val="accent1"/>
+          </a:fillRef>
+          <a:effectRef idx="0">
+            <a:schemeClr val="accent1"/>
+          </a:effectRef>
+          <a:fontRef idx="minor"/>
+        </p:style>
+      </p:sp>
+      <p:sp>
+        <p:nvSpPr>
+          <p:cNvPr id="230" name="Line 4"/>
+          <p:cNvSpPr/>
+          <p:nvPr/>
+        </p:nvSpPr>
+        <p:spPr>
+          <a:xfrm>
+            <a:off x="251280" y="1196640"/>
+            <a:ext cx="8892720" cy="360"/>
+          </a:xfrm>
+          <a:prstGeom prst="line">
+            <a:avLst/>
+          </a:prstGeom>
+          <a:ln w="22320">
+            <a:solidFill>
+              <a:srgbClr val="146e83"/>
+            </a:solidFill>
+            <a:round/>
+          </a:ln>
+        </p:spPr>
+        <p:style>
+          <a:lnRef idx="1">
+            <a:schemeClr val="accent1"/>
+          </a:lnRef>
+          <a:fillRef idx="0">
+            <a:schemeClr val="accent1"/>
+          </a:fillRef>
+          <a:effectRef idx="0">
+            <a:schemeClr val="accent1"/>
+          </a:effectRef>
+          <a:fontRef idx="minor"/>
+        </p:style>
+      </p:sp>
+    </p:spTree>
+  </p:cSld>
+  <p:timing>
+    <p:tnLst>
+      <p:par>
+        <p:cTn id="37" dur="indefinite" restart="never" nodeType="tmRoot">
+          <p:childTnLst>
+            <p:seq>
+              <p:cTn id="38" dur="indefinite" nodeType="mainSeq"/>
               <p:prevCondLst>
                 <p:cond delay="0" evt="onPrev">
                   <p:tgtEl>
@@ -9306,7 +10525,7 @@
         <p:spPr>
           <a:xfrm>
             <a:off x="432000" y="13680"/>
-            <a:ext cx="7448400" cy="1180440"/>
+            <a:ext cx="7448040" cy="1180080"/>
           </a:xfrm>
           <a:prstGeom prst="rect">
             <a:avLst/>
@@ -9377,7 +10596,7 @@
         <p:spPr>
           <a:xfrm>
             <a:off x="0" y="0"/>
-            <a:ext cx="247680" cy="1192680"/>
+            <a:ext cx="247320" cy="1192320"/>
           </a:xfrm>
           <a:prstGeom prst="rect">
             <a:avLst/>
@@ -9447,7 +10666,7 @@
         <p:spPr>
           <a:xfrm>
             <a:off x="457200" y="273600"/>
-            <a:ext cx="8226720" cy="5305320"/>
+            <a:ext cx="8226360" cy="5304960"/>
           </a:xfrm>
           <a:prstGeom prst="rect">
             <a:avLst/>
@@ -9496,7 +10715,7 @@
         <p:spPr>
           <a:xfrm>
             <a:off x="576000" y="1728000"/>
-            <a:ext cx="6765480" cy="2391480"/>
+            <a:ext cx="6765120" cy="2391120"/>
           </a:xfrm>
           <a:prstGeom prst="rect">
             <a:avLst/>
@@ -9545,7 +10764,7 @@
             </a:endParaRPr>
           </a:p>
           <a:p>
-            <a:pPr marL="216000" indent="-213480">
+            <a:pPr marL="216000" indent="-213120">
               <a:lnSpc>
                 <a:spcPct val="100000"/>
               </a:lnSpc>
@@ -9581,7 +10800,7 @@
             </a:endParaRPr>
           </a:p>
           <a:p>
-            <a:pPr marL="216000" indent="-213480">
+            <a:pPr marL="216000" indent="-213120">
               <a:lnSpc>
                 <a:spcPct val="100000"/>
               </a:lnSpc>
@@ -9607,7 +10826,7 @@
             </a:endParaRPr>
           </a:p>
           <a:p>
-            <a:pPr lvl="2" marL="648000" indent="-213840">
+            <a:pPr lvl="2" marL="648000" indent="-213480">
               <a:lnSpc>
                 <a:spcPct val="100000"/>
               </a:lnSpc>
@@ -9633,7 +10852,7 @@
             </a:endParaRPr>
           </a:p>
           <a:p>
-            <a:pPr lvl="2" marL="648000" indent="-213840">
+            <a:pPr lvl="2" marL="648000" indent="-213480">
               <a:lnSpc>
                 <a:spcPct val="100000"/>
               </a:lnSpc>
@@ -9659,7 +10878,7 @@
             </a:endParaRPr>
           </a:p>
           <a:p>
-            <a:pPr lvl="2" marL="648000" indent="-213840">
+            <a:pPr lvl="2" marL="648000" indent="-213480">
               <a:lnSpc>
                 <a:spcPct val="100000"/>
               </a:lnSpc>
@@ -9685,7 +10904,7 @@
             </a:endParaRPr>
           </a:p>
           <a:p>
-            <a:pPr lvl="2" marL="648000" indent="-213840">
+            <a:pPr lvl="2" marL="648000" indent="-213480">
               <a:lnSpc>
                 <a:spcPct val="100000"/>
               </a:lnSpc>
@@ -9711,7 +10930,7 @@
             </a:endParaRPr>
           </a:p>
           <a:p>
-            <a:pPr lvl="2" marL="648000" indent="-213840">
+            <a:pPr lvl="2" marL="648000" indent="-213480">
               <a:lnSpc>
                 <a:spcPct val="100000"/>
               </a:lnSpc>
@@ -9737,7 +10956,7 @@
             </a:endParaRPr>
           </a:p>
           <a:p>
-            <a:pPr lvl="2" marL="648000" indent="-213840">
+            <a:pPr lvl="2" marL="648000" indent="-213480">
               <a:lnSpc>
                 <a:spcPct val="100000"/>
               </a:lnSpc>
@@ -9763,7 +10982,7 @@
             </a:endParaRPr>
           </a:p>
           <a:p>
-            <a:pPr lvl="2" marL="648000" indent="-213840">
+            <a:pPr lvl="2" marL="648000" indent="-213480">
               <a:lnSpc>
                 <a:spcPct val="100000"/>
               </a:lnSpc>
@@ -9782,7 +11001,33 @@
                 <a:latin typeface="Arial"/>
                 <a:ea typeface="DejaVu Sans"/>
               </a:rPr>
-              <a:t>7) Git VCS</a:t>
+              <a:t>7)  Git VCS</a:t>
+            </a:r>
+            <a:endParaRPr b="0" lang="en-CA" sz="1800" spc="-1" strike="noStrike">
+              <a:latin typeface="Arial"/>
+            </a:endParaRPr>
+          </a:p>
+          <a:p>
+            <a:pPr lvl="2" marL="648000" indent="-213480">
+              <a:lnSpc>
+                <a:spcPct val="100000"/>
+              </a:lnSpc>
+              <a:buClr>
+                <a:srgbClr val="000000"/>
+              </a:buClr>
+              <a:buSzPct val="45000"/>
+              <a:buFont typeface="Wingdings" charset="2"/>
+              <a:buChar char=""/>
+            </a:pPr>
+            <a:r>
+              <a:rPr b="0" lang="en-CA" sz="1800" spc="-1" strike="noStrike">
+                <a:solidFill>
+                  <a:srgbClr val="000000"/>
+                </a:solidFill>
+                <a:latin typeface="Arial"/>
+                <a:ea typeface="DejaVu Sans"/>
+              </a:rPr>
+              <a:t>8)  Setup our cloud console on AWS.</a:t>
             </a:r>
             <a:endParaRPr b="0" lang="en-CA" sz="1800" spc="-1" strike="noStrike">
               <a:latin typeface="Arial"/>
@@ -9819,6 +11064,2146 @@
           <p:childTnLst>
             <p:seq>
               <p:cTn id="4" dur="indefinite" nodeType="mainSeq"/>
+              <p:prevCondLst>
+                <p:cond delay="0" evt="onPrev">
+                  <p:tgtEl>
+                    <p:sldTgt/>
+                  </p:tgtEl>
+                </p:cond>
+              </p:prevCondLst>
+              <p:nextCondLst>
+                <p:cond delay="0" evt="onNext">
+                  <p:tgtEl>
+                    <p:sldTgt/>
+                  </p:tgtEl>
+                </p:cond>
+              </p:nextCondLst>
+            </p:seq>
+          </p:childTnLst>
+        </p:cTn>
+      </p:par>
+    </p:tnLst>
+  </p:timing>
+</p:sld>
+</file>
+
+<file path=ppt/slides/slide20.xml><?xml version="1.0" encoding="utf-8"?>
+<p:sld xmlns:a="http://schemas.openxmlformats.org/drawingml/2006/main" xmlns:p="http://schemas.openxmlformats.org/presentationml/2006/main" xmlns:r="http://schemas.openxmlformats.org/officeDocument/2006/relationships" xmlns:p14="http://schemas.microsoft.com/office/powerpoint/2010/main" xmlns:p15="http://schemas.microsoft.com/office/powerpoint/2012/main" xmlns:mc="http://schemas.openxmlformats.org/markup-compatibility/2006">
+  <p:cSld>
+    <p:bg>
+      <p:bgPr>
+        <a:solidFill>
+          <a:srgbClr val="f2f2f2"/>
+        </a:solidFill>
+      </p:bgPr>
+    </p:bg>
+    <p:spTree>
+      <p:nvGrpSpPr>
+        <p:cNvPr id="1" name=""/>
+        <p:cNvGrpSpPr/>
+        <p:nvPr/>
+      </p:nvGrpSpPr>
+      <p:grpSpPr>
+        <a:xfrm>
+          <a:off x="0" y="0"/>
+          <a:ext cx="0" cy="0"/>
+          <a:chOff x="0" y="0"/>
+          <a:chExt cx="0" cy="0"/>
+        </a:xfrm>
+      </p:grpSpPr>
+      <p:sp>
+        <p:nvSpPr>
+          <p:cNvPr id="231" name="CustomShape 1"/>
+          <p:cNvSpPr/>
+          <p:nvPr/>
+        </p:nvSpPr>
+        <p:spPr>
+          <a:xfrm>
+            <a:off x="504000" y="1377360"/>
+            <a:ext cx="8275680" cy="5215680"/>
+          </a:xfrm>
+          <a:prstGeom prst="rect">
+            <a:avLst/>
+          </a:prstGeom>
+          <a:noFill/>
+          <a:ln>
+            <a:noFill/>
+          </a:ln>
+        </p:spPr>
+        <p:style>
+          <a:lnRef idx="0"/>
+          <a:fillRef idx="0"/>
+          <a:effectRef idx="0"/>
+          <a:fontRef idx="minor"/>
+        </p:style>
+        <p:txBody>
+          <a:bodyPr lIns="90000" rIns="90000" tIns="45000" bIns="45000" anchor="ctr">
+            <a:normAutofit/>
+          </a:bodyPr>
+          <a:p>
+            <a:pPr>
+              <a:lnSpc>
+                <a:spcPct val="100000"/>
+              </a:lnSpc>
+              <a:spcBef>
+                <a:spcPts val="479"/>
+              </a:spcBef>
+            </a:pPr>
+            <a:r>
+              <a:rPr b="1" lang="en-CA" sz="2400" spc="-1" strike="noStrike">
+                <a:solidFill>
+                  <a:srgbClr val="000000"/>
+                </a:solidFill>
+                <a:latin typeface="Calibri"/>
+                <a:ea typeface="DejaVu Sans"/>
+              </a:rPr>
+              <a:t>Installing Jenkins Resources</a:t>
+            </a:r>
+            <a:endParaRPr b="1" lang="en-CA" sz="2400" spc="-1" strike="noStrike">
+              <a:latin typeface="Arial"/>
+            </a:endParaRPr>
+          </a:p>
+          <a:p>
+            <a:pPr>
+              <a:lnSpc>
+                <a:spcPct val="100000"/>
+              </a:lnSpc>
+              <a:spcBef>
+                <a:spcPts val="479"/>
+              </a:spcBef>
+            </a:pPr>
+            <a:r>
+              <a:rPr b="0" lang="en-CA" sz="2400" spc="-1" strike="noStrike">
+                <a:solidFill>
+                  <a:srgbClr val="000000"/>
+                </a:solidFill>
+                <a:latin typeface="Calibri"/>
+                <a:ea typeface="DejaVu Sans"/>
+              </a:rPr>
+              <a:t>What is Jenkins</a:t>
+            </a:r>
+            <a:endParaRPr b="1" lang="en-CA" sz="2400" spc="-1" strike="noStrike">
+              <a:latin typeface="Arial"/>
+            </a:endParaRPr>
+          </a:p>
+          <a:p>
+            <a:pPr>
+              <a:lnSpc>
+                <a:spcPct val="100000"/>
+              </a:lnSpc>
+              <a:spcBef>
+                <a:spcPts val="479"/>
+              </a:spcBef>
+            </a:pPr>
+            <a:r>
+              <a:rPr b="0" lang="en-CA" sz="2400" spc="-1" strike="noStrike">
+                <a:solidFill>
+                  <a:srgbClr val="000000"/>
+                </a:solidFill>
+                <a:latin typeface="Calibri"/>
+                <a:ea typeface="DejaVu Sans"/>
+                <a:hlinkClick r:id="rId1"/>
+              </a:rPr>
+              <a:t>https://www.youtube.com/watch?v=LFDrDnKPOTg</a:t>
+            </a:r>
+            <a:endParaRPr b="1" lang="en-CA" sz="2400" spc="-1" strike="noStrike">
+              <a:latin typeface="Arial"/>
+            </a:endParaRPr>
+          </a:p>
+          <a:p>
+            <a:pPr>
+              <a:lnSpc>
+                <a:spcPct val="100000"/>
+              </a:lnSpc>
+              <a:spcBef>
+                <a:spcPts val="479"/>
+              </a:spcBef>
+            </a:pPr>
+            <a:endParaRPr b="1" lang="en-CA" sz="2400" spc="-1" strike="noStrike">
+              <a:latin typeface="Arial"/>
+            </a:endParaRPr>
+          </a:p>
+        </p:txBody>
+      </p:sp>
+      <p:sp>
+        <p:nvSpPr>
+          <p:cNvPr id="232" name="CustomShape 2"/>
+          <p:cNvSpPr/>
+          <p:nvPr/>
+        </p:nvSpPr>
+        <p:spPr>
+          <a:xfrm>
+            <a:off x="432000" y="0"/>
+            <a:ext cx="7448040" cy="1180080"/>
+          </a:xfrm>
+          <a:prstGeom prst="rect">
+            <a:avLst/>
+          </a:prstGeom>
+          <a:noFill/>
+          <a:ln>
+            <a:noFill/>
+          </a:ln>
+        </p:spPr>
+        <p:style>
+          <a:lnRef idx="0"/>
+          <a:fillRef idx="0"/>
+          <a:effectRef idx="0"/>
+          <a:fontRef idx="minor"/>
+        </p:style>
+        <p:txBody>
+          <a:bodyPr lIns="90000" rIns="90000" tIns="45000" bIns="45000" anchor="ctr">
+            <a:normAutofit/>
+          </a:bodyPr>
+          <a:p>
+            <a:pPr>
+              <a:lnSpc>
+                <a:spcPct val="100000"/>
+              </a:lnSpc>
+            </a:pPr>
+            <a:r>
+              <a:rPr b="0" lang="en-CA" sz="3000" spc="-1" strike="noStrike" cap="all">
+                <a:solidFill>
+                  <a:srgbClr val="292929"/>
+                </a:solidFill>
+                <a:latin typeface="Nexa Bold"/>
+                <a:ea typeface="DejaVu Sans"/>
+              </a:rPr>
+              <a:t>Installing our</a:t>
+            </a:r>
+            <a:r>
+              <a:rPr b="0" lang="en-CA" sz="3000" spc="-1" strike="noStrike">
+                <a:solidFill>
+                  <a:srgbClr val="292929"/>
+                </a:solidFill>
+                <a:latin typeface="Nexa Bold"/>
+                <a:ea typeface="DejaVu Sans"/>
+              </a:rPr>
+              <a:t> </a:t>
+            </a:r>
+            <a:r>
+              <a:rPr b="0" lang="en-CA" sz="3000" spc="-1" strike="noStrike" cap="all">
+                <a:solidFill>
+                  <a:srgbClr val="1fa0be"/>
+                </a:solidFill>
+                <a:latin typeface="Nexa Bold"/>
+                <a:ea typeface="DejaVu Sans"/>
+              </a:rPr>
+              <a:t>Stack</a:t>
+            </a:r>
+            <a:endParaRPr b="0" lang="en-CA" sz="3000" spc="-1" strike="noStrike">
+              <a:latin typeface="Arial"/>
+            </a:endParaRPr>
+          </a:p>
+        </p:txBody>
+      </p:sp>
+      <p:sp>
+        <p:nvSpPr>
+          <p:cNvPr id="233" name="CustomShape 3"/>
+          <p:cNvSpPr/>
+          <p:nvPr/>
+        </p:nvSpPr>
+        <p:spPr>
+          <a:xfrm>
+            <a:off x="0" y="0"/>
+            <a:ext cx="247320" cy="1192320"/>
+          </a:xfrm>
+          <a:prstGeom prst="rect">
+            <a:avLst/>
+          </a:prstGeom>
+          <a:solidFill>
+            <a:srgbClr val="146e83"/>
+          </a:solidFill>
+          <a:ln>
+            <a:round/>
+          </a:ln>
+        </p:spPr>
+        <p:style>
+          <a:lnRef idx="2">
+            <a:schemeClr val="accent1">
+              <a:shade val="50000"/>
+            </a:schemeClr>
+          </a:lnRef>
+          <a:fillRef idx="1">
+            <a:schemeClr val="accent1"/>
+          </a:fillRef>
+          <a:effectRef idx="0">
+            <a:schemeClr val="accent1"/>
+          </a:effectRef>
+          <a:fontRef idx="minor"/>
+        </p:style>
+      </p:sp>
+      <p:sp>
+        <p:nvSpPr>
+          <p:cNvPr id="234" name="Line 4"/>
+          <p:cNvSpPr/>
+          <p:nvPr/>
+        </p:nvSpPr>
+        <p:spPr>
+          <a:xfrm>
+            <a:off x="251280" y="1196640"/>
+            <a:ext cx="8892720" cy="360"/>
+          </a:xfrm>
+          <a:prstGeom prst="line">
+            <a:avLst/>
+          </a:prstGeom>
+          <a:ln w="22320">
+            <a:solidFill>
+              <a:srgbClr val="146e83"/>
+            </a:solidFill>
+            <a:round/>
+          </a:ln>
+        </p:spPr>
+        <p:style>
+          <a:lnRef idx="1">
+            <a:schemeClr val="accent1"/>
+          </a:lnRef>
+          <a:fillRef idx="0">
+            <a:schemeClr val="accent1"/>
+          </a:fillRef>
+          <a:effectRef idx="0">
+            <a:schemeClr val="accent1"/>
+          </a:effectRef>
+          <a:fontRef idx="minor"/>
+        </p:style>
+      </p:sp>
+    </p:spTree>
+  </p:cSld>
+  <p:timing>
+    <p:tnLst>
+      <p:par>
+        <p:cTn id="39" dur="indefinite" restart="never" nodeType="tmRoot">
+          <p:childTnLst>
+            <p:seq>
+              <p:cTn id="40" dur="indefinite" nodeType="mainSeq"/>
+              <p:prevCondLst>
+                <p:cond delay="0" evt="onPrev">
+                  <p:tgtEl>
+                    <p:sldTgt/>
+                  </p:tgtEl>
+                </p:cond>
+              </p:prevCondLst>
+              <p:nextCondLst>
+                <p:cond delay="0" evt="onNext">
+                  <p:tgtEl>
+                    <p:sldTgt/>
+                  </p:tgtEl>
+                </p:cond>
+              </p:nextCondLst>
+            </p:seq>
+          </p:childTnLst>
+        </p:cTn>
+      </p:par>
+    </p:tnLst>
+  </p:timing>
+</p:sld>
+</file>
+
+<file path=ppt/slides/slide21.xml><?xml version="1.0" encoding="utf-8"?>
+<p:sld xmlns:a="http://schemas.openxmlformats.org/drawingml/2006/main" xmlns:p="http://schemas.openxmlformats.org/presentationml/2006/main" xmlns:r="http://schemas.openxmlformats.org/officeDocument/2006/relationships" xmlns:p14="http://schemas.microsoft.com/office/powerpoint/2010/main" xmlns:p15="http://schemas.microsoft.com/office/powerpoint/2012/main" xmlns:mc="http://schemas.openxmlformats.org/markup-compatibility/2006">
+  <p:cSld>
+    <p:bg>
+      <p:bgPr>
+        <a:solidFill>
+          <a:srgbClr val="f2f2f2"/>
+        </a:solidFill>
+      </p:bgPr>
+    </p:bg>
+    <p:spTree>
+      <p:nvGrpSpPr>
+        <p:cNvPr id="1" name=""/>
+        <p:cNvGrpSpPr/>
+        <p:nvPr/>
+      </p:nvGrpSpPr>
+      <p:grpSpPr>
+        <a:xfrm>
+          <a:off x="0" y="0"/>
+          <a:ext cx="0" cy="0"/>
+          <a:chOff x="0" y="0"/>
+          <a:chExt cx="0" cy="0"/>
+        </a:xfrm>
+      </p:grpSpPr>
+      <p:sp>
+        <p:nvSpPr>
+          <p:cNvPr id="235" name="CustomShape 1"/>
+          <p:cNvSpPr/>
+          <p:nvPr/>
+        </p:nvSpPr>
+        <p:spPr>
+          <a:xfrm>
+            <a:off x="504000" y="1377360"/>
+            <a:ext cx="8275680" cy="5215680"/>
+          </a:xfrm>
+          <a:prstGeom prst="rect">
+            <a:avLst/>
+          </a:prstGeom>
+          <a:noFill/>
+          <a:ln>
+            <a:noFill/>
+          </a:ln>
+        </p:spPr>
+        <p:style>
+          <a:lnRef idx="0"/>
+          <a:fillRef idx="0"/>
+          <a:effectRef idx="0"/>
+          <a:fontRef idx="minor"/>
+        </p:style>
+        <p:txBody>
+          <a:bodyPr lIns="90000" rIns="90000" tIns="45000" bIns="45000" anchor="ctr">
+            <a:normAutofit/>
+          </a:bodyPr>
+          <a:p>
+            <a:pPr>
+              <a:lnSpc>
+                <a:spcPct val="100000"/>
+              </a:lnSpc>
+              <a:spcBef>
+                <a:spcPts val="479"/>
+              </a:spcBef>
+            </a:pPr>
+            <a:r>
+              <a:rPr b="1" lang="en-CA" sz="2400" spc="-1" strike="noStrike">
+                <a:solidFill>
+                  <a:srgbClr val="000000"/>
+                </a:solidFill>
+                <a:latin typeface="Calibri"/>
+                <a:ea typeface="DejaVu Sans"/>
+              </a:rPr>
+              <a:t>Installing Jenkins</a:t>
+            </a:r>
+            <a:endParaRPr b="1" lang="en-CA" sz="2400" spc="-1" strike="noStrike">
+              <a:latin typeface="Arial"/>
+            </a:endParaRPr>
+          </a:p>
+          <a:p>
+            <a:pPr>
+              <a:lnSpc>
+                <a:spcPct val="100000"/>
+              </a:lnSpc>
+              <a:spcBef>
+                <a:spcPts val="479"/>
+              </a:spcBef>
+            </a:pPr>
+            <a:endParaRPr b="1" lang="en-CA" sz="2400" spc="-1" strike="noStrike">
+              <a:latin typeface="Arial"/>
+            </a:endParaRPr>
+          </a:p>
+          <a:p>
+            <a:pPr>
+              <a:lnSpc>
+                <a:spcPct val="100000"/>
+              </a:lnSpc>
+              <a:spcBef>
+                <a:spcPts val="479"/>
+              </a:spcBef>
+            </a:pPr>
+            <a:r>
+              <a:rPr b="0" lang="en-CA" sz="2400" spc="-1" strike="noStrike">
+                <a:solidFill>
+                  <a:srgbClr val="000000"/>
+                </a:solidFill>
+                <a:latin typeface="Calibri"/>
+                <a:ea typeface="DejaVu Sans"/>
+              </a:rPr>
+              <a:t>Follow the steps here to install jenkins:</a:t>
+            </a:r>
+            <a:endParaRPr b="1" lang="en-CA" sz="2400" spc="-1" strike="noStrike">
+              <a:latin typeface="Arial"/>
+            </a:endParaRPr>
+          </a:p>
+          <a:p>
+            <a:pPr>
+              <a:lnSpc>
+                <a:spcPct val="100000"/>
+              </a:lnSpc>
+              <a:spcBef>
+                <a:spcPts val="479"/>
+              </a:spcBef>
+            </a:pPr>
+            <a:r>
+              <a:rPr b="1" lang="en-CA" sz="2400" spc="-1" strike="noStrike">
+                <a:solidFill>
+                  <a:srgbClr val="000000"/>
+                </a:solidFill>
+                <a:latin typeface="Calibri"/>
+                <a:ea typeface="DejaVu Sans"/>
+                <a:hlinkClick r:id="rId1"/>
+              </a:rPr>
+              <a:t>https://www.youtube.com/watch?v=Uz9XDdR3eck</a:t>
+            </a:r>
+            <a:endParaRPr b="1" lang="en-CA" sz="2400" spc="-1" strike="noStrike">
+              <a:latin typeface="Arial"/>
+            </a:endParaRPr>
+          </a:p>
+          <a:p>
+            <a:pPr>
+              <a:lnSpc>
+                <a:spcPct val="100000"/>
+              </a:lnSpc>
+              <a:spcBef>
+                <a:spcPts val="479"/>
+              </a:spcBef>
+            </a:pPr>
+            <a:endParaRPr b="1" lang="en-CA" sz="2400" spc="-1" strike="noStrike">
+              <a:latin typeface="Arial"/>
+            </a:endParaRPr>
+          </a:p>
+          <a:p>
+            <a:pPr>
+              <a:lnSpc>
+                <a:spcPct val="100000"/>
+              </a:lnSpc>
+              <a:spcBef>
+                <a:spcPts val="479"/>
+              </a:spcBef>
+            </a:pPr>
+            <a:endParaRPr b="1" lang="en-CA" sz="2400" spc="-1" strike="noStrike">
+              <a:latin typeface="Arial"/>
+            </a:endParaRPr>
+          </a:p>
+          <a:p>
+            <a:pPr>
+              <a:lnSpc>
+                <a:spcPct val="100000"/>
+              </a:lnSpc>
+              <a:spcBef>
+                <a:spcPts val="479"/>
+              </a:spcBef>
+            </a:pPr>
+            <a:endParaRPr b="1" lang="en-CA" sz="2400" spc="-1" strike="noStrike">
+              <a:latin typeface="Arial"/>
+            </a:endParaRPr>
+          </a:p>
+        </p:txBody>
+      </p:sp>
+      <p:sp>
+        <p:nvSpPr>
+          <p:cNvPr id="236" name="CustomShape 2"/>
+          <p:cNvSpPr/>
+          <p:nvPr/>
+        </p:nvSpPr>
+        <p:spPr>
+          <a:xfrm>
+            <a:off x="432000" y="0"/>
+            <a:ext cx="7448040" cy="1180080"/>
+          </a:xfrm>
+          <a:prstGeom prst="rect">
+            <a:avLst/>
+          </a:prstGeom>
+          <a:noFill/>
+          <a:ln>
+            <a:noFill/>
+          </a:ln>
+        </p:spPr>
+        <p:style>
+          <a:lnRef idx="0"/>
+          <a:fillRef idx="0"/>
+          <a:effectRef idx="0"/>
+          <a:fontRef idx="minor"/>
+        </p:style>
+        <p:txBody>
+          <a:bodyPr lIns="90000" rIns="90000" tIns="45000" bIns="45000" anchor="ctr">
+            <a:normAutofit/>
+          </a:bodyPr>
+          <a:p>
+            <a:pPr>
+              <a:lnSpc>
+                <a:spcPct val="100000"/>
+              </a:lnSpc>
+            </a:pPr>
+            <a:r>
+              <a:rPr b="0" lang="en-CA" sz="3000" spc="-1" strike="noStrike" cap="all">
+                <a:solidFill>
+                  <a:srgbClr val="292929"/>
+                </a:solidFill>
+                <a:latin typeface="Nexa Bold"/>
+                <a:ea typeface="DejaVu Sans"/>
+              </a:rPr>
+              <a:t>Installing our</a:t>
+            </a:r>
+            <a:r>
+              <a:rPr b="0" lang="en-CA" sz="3000" spc="-1" strike="noStrike">
+                <a:solidFill>
+                  <a:srgbClr val="292929"/>
+                </a:solidFill>
+                <a:latin typeface="Nexa Bold"/>
+                <a:ea typeface="DejaVu Sans"/>
+              </a:rPr>
+              <a:t> </a:t>
+            </a:r>
+            <a:r>
+              <a:rPr b="0" lang="en-CA" sz="3000" spc="-1" strike="noStrike" cap="all">
+                <a:solidFill>
+                  <a:srgbClr val="1fa0be"/>
+                </a:solidFill>
+                <a:latin typeface="Nexa Bold"/>
+                <a:ea typeface="DejaVu Sans"/>
+              </a:rPr>
+              <a:t>Stack</a:t>
+            </a:r>
+            <a:endParaRPr b="0" lang="en-CA" sz="3000" spc="-1" strike="noStrike">
+              <a:latin typeface="Arial"/>
+            </a:endParaRPr>
+          </a:p>
+        </p:txBody>
+      </p:sp>
+      <p:sp>
+        <p:nvSpPr>
+          <p:cNvPr id="237" name="CustomShape 3"/>
+          <p:cNvSpPr/>
+          <p:nvPr/>
+        </p:nvSpPr>
+        <p:spPr>
+          <a:xfrm>
+            <a:off x="0" y="0"/>
+            <a:ext cx="247320" cy="1192320"/>
+          </a:xfrm>
+          <a:prstGeom prst="rect">
+            <a:avLst/>
+          </a:prstGeom>
+          <a:solidFill>
+            <a:srgbClr val="146e83"/>
+          </a:solidFill>
+          <a:ln>
+            <a:round/>
+          </a:ln>
+        </p:spPr>
+        <p:style>
+          <a:lnRef idx="2">
+            <a:schemeClr val="accent1">
+              <a:shade val="50000"/>
+            </a:schemeClr>
+          </a:lnRef>
+          <a:fillRef idx="1">
+            <a:schemeClr val="accent1"/>
+          </a:fillRef>
+          <a:effectRef idx="0">
+            <a:schemeClr val="accent1"/>
+          </a:effectRef>
+          <a:fontRef idx="minor"/>
+        </p:style>
+      </p:sp>
+      <p:sp>
+        <p:nvSpPr>
+          <p:cNvPr id="238" name="Line 4"/>
+          <p:cNvSpPr/>
+          <p:nvPr/>
+        </p:nvSpPr>
+        <p:spPr>
+          <a:xfrm>
+            <a:off x="251280" y="1196640"/>
+            <a:ext cx="8892720" cy="360"/>
+          </a:xfrm>
+          <a:prstGeom prst="line">
+            <a:avLst/>
+          </a:prstGeom>
+          <a:ln w="22320">
+            <a:solidFill>
+              <a:srgbClr val="146e83"/>
+            </a:solidFill>
+            <a:round/>
+          </a:ln>
+        </p:spPr>
+        <p:style>
+          <a:lnRef idx="1">
+            <a:schemeClr val="accent1"/>
+          </a:lnRef>
+          <a:fillRef idx="0">
+            <a:schemeClr val="accent1"/>
+          </a:fillRef>
+          <a:effectRef idx="0">
+            <a:schemeClr val="accent1"/>
+          </a:effectRef>
+          <a:fontRef idx="minor"/>
+        </p:style>
+      </p:sp>
+    </p:spTree>
+  </p:cSld>
+  <p:timing>
+    <p:tnLst>
+      <p:par>
+        <p:cTn id="41" dur="indefinite" restart="never" nodeType="tmRoot">
+          <p:childTnLst>
+            <p:seq>
+              <p:cTn id="42" dur="indefinite" nodeType="mainSeq"/>
+              <p:prevCondLst>
+                <p:cond delay="0" evt="onPrev">
+                  <p:tgtEl>
+                    <p:sldTgt/>
+                  </p:tgtEl>
+                </p:cond>
+              </p:prevCondLst>
+              <p:nextCondLst>
+                <p:cond delay="0" evt="onNext">
+                  <p:tgtEl>
+                    <p:sldTgt/>
+                  </p:tgtEl>
+                </p:cond>
+              </p:nextCondLst>
+            </p:seq>
+          </p:childTnLst>
+        </p:cTn>
+      </p:par>
+    </p:tnLst>
+  </p:timing>
+</p:sld>
+</file>
+
+<file path=ppt/slides/slide22.xml><?xml version="1.0" encoding="utf-8"?>
+<p:sld xmlns:a="http://schemas.openxmlformats.org/drawingml/2006/main" xmlns:p="http://schemas.openxmlformats.org/presentationml/2006/main" xmlns:r="http://schemas.openxmlformats.org/officeDocument/2006/relationships" xmlns:p14="http://schemas.microsoft.com/office/powerpoint/2010/main" xmlns:p15="http://schemas.microsoft.com/office/powerpoint/2012/main" xmlns:mc="http://schemas.openxmlformats.org/markup-compatibility/2006">
+  <p:cSld>
+    <p:bg>
+      <p:bgPr>
+        <a:solidFill>
+          <a:srgbClr val="f2f2f2"/>
+        </a:solidFill>
+      </p:bgPr>
+    </p:bg>
+    <p:spTree>
+      <p:nvGrpSpPr>
+        <p:cNvPr id="1" name=""/>
+        <p:cNvGrpSpPr/>
+        <p:nvPr/>
+      </p:nvGrpSpPr>
+      <p:grpSpPr>
+        <a:xfrm>
+          <a:off x="0" y="0"/>
+          <a:ext cx="0" cy="0"/>
+          <a:chOff x="0" y="0"/>
+          <a:chExt cx="0" cy="0"/>
+        </a:xfrm>
+      </p:grpSpPr>
+      <p:sp>
+        <p:nvSpPr>
+          <p:cNvPr id="239" name="CustomShape 1"/>
+          <p:cNvSpPr/>
+          <p:nvPr/>
+        </p:nvSpPr>
+        <p:spPr>
+          <a:xfrm>
+            <a:off x="504000" y="1269360"/>
+            <a:ext cx="8275680" cy="5215680"/>
+          </a:xfrm>
+          <a:prstGeom prst="rect">
+            <a:avLst/>
+          </a:prstGeom>
+          <a:noFill/>
+          <a:ln>
+            <a:noFill/>
+          </a:ln>
+        </p:spPr>
+        <p:style>
+          <a:lnRef idx="0"/>
+          <a:fillRef idx="0"/>
+          <a:effectRef idx="0"/>
+          <a:fontRef idx="minor"/>
+        </p:style>
+        <p:txBody>
+          <a:bodyPr lIns="90000" rIns="90000" tIns="45000" bIns="45000" anchor="ctr">
+            <a:normAutofit/>
+          </a:bodyPr>
+          <a:p>
+            <a:pPr>
+              <a:lnSpc>
+                <a:spcPct val="100000"/>
+              </a:lnSpc>
+            </a:pPr>
+            <a:r>
+              <a:rPr b="1" lang="en-CA" sz="1800" spc="-1" strike="noStrike">
+                <a:solidFill>
+                  <a:srgbClr val="000000"/>
+                </a:solidFill>
+                <a:latin typeface="Arial"/>
+                <a:ea typeface="DejaVu Sans"/>
+              </a:rPr>
+              <a:t>Ansible</a:t>
+            </a:r>
+            <a:endParaRPr b="0" lang="en-CA" sz="1800" spc="-1" strike="noStrike">
+              <a:latin typeface="Arial"/>
+            </a:endParaRPr>
+          </a:p>
+          <a:p>
+            <a:pPr>
+              <a:lnSpc>
+                <a:spcPct val="100000"/>
+              </a:lnSpc>
+            </a:pPr>
+            <a:endParaRPr b="0" lang="en-CA" sz="1800" spc="-1" strike="noStrike">
+              <a:latin typeface="Arial"/>
+            </a:endParaRPr>
+          </a:p>
+          <a:p>
+            <a:pPr>
+              <a:lnSpc>
+                <a:spcPct val="100000"/>
+              </a:lnSpc>
+            </a:pPr>
+            <a:r>
+              <a:rPr b="1" lang="en-CA" sz="1800" spc="-1" strike="noStrike">
+                <a:solidFill>
+                  <a:srgbClr val="000000"/>
+                </a:solidFill>
+                <a:latin typeface="Arial"/>
+                <a:ea typeface="DejaVu Sans"/>
+              </a:rPr>
+              <a:t>Resouces:</a:t>
+            </a:r>
+            <a:endParaRPr b="0" lang="en-CA" sz="1800" spc="-1" strike="noStrike">
+              <a:latin typeface="Arial"/>
+            </a:endParaRPr>
+          </a:p>
+          <a:p>
+            <a:pPr>
+              <a:lnSpc>
+                <a:spcPct val="100000"/>
+              </a:lnSpc>
+            </a:pPr>
+            <a:endParaRPr b="0" lang="en-CA" sz="1800" spc="-1" strike="noStrike">
+              <a:latin typeface="Arial"/>
+            </a:endParaRPr>
+          </a:p>
+          <a:p>
+            <a:pPr>
+              <a:lnSpc>
+                <a:spcPct val="100000"/>
+              </a:lnSpc>
+            </a:pPr>
+            <a:r>
+              <a:rPr b="0" lang="en-CA" sz="1800" spc="-1" strike="noStrike">
+                <a:latin typeface="Arial"/>
+              </a:rPr>
+              <a:t>What is ansible</a:t>
+            </a:r>
+            <a:endParaRPr b="0" lang="en-CA" sz="1800" spc="-1" strike="noStrike">
+              <a:latin typeface="Arial"/>
+            </a:endParaRPr>
+          </a:p>
+          <a:p>
+            <a:pPr>
+              <a:lnSpc>
+                <a:spcPct val="100000"/>
+              </a:lnSpc>
+            </a:pPr>
+            <a:r>
+              <a:rPr b="0" lang="en-CA" sz="2400" spc="-1" strike="noStrike">
+                <a:solidFill>
+                  <a:srgbClr val="000000"/>
+                </a:solidFill>
+                <a:latin typeface="Calibri"/>
+                <a:ea typeface="DejaVu Sans"/>
+                <a:hlinkClick r:id="rId1"/>
+              </a:rPr>
+              <a:t> https://www.youtube.com/watch?v=p7-U1_E_j3wK</a:t>
+            </a:r>
+            <a:endParaRPr b="0" lang="en-CA" sz="2400" spc="-1" strike="noStrike">
+              <a:latin typeface="Arial"/>
+            </a:endParaRPr>
+          </a:p>
+        </p:txBody>
+      </p:sp>
+      <p:sp>
+        <p:nvSpPr>
+          <p:cNvPr id="240" name="CustomShape 2"/>
+          <p:cNvSpPr/>
+          <p:nvPr/>
+        </p:nvSpPr>
+        <p:spPr>
+          <a:xfrm>
+            <a:off x="432000" y="0"/>
+            <a:ext cx="7448040" cy="1180080"/>
+          </a:xfrm>
+          <a:prstGeom prst="rect">
+            <a:avLst/>
+          </a:prstGeom>
+          <a:noFill/>
+          <a:ln>
+            <a:noFill/>
+          </a:ln>
+        </p:spPr>
+        <p:style>
+          <a:lnRef idx="0"/>
+          <a:fillRef idx="0"/>
+          <a:effectRef idx="0"/>
+          <a:fontRef idx="minor"/>
+        </p:style>
+        <p:txBody>
+          <a:bodyPr lIns="90000" rIns="90000" tIns="45000" bIns="45000" anchor="ctr">
+            <a:normAutofit/>
+          </a:bodyPr>
+          <a:p>
+            <a:pPr>
+              <a:lnSpc>
+                <a:spcPct val="100000"/>
+              </a:lnSpc>
+            </a:pPr>
+            <a:r>
+              <a:rPr b="0" lang="en-CA" sz="3000" spc="-1" strike="noStrike" cap="all">
+                <a:solidFill>
+                  <a:srgbClr val="292929"/>
+                </a:solidFill>
+                <a:latin typeface="Nexa Bold"/>
+                <a:ea typeface="DejaVu Sans"/>
+              </a:rPr>
+              <a:t>Installing our</a:t>
+            </a:r>
+            <a:r>
+              <a:rPr b="0" lang="en-CA" sz="3000" spc="-1" strike="noStrike">
+                <a:solidFill>
+                  <a:srgbClr val="292929"/>
+                </a:solidFill>
+                <a:latin typeface="Nexa Bold"/>
+                <a:ea typeface="DejaVu Sans"/>
+              </a:rPr>
+              <a:t> </a:t>
+            </a:r>
+            <a:r>
+              <a:rPr b="0" lang="en-CA" sz="3000" spc="-1" strike="noStrike" cap="all">
+                <a:solidFill>
+                  <a:srgbClr val="1fa0be"/>
+                </a:solidFill>
+                <a:latin typeface="Nexa Bold"/>
+                <a:ea typeface="DejaVu Sans"/>
+              </a:rPr>
+              <a:t>Stack</a:t>
+            </a:r>
+            <a:endParaRPr b="0" lang="en-CA" sz="3000" spc="-1" strike="noStrike">
+              <a:latin typeface="Arial"/>
+            </a:endParaRPr>
+          </a:p>
+        </p:txBody>
+      </p:sp>
+      <p:sp>
+        <p:nvSpPr>
+          <p:cNvPr id="241" name="CustomShape 3"/>
+          <p:cNvSpPr/>
+          <p:nvPr/>
+        </p:nvSpPr>
+        <p:spPr>
+          <a:xfrm>
+            <a:off x="0" y="0"/>
+            <a:ext cx="247320" cy="1192320"/>
+          </a:xfrm>
+          <a:prstGeom prst="rect">
+            <a:avLst/>
+          </a:prstGeom>
+          <a:solidFill>
+            <a:srgbClr val="146e83"/>
+          </a:solidFill>
+          <a:ln>
+            <a:round/>
+          </a:ln>
+        </p:spPr>
+        <p:style>
+          <a:lnRef idx="2">
+            <a:schemeClr val="accent1">
+              <a:shade val="50000"/>
+            </a:schemeClr>
+          </a:lnRef>
+          <a:fillRef idx="1">
+            <a:schemeClr val="accent1"/>
+          </a:fillRef>
+          <a:effectRef idx="0">
+            <a:schemeClr val="accent1"/>
+          </a:effectRef>
+          <a:fontRef idx="minor"/>
+        </p:style>
+      </p:sp>
+      <p:sp>
+        <p:nvSpPr>
+          <p:cNvPr id="242" name="Line 4"/>
+          <p:cNvSpPr/>
+          <p:nvPr/>
+        </p:nvSpPr>
+        <p:spPr>
+          <a:xfrm>
+            <a:off x="251280" y="1196640"/>
+            <a:ext cx="8892720" cy="360"/>
+          </a:xfrm>
+          <a:prstGeom prst="line">
+            <a:avLst/>
+          </a:prstGeom>
+          <a:ln w="22320">
+            <a:solidFill>
+              <a:srgbClr val="146e83"/>
+            </a:solidFill>
+            <a:round/>
+          </a:ln>
+        </p:spPr>
+        <p:style>
+          <a:lnRef idx="1">
+            <a:schemeClr val="accent1"/>
+          </a:lnRef>
+          <a:fillRef idx="0">
+            <a:schemeClr val="accent1"/>
+          </a:fillRef>
+          <a:effectRef idx="0">
+            <a:schemeClr val="accent1"/>
+          </a:effectRef>
+          <a:fontRef idx="minor"/>
+        </p:style>
+      </p:sp>
+    </p:spTree>
+  </p:cSld>
+  <p:timing>
+    <p:tnLst>
+      <p:par>
+        <p:cTn id="43" dur="indefinite" restart="never" nodeType="tmRoot">
+          <p:childTnLst>
+            <p:seq>
+              <p:cTn id="44" dur="indefinite" nodeType="mainSeq"/>
+              <p:prevCondLst>
+                <p:cond delay="0" evt="onPrev">
+                  <p:tgtEl>
+                    <p:sldTgt/>
+                  </p:tgtEl>
+                </p:cond>
+              </p:prevCondLst>
+              <p:nextCondLst>
+                <p:cond delay="0" evt="onNext">
+                  <p:tgtEl>
+                    <p:sldTgt/>
+                  </p:tgtEl>
+                </p:cond>
+              </p:nextCondLst>
+            </p:seq>
+          </p:childTnLst>
+        </p:cTn>
+      </p:par>
+    </p:tnLst>
+  </p:timing>
+</p:sld>
+</file>
+
+<file path=ppt/slides/slide23.xml><?xml version="1.0" encoding="utf-8"?>
+<p:sld xmlns:a="http://schemas.openxmlformats.org/drawingml/2006/main" xmlns:p="http://schemas.openxmlformats.org/presentationml/2006/main" xmlns:r="http://schemas.openxmlformats.org/officeDocument/2006/relationships" xmlns:p14="http://schemas.microsoft.com/office/powerpoint/2010/main" xmlns:p15="http://schemas.microsoft.com/office/powerpoint/2012/main" xmlns:mc="http://schemas.openxmlformats.org/markup-compatibility/2006">
+  <p:cSld>
+    <p:spTree>
+      <p:nvGrpSpPr>
+        <p:cNvPr id="1" name=""/>
+        <p:cNvGrpSpPr/>
+        <p:nvPr/>
+      </p:nvGrpSpPr>
+      <p:grpSpPr>
+        <a:xfrm>
+          <a:off x="0" y="0"/>
+          <a:ext cx="0" cy="0"/>
+          <a:chOff x="0" y="0"/>
+          <a:chExt cx="0" cy="0"/>
+        </a:xfrm>
+      </p:grpSpPr>
+      <p:sp>
+        <p:nvSpPr>
+          <p:cNvPr id="243" name="CustomShape 1"/>
+          <p:cNvSpPr/>
+          <p:nvPr/>
+        </p:nvSpPr>
+        <p:spPr>
+          <a:xfrm>
+            <a:off x="457200" y="273600"/>
+            <a:ext cx="8227440" cy="1143000"/>
+          </a:xfrm>
+          <a:prstGeom prst="rect">
+            <a:avLst/>
+          </a:prstGeom>
+          <a:noFill/>
+          <a:ln>
+            <a:noFill/>
+          </a:ln>
+        </p:spPr>
+        <p:style>
+          <a:lnRef idx="0"/>
+          <a:fillRef idx="0"/>
+          <a:effectRef idx="0"/>
+          <a:fontRef idx="minor"/>
+        </p:style>
+      </p:sp>
+      <p:sp>
+        <p:nvSpPr>
+          <p:cNvPr id="244" name="CustomShape 2"/>
+          <p:cNvSpPr/>
+          <p:nvPr/>
+        </p:nvSpPr>
+        <p:spPr>
+          <a:xfrm>
+            <a:off x="457200" y="1604520"/>
+            <a:ext cx="2647800" cy="1895040"/>
+          </a:xfrm>
+          <a:prstGeom prst="rect">
+            <a:avLst/>
+          </a:prstGeom>
+          <a:noFill/>
+          <a:ln>
+            <a:noFill/>
+          </a:ln>
+        </p:spPr>
+        <p:style>
+          <a:lnRef idx="0"/>
+          <a:fillRef idx="0"/>
+          <a:effectRef idx="0"/>
+          <a:fontRef idx="minor"/>
+        </p:style>
+      </p:sp>
+      <p:sp>
+        <p:nvSpPr>
+          <p:cNvPr id="245" name="CustomShape 3"/>
+          <p:cNvSpPr/>
+          <p:nvPr/>
+        </p:nvSpPr>
+        <p:spPr>
+          <a:xfrm>
+            <a:off x="3239640" y="1604520"/>
+            <a:ext cx="2647800" cy="1895040"/>
+          </a:xfrm>
+          <a:prstGeom prst="rect">
+            <a:avLst/>
+          </a:prstGeom>
+          <a:noFill/>
+          <a:ln>
+            <a:noFill/>
+          </a:ln>
+        </p:spPr>
+        <p:style>
+          <a:lnRef idx="0"/>
+          <a:fillRef idx="0"/>
+          <a:effectRef idx="0"/>
+          <a:fontRef idx="minor"/>
+        </p:style>
+      </p:sp>
+      <p:sp>
+        <p:nvSpPr>
+          <p:cNvPr id="246" name="CustomShape 4"/>
+          <p:cNvSpPr/>
+          <p:nvPr/>
+        </p:nvSpPr>
+        <p:spPr>
+          <a:xfrm>
+            <a:off x="6022080" y="1604520"/>
+            <a:ext cx="2647800" cy="1895040"/>
+          </a:xfrm>
+          <a:prstGeom prst="rect">
+            <a:avLst/>
+          </a:prstGeom>
+          <a:noFill/>
+          <a:ln>
+            <a:noFill/>
+          </a:ln>
+        </p:spPr>
+        <p:style>
+          <a:lnRef idx="0"/>
+          <a:fillRef idx="0"/>
+          <a:effectRef idx="0"/>
+          <a:fontRef idx="minor"/>
+        </p:style>
+      </p:sp>
+      <p:sp>
+        <p:nvSpPr>
+          <p:cNvPr id="247" name="CustomShape 5"/>
+          <p:cNvSpPr/>
+          <p:nvPr/>
+        </p:nvSpPr>
+        <p:spPr>
+          <a:xfrm>
+            <a:off x="457200" y="3682080"/>
+            <a:ext cx="2647800" cy="1895040"/>
+          </a:xfrm>
+          <a:prstGeom prst="rect">
+            <a:avLst/>
+          </a:prstGeom>
+          <a:noFill/>
+          <a:ln>
+            <a:noFill/>
+          </a:ln>
+        </p:spPr>
+        <p:style>
+          <a:lnRef idx="0"/>
+          <a:fillRef idx="0"/>
+          <a:effectRef idx="0"/>
+          <a:fontRef idx="minor"/>
+        </p:style>
+      </p:sp>
+      <p:sp>
+        <p:nvSpPr>
+          <p:cNvPr id="248" name="CustomShape 6"/>
+          <p:cNvSpPr/>
+          <p:nvPr/>
+        </p:nvSpPr>
+        <p:spPr>
+          <a:xfrm>
+            <a:off x="3239640" y="3682080"/>
+            <a:ext cx="2647800" cy="1895040"/>
+          </a:xfrm>
+          <a:prstGeom prst="rect">
+            <a:avLst/>
+          </a:prstGeom>
+          <a:noFill/>
+          <a:ln>
+            <a:noFill/>
+          </a:ln>
+        </p:spPr>
+        <p:style>
+          <a:lnRef idx="0"/>
+          <a:fillRef idx="0"/>
+          <a:effectRef idx="0"/>
+          <a:fontRef idx="minor"/>
+        </p:style>
+      </p:sp>
+      <p:sp>
+        <p:nvSpPr>
+          <p:cNvPr id="249" name="CustomShape 7"/>
+          <p:cNvSpPr/>
+          <p:nvPr/>
+        </p:nvSpPr>
+        <p:spPr>
+          <a:xfrm>
+            <a:off x="6022080" y="3682080"/>
+            <a:ext cx="2647800" cy="1895040"/>
+          </a:xfrm>
+          <a:prstGeom prst="rect">
+            <a:avLst/>
+          </a:prstGeom>
+          <a:noFill/>
+          <a:ln>
+            <a:noFill/>
+          </a:ln>
+        </p:spPr>
+        <p:style>
+          <a:lnRef idx="0"/>
+          <a:fillRef idx="0"/>
+          <a:effectRef idx="0"/>
+          <a:fontRef idx="minor"/>
+        </p:style>
+      </p:sp>
+      <p:sp>
+        <p:nvSpPr>
+          <p:cNvPr id="250" name="TextShape 8"/>
+          <p:cNvSpPr txBox="1"/>
+          <p:nvPr/>
+        </p:nvSpPr>
+        <p:spPr>
+          <a:xfrm>
+            <a:off x="666720" y="1148760"/>
+            <a:ext cx="7866360" cy="4590000"/>
+          </a:xfrm>
+          <a:prstGeom prst="rect">
+            <a:avLst/>
+          </a:prstGeom>
+          <a:noFill/>
+          <a:ln>
+            <a:noFill/>
+          </a:ln>
+        </p:spPr>
+        <p:txBody>
+          <a:bodyPr lIns="90000" rIns="90000" tIns="45000" bIns="45000"/>
+          <a:p>
+            <a:r>
+              <a:rPr b="1" lang="en-CA" sz="1800" spc="-1" strike="noStrike">
+                <a:solidFill>
+                  <a:srgbClr val="000000"/>
+                </a:solidFill>
+                <a:latin typeface="Arial"/>
+                <a:ea typeface="DejaVu Sans"/>
+              </a:rPr>
+              <a:t>Setting up our AWS Account (we’re using the free tier)</a:t>
+            </a:r>
+            <a:endParaRPr b="0" lang="en-CA" sz="1800" spc="-1" strike="noStrike">
+              <a:latin typeface="Arial"/>
+            </a:endParaRPr>
+          </a:p>
+          <a:p>
+            <a:endParaRPr b="0" lang="en-CA" sz="1800" spc="-1" strike="noStrike">
+              <a:latin typeface="Arial"/>
+            </a:endParaRPr>
+          </a:p>
+          <a:p>
+            <a:r>
+              <a:rPr b="0" lang="en-CA" sz="1800" spc="-1" strike="noStrike">
+                <a:solidFill>
+                  <a:srgbClr val="000000"/>
+                </a:solidFill>
+                <a:latin typeface="Arial"/>
+                <a:ea typeface="DejaVu Sans"/>
+              </a:rPr>
+              <a:t>1) Browse to : </a:t>
+            </a:r>
+            <a:endParaRPr b="0" lang="en-CA" sz="1800" spc="-1" strike="noStrike">
+              <a:latin typeface="Arial"/>
+            </a:endParaRPr>
+          </a:p>
+          <a:p>
+            <a:r>
+              <a:rPr b="0" lang="en-CA" sz="1050" spc="-1" strike="noStrike">
+                <a:solidFill>
+                  <a:srgbClr val="000000"/>
+                </a:solidFill>
+                <a:latin typeface="Arial"/>
+                <a:ea typeface="DejaVu Sans"/>
+              </a:rPr>
+              <a:t>                                     </a:t>
+            </a:r>
+            <a:r>
+              <a:rPr b="0" lang="en-CA" sz="1050" spc="-1" strike="noStrike">
+                <a:solidFill>
+                  <a:srgbClr val="000000"/>
+                </a:solidFill>
+                <a:latin typeface="Arial"/>
+                <a:ea typeface="DejaVu Sans"/>
+                <a:hlinkClick r:id="rId1"/>
+              </a:rPr>
+              <a:t>https://aws.amazon.com/free/?all-free-tier.sort-by=item.additionalFields.SortRank&amp;all-free-tier.sort-order=asc</a:t>
+            </a:r>
+            <a:endParaRPr b="0" lang="en-CA" sz="1050" spc="-1" strike="noStrike">
+              <a:latin typeface="Arial"/>
+            </a:endParaRPr>
+          </a:p>
+          <a:p>
+            <a:endParaRPr b="0" lang="en-CA" sz="1050" spc="-1" strike="noStrike">
+              <a:latin typeface="Arial"/>
+            </a:endParaRPr>
+          </a:p>
+          <a:p>
+            <a:endParaRPr b="0" lang="en-CA" sz="1050" spc="-1" strike="noStrike">
+              <a:latin typeface="Arial"/>
+            </a:endParaRPr>
+          </a:p>
+          <a:p>
+            <a:r>
+              <a:rPr b="0" lang="en-CA" sz="1800" spc="-1" strike="noStrike">
+                <a:solidFill>
+                  <a:srgbClr val="000000"/>
+                </a:solidFill>
+                <a:latin typeface="Arial"/>
+                <a:ea typeface="DejaVu Sans"/>
+              </a:rPr>
+              <a:t>2)</a:t>
+            </a:r>
+            <a:r>
+              <a:rPr b="0" lang="en-CA" sz="1800" spc="-1" strike="noStrike">
+                <a:solidFill>
+                  <a:srgbClr val="000000"/>
+                </a:solidFill>
+                <a:latin typeface="Arial"/>
+                <a:ea typeface="DejaVu Sans"/>
+              </a:rPr>
+              <a:t>	</a:t>
+            </a:r>
+            <a:r>
+              <a:rPr b="0" lang="en-CA" sz="1800" spc="-1" strike="noStrike">
+                <a:solidFill>
+                  <a:srgbClr val="000000"/>
+                </a:solidFill>
+                <a:latin typeface="Arial"/>
+                <a:ea typeface="DejaVu Sans"/>
+              </a:rPr>
+              <a:t>Click Create Free Account</a:t>
+            </a:r>
+            <a:endParaRPr b="0" lang="en-CA" sz="1800" spc="-1" strike="noStrike">
+              <a:latin typeface="Arial"/>
+            </a:endParaRPr>
+          </a:p>
+          <a:p>
+            <a:endParaRPr b="0" lang="en-CA" sz="1800" spc="-1" strike="noStrike">
+              <a:latin typeface="Arial"/>
+            </a:endParaRPr>
+          </a:p>
+          <a:p>
+            <a:r>
+              <a:rPr b="0" lang="en-CA" sz="1800" spc="-1" strike="noStrike">
+                <a:solidFill>
+                  <a:srgbClr val="000000"/>
+                </a:solidFill>
+                <a:latin typeface="Arial"/>
+                <a:ea typeface="DejaVu Sans"/>
+              </a:rPr>
+              <a:t>3)</a:t>
+            </a:r>
+            <a:r>
+              <a:rPr b="0" lang="en-CA" sz="1800" spc="-1" strike="noStrike">
+                <a:solidFill>
+                  <a:srgbClr val="000000"/>
+                </a:solidFill>
+                <a:latin typeface="Arial"/>
+                <a:ea typeface="DejaVu Sans"/>
+              </a:rPr>
+              <a:t>	</a:t>
+            </a:r>
+            <a:r>
+              <a:rPr b="0" lang="en-CA" sz="1800" spc="-1" strike="noStrike">
+                <a:solidFill>
+                  <a:srgbClr val="000000"/>
+                </a:solidFill>
+                <a:latin typeface="Arial"/>
+                <a:ea typeface="DejaVu Sans"/>
+              </a:rPr>
+              <a:t>Fill out the form</a:t>
+            </a:r>
+            <a:endParaRPr b="0" lang="en-CA" sz="1800" spc="-1" strike="noStrike">
+              <a:latin typeface="Arial"/>
+            </a:endParaRPr>
+          </a:p>
+          <a:p>
+            <a:endParaRPr b="0" lang="en-CA" sz="1800" spc="-1" strike="noStrike">
+              <a:latin typeface="Arial"/>
+            </a:endParaRPr>
+          </a:p>
+          <a:p>
+            <a:r>
+              <a:rPr b="0" lang="en-CA" sz="1800" spc="-1" strike="noStrike">
+                <a:solidFill>
+                  <a:srgbClr val="000000"/>
+                </a:solidFill>
+                <a:latin typeface="Arial"/>
+                <a:ea typeface="DejaVu Sans"/>
+              </a:rPr>
+              <a:t>4) </a:t>
+            </a:r>
+            <a:r>
+              <a:rPr b="0" lang="en-CA" sz="1800" spc="-1" strike="noStrike">
+                <a:solidFill>
+                  <a:srgbClr val="000000"/>
+                </a:solidFill>
+                <a:latin typeface="Arial"/>
+                <a:ea typeface="DejaVu Sans"/>
+              </a:rPr>
+              <a:t>	</a:t>
+            </a:r>
+            <a:r>
+              <a:rPr b="0" lang="en-CA" sz="1800" spc="-1" strike="noStrike">
+                <a:solidFill>
+                  <a:srgbClr val="000000"/>
+                </a:solidFill>
+                <a:latin typeface="Arial"/>
+                <a:ea typeface="DejaVu Sans"/>
+              </a:rPr>
+              <a:t>Click continue</a:t>
+            </a:r>
+            <a:endParaRPr b="0" lang="en-CA" sz="1800" spc="-1" strike="noStrike">
+              <a:latin typeface="Arial"/>
+            </a:endParaRPr>
+          </a:p>
+          <a:p>
+            <a:endParaRPr b="0" lang="en-CA" sz="1800" spc="-1" strike="noStrike">
+              <a:latin typeface="Arial"/>
+            </a:endParaRPr>
+          </a:p>
+          <a:p>
+            <a:r>
+              <a:rPr b="0" lang="en-CA" sz="1800" spc="-1" strike="noStrike">
+                <a:solidFill>
+                  <a:srgbClr val="000000"/>
+                </a:solidFill>
+                <a:latin typeface="Arial"/>
+                <a:ea typeface="DejaVu Sans"/>
+              </a:rPr>
+              <a:t>5)</a:t>
+            </a:r>
+            <a:r>
+              <a:rPr b="0" lang="en-CA" sz="1800" spc="-1" strike="noStrike">
+                <a:solidFill>
+                  <a:srgbClr val="000000"/>
+                </a:solidFill>
+                <a:latin typeface="Arial"/>
+                <a:ea typeface="DejaVu Sans"/>
+              </a:rPr>
+              <a:t>	</a:t>
+            </a:r>
+            <a:r>
+              <a:rPr b="0" lang="en-CA" sz="1800" spc="-1" strike="noStrike">
+                <a:solidFill>
+                  <a:srgbClr val="000000"/>
+                </a:solidFill>
+                <a:latin typeface="Arial"/>
+                <a:ea typeface="DejaVu Sans"/>
+              </a:rPr>
+              <a:t>Fill out that form</a:t>
+            </a:r>
+            <a:endParaRPr b="0" lang="en-CA" sz="1800" spc="-1" strike="noStrike">
+              <a:latin typeface="Arial"/>
+            </a:endParaRPr>
+          </a:p>
+          <a:p>
+            <a:endParaRPr b="0" lang="en-CA" sz="1800" spc="-1" strike="noStrike">
+              <a:latin typeface="Arial"/>
+            </a:endParaRPr>
+          </a:p>
+          <a:p>
+            <a:r>
+              <a:rPr b="0" lang="en-CA" sz="1800" spc="-1" strike="noStrike">
+                <a:solidFill>
+                  <a:srgbClr val="000000"/>
+                </a:solidFill>
+                <a:latin typeface="Arial"/>
+                <a:ea typeface="DejaVu Sans"/>
+              </a:rPr>
+              <a:t>6)</a:t>
+            </a:r>
+            <a:r>
+              <a:rPr b="0" lang="en-CA" sz="1800" spc="-1" strike="noStrike">
+                <a:solidFill>
+                  <a:srgbClr val="000000"/>
+                </a:solidFill>
+                <a:latin typeface="Arial"/>
+                <a:ea typeface="DejaVu Sans"/>
+              </a:rPr>
+              <a:t>	</a:t>
+            </a:r>
+            <a:r>
+              <a:rPr b="0" lang="en-CA" sz="1800" spc="-1" strike="noStrike">
+                <a:solidFill>
+                  <a:srgbClr val="000000"/>
+                </a:solidFill>
+                <a:latin typeface="Arial"/>
+                <a:ea typeface="DejaVu Sans"/>
+              </a:rPr>
+              <a:t>Click Create Account and Continue</a:t>
+            </a:r>
+            <a:endParaRPr b="0" lang="en-CA" sz="1800" spc="-1" strike="noStrike">
+              <a:latin typeface="Arial"/>
+            </a:endParaRPr>
+          </a:p>
+          <a:p>
+            <a:endParaRPr b="0" lang="en-CA" sz="1800" spc="-1" strike="noStrike">
+              <a:latin typeface="Arial"/>
+            </a:endParaRPr>
+          </a:p>
+          <a:p>
+            <a:endParaRPr b="0" lang="en-CA" sz="1800" spc="-1" strike="noStrike">
+              <a:latin typeface="Arial"/>
+            </a:endParaRPr>
+          </a:p>
+          <a:p>
+            <a:endParaRPr b="0" lang="en-CA" sz="1800" spc="-1" strike="noStrike">
+              <a:latin typeface="Arial"/>
+            </a:endParaRPr>
+          </a:p>
+        </p:txBody>
+      </p:sp>
+    </p:spTree>
+  </p:cSld>
+  <p:timing>
+    <p:tnLst>
+      <p:par>
+        <p:cTn id="45" dur="indefinite" restart="never" nodeType="tmRoot">
+          <p:childTnLst>
+            <p:seq>
+              <p:cTn id="46" dur="indefinite" nodeType="mainSeq"/>
+              <p:prevCondLst>
+                <p:cond delay="0" evt="onPrev">
+                  <p:tgtEl>
+                    <p:sldTgt/>
+                  </p:tgtEl>
+                </p:cond>
+              </p:prevCondLst>
+              <p:nextCondLst>
+                <p:cond delay="0" evt="onNext">
+                  <p:tgtEl>
+                    <p:sldTgt/>
+                  </p:tgtEl>
+                </p:cond>
+              </p:nextCondLst>
+            </p:seq>
+          </p:childTnLst>
+        </p:cTn>
+      </p:par>
+    </p:tnLst>
+  </p:timing>
+</p:sld>
+</file>
+
+<file path=ppt/slides/slide24.xml><?xml version="1.0" encoding="utf-8"?>
+<p:sld xmlns:a="http://schemas.openxmlformats.org/drawingml/2006/main" xmlns:p="http://schemas.openxmlformats.org/presentationml/2006/main" xmlns:r="http://schemas.openxmlformats.org/officeDocument/2006/relationships" xmlns:p14="http://schemas.microsoft.com/office/powerpoint/2010/main" xmlns:p15="http://schemas.microsoft.com/office/powerpoint/2012/main" xmlns:mc="http://schemas.openxmlformats.org/markup-compatibility/2006">
+  <p:cSld>
+    <p:bg>
+      <p:bgPr>
+        <a:solidFill>
+          <a:srgbClr val="f2f2f2"/>
+        </a:solidFill>
+      </p:bgPr>
+    </p:bg>
+    <p:spTree>
+      <p:nvGrpSpPr>
+        <p:cNvPr id="1" name=""/>
+        <p:cNvGrpSpPr/>
+        <p:nvPr/>
+      </p:nvGrpSpPr>
+      <p:grpSpPr>
+        <a:xfrm>
+          <a:off x="0" y="0"/>
+          <a:ext cx="0" cy="0"/>
+          <a:chOff x="0" y="0"/>
+          <a:chExt cx="0" cy="0"/>
+        </a:xfrm>
+      </p:grpSpPr>
+      <p:sp>
+        <p:nvSpPr>
+          <p:cNvPr id="251" name="CustomShape 1"/>
+          <p:cNvSpPr/>
+          <p:nvPr/>
+        </p:nvSpPr>
+        <p:spPr>
+          <a:xfrm>
+            <a:off x="504000" y="1269360"/>
+            <a:ext cx="8275680" cy="5215680"/>
+          </a:xfrm>
+          <a:prstGeom prst="rect">
+            <a:avLst/>
+          </a:prstGeom>
+          <a:noFill/>
+          <a:ln>
+            <a:noFill/>
+          </a:ln>
+        </p:spPr>
+        <p:style>
+          <a:lnRef idx="0"/>
+          <a:fillRef idx="0"/>
+          <a:effectRef idx="0"/>
+          <a:fontRef idx="minor"/>
+        </p:style>
+        <p:txBody>
+          <a:bodyPr lIns="90000" rIns="90000" tIns="45000" bIns="45000" anchor="ctr">
+            <a:normAutofit/>
+          </a:bodyPr>
+          <a:p>
+            <a:pPr>
+              <a:lnSpc>
+                <a:spcPct val="100000"/>
+              </a:lnSpc>
+            </a:pPr>
+            <a:r>
+              <a:rPr b="1" lang="en-CA" sz="1800" spc="-1" strike="noStrike">
+                <a:solidFill>
+                  <a:srgbClr val="000000"/>
+                </a:solidFill>
+                <a:latin typeface="Arial"/>
+                <a:ea typeface="DejaVu Sans"/>
+              </a:rPr>
+              <a:t>Setting up our AWS Account (continued: )</a:t>
+            </a:r>
+            <a:endParaRPr b="0" lang="en-CA" sz="1800" spc="-1" strike="noStrike">
+              <a:latin typeface="Arial"/>
+            </a:endParaRPr>
+          </a:p>
+          <a:p>
+            <a:pPr>
+              <a:lnSpc>
+                <a:spcPct val="100000"/>
+              </a:lnSpc>
+            </a:pPr>
+            <a:endParaRPr b="0" lang="en-CA" sz="1800" spc="-1" strike="noStrike">
+              <a:latin typeface="Arial"/>
+            </a:endParaRPr>
+          </a:p>
+          <a:p>
+            <a:pPr>
+              <a:lnSpc>
+                <a:spcPct val="100000"/>
+              </a:lnSpc>
+            </a:pPr>
+            <a:r>
+              <a:rPr b="0" lang="en-CA" sz="1800" spc="-1" strike="noStrike">
+                <a:solidFill>
+                  <a:srgbClr val="000000"/>
+                </a:solidFill>
+                <a:latin typeface="Arial"/>
+                <a:ea typeface="DejaVu Sans"/>
+              </a:rPr>
+              <a:t>7) </a:t>
+            </a:r>
+            <a:r>
+              <a:rPr b="0" lang="en-CA" sz="1800" spc="-1" strike="noStrike">
+                <a:solidFill>
+                  <a:srgbClr val="000000"/>
+                </a:solidFill>
+                <a:latin typeface="Arial"/>
+                <a:ea typeface="DejaVu Sans"/>
+              </a:rPr>
+              <a:t>	</a:t>
+            </a:r>
+            <a:r>
+              <a:rPr b="0" lang="en-CA" sz="1800" spc="-1" strike="noStrike">
+                <a:solidFill>
+                  <a:srgbClr val="000000"/>
+                </a:solidFill>
+                <a:latin typeface="Arial"/>
+                <a:ea typeface="DejaVu Sans"/>
+              </a:rPr>
+              <a:t>Fill out the credit card information:</a:t>
+            </a:r>
+            <a:endParaRPr b="0" lang="en-CA" sz="1800" spc="-1" strike="noStrike">
+              <a:latin typeface="Arial"/>
+            </a:endParaRPr>
+          </a:p>
+          <a:p>
+            <a:pPr>
+              <a:lnSpc>
+                <a:spcPct val="100000"/>
+              </a:lnSpc>
+            </a:pPr>
+            <a:r>
+              <a:rPr b="0" lang="en-CA" sz="1800" spc="-1" strike="noStrike">
+                <a:solidFill>
+                  <a:srgbClr val="000000"/>
+                </a:solidFill>
+                <a:latin typeface="Arial"/>
+                <a:ea typeface="DejaVu Sans"/>
+              </a:rPr>
+              <a:t>8)</a:t>
+            </a:r>
+            <a:r>
+              <a:rPr b="0" lang="en-CA" sz="1800" spc="-1" strike="noStrike">
+                <a:solidFill>
+                  <a:srgbClr val="000000"/>
+                </a:solidFill>
+                <a:latin typeface="Arial"/>
+                <a:ea typeface="DejaVu Sans"/>
+              </a:rPr>
+              <a:t>	</a:t>
+            </a:r>
+            <a:r>
+              <a:rPr b="0" lang="en-CA" sz="1800" spc="-1" strike="noStrike">
+                <a:solidFill>
+                  <a:srgbClr val="000000"/>
+                </a:solidFill>
+                <a:latin typeface="Arial"/>
+                <a:ea typeface="DejaVu Sans"/>
+              </a:rPr>
+              <a:t>Log in to the aws console with the account id and password </a:t>
+            </a:r>
+            <a:endParaRPr b="0" lang="en-CA" sz="1800" spc="-1" strike="noStrike">
+              <a:latin typeface="Arial"/>
+            </a:endParaRPr>
+          </a:p>
+          <a:p>
+            <a:pPr>
+              <a:lnSpc>
+                <a:spcPct val="100000"/>
+              </a:lnSpc>
+            </a:pPr>
+            <a:r>
+              <a:rPr b="0" lang="en-CA" sz="1800" spc="-1" strike="noStrike">
+                <a:solidFill>
+                  <a:srgbClr val="000000"/>
+                </a:solidFill>
+                <a:latin typeface="Arial"/>
+                <a:ea typeface="DejaVu Sans"/>
+              </a:rPr>
+              <a:t>	</a:t>
+            </a:r>
+            <a:r>
+              <a:rPr b="0" lang="en-CA" sz="1800" spc="-1" strike="noStrike">
+                <a:solidFill>
+                  <a:srgbClr val="000000"/>
+                </a:solidFill>
+                <a:latin typeface="Arial"/>
+                <a:ea typeface="DejaVu Sans"/>
+              </a:rPr>
+              <a:t>we just created.</a:t>
+            </a:r>
+            <a:endParaRPr b="0" lang="en-CA" sz="1800" spc="-1" strike="noStrike">
+              <a:latin typeface="Arial"/>
+            </a:endParaRPr>
+          </a:p>
+          <a:p>
+            <a:pPr>
+              <a:lnSpc>
+                <a:spcPct val="100000"/>
+              </a:lnSpc>
+            </a:pPr>
+            <a:endParaRPr b="0" lang="en-CA" sz="1800" spc="-1" strike="noStrike">
+              <a:latin typeface="Arial"/>
+            </a:endParaRPr>
+          </a:p>
+          <a:p>
+            <a:pPr>
+              <a:lnSpc>
+                <a:spcPct val="100000"/>
+              </a:lnSpc>
+            </a:pPr>
+            <a:r>
+              <a:rPr b="0" lang="en-CA" sz="1800" spc="-1" strike="noStrike">
+                <a:solidFill>
+                  <a:srgbClr val="000000"/>
+                </a:solidFill>
+                <a:latin typeface="Arial"/>
+                <a:ea typeface="DejaVu Sans"/>
+              </a:rPr>
+              <a:t>	</a:t>
+            </a:r>
+            <a:r>
+              <a:rPr b="0" lang="en-CA" sz="1800" spc="-1" strike="noStrike">
+                <a:solidFill>
+                  <a:srgbClr val="000000"/>
+                </a:solidFill>
+                <a:latin typeface="Arial"/>
+                <a:ea typeface="DejaVu Sans"/>
+              </a:rPr>
+              <a:t>email we chose</a:t>
+            </a:r>
+            <a:endParaRPr b="0" lang="en-CA" sz="1800" spc="-1" strike="noStrike">
+              <a:latin typeface="Arial"/>
+            </a:endParaRPr>
+          </a:p>
+          <a:p>
+            <a:pPr>
+              <a:lnSpc>
+                <a:spcPct val="100000"/>
+              </a:lnSpc>
+            </a:pPr>
+            <a:r>
+              <a:rPr b="0" lang="en-CA" sz="1800" spc="-1" strike="noStrike">
+                <a:solidFill>
+                  <a:srgbClr val="000000"/>
+                </a:solidFill>
+                <a:latin typeface="Arial"/>
+                <a:ea typeface="DejaVu Sans"/>
+              </a:rPr>
+              <a:t>	</a:t>
+            </a:r>
+            <a:r>
+              <a:rPr b="0" lang="en-CA" sz="1800" spc="-1" strike="noStrike">
+                <a:solidFill>
+                  <a:srgbClr val="000000"/>
+                </a:solidFill>
+                <a:latin typeface="Arial"/>
+                <a:ea typeface="DejaVu Sans"/>
+              </a:rPr>
+              <a:t>password we chose </a:t>
+            </a:r>
+            <a:endParaRPr b="0" lang="en-CA" sz="1800" spc="-1" strike="noStrike">
+              <a:latin typeface="Arial"/>
+            </a:endParaRPr>
+          </a:p>
+          <a:p>
+            <a:pPr>
+              <a:lnSpc>
+                <a:spcPct val="100000"/>
+              </a:lnSpc>
+            </a:pPr>
+            <a:endParaRPr b="0" lang="en-CA" sz="1800" spc="-1" strike="noStrike">
+              <a:latin typeface="Arial"/>
+            </a:endParaRPr>
+          </a:p>
+          <a:p>
+            <a:pPr>
+              <a:lnSpc>
+                <a:spcPct val="100000"/>
+              </a:lnSpc>
+            </a:pPr>
+            <a:r>
+              <a:rPr b="0" lang="en-CA" sz="1800" spc="-1" strike="noStrike">
+                <a:solidFill>
+                  <a:srgbClr val="000000"/>
+                </a:solidFill>
+                <a:latin typeface="Arial"/>
+                <a:ea typeface="DejaVu Sans"/>
+              </a:rPr>
+              <a:t>	</a:t>
+            </a:r>
+            <a:r>
+              <a:rPr b="0" lang="en-CA" sz="1800" spc="-1" strike="noStrike">
+                <a:solidFill>
+                  <a:srgbClr val="000000"/>
+                </a:solidFill>
+                <a:latin typeface="Arial"/>
+                <a:ea typeface="DejaVu Sans"/>
+              </a:rPr>
+              <a:t>resource to install:</a:t>
+            </a:r>
+            <a:endParaRPr b="0" lang="en-CA" sz="1800" spc="-1" strike="noStrike">
+              <a:latin typeface="Arial"/>
+            </a:endParaRPr>
+          </a:p>
+          <a:p>
+            <a:pPr>
+              <a:lnSpc>
+                <a:spcPct val="100000"/>
+              </a:lnSpc>
+            </a:pPr>
+            <a:endParaRPr b="0" lang="en-CA" sz="1800" spc="-1" strike="noStrike">
+              <a:latin typeface="Arial"/>
+            </a:endParaRPr>
+          </a:p>
+          <a:p>
+            <a:pPr>
+              <a:lnSpc>
+                <a:spcPct val="100000"/>
+              </a:lnSpc>
+            </a:pPr>
+            <a:r>
+              <a:rPr b="0" lang="en-CA" sz="1800" spc="-1" strike="noStrike">
+                <a:solidFill>
+                  <a:srgbClr val="000000"/>
+                </a:solidFill>
+                <a:latin typeface="Arial"/>
+                <a:ea typeface="DejaVu Sans"/>
+              </a:rPr>
+              <a:t>	</a:t>
+            </a:r>
+            <a:r>
+              <a:rPr b="0" lang="en-CA" sz="1800" spc="-1" strike="noStrike">
+                <a:solidFill>
+                  <a:srgbClr val="000000"/>
+                </a:solidFill>
+                <a:latin typeface="Arial"/>
+                <a:ea typeface="DejaVu Sans"/>
+                <a:hlinkClick r:id="rId1"/>
+              </a:rPr>
+              <a:t> https://www.youtube.com/watch?v=XhW17g73fvY</a:t>
+            </a:r>
+            <a:endParaRPr b="0" lang="en-CA" sz="1800" spc="-1" strike="noStrike">
+              <a:latin typeface="Arial"/>
+            </a:endParaRPr>
+          </a:p>
+          <a:p>
+            <a:pPr>
+              <a:lnSpc>
+                <a:spcPct val="100000"/>
+              </a:lnSpc>
+            </a:pPr>
+            <a:endParaRPr b="0" lang="en-CA" sz="1800" spc="-1" strike="noStrike">
+              <a:latin typeface="Arial"/>
+            </a:endParaRPr>
+          </a:p>
+          <a:p>
+            <a:pPr>
+              <a:lnSpc>
+                <a:spcPct val="100000"/>
+              </a:lnSpc>
+            </a:pPr>
+            <a:endParaRPr b="0" lang="en-CA" sz="1800" spc="-1" strike="noStrike">
+              <a:latin typeface="Arial"/>
+            </a:endParaRPr>
+          </a:p>
+          <a:p>
+            <a:pPr>
+              <a:lnSpc>
+                <a:spcPct val="100000"/>
+              </a:lnSpc>
+            </a:pPr>
+            <a:r>
+              <a:rPr b="0" lang="en-CA" sz="1800" spc="-1" strike="noStrike">
+                <a:solidFill>
+                  <a:srgbClr val="000000"/>
+                </a:solidFill>
+                <a:latin typeface="Arial"/>
+                <a:ea typeface="DejaVu Sans"/>
+              </a:rPr>
+              <a:t>	</a:t>
+            </a:r>
+            <a:endParaRPr b="0" lang="en-CA" sz="1800" spc="-1" strike="noStrike">
+              <a:latin typeface="Arial"/>
+            </a:endParaRPr>
+          </a:p>
+          <a:p>
+            <a:pPr>
+              <a:lnSpc>
+                <a:spcPct val="100000"/>
+              </a:lnSpc>
+            </a:pPr>
+            <a:endParaRPr b="0" lang="en-CA" sz="1800" spc="-1" strike="noStrike">
+              <a:latin typeface="Arial"/>
+            </a:endParaRPr>
+          </a:p>
+          <a:p>
+            <a:pPr>
+              <a:lnSpc>
+                <a:spcPct val="100000"/>
+              </a:lnSpc>
+            </a:pPr>
+            <a:endParaRPr b="0" lang="en-CA" sz="1800" spc="-1" strike="noStrike">
+              <a:latin typeface="Arial"/>
+            </a:endParaRPr>
+          </a:p>
+          <a:p>
+            <a:pPr>
+              <a:lnSpc>
+                <a:spcPct val="100000"/>
+              </a:lnSpc>
+            </a:pPr>
+            <a:r>
+              <a:rPr b="0" lang="en-CA" sz="1050" spc="-1" strike="noStrike">
+                <a:solidFill>
+                  <a:srgbClr val="000000"/>
+                </a:solidFill>
+                <a:latin typeface="Arial"/>
+                <a:ea typeface="DejaVu Sans"/>
+              </a:rPr>
+              <a:t>	</a:t>
+            </a:r>
+            <a:r>
+              <a:rPr b="0" lang="en-CA" sz="1050" spc="-1" strike="noStrike">
+                <a:solidFill>
+                  <a:srgbClr val="000000"/>
+                </a:solidFill>
+                <a:latin typeface="Arial"/>
+                <a:ea typeface="DejaVu Sans"/>
+              </a:rPr>
+              <a:t>	</a:t>
+            </a:r>
+            <a:r>
+              <a:rPr b="0" lang="en-CA" sz="1050" spc="-1" strike="noStrike">
+                <a:solidFill>
+                  <a:srgbClr val="000000"/>
+                </a:solidFill>
+                <a:latin typeface="Arial"/>
+                <a:ea typeface="DejaVu Sans"/>
+              </a:rPr>
+              <a:t>            </a:t>
+            </a:r>
+            <a:endParaRPr b="0" lang="en-CA" sz="1050" spc="-1" strike="noStrike">
+              <a:latin typeface="Arial"/>
+            </a:endParaRPr>
+          </a:p>
+        </p:txBody>
+      </p:sp>
+      <p:sp>
+        <p:nvSpPr>
+          <p:cNvPr id="252" name="CustomShape 2"/>
+          <p:cNvSpPr/>
+          <p:nvPr/>
+        </p:nvSpPr>
+        <p:spPr>
+          <a:xfrm>
+            <a:off x="432000" y="0"/>
+            <a:ext cx="7448040" cy="1180080"/>
+          </a:xfrm>
+          <a:prstGeom prst="rect">
+            <a:avLst/>
+          </a:prstGeom>
+          <a:noFill/>
+          <a:ln>
+            <a:noFill/>
+          </a:ln>
+        </p:spPr>
+        <p:style>
+          <a:lnRef idx="0"/>
+          <a:fillRef idx="0"/>
+          <a:effectRef idx="0"/>
+          <a:fontRef idx="minor"/>
+        </p:style>
+        <p:txBody>
+          <a:bodyPr lIns="90000" rIns="90000" tIns="45000" bIns="45000" anchor="ctr">
+            <a:normAutofit/>
+          </a:bodyPr>
+          <a:p>
+            <a:pPr>
+              <a:lnSpc>
+                <a:spcPct val="100000"/>
+              </a:lnSpc>
+            </a:pPr>
+            <a:r>
+              <a:rPr b="0" lang="en-CA" sz="3000" spc="-1" strike="noStrike" cap="all">
+                <a:solidFill>
+                  <a:srgbClr val="292929"/>
+                </a:solidFill>
+                <a:latin typeface="Nexa Bold"/>
+                <a:ea typeface="DejaVu Sans"/>
+              </a:rPr>
+              <a:t>Installing our</a:t>
+            </a:r>
+            <a:r>
+              <a:rPr b="0" lang="en-CA" sz="3000" spc="-1" strike="noStrike">
+                <a:solidFill>
+                  <a:srgbClr val="292929"/>
+                </a:solidFill>
+                <a:latin typeface="Nexa Bold"/>
+                <a:ea typeface="DejaVu Sans"/>
+              </a:rPr>
+              <a:t> </a:t>
+            </a:r>
+            <a:r>
+              <a:rPr b="0" lang="en-CA" sz="3000" spc="-1" strike="noStrike" cap="all">
+                <a:solidFill>
+                  <a:srgbClr val="1fa0be"/>
+                </a:solidFill>
+                <a:latin typeface="Nexa Bold"/>
+                <a:ea typeface="DejaVu Sans"/>
+              </a:rPr>
+              <a:t>Stack</a:t>
+            </a:r>
+            <a:endParaRPr b="0" lang="en-CA" sz="3000" spc="-1" strike="noStrike">
+              <a:latin typeface="Arial"/>
+            </a:endParaRPr>
+          </a:p>
+        </p:txBody>
+      </p:sp>
+      <p:sp>
+        <p:nvSpPr>
+          <p:cNvPr id="253" name="CustomShape 3"/>
+          <p:cNvSpPr/>
+          <p:nvPr/>
+        </p:nvSpPr>
+        <p:spPr>
+          <a:xfrm>
+            <a:off x="0" y="0"/>
+            <a:ext cx="247320" cy="1192320"/>
+          </a:xfrm>
+          <a:prstGeom prst="rect">
+            <a:avLst/>
+          </a:prstGeom>
+          <a:solidFill>
+            <a:srgbClr val="146e83"/>
+          </a:solidFill>
+          <a:ln>
+            <a:round/>
+          </a:ln>
+        </p:spPr>
+        <p:style>
+          <a:lnRef idx="2">
+            <a:schemeClr val="accent1">
+              <a:shade val="50000"/>
+            </a:schemeClr>
+          </a:lnRef>
+          <a:fillRef idx="1">
+            <a:schemeClr val="accent1"/>
+          </a:fillRef>
+          <a:effectRef idx="0">
+            <a:schemeClr val="accent1"/>
+          </a:effectRef>
+          <a:fontRef idx="minor"/>
+        </p:style>
+      </p:sp>
+      <p:sp>
+        <p:nvSpPr>
+          <p:cNvPr id="254" name="Line 4"/>
+          <p:cNvSpPr/>
+          <p:nvPr/>
+        </p:nvSpPr>
+        <p:spPr>
+          <a:xfrm>
+            <a:off x="251280" y="1196640"/>
+            <a:ext cx="8892720" cy="360"/>
+          </a:xfrm>
+          <a:prstGeom prst="line">
+            <a:avLst/>
+          </a:prstGeom>
+          <a:ln w="22320">
+            <a:solidFill>
+              <a:srgbClr val="146e83"/>
+            </a:solidFill>
+            <a:round/>
+          </a:ln>
+        </p:spPr>
+        <p:style>
+          <a:lnRef idx="1">
+            <a:schemeClr val="accent1"/>
+          </a:lnRef>
+          <a:fillRef idx="0">
+            <a:schemeClr val="accent1"/>
+          </a:fillRef>
+          <a:effectRef idx="0">
+            <a:schemeClr val="accent1"/>
+          </a:effectRef>
+          <a:fontRef idx="minor"/>
+        </p:style>
+      </p:sp>
+    </p:spTree>
+  </p:cSld>
+  <p:timing>
+    <p:tnLst>
+      <p:par>
+        <p:cTn id="47" dur="indefinite" restart="never" nodeType="tmRoot">
+          <p:childTnLst>
+            <p:seq>
+              <p:cTn id="48" dur="indefinite" nodeType="mainSeq"/>
               <p:prevCondLst>
                 <p:cond delay="0" evt="onPrev">
                   <p:tgtEl>
@@ -9875,7 +13260,7 @@
         <p:spPr>
           <a:xfrm>
             <a:off x="432000" y="13680"/>
-            <a:ext cx="7448400" cy="1180440"/>
+            <a:ext cx="7448040" cy="1180080"/>
           </a:xfrm>
           <a:prstGeom prst="rect">
             <a:avLst/>
@@ -9946,7 +13331,7 @@
         <p:spPr>
           <a:xfrm>
             <a:off x="0" y="0"/>
-            <a:ext cx="247680" cy="1192680"/>
+            <a:ext cx="247320" cy="1192320"/>
           </a:xfrm>
           <a:prstGeom prst="rect">
             <a:avLst/>
@@ -10016,7 +13401,7 @@
         <p:spPr>
           <a:xfrm>
             <a:off x="457200" y="273600"/>
-            <a:ext cx="8226720" cy="5305320"/>
+            <a:ext cx="8226360" cy="5304960"/>
           </a:xfrm>
           <a:prstGeom prst="rect">
             <a:avLst/>
@@ -10065,7 +13450,7 @@
         <p:spPr>
           <a:xfrm>
             <a:off x="576000" y="1728000"/>
-            <a:ext cx="6765480" cy="2391480"/>
+            <a:ext cx="6765120" cy="2391120"/>
           </a:xfrm>
           <a:prstGeom prst="rect">
             <a:avLst/>
@@ -10090,6 +13475,36 @@
               </a:lnSpc>
             </a:pPr>
             <a:r>
+              <a:rPr b="1" lang="en-CA" sz="1800" spc="-1" strike="noStrike">
+                <a:solidFill>
+                  <a:srgbClr val="000000"/>
+                </a:solidFill>
+                <a:latin typeface="Arial"/>
+                <a:ea typeface="DejaVu Sans"/>
+              </a:rPr>
+              <a:t>Resources</a:t>
+            </a:r>
+            <a:endParaRPr b="0" lang="en-CA" sz="1800" spc="-1" strike="noStrike">
+              <a:latin typeface="Arial"/>
+            </a:endParaRPr>
+          </a:p>
+          <a:p>
+            <a:pPr>
+              <a:lnSpc>
+                <a:spcPct val="100000"/>
+              </a:lnSpc>
+            </a:pPr>
+            <a:endParaRPr b="0" lang="en-CA" sz="1800" spc="-1" strike="noStrike">
+              <a:latin typeface="Arial"/>
+            </a:endParaRPr>
+          </a:p>
+          <a:p>
+            <a:pPr>
+              <a:lnSpc>
+                <a:spcPct val="100000"/>
+              </a:lnSpc>
+            </a:pPr>
+            <a:r>
               <a:rPr b="0" lang="en-CA" sz="1800" spc="-1" strike="noStrike">
                 <a:solidFill>
                   <a:srgbClr val="000000"/>
@@ -10097,7 +13512,7 @@
                 <a:latin typeface="Arial"/>
                 <a:ea typeface="DejaVu Sans"/>
               </a:rPr>
-              <a:t>The tools we will be using in this course:</a:t>
+              <a:t>1) What is a virtual machine (what is virtualization)</a:t>
             </a:r>
             <a:endParaRPr b="0" lang="en-CA" sz="1800" spc="-1" strike="noStrike">
               <a:latin typeface="Arial"/>
@@ -10109,21 +13524,36 @@
                 <a:spcPct val="100000"/>
               </a:lnSpc>
             </a:pPr>
+            <a:r>
+              <a:rPr b="0" lang="en-CA" sz="1800" spc="-1" strike="noStrike">
+                <a:solidFill>
+                  <a:srgbClr val="000000"/>
+                </a:solidFill>
+                <a:latin typeface="Arial"/>
+                <a:ea typeface="DejaVu Sans"/>
+              </a:rPr>
+              <a:t>	</a:t>
+            </a:r>
+            <a:r>
+              <a:rPr b="0" lang="en-CA" sz="1800" spc="-1" strike="noStrike">
+                <a:solidFill>
+                  <a:srgbClr val="000000"/>
+                </a:solidFill>
+                <a:latin typeface="Arial"/>
+                <a:ea typeface="DejaVu Sans"/>
+                <a:hlinkClick r:id="rId1"/>
+              </a:rPr>
+              <a:t> https://www.youtube.com/watch?v=yIVXjl4SwVo</a:t>
+            </a:r>
             <a:endParaRPr b="0" lang="en-CA" sz="1800" spc="-1" strike="noStrike">
               <a:latin typeface="Arial"/>
             </a:endParaRPr>
           </a:p>
           <a:p>
-            <a:pPr marL="216000" indent="-213480">
-              <a:lnSpc>
-                <a:spcPct val="100000"/>
-              </a:lnSpc>
-              <a:buClr>
-                <a:srgbClr val="000000"/>
-              </a:buClr>
-              <a:buSzPct val="45000"/>
-              <a:buFont typeface="Wingdings" charset="2"/>
-              <a:buChar char=""/>
+            <a:pPr>
+              <a:lnSpc>
+                <a:spcPct val="100000"/>
+              </a:lnSpc>
             </a:pPr>
             <a:r>
               <a:rPr b="0" lang="en-CA" sz="1800" spc="-1" strike="noStrike">
@@ -10133,7 +13563,7 @@
                 <a:latin typeface="Arial"/>
                 <a:ea typeface="DejaVu Sans"/>
               </a:rPr>
-              <a:t>We will first install virtual box. Links are below:</a:t>
+              <a:t>	</a:t>
             </a:r>
             <a:endParaRPr b="0" lang="en-CA" sz="1800" spc="-1" strike="noStrike">
               <a:latin typeface="Arial"/>
@@ -10145,21 +13575,35 @@
                 <a:spcPct val="100000"/>
               </a:lnSpc>
             </a:pPr>
+            <a:r>
+              <a:rPr b="0" lang="en-CA" sz="1800" spc="-1" strike="noStrike">
+                <a:solidFill>
+                  <a:srgbClr val="000000"/>
+                </a:solidFill>
+                <a:latin typeface="Arial"/>
+                <a:ea typeface="DejaVu Sans"/>
+              </a:rPr>
+              <a:t>2) What is virtual box:</a:t>
+            </a:r>
             <a:endParaRPr b="0" lang="en-CA" sz="1800" spc="-1" strike="noStrike">
               <a:latin typeface="Arial"/>
             </a:endParaRPr>
           </a:p>
           <a:p>
-            <a:pPr lvl="1" marL="432000" indent="-215640">
-              <a:lnSpc>
-                <a:spcPct val="100000"/>
-              </a:lnSpc>
-              <a:buClr>
-                <a:srgbClr val="000000"/>
-              </a:buClr>
-              <a:buSzPct val="45000"/>
-              <a:buFont typeface="Wingdings" charset="2"/>
-              <a:buChar char=""/>
+            <a:pPr>
+              <a:lnSpc>
+                <a:spcPct val="100000"/>
+              </a:lnSpc>
+            </a:pPr>
+            <a:endParaRPr b="0" lang="en-CA" sz="1800" spc="-1" strike="noStrike">
+              <a:latin typeface="Arial"/>
+            </a:endParaRPr>
+          </a:p>
+          <a:p>
+            <a:pPr>
+              <a:lnSpc>
+                <a:spcPct val="100000"/>
+              </a:lnSpc>
             </a:pPr>
             <a:r>
               <a:rPr b="0" lang="en-CA" sz="1800" spc="-1" strike="noStrike">
@@ -10168,402 +13612,9 @@
                 </a:solidFill>
                 <a:latin typeface="Arial"/>
                 <a:ea typeface="DejaVu Sans"/>
-              </a:rPr>
-              <a:t>On Windows:</a:t>
-            </a:r>
-            <a:endParaRPr b="0" lang="en-CA" sz="1800" spc="-1" strike="noStrike">
-              <a:latin typeface="Arial"/>
-            </a:endParaRPr>
-          </a:p>
-          <a:p>
-            <a:pPr lvl="2" marL="648000" indent="-215640">
-              <a:lnSpc>
-                <a:spcPct val="100000"/>
-              </a:lnSpc>
-              <a:buClr>
-                <a:srgbClr val="000000"/>
-              </a:buClr>
-              <a:buSzPct val="45000"/>
-              <a:buFont typeface="Wingdings" charset="2"/>
-              <a:buChar char=""/>
-            </a:pPr>
-            <a:r>
-              <a:rPr b="0" lang="en-CA" sz="1800" spc="-1" strike="noStrike">
-                <a:solidFill>
-                  <a:srgbClr val="000000"/>
-                </a:solidFill>
-                <a:latin typeface="Arial"/>
-                <a:ea typeface="DejaVu Sans"/>
-              </a:rPr>
-              <a:t>1)</a:t>
-            </a:r>
-            <a:r>
-              <a:rPr b="0" lang="en-CA" sz="1800" spc="-1" strike="noStrike">
-                <a:solidFill>
-                  <a:srgbClr val="000000"/>
-                </a:solidFill>
-                <a:latin typeface="Arial"/>
-                <a:ea typeface="DejaVu Sans"/>
-              </a:rPr>
-              <a:t>	</a:t>
-            </a:r>
-            <a:r>
-              <a:rPr b="0" lang="en-CA" sz="1800" spc="-1" strike="noStrike">
-                <a:solidFill>
-                  <a:srgbClr val="000000"/>
-                </a:solidFill>
-                <a:latin typeface="Arial"/>
-                <a:ea typeface="DejaVu Sans"/>
-              </a:rPr>
-              <a:t>Navigate to </a:t>
-            </a:r>
-            <a:endParaRPr b="0" lang="en-CA" sz="1800" spc="-1" strike="noStrike">
-              <a:latin typeface="Arial"/>
-            </a:endParaRPr>
-          </a:p>
-          <a:p>
-            <a:pPr lvl="4" marL="1080000" indent="-215640">
-              <a:lnSpc>
-                <a:spcPct val="100000"/>
-              </a:lnSpc>
-              <a:buClr>
-                <a:srgbClr val="000000"/>
-              </a:buClr>
-              <a:buSzPct val="45000"/>
-              <a:buFont typeface="Wingdings" charset="2"/>
-              <a:buChar char=""/>
-            </a:pPr>
-            <a:r>
-              <a:rPr b="0" lang="en-CA" sz="1500" spc="-1" strike="noStrike" u="sng">
-                <a:solidFill>
-                  <a:srgbClr val="0000ff"/>
-                </a:solidFill>
-                <a:uFillTx/>
-                <a:latin typeface="Arial"/>
-                <a:ea typeface="DejaVu Sans"/>
-                <a:hlinkClick r:id="rId1"/>
-              </a:rPr>
-              <a:t>https://www.virtualbox.org/wiki/Download_Old_Builds_6_0</a:t>
-            </a:r>
-            <a:endParaRPr b="0" lang="en-CA" sz="1500" spc="-1" strike="noStrike">
-              <a:latin typeface="Arial"/>
-            </a:endParaRPr>
-          </a:p>
-          <a:p>
-            <a:pPr lvl="2" marL="648000" indent="-215640">
-              <a:lnSpc>
-                <a:spcPct val="100000"/>
-              </a:lnSpc>
-              <a:buClr>
-                <a:srgbClr val="000000"/>
-              </a:buClr>
-              <a:buSzPct val="45000"/>
-              <a:buFont typeface="Wingdings" charset="2"/>
-              <a:buChar char=""/>
-            </a:pPr>
-            <a:r>
-              <a:rPr b="0" lang="en-CA" sz="1800" spc="-1" strike="noStrike">
-                <a:solidFill>
-                  <a:srgbClr val="000000"/>
-                </a:solidFill>
-                <a:latin typeface="Arial"/>
-                <a:ea typeface="DejaVu Sans"/>
-              </a:rPr>
-              <a:t>2)</a:t>
-            </a:r>
-            <a:r>
-              <a:rPr b="0" lang="en-CA" sz="1800" spc="-1" strike="noStrike">
-                <a:solidFill>
-                  <a:srgbClr val="000000"/>
-                </a:solidFill>
-                <a:latin typeface="Arial"/>
-                <a:ea typeface="DejaVu Sans"/>
-              </a:rPr>
-              <a:t>	</a:t>
-            </a:r>
-            <a:r>
-              <a:rPr b="0" lang="en-CA" sz="1800" spc="-1" strike="noStrike">
-                <a:solidFill>
-                  <a:srgbClr val="000000"/>
-                </a:solidFill>
-                <a:latin typeface="Arial"/>
-                <a:ea typeface="DejaVu Sans"/>
-              </a:rPr>
-              <a:t>Select VirtualBox bulid 6.0.4</a:t>
-            </a:r>
-            <a:endParaRPr b="0" lang="en-CA" sz="1800" spc="-1" strike="noStrike">
-              <a:latin typeface="Arial"/>
-            </a:endParaRPr>
-          </a:p>
-          <a:p>
-            <a:pPr lvl="2" marL="648000" indent="-215640">
-              <a:lnSpc>
-                <a:spcPct val="100000"/>
-              </a:lnSpc>
-              <a:buClr>
-                <a:srgbClr val="000000"/>
-              </a:buClr>
-              <a:buSzPct val="45000"/>
-              <a:buFont typeface="Wingdings" charset="2"/>
-              <a:buChar char=""/>
-            </a:pPr>
-            <a:r>
-              <a:rPr b="0" lang="en-CA" sz="1800" spc="-1" strike="noStrike">
-                <a:solidFill>
-                  <a:srgbClr val="000000"/>
-                </a:solidFill>
-                <a:latin typeface="Arial"/>
-                <a:ea typeface="DejaVu Sans"/>
-              </a:rPr>
-              <a:t>3)</a:t>
-            </a:r>
-            <a:r>
-              <a:rPr b="0" lang="en-CA" sz="1800" spc="-1" strike="noStrike">
-                <a:solidFill>
-                  <a:srgbClr val="000000"/>
-                </a:solidFill>
-                <a:latin typeface="Arial"/>
-                <a:ea typeface="DejaVu Sans"/>
-              </a:rPr>
-              <a:t>	</a:t>
-            </a:r>
-            <a:r>
-              <a:rPr b="0" lang="en-CA" sz="1800" spc="-1" strike="noStrike">
-                <a:solidFill>
-                  <a:srgbClr val="000000"/>
-                </a:solidFill>
-                <a:latin typeface="Arial"/>
-                <a:ea typeface="DejaVu Sans"/>
-              </a:rPr>
-              <a:t>Click on Windows hosts</a:t>
-            </a:r>
-            <a:endParaRPr b="0" lang="en-CA" sz="1800" spc="-1" strike="noStrike">
-              <a:latin typeface="Arial"/>
-            </a:endParaRPr>
-          </a:p>
-          <a:p>
-            <a:pPr lvl="2" marL="648000" indent="-215640">
-              <a:lnSpc>
-                <a:spcPct val="100000"/>
-              </a:lnSpc>
-              <a:buClr>
-                <a:srgbClr val="000000"/>
-              </a:buClr>
-              <a:buSzPct val="45000"/>
-              <a:buFont typeface="Wingdings" charset="2"/>
-              <a:buChar char=""/>
-            </a:pPr>
-            <a:r>
-              <a:rPr b="0" lang="en-CA" sz="1800" spc="-1" strike="noStrike">
-                <a:solidFill>
-                  <a:srgbClr val="000000"/>
-                </a:solidFill>
-                <a:latin typeface="Arial"/>
-                <a:ea typeface="DejaVu Sans"/>
-              </a:rPr>
-              <a:t>4)</a:t>
-            </a:r>
-            <a:r>
-              <a:rPr b="0" lang="en-CA" sz="1800" spc="-1" strike="noStrike">
-                <a:solidFill>
-                  <a:srgbClr val="000000"/>
-                </a:solidFill>
-                <a:latin typeface="Arial"/>
-                <a:ea typeface="DejaVu Sans"/>
-              </a:rPr>
-              <a:t>	</a:t>
-            </a:r>
-            <a:r>
-              <a:rPr b="0" lang="en-CA" sz="1800" spc="-1" strike="noStrike">
-                <a:solidFill>
-                  <a:srgbClr val="000000"/>
-                </a:solidFill>
-                <a:latin typeface="Arial"/>
-                <a:ea typeface="DejaVu Sans"/>
-              </a:rPr>
-              <a:t>Open your Downloads directory</a:t>
-            </a:r>
-            <a:endParaRPr b="0" lang="en-CA" sz="1800" spc="-1" strike="noStrike">
-              <a:latin typeface="Arial"/>
-            </a:endParaRPr>
-          </a:p>
-          <a:p>
-            <a:pPr lvl="2" marL="648000" indent="-215640">
-              <a:lnSpc>
-                <a:spcPct val="100000"/>
-              </a:lnSpc>
-              <a:buClr>
-                <a:srgbClr val="000000"/>
-              </a:buClr>
-              <a:buSzPct val="45000"/>
-              <a:buFont typeface="Wingdings" charset="2"/>
-              <a:buChar char=""/>
-            </a:pPr>
-            <a:r>
-              <a:rPr b="0" lang="en-CA" sz="1800" spc="-1" strike="noStrike">
-                <a:solidFill>
-                  <a:srgbClr val="000000"/>
-                </a:solidFill>
-                <a:latin typeface="Arial"/>
-                <a:ea typeface="DejaVu Sans"/>
-              </a:rPr>
-              <a:t>5)</a:t>
-            </a:r>
-            <a:r>
-              <a:rPr b="0" lang="en-CA" sz="1800" spc="-1" strike="noStrike">
-                <a:solidFill>
-                  <a:srgbClr val="000000"/>
-                </a:solidFill>
-                <a:latin typeface="Arial"/>
-                <a:ea typeface="DejaVu Sans"/>
-              </a:rPr>
-              <a:t>	</a:t>
-            </a:r>
-            <a:r>
-              <a:rPr b="0" lang="en-CA" sz="1800" spc="-1" strike="noStrike">
-                <a:solidFill>
-                  <a:srgbClr val="000000"/>
-                </a:solidFill>
-                <a:latin typeface="Arial"/>
-                <a:ea typeface="DejaVu Sans"/>
-              </a:rPr>
-              <a:t>Double Click VirtualBox-6.0.4-128413-Win.exe</a:t>
-            </a:r>
-            <a:endParaRPr b="0" lang="en-CA" sz="1800" spc="-1" strike="noStrike">
-              <a:latin typeface="Arial"/>
-            </a:endParaRPr>
-          </a:p>
-          <a:p>
-            <a:pPr lvl="2" marL="648000" indent="-215640">
-              <a:lnSpc>
-                <a:spcPct val="100000"/>
-              </a:lnSpc>
-              <a:buClr>
-                <a:srgbClr val="000000"/>
-              </a:buClr>
-              <a:buSzPct val="45000"/>
-              <a:buFont typeface="Wingdings" charset="2"/>
-              <a:buChar char=""/>
-            </a:pPr>
-            <a:r>
-              <a:rPr b="0" lang="en-CA" sz="1800" spc="-1" strike="noStrike">
-                <a:solidFill>
-                  <a:srgbClr val="000000"/>
-                </a:solidFill>
-                <a:latin typeface="Arial"/>
-                <a:ea typeface="DejaVu Sans"/>
-              </a:rPr>
-              <a:t>6)</a:t>
-            </a:r>
-            <a:r>
-              <a:rPr b="0" lang="en-CA" sz="1800" spc="-1" strike="noStrike">
-                <a:solidFill>
-                  <a:srgbClr val="000000"/>
-                </a:solidFill>
-                <a:latin typeface="Arial"/>
-                <a:ea typeface="DejaVu Sans"/>
-              </a:rPr>
-              <a:t>	</a:t>
-            </a:r>
-            <a:r>
-              <a:rPr b="0" lang="en-CA" sz="1800" spc="-1" strike="noStrike">
-                <a:solidFill>
-                  <a:srgbClr val="000000"/>
-                </a:solidFill>
-                <a:latin typeface="Arial"/>
-                <a:ea typeface="DejaVu Sans"/>
-              </a:rPr>
-              <a:t>Follow the directions on this video:</a:t>
-            </a:r>
-            <a:endParaRPr b="0" lang="en-CA" sz="1800" spc="-1" strike="noStrike">
-              <a:latin typeface="Arial"/>
-            </a:endParaRPr>
-          </a:p>
-          <a:p>
-            <a:pPr lvl="4" marL="1080000" indent="-215640">
-              <a:lnSpc>
-                <a:spcPct val="100000"/>
-              </a:lnSpc>
-              <a:buClr>
-                <a:srgbClr val="000000"/>
-              </a:buClr>
-              <a:buSzPct val="45000"/>
-              <a:buFont typeface="Wingdings" charset="2"/>
-              <a:buChar char=""/>
-            </a:pPr>
-            <a:r>
-              <a:rPr b="0" lang="en-CA" sz="1600" spc="-1" strike="noStrike" u="sng">
-                <a:solidFill>
-                  <a:srgbClr val="0000ff"/>
-                </a:solidFill>
-                <a:uFillTx/>
-                <a:latin typeface="Arial"/>
-                <a:ea typeface="DejaVu Sans"/>
                 <a:hlinkClick r:id="rId2"/>
               </a:rPr>
-              <a:t>https://www.youtube.com/watch?v=MTEefDP2Ofo&amp;vl=en</a:t>
-            </a:r>
-            <a:endParaRPr b="0" lang="en-CA" sz="1600" spc="-1" strike="noStrike">
-              <a:latin typeface="Arial"/>
-            </a:endParaRPr>
-          </a:p>
-          <a:p>
-            <a:pPr>
-              <a:lnSpc>
-                <a:spcPct val="100000"/>
-              </a:lnSpc>
-            </a:pPr>
-            <a:endParaRPr b="0" lang="en-CA" sz="1600" spc="-1" strike="noStrike">
-              <a:latin typeface="Arial"/>
-            </a:endParaRPr>
-          </a:p>
-          <a:p>
-            <a:pPr lvl="4" marL="1080000" indent="-215640">
-              <a:lnSpc>
-                <a:spcPct val="100000"/>
-              </a:lnSpc>
-              <a:buClr>
-                <a:srgbClr val="000000"/>
-              </a:buClr>
-              <a:buSzPct val="45000"/>
-              <a:buFont typeface="Wingdings" charset="2"/>
-              <a:buChar char=""/>
-            </a:pPr>
-            <a:r>
-              <a:rPr b="0" lang="en-CA" sz="1800" spc="-1" strike="noStrike">
-                <a:solidFill>
-                  <a:srgbClr val="000000"/>
-                </a:solidFill>
-                <a:latin typeface="Arial"/>
-                <a:ea typeface="DejaVu Sans"/>
-              </a:rPr>
-              <a:t>(ignore the section on downloading the virtual box binuary, as its a little different than using the current version of virtualbox)</a:t>
-            </a:r>
-            <a:endParaRPr b="0" lang="en-CA" sz="1800" spc="-1" strike="noStrike">
-              <a:latin typeface="Arial"/>
-            </a:endParaRPr>
-          </a:p>
-          <a:p>
-            <a:pPr lvl="2" marL="648000" indent="-215640">
-              <a:lnSpc>
-                <a:spcPct val="100000"/>
-              </a:lnSpc>
-              <a:buClr>
-                <a:srgbClr val="000000"/>
-              </a:buClr>
-              <a:buSzPct val="45000"/>
-              <a:buFont typeface="Wingdings" charset="2"/>
-              <a:buChar char=""/>
-            </a:pPr>
-            <a:r>
-              <a:rPr b="0" lang="en-CA" sz="1800" spc="-1" strike="noStrike">
-                <a:solidFill>
-                  <a:srgbClr val="000000"/>
-                </a:solidFill>
-                <a:latin typeface="Arial"/>
-                <a:ea typeface="DejaVu Sans"/>
-              </a:rPr>
-              <a:t>	</a:t>
+              <a:t> https://www.youtube.com/watch?v=D1dVhDYAv9E</a:t>
             </a:r>
             <a:endParaRPr b="0" lang="en-CA" sz="1800" spc="-1" strike="noStrike">
               <a:latin typeface="Arial"/>
@@ -10656,7 +13707,7 @@
         <p:spPr>
           <a:xfrm>
             <a:off x="432000" y="13680"/>
-            <a:ext cx="7448400" cy="1180440"/>
+            <a:ext cx="7448040" cy="1180080"/>
           </a:xfrm>
           <a:prstGeom prst="rect">
             <a:avLst/>
@@ -10727,7 +13778,7 @@
         <p:spPr>
           <a:xfrm>
             <a:off x="0" y="0"/>
-            <a:ext cx="247680" cy="1192680"/>
+            <a:ext cx="247320" cy="1192320"/>
           </a:xfrm>
           <a:prstGeom prst="rect">
             <a:avLst/>
@@ -10797,7 +13848,7 @@
         <p:spPr>
           <a:xfrm>
             <a:off x="457200" y="273600"/>
-            <a:ext cx="8226720" cy="5305320"/>
+            <a:ext cx="8226360" cy="5304960"/>
           </a:xfrm>
           <a:prstGeom prst="rect">
             <a:avLst/>
@@ -10846,7 +13897,7 @@
         <p:spPr>
           <a:xfrm>
             <a:off x="576000" y="1728000"/>
-            <a:ext cx="6765480" cy="2391480"/>
+            <a:ext cx="6765120" cy="2391120"/>
           </a:xfrm>
           <a:prstGeom prst="rect">
             <a:avLst/>
@@ -10895,7 +13946,7 @@
             </a:endParaRPr>
           </a:p>
           <a:p>
-            <a:pPr marL="216000" indent="-213480">
+            <a:pPr marL="216000" indent="-213120">
               <a:lnSpc>
                 <a:spcPct val="100000"/>
               </a:lnSpc>
@@ -10931,7 +13982,7 @@
             </a:endParaRPr>
           </a:p>
           <a:p>
-            <a:pPr lvl="1" marL="432000" indent="-215640">
+            <a:pPr lvl="1" marL="432000" indent="-215280">
               <a:lnSpc>
                 <a:spcPct val="100000"/>
               </a:lnSpc>
@@ -10950,14 +14001,14 @@
                 <a:latin typeface="Arial"/>
                 <a:ea typeface="DejaVu Sans"/>
               </a:rPr>
-              <a:t>On Machintosh:</a:t>
+              <a:t>On Windows:</a:t>
             </a:r>
             <a:endParaRPr b="0" lang="en-CA" sz="1800" spc="-1" strike="noStrike">
               <a:latin typeface="Arial"/>
             </a:endParaRPr>
           </a:p>
           <a:p>
-            <a:pPr lvl="2" marL="648000" indent="-215640">
+            <a:pPr lvl="2" marL="648000" indent="-215280">
               <a:lnSpc>
                 <a:spcPct val="100000"/>
               </a:lnSpc>
@@ -11003,7 +14054,7 @@
             </a:endParaRPr>
           </a:p>
           <a:p>
-            <a:pPr lvl="4" marL="1080000" indent="-215640">
+            <a:pPr lvl="4" marL="1080000" indent="-215280">
               <a:lnSpc>
                 <a:spcPct val="100000"/>
               </a:lnSpc>
@@ -11031,7 +14082,7 @@
             </a:endParaRPr>
           </a:p>
           <a:p>
-            <a:pPr lvl="2" marL="648000" indent="-215640">
+            <a:pPr lvl="2" marL="648000" indent="-215280">
               <a:lnSpc>
                 <a:spcPct val="100000"/>
               </a:lnSpc>
@@ -11077,7 +14128,7 @@
             </a:endParaRPr>
           </a:p>
           <a:p>
-            <a:pPr lvl="2" marL="648000" indent="-215640">
+            <a:pPr lvl="2" marL="648000" indent="-215280">
               <a:lnSpc>
                 <a:spcPct val="100000"/>
               </a:lnSpc>
@@ -11116,14 +14167,14 @@
                 <a:latin typeface="Arial"/>
                 <a:ea typeface="DejaVu Sans"/>
               </a:rPr>
-              <a:t>Click on OSX hosts</a:t>
+              <a:t>Click on Windows hosts</a:t>
             </a:r>
             <a:endParaRPr b="0" lang="en-CA" sz="1800" spc="-1" strike="noStrike">
               <a:latin typeface="Arial"/>
             </a:endParaRPr>
           </a:p>
           <a:p>
-            <a:pPr lvl="2" marL="648000" indent="-215640">
+            <a:pPr lvl="2" marL="648000" indent="-215280">
               <a:lnSpc>
                 <a:spcPct val="100000"/>
               </a:lnSpc>
@@ -11162,14 +14213,14 @@
                 <a:latin typeface="Arial"/>
                 <a:ea typeface="DejaVu Sans"/>
               </a:rPr>
-              <a:t>Once downloaded, click on the application in the </a:t>
+              <a:t>Open your Downloads directory</a:t>
             </a:r>
             <a:endParaRPr b="0" lang="en-CA" sz="1800" spc="-1" strike="noStrike">
               <a:latin typeface="Arial"/>
             </a:endParaRPr>
           </a:p>
           <a:p>
-            <a:pPr lvl="4" marL="1080000" indent="-215640">
+            <a:pPr lvl="2" marL="648000" indent="-215280">
               <a:lnSpc>
                 <a:spcPct val="100000"/>
               </a:lnSpc>
@@ -11188,14 +14239,34 @@
                 <a:latin typeface="Arial"/>
                 <a:ea typeface="DejaVu Sans"/>
               </a:rPr>
-              <a:t>downloads section of you browser</a:t>
+              <a:t>5)</a:t>
+            </a:r>
+            <a:r>
+              <a:rPr b="0" lang="en-CA" sz="1800" spc="-1" strike="noStrike">
+                <a:solidFill>
+                  <a:srgbClr val="000000"/>
+                </a:solidFill>
+                <a:latin typeface="Arial"/>
+                <a:ea typeface="DejaVu Sans"/>
+              </a:rPr>
+              <a:t>	</a:t>
+            </a:r>
+            <a:r>
+              <a:rPr b="0" lang="en-CA" sz="1800" spc="-1" strike="noStrike">
+                <a:solidFill>
+                  <a:srgbClr val="000000"/>
+                </a:solidFill>
+                <a:latin typeface="Arial"/>
+                <a:ea typeface="DejaVu Sans"/>
+              </a:rPr>
+              <a:t>Double Click VirtualBox-6.0.4-128413-Win.exe</a:t>
             </a:r>
             <a:endParaRPr b="0" lang="en-CA" sz="1800" spc="-1" strike="noStrike">
               <a:latin typeface="Arial"/>
             </a:endParaRPr>
           </a:p>
           <a:p>
-            <a:pPr lvl="2" marL="648000" indent="-215640">
+            <a:pPr lvl="2" marL="648000" indent="-215280">
               <a:lnSpc>
                 <a:spcPct val="100000"/>
               </a:lnSpc>
@@ -11241,7 +14312,7 @@
             </a:endParaRPr>
           </a:p>
           <a:p>
-            <a:pPr lvl="4" marL="1080000" indent="-215640">
+            <a:pPr lvl="4" marL="1080000" indent="-215280">
               <a:lnSpc>
                 <a:spcPct val="100000"/>
               </a:lnSpc>
@@ -11262,7 +14333,7 @@
                 <a:ea typeface="DejaVu Sans"/>
                 <a:hlinkClick r:id="rId2"/>
               </a:rPr>
-              <a:t>https://www.youtube.com/watch?v=lEvM-No4eQo</a:t>
+              <a:t>https://www.youtube.com/watch?v=MTEefDP2Ofo&amp;vl=en</a:t>
             </a:r>
             <a:endParaRPr b="0" lang="en-CA" sz="1600" spc="-1" strike="noStrike">
               <a:latin typeface="Arial"/>
@@ -11279,22 +14350,48 @@
             </a:endParaRPr>
           </a:p>
           <a:p>
-            <a:pPr>
-              <a:lnSpc>
-                <a:spcPct val="100000"/>
-              </a:lnSpc>
-            </a:pPr>
-            <a:endParaRPr b="0" lang="en-CA" sz="1600" spc="-1" strike="noStrike">
-              <a:latin typeface="Arial"/>
-            </a:endParaRPr>
-          </a:p>
-          <a:p>
-            <a:pPr>
-              <a:lnSpc>
-                <a:spcPct val="100000"/>
-              </a:lnSpc>
-            </a:pPr>
-            <a:endParaRPr b="0" lang="en-CA" sz="1600" spc="-1" strike="noStrike">
+            <a:pPr lvl="4" marL="1080000" indent="-215280">
+              <a:lnSpc>
+                <a:spcPct val="100000"/>
+              </a:lnSpc>
+              <a:buClr>
+                <a:srgbClr val="000000"/>
+              </a:buClr>
+              <a:buSzPct val="45000"/>
+              <a:buFont typeface="Wingdings" charset="2"/>
+              <a:buChar char=""/>
+            </a:pPr>
+            <a:r>
+              <a:rPr b="0" lang="en-CA" sz="1800" spc="-1" strike="noStrike">
+                <a:solidFill>
+                  <a:srgbClr val="000000"/>
+                </a:solidFill>
+                <a:latin typeface="Arial"/>
+                <a:ea typeface="DejaVu Sans"/>
+              </a:rPr>
+              <a:t>(ignore the section on downloading the virtual box binary, as its a little different than using the current version of virtualbox</a:t>
+            </a:r>
+            <a:endParaRPr b="0" lang="en-CA" sz="1800" spc="-1" strike="noStrike">
+              <a:latin typeface="Arial"/>
+            </a:endParaRPr>
+          </a:p>
+          <a:p>
+            <a:pPr>
+              <a:lnSpc>
+                <a:spcPct val="100000"/>
+              </a:lnSpc>
+            </a:pPr>
+            <a:endParaRPr b="0" lang="en-CA" sz="1800" spc="-1" strike="noStrike">
+              <a:latin typeface="Arial"/>
+            </a:endParaRPr>
+          </a:p>
+          <a:p>
+            <a:pPr>
+              <a:lnSpc>
+                <a:spcPct val="100000"/>
+              </a:lnSpc>
+            </a:pPr>
+            <a:endParaRPr b="0" lang="en-CA" sz="1800" spc="-1" strike="noStrike">
               <a:latin typeface="Arial"/>
             </a:endParaRPr>
           </a:p>
@@ -11365,7 +14462,7 @@
         <p:spPr>
           <a:xfrm>
             <a:off x="432000" y="13680"/>
-            <a:ext cx="7448400" cy="1180440"/>
+            <a:ext cx="7448040" cy="1180080"/>
           </a:xfrm>
           <a:prstGeom prst="rect">
             <a:avLst/>
@@ -11436,7 +14533,7 @@
         <p:spPr>
           <a:xfrm>
             <a:off x="0" y="0"/>
-            <a:ext cx="247680" cy="1192680"/>
+            <a:ext cx="247320" cy="1192320"/>
           </a:xfrm>
           <a:prstGeom prst="rect">
             <a:avLst/>
@@ -11506,7 +14603,7 @@
         <p:spPr>
           <a:xfrm>
             <a:off x="457200" y="273600"/>
-            <a:ext cx="8226720" cy="5305320"/>
+            <a:ext cx="8226360" cy="5304960"/>
           </a:xfrm>
           <a:prstGeom prst="rect">
             <a:avLst/>
@@ -11554,8 +14651,8 @@
         </p:nvSpPr>
         <p:spPr>
           <a:xfrm>
-            <a:off x="576000" y="1836000"/>
-            <a:ext cx="6765480" cy="2391480"/>
+            <a:off x="576000" y="1728000"/>
+            <a:ext cx="6765120" cy="2391120"/>
           </a:xfrm>
           <a:prstGeom prst="rect">
             <a:avLst/>
@@ -11604,7 +14701,7 @@
             </a:endParaRPr>
           </a:p>
           <a:p>
-            <a:pPr marL="216000" indent="-213480">
+            <a:pPr marL="216000" indent="-213120">
               <a:lnSpc>
                 <a:spcPct val="100000"/>
               </a:lnSpc>
@@ -11640,7 +14737,7 @@
             </a:endParaRPr>
           </a:p>
           <a:p>
-            <a:pPr lvl="1" marL="432000" indent="-215640">
+            <a:pPr lvl="1" marL="432000" indent="-215280">
               <a:lnSpc>
                 <a:spcPct val="100000"/>
               </a:lnSpc>
@@ -11659,14 +14756,14 @@
                 <a:latin typeface="Arial"/>
                 <a:ea typeface="DejaVu Sans"/>
               </a:rPr>
-              <a:t>On Linux:</a:t>
+              <a:t>On Mackintosh:</a:t>
             </a:r>
             <a:endParaRPr b="0" lang="en-CA" sz="1800" spc="-1" strike="noStrike">
               <a:latin typeface="Arial"/>
             </a:endParaRPr>
           </a:p>
           <a:p>
-            <a:pPr lvl="2" marL="648000" indent="-215640">
+            <a:pPr lvl="2" marL="648000" indent="-215280">
               <a:lnSpc>
                 <a:spcPct val="100000"/>
               </a:lnSpc>
@@ -11712,7 +14809,7 @@
             </a:endParaRPr>
           </a:p>
           <a:p>
-            <a:pPr lvl="4" marL="1080000" indent="-215640">
+            <a:pPr lvl="4" marL="1080000" indent="-215280">
               <a:lnSpc>
                 <a:spcPct val="100000"/>
               </a:lnSpc>
@@ -11740,7 +14837,7 @@
             </a:endParaRPr>
           </a:p>
           <a:p>
-            <a:pPr lvl="2" marL="648000" indent="-215640">
+            <a:pPr lvl="2" marL="648000" indent="-215280">
               <a:lnSpc>
                 <a:spcPct val="100000"/>
               </a:lnSpc>
@@ -11786,7 +14883,7 @@
             </a:endParaRPr>
           </a:p>
           <a:p>
-            <a:pPr lvl="2" marL="648000" indent="-215640">
+            <a:pPr lvl="2" marL="648000" indent="-215280">
               <a:lnSpc>
                 <a:spcPct val="100000"/>
               </a:lnSpc>
@@ -11825,14 +14922,14 @@
                 <a:latin typeface="Arial"/>
                 <a:ea typeface="DejaVu Sans"/>
               </a:rPr>
-              <a:t>Click on Linux hosts click Ubuntu 19.04 </a:t>
+              <a:t>Click on OSX hosts</a:t>
             </a:r>
             <a:endParaRPr b="0" lang="en-CA" sz="1800" spc="-1" strike="noStrike">
               <a:latin typeface="Arial"/>
             </a:endParaRPr>
           </a:p>
           <a:p>
-            <a:pPr lvl="2" marL="648000" indent="-215640">
+            <a:pPr lvl="2" marL="648000" indent="-215280">
               <a:lnSpc>
                 <a:spcPct val="100000"/>
               </a:lnSpc>
@@ -11878,7 +14975,7 @@
             </a:endParaRPr>
           </a:p>
           <a:p>
-            <a:pPr lvl="4" marL="1080000" indent="-215640">
+            <a:pPr lvl="4" marL="1080000" indent="-215280">
               <a:lnSpc>
                 <a:spcPct val="100000"/>
               </a:lnSpc>
@@ -11904,7 +15001,7 @@
             </a:endParaRPr>
           </a:p>
           <a:p>
-            <a:pPr lvl="2" marL="648000" indent="-215640">
+            <a:pPr lvl="2" marL="648000" indent="-215280">
               <a:lnSpc>
                 <a:spcPct val="100000"/>
               </a:lnSpc>
@@ -11950,7 +15047,7 @@
             </a:endParaRPr>
           </a:p>
           <a:p>
-            <a:pPr lvl="4" marL="1080000" indent="-215640">
+            <a:pPr lvl="4" marL="1080000" indent="-215280">
               <a:lnSpc>
                 <a:spcPct val="100000"/>
               </a:lnSpc>
@@ -11962,7 +15059,7 @@
               <a:buChar char=""/>
             </a:pPr>
             <a:r>
-              <a:rPr b="0" lang="en-CA" sz="1800" spc="-1" strike="noStrike" u="sng">
+              <a:rPr b="0" lang="en-CA" sz="1600" spc="-1" strike="noStrike" u="sng">
                 <a:solidFill>
                   <a:srgbClr val="0000ff"/>
                 </a:solidFill>
@@ -11971,49 +15068,39 @@
                 <a:ea typeface="DejaVu Sans"/>
                 <a:hlinkClick r:id="rId2"/>
               </a:rPr>
-              <a:t>https://www.youtube.com/watch?v=_RlsxuayJnI</a:t>
-            </a:r>
-            <a:endParaRPr b="0" lang="en-CA" sz="1800" spc="-1" strike="noStrike">
-              <a:latin typeface="Arial"/>
-            </a:endParaRPr>
-          </a:p>
-          <a:p>
-            <a:pPr>
-              <a:lnSpc>
-                <a:spcPct val="100000"/>
-              </a:lnSpc>
-            </a:pPr>
-            <a:endParaRPr b="0" lang="en-CA" sz="1800" spc="-1" strike="noStrike">
-              <a:latin typeface="Arial"/>
-            </a:endParaRPr>
-          </a:p>
-          <a:p>
-            <a:pPr>
-              <a:lnSpc>
-                <a:spcPct val="100000"/>
-              </a:lnSpc>
-            </a:pPr>
-            <a:endParaRPr b="0" lang="en-CA" sz="1800" spc="-1" strike="noStrike">
-              <a:latin typeface="Arial"/>
-            </a:endParaRPr>
-          </a:p>
-          <a:p>
-            <a:pPr>
-              <a:lnSpc>
-                <a:spcPct val="100000"/>
-              </a:lnSpc>
-            </a:pPr>
-            <a:endParaRPr b="0" lang="en-CA" sz="1800" spc="-1" strike="noStrike">
-              <a:latin typeface="Arial"/>
-            </a:endParaRPr>
-          </a:p>
-          <a:p>
-            <a:pPr>
-              <a:lnSpc>
-                <a:spcPct val="100000"/>
-              </a:lnSpc>
-            </a:pPr>
-            <a:endParaRPr b="0" lang="en-CA" sz="1800" spc="-1" strike="noStrike">
+              <a:t>https://www.youtube.com/watch?v=lEvM-No4eQo</a:t>
+            </a:r>
+            <a:endParaRPr b="0" lang="en-CA" sz="1600" spc="-1" strike="noStrike">
+              <a:latin typeface="Arial"/>
+            </a:endParaRPr>
+          </a:p>
+          <a:p>
+            <a:pPr>
+              <a:lnSpc>
+                <a:spcPct val="100000"/>
+              </a:lnSpc>
+            </a:pPr>
+            <a:endParaRPr b="0" lang="en-CA" sz="1600" spc="-1" strike="noStrike">
+              <a:latin typeface="Arial"/>
+            </a:endParaRPr>
+          </a:p>
+          <a:p>
+            <a:pPr>
+              <a:lnSpc>
+                <a:spcPct val="100000"/>
+              </a:lnSpc>
+            </a:pPr>
+            <a:endParaRPr b="0" lang="en-CA" sz="1600" spc="-1" strike="noStrike">
+              <a:latin typeface="Arial"/>
+            </a:endParaRPr>
+          </a:p>
+          <a:p>
+            <a:pPr>
+              <a:lnSpc>
+                <a:spcPct val="100000"/>
+              </a:lnSpc>
+            </a:pPr>
+            <a:endParaRPr b="0" lang="en-CA" sz="1600" spc="-1" strike="noStrike">
               <a:latin typeface="Arial"/>
             </a:endParaRPr>
           </a:p>
@@ -12083,8 +15170,8 @@
         </p:nvSpPr>
         <p:spPr>
           <a:xfrm>
-            <a:off x="504000" y="1413360"/>
-            <a:ext cx="8276040" cy="5216040"/>
+            <a:off x="432000" y="13680"/>
+            <a:ext cx="7448040" cy="1180080"/>
           </a:xfrm>
           <a:prstGeom prst="rect">
             <a:avLst/>
@@ -12109,161 +15196,38 @@
               <a:lnSpc>
                 <a:spcPct val="100000"/>
               </a:lnSpc>
-              <a:spcBef>
-                <a:spcPts val="479"/>
-              </a:spcBef>
-            </a:pPr>
-            <a:r>
-              <a:rPr b="0" lang="en-CA" sz="2400" spc="-1" strike="noStrike">
-                <a:solidFill>
-                  <a:srgbClr val="000000"/>
-                </a:solidFill>
-                <a:latin typeface="Calibri"/>
-                <a:ea typeface="DejaVu Sans"/>
-              </a:rPr>
-              <a:t>On Windows:</a:t>
-            </a:r>
-            <a:endParaRPr b="0" lang="en-CA" sz="2400" spc="-1" strike="noStrike">
-              <a:latin typeface="Arial"/>
-            </a:endParaRPr>
-          </a:p>
-          <a:p>
-            <a:pPr>
-              <a:lnSpc>
-                <a:spcPct val="100000"/>
-              </a:lnSpc>
-              <a:spcBef>
-                <a:spcPts val="479"/>
-              </a:spcBef>
-            </a:pPr>
-            <a:r>
-              <a:rPr b="0" lang="en-CA" sz="2400" spc="-1" strike="noStrike">
-                <a:solidFill>
-                  <a:srgbClr val="000000"/>
-                </a:solidFill>
-                <a:latin typeface="Calibri"/>
-                <a:ea typeface="DejaVu Sans"/>
-              </a:rPr>
-              <a:t>(click the link to be taken directly to the page)</a:t>
-            </a:r>
-            <a:endParaRPr b="0" lang="en-CA" sz="2400" spc="-1" strike="noStrike">
-              <a:latin typeface="Arial"/>
-            </a:endParaRPr>
-          </a:p>
-          <a:p>
-            <a:pPr>
-              <a:lnSpc>
-                <a:spcPct val="100000"/>
-              </a:lnSpc>
-              <a:spcBef>
-                <a:spcPts val="479"/>
-              </a:spcBef>
-            </a:pPr>
-            <a:endParaRPr b="0" lang="en-CA" sz="2400" spc="-1" strike="noStrike">
-              <a:latin typeface="Arial"/>
-            </a:endParaRPr>
-          </a:p>
-          <a:p>
-            <a:pPr>
-              <a:lnSpc>
-                <a:spcPct val="100000"/>
-              </a:lnSpc>
-              <a:spcBef>
-                <a:spcPts val="479"/>
-              </a:spcBef>
-            </a:pPr>
-            <a:r>
-              <a:rPr b="0" lang="en-CA" sz="2400" spc="-1" strike="noStrike">
-                <a:solidFill>
-                  <a:srgbClr val="000000"/>
-                </a:solidFill>
-                <a:latin typeface="Calibri"/>
-                <a:ea typeface="DejaVu Sans"/>
-              </a:rPr>
-              <a:t>1)</a:t>
-            </a:r>
-            <a:r>
-              <a:rPr b="0" lang="en-CA" sz="2400" spc="-1" strike="noStrike">
-                <a:solidFill>
-                  <a:srgbClr val="000000"/>
-                </a:solidFill>
-                <a:latin typeface="Calibri"/>
-                <a:ea typeface="DejaVu Sans"/>
-              </a:rPr>
-              <a:t>	</a:t>
-            </a:r>
-            <a:r>
-              <a:rPr b="0" lang="en-CA" sz="2400" spc="-1" strike="noStrike">
-                <a:solidFill>
-                  <a:srgbClr val="000000"/>
-                </a:solidFill>
-                <a:latin typeface="Calibri"/>
-                <a:ea typeface="DejaVu Sans"/>
-              </a:rPr>
-              <a:t>To Install Linux 19.04 inside of Virtual Box:</a:t>
-            </a:r>
-            <a:endParaRPr b="0" lang="en-CA" sz="2400" spc="-1" strike="noStrike">
-              <a:latin typeface="Arial"/>
-            </a:endParaRPr>
-          </a:p>
-          <a:p>
-            <a:pPr>
-              <a:lnSpc>
-                <a:spcPct val="100000"/>
-              </a:lnSpc>
-              <a:spcBef>
-                <a:spcPts val="479"/>
-              </a:spcBef>
-            </a:pPr>
-            <a:r>
-              <a:rPr b="0" lang="en-CA" sz="2400" spc="-1" strike="noStrike" u="sng">
-                <a:solidFill>
-                  <a:srgbClr val="0000ff"/>
-                </a:solidFill>
-                <a:uFillTx/>
-                <a:latin typeface="Calibri"/>
-                <a:ea typeface="DejaVu Sans"/>
-                <a:hlinkClick r:id="rId1"/>
-              </a:rPr>
-              <a:t> https://www.youtube.com/watch?v=pLARQjMwX10</a:t>
-            </a:r>
-            <a:endParaRPr b="0" lang="en-CA" sz="2400" spc="-1" strike="noStrike">
-              <a:latin typeface="Arial"/>
-            </a:endParaRPr>
-          </a:p>
-          <a:p>
-            <a:pPr>
-              <a:lnSpc>
-                <a:spcPct val="100000"/>
-              </a:lnSpc>
-              <a:spcBef>
-                <a:spcPts val="479"/>
-              </a:spcBef>
-            </a:pPr>
-            <a:r>
-              <a:rPr b="0" lang="en-CA" sz="2400" spc="-1" strike="noStrike">
-                <a:solidFill>
-                  <a:srgbClr val="000000"/>
-                </a:solidFill>
-                <a:latin typeface="Calibri"/>
-                <a:ea typeface="DejaVu Sans"/>
-              </a:rPr>
-              <a:t>	</a:t>
-            </a:r>
-            <a:endParaRPr b="0" lang="en-CA" sz="2400" spc="-1" strike="noStrike">
-              <a:latin typeface="Arial"/>
-            </a:endParaRPr>
-          </a:p>
-          <a:p>
-            <a:pPr>
-              <a:lnSpc>
-                <a:spcPct val="100000"/>
-              </a:lnSpc>
-              <a:spcBef>
-                <a:spcPts val="479"/>
-              </a:spcBef>
-            </a:pPr>
-            <a:endParaRPr b="0" lang="en-CA" sz="2400" spc="-1" strike="noStrike">
+            </a:pPr>
+            <a:r>
+              <a:rPr b="0" lang="en-CA" sz="3000" spc="-1" strike="noStrike" cap="all">
+                <a:solidFill>
+                  <a:srgbClr val="292929"/>
+                </a:solidFill>
+                <a:latin typeface="Nexa Bold"/>
+                <a:ea typeface="DejaVu Sans"/>
+              </a:rPr>
+              <a:t>Installing Our </a:t>
+            </a:r>
+            <a:r>
+              <a:rPr b="0" lang="en-CA" sz="3000" spc="-1" strike="noStrike" cap="all">
+                <a:solidFill>
+                  <a:srgbClr val="1fa0be"/>
+                </a:solidFill>
+                <a:latin typeface="Nexa Bold"/>
+                <a:ea typeface="DejaVu Sans"/>
+              </a:rPr>
+              <a:t>TooLSET</a:t>
+            </a:r>
+            <a:endParaRPr b="0" lang="en-CA" sz="3000" spc="-1" strike="noStrike">
+              <a:latin typeface="Arial"/>
+            </a:endParaRPr>
+          </a:p>
+          <a:p>
+            <a:pPr>
+              <a:lnSpc>
+                <a:spcPct val="100000"/>
+              </a:lnSpc>
+            </a:pPr>
+            <a:endParaRPr b="0" lang="en-CA" sz="3000" spc="-1" strike="noStrike">
               <a:latin typeface="Arial"/>
             </a:endParaRPr>
           </a:p>
@@ -12277,79 +15241,8 @@
         </p:nvSpPr>
         <p:spPr>
           <a:xfrm>
-            <a:off x="432000" y="0"/>
-            <a:ext cx="7448400" cy="1180440"/>
-          </a:xfrm>
-          <a:prstGeom prst="rect">
-            <a:avLst/>
-          </a:prstGeom>
-          <a:noFill/>
-          <a:ln>
-            <a:noFill/>
-          </a:ln>
-        </p:spPr>
-        <p:style>
-          <a:lnRef idx="0"/>
-          <a:fillRef idx="0"/>
-          <a:effectRef idx="0"/>
-          <a:fontRef idx="minor"/>
-        </p:style>
-        <p:txBody>
-          <a:bodyPr lIns="90000" rIns="90000" tIns="45000" bIns="45000" anchor="ctr">
-            <a:normAutofit/>
-          </a:bodyPr>
-          <a:p>
-            <a:pPr>
-              <a:lnSpc>
-                <a:spcPct val="100000"/>
-              </a:lnSpc>
-            </a:pPr>
-            <a:r>
-              <a:rPr b="0" lang="en-CA" sz="3000" spc="-1" strike="noStrike" cap="all">
-                <a:solidFill>
-                  <a:srgbClr val="292929"/>
-                </a:solidFill>
-                <a:latin typeface="Nexa Bold"/>
-                <a:ea typeface="DejaVu Sans"/>
-              </a:rPr>
-              <a:t>Installing our</a:t>
-            </a:r>
-            <a:r>
-              <a:rPr b="0" lang="en-CA" sz="3000" spc="-1" strike="noStrike">
-                <a:solidFill>
-                  <a:srgbClr val="292929"/>
-                </a:solidFill>
-                <a:latin typeface="Nexa Bold"/>
-                <a:ea typeface="DejaVu Sans"/>
-              </a:rPr>
-              <a:t> </a:t>
-            </a:r>
-            <a:r>
-              <a:rPr b="0" lang="en-CA" sz="3000" spc="-1" strike="noStrike" cap="all">
-                <a:solidFill>
-                  <a:srgbClr val="1fa0be"/>
-                </a:solidFill>
-                <a:latin typeface="Nexa Bold"/>
-                <a:ea typeface="DejaVu Sans"/>
-              </a:rPr>
-              <a:t>Stack</a:t>
-            </a:r>
-            <a:endParaRPr b="0" lang="en-CA" sz="3000" spc="-1" strike="noStrike">
-              <a:latin typeface="Arial"/>
-            </a:endParaRPr>
-          </a:p>
-        </p:txBody>
-      </p:sp>
-      <p:sp>
-        <p:nvSpPr>
-          <p:cNvPr id="176" name="CustomShape 3"/>
-          <p:cNvSpPr/>
-          <p:nvPr/>
-        </p:nvSpPr>
-        <p:spPr>
-          <a:xfrm>
             <a:off x="0" y="0"/>
-            <a:ext cx="247680" cy="1192680"/>
+            <a:ext cx="247320" cy="1192320"/>
           </a:xfrm>
           <a:prstGeom prst="rect">
             <a:avLst/>
@@ -12378,7 +15271,7 @@
       </p:sp>
       <p:sp>
         <p:nvSpPr>
-          <p:cNvPr id="177" name="Line 4"/>
+          <p:cNvPr id="176" name="Line 3"/>
           <p:cNvSpPr/>
           <p:nvPr/>
         </p:nvSpPr>
@@ -12409,6 +15302,528 @@
           </a:effectRef>
           <a:fontRef idx="minor"/>
         </p:style>
+      </p:sp>
+      <p:sp>
+        <p:nvSpPr>
+          <p:cNvPr id="177" name="CustomShape 4"/>
+          <p:cNvSpPr/>
+          <p:nvPr/>
+        </p:nvSpPr>
+        <p:spPr>
+          <a:xfrm>
+            <a:off x="457200" y="273600"/>
+            <a:ext cx="8226360" cy="5304960"/>
+          </a:xfrm>
+          <a:prstGeom prst="rect">
+            <a:avLst/>
+          </a:prstGeom>
+          <a:noFill/>
+          <a:ln>
+            <a:noFill/>
+          </a:ln>
+        </p:spPr>
+        <p:style>
+          <a:lnRef idx="0"/>
+          <a:fillRef idx="0"/>
+          <a:effectRef idx="0"/>
+          <a:fontRef idx="minor"/>
+        </p:style>
+        <p:txBody>
+          <a:bodyPr lIns="0" rIns="0" tIns="0" bIns="0" anchor="ctr"/>
+          <a:p>
+            <a:pPr algn="ctr">
+              <a:lnSpc>
+                <a:spcPct val="100000"/>
+              </a:lnSpc>
+            </a:pPr>
+            <a:endParaRPr b="0" lang="en-CA" sz="1800" spc="-1" strike="noStrike">
+              <a:latin typeface="Arial"/>
+            </a:endParaRPr>
+          </a:p>
+          <a:p>
+            <a:pPr algn="ctr">
+              <a:lnSpc>
+                <a:spcPct val="100000"/>
+              </a:lnSpc>
+            </a:pPr>
+            <a:endParaRPr b="0" lang="en-CA" sz="1800" spc="-1" strike="noStrike">
+              <a:latin typeface="Arial"/>
+            </a:endParaRPr>
+          </a:p>
+        </p:txBody>
+      </p:sp>
+      <p:sp>
+        <p:nvSpPr>
+          <p:cNvPr id="178" name="CustomShape 5"/>
+          <p:cNvSpPr/>
+          <p:nvPr/>
+        </p:nvSpPr>
+        <p:spPr>
+          <a:xfrm>
+            <a:off x="576000" y="1836000"/>
+            <a:ext cx="6765120" cy="2391120"/>
+          </a:xfrm>
+          <a:prstGeom prst="rect">
+            <a:avLst/>
+          </a:prstGeom>
+          <a:noFill/>
+          <a:ln>
+            <a:noFill/>
+          </a:ln>
+        </p:spPr>
+        <p:style>
+          <a:lnRef idx="0"/>
+          <a:fillRef idx="0"/>
+          <a:effectRef idx="0"/>
+          <a:fontRef idx="minor"/>
+        </p:style>
+        <p:txBody>
+          <a:bodyPr lIns="90000" rIns="90000" tIns="45000" bIns="45000"/>
+          <a:p>
+            <a:pPr>
+              <a:lnSpc>
+                <a:spcPct val="100000"/>
+              </a:lnSpc>
+            </a:pPr>
+            <a:r>
+              <a:rPr b="0" lang="en-CA" sz="1800" spc="-1" strike="noStrike">
+                <a:solidFill>
+                  <a:srgbClr val="000000"/>
+                </a:solidFill>
+                <a:latin typeface="Arial"/>
+                <a:ea typeface="DejaVu Sans"/>
+              </a:rPr>
+              <a:t>The tools we will be using in this course:</a:t>
+            </a:r>
+            <a:endParaRPr b="0" lang="en-CA" sz="1800" spc="-1" strike="noStrike">
+              <a:latin typeface="Arial"/>
+            </a:endParaRPr>
+          </a:p>
+          <a:p>
+            <a:pPr>
+              <a:lnSpc>
+                <a:spcPct val="100000"/>
+              </a:lnSpc>
+            </a:pPr>
+            <a:endParaRPr b="0" lang="en-CA" sz="1800" spc="-1" strike="noStrike">
+              <a:latin typeface="Arial"/>
+            </a:endParaRPr>
+          </a:p>
+          <a:p>
+            <a:pPr marL="216000" indent="-213120">
+              <a:lnSpc>
+                <a:spcPct val="100000"/>
+              </a:lnSpc>
+              <a:buClr>
+                <a:srgbClr val="000000"/>
+              </a:buClr>
+              <a:buSzPct val="45000"/>
+              <a:buFont typeface="Wingdings" charset="2"/>
+              <a:buChar char=""/>
+            </a:pPr>
+            <a:r>
+              <a:rPr b="0" lang="en-CA" sz="1800" spc="-1" strike="noStrike">
+                <a:solidFill>
+                  <a:srgbClr val="000000"/>
+                </a:solidFill>
+                <a:latin typeface="Arial"/>
+                <a:ea typeface="DejaVu Sans"/>
+              </a:rPr>
+              <a:t>We will first install virtual box. Links are below:</a:t>
+            </a:r>
+            <a:endParaRPr b="0" lang="en-CA" sz="1800" spc="-1" strike="noStrike">
+              <a:latin typeface="Arial"/>
+            </a:endParaRPr>
+          </a:p>
+          <a:p>
+            <a:pPr>
+              <a:lnSpc>
+                <a:spcPct val="100000"/>
+              </a:lnSpc>
+            </a:pPr>
+            <a:endParaRPr b="0" lang="en-CA" sz="1800" spc="-1" strike="noStrike">
+              <a:latin typeface="Arial"/>
+            </a:endParaRPr>
+          </a:p>
+          <a:p>
+            <a:pPr lvl="1" marL="432000" indent="-215280">
+              <a:lnSpc>
+                <a:spcPct val="100000"/>
+              </a:lnSpc>
+              <a:buClr>
+                <a:srgbClr val="000000"/>
+              </a:buClr>
+              <a:buSzPct val="45000"/>
+              <a:buFont typeface="Wingdings" charset="2"/>
+              <a:buChar char=""/>
+            </a:pPr>
+            <a:r>
+              <a:rPr b="0" lang="en-CA" sz="1800" spc="-1" strike="noStrike">
+                <a:solidFill>
+                  <a:srgbClr val="000000"/>
+                </a:solidFill>
+                <a:latin typeface="Arial"/>
+                <a:ea typeface="DejaVu Sans"/>
+              </a:rPr>
+              <a:t>On Linux:</a:t>
+            </a:r>
+            <a:endParaRPr b="0" lang="en-CA" sz="1800" spc="-1" strike="noStrike">
+              <a:latin typeface="Arial"/>
+            </a:endParaRPr>
+          </a:p>
+          <a:p>
+            <a:pPr lvl="2" marL="648000" indent="-215280">
+              <a:lnSpc>
+                <a:spcPct val="100000"/>
+              </a:lnSpc>
+              <a:buClr>
+                <a:srgbClr val="000000"/>
+              </a:buClr>
+              <a:buSzPct val="45000"/>
+              <a:buFont typeface="Wingdings" charset="2"/>
+              <a:buChar char=""/>
+            </a:pPr>
+            <a:r>
+              <a:rPr b="0" lang="en-CA" sz="1800" spc="-1" strike="noStrike">
+                <a:solidFill>
+                  <a:srgbClr val="000000"/>
+                </a:solidFill>
+                <a:latin typeface="Arial"/>
+                <a:ea typeface="DejaVu Sans"/>
+              </a:rPr>
+              <a:t>1)</a:t>
+            </a:r>
+            <a:r>
+              <a:rPr b="0" lang="en-CA" sz="1800" spc="-1" strike="noStrike">
+                <a:solidFill>
+                  <a:srgbClr val="000000"/>
+                </a:solidFill>
+                <a:latin typeface="Arial"/>
+                <a:ea typeface="DejaVu Sans"/>
+              </a:rPr>
+              <a:t>	</a:t>
+            </a:r>
+            <a:r>
+              <a:rPr b="0" lang="en-CA" sz="1800" spc="-1" strike="noStrike">
+                <a:solidFill>
+                  <a:srgbClr val="000000"/>
+                </a:solidFill>
+                <a:latin typeface="Arial"/>
+                <a:ea typeface="DejaVu Sans"/>
+              </a:rPr>
+              <a:t>Navigate to </a:t>
+            </a:r>
+            <a:endParaRPr b="0" lang="en-CA" sz="1800" spc="-1" strike="noStrike">
+              <a:latin typeface="Arial"/>
+            </a:endParaRPr>
+          </a:p>
+          <a:p>
+            <a:pPr lvl="4" marL="1080000" indent="-215280">
+              <a:lnSpc>
+                <a:spcPct val="100000"/>
+              </a:lnSpc>
+              <a:buClr>
+                <a:srgbClr val="000000"/>
+              </a:buClr>
+              <a:buSzPct val="45000"/>
+              <a:buFont typeface="Wingdings" charset="2"/>
+              <a:buChar char=""/>
+            </a:pPr>
+            <a:r>
+              <a:rPr b="0" lang="en-CA" sz="1500" spc="-1" strike="noStrike" u="sng">
+                <a:solidFill>
+                  <a:srgbClr val="0000ff"/>
+                </a:solidFill>
+                <a:uFillTx/>
+                <a:latin typeface="Arial"/>
+                <a:ea typeface="DejaVu Sans"/>
+                <a:hlinkClick r:id="rId1"/>
+              </a:rPr>
+              <a:t>https://www.virtualbox.org/wiki/Download_Old_Builds_6_0</a:t>
+            </a:r>
+            <a:endParaRPr b="0" lang="en-CA" sz="1500" spc="-1" strike="noStrike">
+              <a:latin typeface="Arial"/>
+            </a:endParaRPr>
+          </a:p>
+          <a:p>
+            <a:pPr lvl="2" marL="648000" indent="-215280">
+              <a:lnSpc>
+                <a:spcPct val="100000"/>
+              </a:lnSpc>
+              <a:buClr>
+                <a:srgbClr val="000000"/>
+              </a:buClr>
+              <a:buSzPct val="45000"/>
+              <a:buFont typeface="Wingdings" charset="2"/>
+              <a:buChar char=""/>
+            </a:pPr>
+            <a:r>
+              <a:rPr b="0" lang="en-CA" sz="1800" spc="-1" strike="noStrike">
+                <a:solidFill>
+                  <a:srgbClr val="000000"/>
+                </a:solidFill>
+                <a:latin typeface="Arial"/>
+                <a:ea typeface="DejaVu Sans"/>
+              </a:rPr>
+              <a:t>2)</a:t>
+            </a:r>
+            <a:r>
+              <a:rPr b="0" lang="en-CA" sz="1800" spc="-1" strike="noStrike">
+                <a:solidFill>
+                  <a:srgbClr val="000000"/>
+                </a:solidFill>
+                <a:latin typeface="Arial"/>
+                <a:ea typeface="DejaVu Sans"/>
+              </a:rPr>
+              <a:t>	</a:t>
+            </a:r>
+            <a:r>
+              <a:rPr b="0" lang="en-CA" sz="1800" spc="-1" strike="noStrike">
+                <a:solidFill>
+                  <a:srgbClr val="000000"/>
+                </a:solidFill>
+                <a:latin typeface="Arial"/>
+                <a:ea typeface="DejaVu Sans"/>
+              </a:rPr>
+              <a:t>Select VirtualBox bulid 6.0.4</a:t>
+            </a:r>
+            <a:endParaRPr b="0" lang="en-CA" sz="1800" spc="-1" strike="noStrike">
+              <a:latin typeface="Arial"/>
+            </a:endParaRPr>
+          </a:p>
+          <a:p>
+            <a:pPr lvl="2" marL="648000" indent="-215280">
+              <a:lnSpc>
+                <a:spcPct val="100000"/>
+              </a:lnSpc>
+              <a:buClr>
+                <a:srgbClr val="000000"/>
+              </a:buClr>
+              <a:buSzPct val="45000"/>
+              <a:buFont typeface="Wingdings" charset="2"/>
+              <a:buChar char=""/>
+            </a:pPr>
+            <a:r>
+              <a:rPr b="0" lang="en-CA" sz="1800" spc="-1" strike="noStrike">
+                <a:solidFill>
+                  <a:srgbClr val="000000"/>
+                </a:solidFill>
+                <a:latin typeface="Arial"/>
+                <a:ea typeface="DejaVu Sans"/>
+              </a:rPr>
+              <a:t>3)</a:t>
+            </a:r>
+            <a:r>
+              <a:rPr b="0" lang="en-CA" sz="1800" spc="-1" strike="noStrike">
+                <a:solidFill>
+                  <a:srgbClr val="000000"/>
+                </a:solidFill>
+                <a:latin typeface="Arial"/>
+                <a:ea typeface="DejaVu Sans"/>
+              </a:rPr>
+              <a:t>	</a:t>
+            </a:r>
+            <a:r>
+              <a:rPr b="0" lang="en-CA" sz="1800" spc="-1" strike="noStrike">
+                <a:solidFill>
+                  <a:srgbClr val="000000"/>
+                </a:solidFill>
+                <a:latin typeface="Arial"/>
+                <a:ea typeface="DejaVu Sans"/>
+              </a:rPr>
+              <a:t>Click on Linux hosts click Ubuntu 19.04 </a:t>
+            </a:r>
+            <a:endParaRPr b="0" lang="en-CA" sz="1800" spc="-1" strike="noStrike">
+              <a:latin typeface="Arial"/>
+            </a:endParaRPr>
+          </a:p>
+          <a:p>
+            <a:pPr lvl="2" marL="648000" indent="-215280">
+              <a:lnSpc>
+                <a:spcPct val="100000"/>
+              </a:lnSpc>
+              <a:buClr>
+                <a:srgbClr val="000000"/>
+              </a:buClr>
+              <a:buSzPct val="45000"/>
+              <a:buFont typeface="Wingdings" charset="2"/>
+              <a:buChar char=""/>
+            </a:pPr>
+            <a:r>
+              <a:rPr b="0" lang="en-CA" sz="1800" spc="-1" strike="noStrike">
+                <a:solidFill>
+                  <a:srgbClr val="000000"/>
+                </a:solidFill>
+                <a:latin typeface="Arial"/>
+                <a:ea typeface="DejaVu Sans"/>
+              </a:rPr>
+              <a:t>4)</a:t>
+            </a:r>
+            <a:r>
+              <a:rPr b="0" lang="en-CA" sz="1800" spc="-1" strike="noStrike">
+                <a:solidFill>
+                  <a:srgbClr val="000000"/>
+                </a:solidFill>
+                <a:latin typeface="Arial"/>
+                <a:ea typeface="DejaVu Sans"/>
+              </a:rPr>
+              <a:t>	</a:t>
+            </a:r>
+            <a:r>
+              <a:rPr b="0" lang="en-CA" sz="1800" spc="-1" strike="noStrike">
+                <a:solidFill>
+                  <a:srgbClr val="000000"/>
+                </a:solidFill>
+                <a:latin typeface="Arial"/>
+                <a:ea typeface="DejaVu Sans"/>
+              </a:rPr>
+              <a:t>Once downloaded, click on the application in the </a:t>
+            </a:r>
+            <a:endParaRPr b="0" lang="en-CA" sz="1800" spc="-1" strike="noStrike">
+              <a:latin typeface="Arial"/>
+            </a:endParaRPr>
+          </a:p>
+          <a:p>
+            <a:pPr lvl="4" marL="1080000" indent="-215280">
+              <a:lnSpc>
+                <a:spcPct val="100000"/>
+              </a:lnSpc>
+              <a:buClr>
+                <a:srgbClr val="000000"/>
+              </a:buClr>
+              <a:buSzPct val="45000"/>
+              <a:buFont typeface="Wingdings" charset="2"/>
+              <a:buChar char=""/>
+            </a:pPr>
+            <a:r>
+              <a:rPr b="0" lang="en-CA" sz="1800" spc="-1" strike="noStrike">
+                <a:solidFill>
+                  <a:srgbClr val="000000"/>
+                </a:solidFill>
+                <a:latin typeface="Arial"/>
+                <a:ea typeface="DejaVu Sans"/>
+              </a:rPr>
+              <a:t>downloads section of you browser</a:t>
+            </a:r>
+            <a:endParaRPr b="0" lang="en-CA" sz="1800" spc="-1" strike="noStrike">
+              <a:latin typeface="Arial"/>
+            </a:endParaRPr>
+          </a:p>
+          <a:p>
+            <a:pPr lvl="2" marL="648000" indent="-215280">
+              <a:lnSpc>
+                <a:spcPct val="100000"/>
+              </a:lnSpc>
+              <a:buClr>
+                <a:srgbClr val="000000"/>
+              </a:buClr>
+              <a:buSzPct val="45000"/>
+              <a:buFont typeface="Wingdings" charset="2"/>
+              <a:buChar char=""/>
+            </a:pPr>
+            <a:r>
+              <a:rPr b="0" lang="en-CA" sz="1800" spc="-1" strike="noStrike">
+                <a:solidFill>
+                  <a:srgbClr val="000000"/>
+                </a:solidFill>
+                <a:latin typeface="Arial"/>
+                <a:ea typeface="DejaVu Sans"/>
+              </a:rPr>
+              <a:t>6)</a:t>
+            </a:r>
+            <a:r>
+              <a:rPr b="0" lang="en-CA" sz="1800" spc="-1" strike="noStrike">
+                <a:solidFill>
+                  <a:srgbClr val="000000"/>
+                </a:solidFill>
+                <a:latin typeface="Arial"/>
+                <a:ea typeface="DejaVu Sans"/>
+              </a:rPr>
+              <a:t>	</a:t>
+            </a:r>
+            <a:r>
+              <a:rPr b="0" lang="en-CA" sz="1800" spc="-1" strike="noStrike">
+                <a:solidFill>
+                  <a:srgbClr val="000000"/>
+                </a:solidFill>
+                <a:latin typeface="Arial"/>
+                <a:ea typeface="DejaVu Sans"/>
+              </a:rPr>
+              <a:t>Follow the directions on this video:</a:t>
+            </a:r>
+            <a:endParaRPr b="0" lang="en-CA" sz="1800" spc="-1" strike="noStrike">
+              <a:latin typeface="Arial"/>
+            </a:endParaRPr>
+          </a:p>
+          <a:p>
+            <a:pPr lvl="4" marL="1080000" indent="-215280">
+              <a:lnSpc>
+                <a:spcPct val="100000"/>
+              </a:lnSpc>
+              <a:buClr>
+                <a:srgbClr val="000000"/>
+              </a:buClr>
+              <a:buSzPct val="45000"/>
+              <a:buFont typeface="Wingdings" charset="2"/>
+              <a:buChar char=""/>
+            </a:pPr>
+            <a:r>
+              <a:rPr b="0" lang="en-CA" sz="1800" spc="-1" strike="noStrike" u="sng">
+                <a:solidFill>
+                  <a:srgbClr val="0000ff"/>
+                </a:solidFill>
+                <a:uFillTx/>
+                <a:latin typeface="Arial"/>
+                <a:ea typeface="DejaVu Sans"/>
+                <a:hlinkClick r:id="rId2"/>
+              </a:rPr>
+              <a:t>https://www.youtube.com/watch?v=_RlsxuayJnI</a:t>
+            </a:r>
+            <a:endParaRPr b="0" lang="en-CA" sz="1800" spc="-1" strike="noStrike">
+              <a:latin typeface="Arial"/>
+            </a:endParaRPr>
+          </a:p>
+          <a:p>
+            <a:pPr>
+              <a:lnSpc>
+                <a:spcPct val="100000"/>
+              </a:lnSpc>
+            </a:pPr>
+            <a:endParaRPr b="0" lang="en-CA" sz="1800" spc="-1" strike="noStrike">
+              <a:latin typeface="Arial"/>
+            </a:endParaRPr>
+          </a:p>
+          <a:p>
+            <a:pPr>
+              <a:lnSpc>
+                <a:spcPct val="100000"/>
+              </a:lnSpc>
+            </a:pPr>
+            <a:endParaRPr b="0" lang="en-CA" sz="1800" spc="-1" strike="noStrike">
+              <a:latin typeface="Arial"/>
+            </a:endParaRPr>
+          </a:p>
+          <a:p>
+            <a:pPr>
+              <a:lnSpc>
+                <a:spcPct val="100000"/>
+              </a:lnSpc>
+            </a:pPr>
+            <a:endParaRPr b="0" lang="en-CA" sz="1800" spc="-1" strike="noStrike">
+              <a:latin typeface="Arial"/>
+            </a:endParaRPr>
+          </a:p>
+          <a:p>
+            <a:pPr>
+              <a:lnSpc>
+                <a:spcPct val="100000"/>
+              </a:lnSpc>
+            </a:pPr>
+            <a:endParaRPr b="0" lang="en-CA" sz="1800" spc="-1" strike="noStrike">
+              <a:latin typeface="Arial"/>
+            </a:endParaRPr>
+          </a:p>
+        </p:txBody>
       </p:sp>
     </p:spTree>
   </p:cSld>
@@ -12468,14 +15883,14 @@
       </p:grpSpPr>
       <p:sp>
         <p:nvSpPr>
-          <p:cNvPr id="178" name="CustomShape 1"/>
+          <p:cNvPr id="179" name="CustomShape 1"/>
           <p:cNvSpPr/>
           <p:nvPr/>
         </p:nvSpPr>
         <p:spPr>
           <a:xfrm>
             <a:off x="504000" y="1413360"/>
-            <a:ext cx="8276040" cy="5216040"/>
+            <a:ext cx="8275680" cy="5215680"/>
           </a:xfrm>
           <a:prstGeom prst="rect">
             <a:avLst/>
@@ -12512,7 +15927,7 @@
                 <a:latin typeface="Calibri"/>
                 <a:ea typeface="DejaVu Sans"/>
               </a:rPr>
-              <a:t>On Macintosh:</a:t>
+              <a:t>Resouces:</a:t>
             </a:r>
             <a:endParaRPr b="0" lang="en-CA" sz="2400" spc="-1" strike="noStrike">
               <a:latin typeface="Arial"/>
@@ -12535,7 +15950,7 @@
                 <a:latin typeface="Calibri"/>
                 <a:ea typeface="DejaVu Sans"/>
               </a:rPr>
-              <a:t>(click the link to be taken directly to the page)</a:t>
+              <a:t>What is linux:</a:t>
             </a:r>
             <a:endParaRPr b="0" lang="en-CA" sz="2400" spc="-1" strike="noStrike">
               <a:latin typeface="Arial"/>
@@ -12550,6 +15965,17 @@
                 <a:spcPts val="479"/>
               </a:spcBef>
             </a:pPr>
+            <a:r>
+              <a:rPr b="0" lang="en-CA" sz="2400" spc="-1" strike="noStrike">
+                <a:solidFill>
+                  <a:srgbClr val="000000"/>
+                </a:solidFill>
+                <a:latin typeface="Calibri"/>
+                <a:ea typeface="DejaVu Sans"/>
+                <a:hlinkClick r:id="rId1"/>
+              </a:rPr>
+              <a:t> https://www.youtube.com/watch?v=zA3vmx0GaO8</a:t>
+            </a:r>
             <a:endParaRPr b="0" lang="en-CA" sz="2400" spc="-1" strike="noStrike">
               <a:latin typeface="Arial"/>
             </a:endParaRPr>
@@ -12571,7 +15997,7 @@
                 <a:latin typeface="Calibri"/>
                 <a:ea typeface="DejaVu Sans"/>
               </a:rPr>
-              <a:t>Installing Ubuntu Linux 19.04 in Virtual Box</a:t>
+              <a:t>	</a:t>
             </a:r>
             <a:endParaRPr b="0" lang="en-CA" sz="2400" spc="-1" strike="noStrike">
               <a:latin typeface="Arial"/>
@@ -12590,132 +16016,18 @@
               <a:latin typeface="Arial"/>
             </a:endParaRPr>
           </a:p>
-          <a:p>
-            <a:pPr>
-              <a:lnSpc>
-                <a:spcPct val="100000"/>
-              </a:lnSpc>
-              <a:spcBef>
-                <a:spcPts val="479"/>
-              </a:spcBef>
-            </a:pPr>
-            <a:r>
-              <a:rPr b="0" lang="en-CA" sz="2400" spc="-1" strike="noStrike">
-                <a:solidFill>
-                  <a:srgbClr val="000000"/>
-                </a:solidFill>
-                <a:latin typeface="Calibri"/>
-                <a:ea typeface="DejaVu Sans"/>
-              </a:rPr>
-              <a:t>1)</a:t>
-            </a:r>
-            <a:r>
-              <a:rPr b="0" lang="en-CA" sz="2400" spc="-1" strike="noStrike">
-                <a:solidFill>
-                  <a:srgbClr val="000000"/>
-                </a:solidFill>
-                <a:latin typeface="Calibri"/>
-                <a:ea typeface="DejaVu Sans"/>
-              </a:rPr>
-              <a:t>	</a:t>
-            </a:r>
-            <a:r>
-              <a:rPr b="0" lang="en-CA" sz="2400" spc="-1" strike="noStrike">
-                <a:solidFill>
-                  <a:srgbClr val="000000"/>
-                </a:solidFill>
-                <a:latin typeface="Calibri"/>
-                <a:ea typeface="DejaVu Sans"/>
-              </a:rPr>
-              <a:t>To Install Linux 19.04 inside of Virtual Box:</a:t>
-            </a:r>
-            <a:endParaRPr b="0" lang="en-CA" sz="2400" spc="-1" strike="noStrike">
-              <a:latin typeface="Arial"/>
-            </a:endParaRPr>
-          </a:p>
-          <a:p>
-            <a:pPr>
-              <a:lnSpc>
-                <a:spcPct val="100000"/>
-              </a:lnSpc>
-              <a:spcBef>
-                <a:spcPts val="479"/>
-              </a:spcBef>
-            </a:pPr>
-            <a:r>
-              <a:rPr b="0" lang="en-CA" sz="2400" spc="-1" strike="noStrike">
-                <a:solidFill>
-                  <a:srgbClr val="000000"/>
-                </a:solidFill>
-                <a:latin typeface="Calibri"/>
-                <a:ea typeface="DejaVu Sans"/>
-              </a:rPr>
-              <a:t>	</a:t>
-            </a:r>
-            <a:r>
-              <a:rPr b="0" lang="en-CA" sz="2400" spc="-1" strike="noStrike" u="sng">
-                <a:solidFill>
-                  <a:srgbClr val="0000ff"/>
-                </a:solidFill>
-                <a:uFillTx/>
-                <a:latin typeface="Calibri"/>
-                <a:ea typeface="DejaVu Sans"/>
-                <a:hlinkClick r:id="rId1"/>
-              </a:rPr>
-              <a:t>https://www.youtube.com/watch?v=QnMHGtaqh-Y</a:t>
-            </a:r>
-            <a:endParaRPr b="0" lang="en-CA" sz="2400" spc="-1" strike="noStrike">
-              <a:latin typeface="Arial"/>
-            </a:endParaRPr>
-          </a:p>
-          <a:p>
-            <a:pPr>
-              <a:lnSpc>
-                <a:spcPct val="100000"/>
-              </a:lnSpc>
-              <a:spcBef>
-                <a:spcPts val="479"/>
-              </a:spcBef>
-            </a:pPr>
-            <a:r>
-              <a:rPr b="0" lang="en-CA" sz="2400" spc="-1" strike="noStrike">
-                <a:solidFill>
-                  <a:srgbClr val="000000"/>
-                </a:solidFill>
-                <a:latin typeface="Calibri"/>
-                <a:ea typeface="DejaVu Sans"/>
-              </a:rPr>
-              <a:t>	</a:t>
-            </a:r>
-            <a:endParaRPr b="0" lang="en-CA" sz="2400" spc="-1" strike="noStrike">
-              <a:latin typeface="Arial"/>
-            </a:endParaRPr>
-          </a:p>
-          <a:p>
-            <a:pPr>
-              <a:lnSpc>
-                <a:spcPct val="100000"/>
-              </a:lnSpc>
-              <a:spcBef>
-                <a:spcPts val="479"/>
-              </a:spcBef>
-            </a:pPr>
-            <a:endParaRPr b="0" lang="en-CA" sz="2400" spc="-1" strike="noStrike">
-              <a:latin typeface="Arial"/>
-            </a:endParaRPr>
-          </a:p>
-        </p:txBody>
-      </p:sp>
-      <p:sp>
-        <p:nvSpPr>
-          <p:cNvPr id="179" name="CustomShape 2"/>
+        </p:txBody>
+      </p:sp>
+      <p:sp>
+        <p:nvSpPr>
+          <p:cNvPr id="180" name="CustomShape 2"/>
           <p:cNvSpPr/>
           <p:nvPr/>
         </p:nvSpPr>
         <p:spPr>
           <a:xfrm>
             <a:off x="432000" y="0"/>
-            <a:ext cx="7448400" cy="1180440"/>
+            <a:ext cx="7448040" cy="1180080"/>
           </a:xfrm>
           <a:prstGeom prst="rect">
             <a:avLst/>
@@ -12779,14 +16091,14 @@
       </p:sp>
       <p:sp>
         <p:nvSpPr>
-          <p:cNvPr id="180" name="CustomShape 3"/>
+          <p:cNvPr id="181" name="CustomShape 3"/>
           <p:cNvSpPr/>
           <p:nvPr/>
         </p:nvSpPr>
         <p:spPr>
           <a:xfrm>
             <a:off x="0" y="0"/>
-            <a:ext cx="247680" cy="1192680"/>
+            <a:ext cx="247320" cy="1192320"/>
           </a:xfrm>
           <a:prstGeom prst="rect">
             <a:avLst/>
@@ -12815,7 +16127,7 @@
       </p:sp>
       <p:sp>
         <p:nvSpPr>
-          <p:cNvPr id="181" name="Line 4"/>
+          <p:cNvPr id="182" name="Line 4"/>
           <p:cNvSpPr/>
           <p:nvPr/>
         </p:nvSpPr>
@@ -12905,14 +16217,14 @@
       </p:grpSpPr>
       <p:sp>
         <p:nvSpPr>
-          <p:cNvPr id="182" name="CustomShape 1"/>
+          <p:cNvPr id="183" name="CustomShape 1"/>
           <p:cNvSpPr/>
           <p:nvPr/>
         </p:nvSpPr>
         <p:spPr>
           <a:xfrm>
             <a:off x="504000" y="1413360"/>
-            <a:ext cx="8276040" cy="5216040"/>
+            <a:ext cx="8275680" cy="5215680"/>
           </a:xfrm>
           <a:prstGeom prst="rect">
             <a:avLst/>
@@ -12949,7 +16261,7 @@
                 <a:latin typeface="Calibri"/>
                 <a:ea typeface="DejaVu Sans"/>
               </a:rPr>
-              <a:t>On Linux:</a:t>
+              <a:t>On Windows:</a:t>
             </a:r>
             <a:endParaRPr b="0" lang="en-CA" sz="2400" spc="-1" strike="noStrike">
               <a:latin typeface="Arial"/>
@@ -13044,16 +16356,6 @@
               </a:spcBef>
             </a:pPr>
             <a:r>
-              <a:rPr b="0" lang="en-CA" sz="2400" spc="-1" strike="noStrike">
-                <a:solidFill>
-                  <a:srgbClr val="000000"/>
-                </a:solidFill>
-                <a:latin typeface="Calibri"/>
-                <a:ea typeface="DejaVu Sans"/>
-              </a:rPr>
-              <a:t>	</a:t>
-            </a:r>
-            <a:r>
               <a:rPr b="0" lang="en-CA" sz="2400" spc="-1" strike="noStrike" u="sng">
                 <a:solidFill>
                   <a:srgbClr val="0000ff"/>
@@ -13063,7 +16365,7 @@
                 <a:ea typeface="DejaVu Sans"/>
                 <a:hlinkClick r:id="rId1"/>
               </a:rPr>
-              <a:t>https://itsfoss.com/install-virtualbox-ubuntu/</a:t>
+              <a:t> https://www.youtube.com/watch?v=pLARQjMwX10</a:t>
             </a:r>
             <a:endParaRPr b="0" lang="en-CA" sz="2400" spc="-1" strike="noStrike">
               <a:latin typeface="Arial"/>
@@ -13109,14 +16411,14 @@
       </p:sp>
       <p:sp>
         <p:nvSpPr>
-          <p:cNvPr id="183" name="CustomShape 2"/>
+          <p:cNvPr id="184" name="CustomShape 2"/>
           <p:cNvSpPr/>
           <p:nvPr/>
         </p:nvSpPr>
         <p:spPr>
           <a:xfrm>
             <a:off x="432000" y="0"/>
-            <a:ext cx="7448400" cy="1180440"/>
+            <a:ext cx="7448040" cy="1180080"/>
           </a:xfrm>
           <a:prstGeom prst="rect">
             <a:avLst/>
@@ -13180,14 +16482,14 @@
       </p:sp>
       <p:sp>
         <p:nvSpPr>
-          <p:cNvPr id="184" name="CustomShape 3"/>
+          <p:cNvPr id="185" name="CustomShape 3"/>
           <p:cNvSpPr/>
           <p:nvPr/>
         </p:nvSpPr>
         <p:spPr>
           <a:xfrm>
             <a:off x="0" y="0"/>
-            <a:ext cx="247680" cy="1192680"/>
+            <a:ext cx="247320" cy="1192320"/>
           </a:xfrm>
           <a:prstGeom prst="rect">
             <a:avLst/>
@@ -13216,7 +16518,7 @@
       </p:sp>
       <p:sp>
         <p:nvSpPr>
-          <p:cNvPr id="185" name="Line 4"/>
+          <p:cNvPr id="186" name="Line 4"/>
           <p:cNvSpPr/>
           <p:nvPr/>
         </p:nvSpPr>
@@ -13306,14 +16608,14 @@
       </p:grpSpPr>
       <p:sp>
         <p:nvSpPr>
-          <p:cNvPr id="186" name="CustomShape 1"/>
+          <p:cNvPr id="187" name="CustomShape 1"/>
           <p:cNvSpPr/>
           <p:nvPr/>
         </p:nvSpPr>
         <p:spPr>
           <a:xfrm>
             <a:off x="504000" y="1413360"/>
-            <a:ext cx="8276040" cy="5216040"/>
+            <a:ext cx="8275680" cy="5215680"/>
           </a:xfrm>
           <a:prstGeom prst="rect">
             <a:avLst/>
@@ -13350,7 +16652,7 @@
                 <a:latin typeface="Calibri"/>
                 <a:ea typeface="DejaVu Sans"/>
               </a:rPr>
-              <a:t>On Windows with Hyper-V:</a:t>
+              <a:t>On Macintosh:</a:t>
             </a:r>
             <a:endParaRPr b="0" lang="en-CA" sz="2400" spc="-1" strike="noStrike">
               <a:latin typeface="Arial"/>
@@ -13409,7 +16711,7 @@
                 <a:latin typeface="Calibri"/>
                 <a:ea typeface="DejaVu Sans"/>
               </a:rPr>
-              <a:t>There are sometimes issues getting VirtualBox working on a windows host.  As a work-around, please use Hyper-V as a second option.  </a:t>
+              <a:t>Installing Ubuntu Linux 19.04 in Virtual Box</a:t>
             </a:r>
             <a:endParaRPr b="0" lang="en-CA" sz="2400" spc="-1" strike="noStrike">
               <a:latin typeface="Arial"/>
@@ -13465,7 +16767,7 @@
                 <a:latin typeface="Calibri"/>
                 <a:ea typeface="DejaVu Sans"/>
               </a:rPr>
-              <a:t>To Install Linux 19.04 inside of Hyper-V:</a:t>
+              <a:t>To Install Linux 19.04 inside of Virtual Box:</a:t>
             </a:r>
             <a:endParaRPr b="0" lang="en-CA" sz="2400" spc="-1" strike="noStrike">
               <a:latin typeface="Arial"/>
@@ -13491,7 +16793,7 @@
               <a:t>	</a:t>
             </a:r>
             <a:r>
-              <a:rPr b="0" lang="en-CA" sz="1500" spc="-1" strike="noStrike" u="sng">
+              <a:rPr b="0" lang="en-CA" sz="2400" spc="-1" strike="noStrike" u="sng">
                 <a:solidFill>
                   <a:srgbClr val="0000ff"/>
                 </a:solidFill>
@@ -13500,9 +16802,9 @@
                 <a:ea typeface="DejaVu Sans"/>
                 <a:hlinkClick r:id="rId1"/>
               </a:rPr>
-              <a:t>https://www.windowscentral.com/how-run-linux-distros-windows-10-using-hyper-v</a:t>
-            </a:r>
-            <a:endParaRPr b="0" lang="en-CA" sz="1500" spc="-1" strike="noStrike">
+              <a:t>https://www.youtube.com/watch?v=QnMHGtaqh-Y</a:t>
+            </a:r>
+            <a:endParaRPr b="0" lang="en-CA" sz="2400" spc="-1" strike="noStrike">
               <a:latin typeface="Arial"/>
             </a:endParaRPr>
           </a:p>
@@ -13546,14 +16848,14 @@
       </p:sp>
       <p:sp>
         <p:nvSpPr>
-          <p:cNvPr id="187" name="CustomShape 2"/>
+          <p:cNvPr id="188" name="CustomShape 2"/>
           <p:cNvSpPr/>
           <p:nvPr/>
         </p:nvSpPr>
         <p:spPr>
           <a:xfrm>
             <a:off x="432000" y="0"/>
-            <a:ext cx="7448400" cy="1180440"/>
+            <a:ext cx="7448040" cy="1180080"/>
           </a:xfrm>
           <a:prstGeom prst="rect">
             <a:avLst/>
@@ -13617,14 +16919,14 @@
       </p:sp>
       <p:sp>
         <p:nvSpPr>
-          <p:cNvPr id="188" name="CustomShape 3"/>
+          <p:cNvPr id="189" name="CustomShape 3"/>
           <p:cNvSpPr/>
           <p:nvPr/>
         </p:nvSpPr>
         <p:spPr>
           <a:xfrm>
             <a:off x="0" y="0"/>
-            <a:ext cx="247680" cy="1192680"/>
+            <a:ext cx="247320" cy="1192320"/>
           </a:xfrm>
           <a:prstGeom prst="rect">
             <a:avLst/>
@@ -13653,7 +16955,7 @@
       </p:sp>
       <p:sp>
         <p:nvSpPr>
-          <p:cNvPr id="189" name="Line 4"/>
+          <p:cNvPr id="190" name="Line 4"/>
           <p:cNvSpPr/>
           <p:nvPr/>
         </p:nvSpPr>

--- a/Dev Ops Course - Desktop Setup.pptx
+++ b/Dev Ops Course - Desktop Setup.pptx
@@ -32,6 +32,8 @@
     <p:sldId id="277" r:id="rId27"/>
     <p:sldId id="278" r:id="rId28"/>
     <p:sldId id="279" r:id="rId29"/>
+    <p:sldId id="280" r:id="rId30"/>
+    <p:sldId id="281" r:id="rId31"/>
   </p:sldIdLst>
   <p:sldSz cx="9144000" cy="6858000"/>
   <p:notesSz cx="7772400" cy="10058400"/>
@@ -6431,7 +6433,7 @@
         <p:spPr>
           <a:xfrm>
             <a:off x="-71640" y="3240000"/>
-            <a:ext cx="9139680" cy="3568680"/>
+            <a:ext cx="9138600" cy="3567600"/>
           </a:xfrm>
           <a:prstGeom prst="rect">
             <a:avLst/>
@@ -6558,7 +6560,7 @@
         <p:spPr>
           <a:xfrm>
             <a:off x="3311640" y="1268640"/>
-            <a:ext cx="2264040" cy="661320"/>
+            <a:ext cx="2262960" cy="660240"/>
           </a:xfrm>
           <a:prstGeom prst="rect">
             <a:avLst/>
@@ -6633,7 +6635,7 @@
         <p:spPr>
           <a:xfrm>
             <a:off x="504000" y="1413360"/>
-            <a:ext cx="8275680" cy="5215680"/>
+            <a:ext cx="8274600" cy="5214600"/>
           </a:xfrm>
           <a:prstGeom prst="rect">
             <a:avLst/>
@@ -6837,7 +6839,7 @@
         <p:spPr>
           <a:xfrm>
             <a:off x="432000" y="0"/>
-            <a:ext cx="7448040" cy="1180080"/>
+            <a:ext cx="7446960" cy="1179000"/>
           </a:xfrm>
           <a:prstGeom prst="rect">
             <a:avLst/>
@@ -6908,7 +6910,7 @@
         <p:spPr>
           <a:xfrm>
             <a:off x="0" y="0"/>
-            <a:ext cx="247320" cy="1192320"/>
+            <a:ext cx="246240" cy="1191240"/>
           </a:xfrm>
           <a:prstGeom prst="rect">
             <a:avLst/>
@@ -7034,7 +7036,7 @@
         <p:spPr>
           <a:xfrm>
             <a:off x="504000" y="1413360"/>
-            <a:ext cx="8275680" cy="5215680"/>
+            <a:ext cx="8274600" cy="5214600"/>
           </a:xfrm>
           <a:prstGeom prst="rect">
             <a:avLst/>
@@ -7130,7 +7132,7 @@
                 <a:latin typeface="Calibri"/>
                 <a:ea typeface="DejaVu Sans"/>
               </a:rPr>
-              <a:t>There are sometimes issues getting VirtualBox working on a windows host.  As a work-around, please use Hyper-V as a second option.  </a:t>
+              <a:t>There are sometimes issues getting VirtualBox working on a windows host.  As a work-around, please use Hyper-V as a second option.</a:t>
             </a:r>
             <a:endParaRPr b="0" lang="en-CA" sz="2400" spc="-1" strike="noStrike">
               <a:latin typeface="Arial"/>
@@ -7159,34 +7161,14 @@
               </a:spcBef>
             </a:pPr>
             <a:r>
-              <a:rPr b="0" lang="en-CA" sz="2400" spc="-1" strike="noStrike">
+              <a:rPr b="1" lang="en-CA" sz="2400" spc="-1" strike="noStrike">
                 <a:solidFill>
                   <a:srgbClr val="000000"/>
                 </a:solidFill>
                 <a:latin typeface="Calibri"/>
                 <a:ea typeface="DejaVu Sans"/>
               </a:rPr>
-              <a:t>1)</a:t>
-            </a:r>
-            <a:r>
-              <a:rPr b="0" lang="en-CA" sz="2400" spc="-1" strike="noStrike">
-                <a:solidFill>
-                  <a:srgbClr val="000000"/>
-                </a:solidFill>
-                <a:latin typeface="Calibri"/>
-                <a:ea typeface="DejaVu Sans"/>
-              </a:rPr>
-              <a:t>	</a:t>
-            </a:r>
-            <a:r>
-              <a:rPr b="0" lang="en-CA" sz="2400" spc="-1" strike="noStrike">
-                <a:solidFill>
-                  <a:srgbClr val="000000"/>
-                </a:solidFill>
-                <a:latin typeface="Calibri"/>
-                <a:ea typeface="DejaVu Sans"/>
-              </a:rPr>
-              <a:t>To Install Linux 19.04 inside of Hyper-V:</a:t>
+              <a:t>Note:  Ubuntu 19.04 no longer has updates.  We will be using the image without an upgrade.  Please follow the directions below.</a:t>
             </a:r>
             <a:endParaRPr b="0" lang="en-CA" sz="2400" spc="-1" strike="noStrike">
               <a:latin typeface="Arial"/>
@@ -7201,29 +7183,7 @@
                 <a:spcPts val="479"/>
               </a:spcBef>
             </a:pPr>
-            <a:r>
-              <a:rPr b="0" lang="en-CA" sz="2400" spc="-1" strike="noStrike">
-                <a:solidFill>
-                  <a:srgbClr val="000000"/>
-                </a:solidFill>
-                <a:latin typeface="Calibri"/>
-                <a:ea typeface="DejaVu Sans"/>
-              </a:rPr>
-              <a:t>	</a:t>
-            </a:r>
-            <a:r>
-              <a:rPr b="0" lang="en-CA" sz="1500" spc="-1" strike="noStrike" u="sng">
-                <a:solidFill>
-                  <a:srgbClr val="0000ff"/>
-                </a:solidFill>
-                <a:uFillTx/>
-                <a:latin typeface="Calibri"/>
-                <a:ea typeface="DejaVu Sans"/>
-                <a:hlinkClick r:id="rId1"/>
-              </a:rPr>
-              <a:t>https://www.windowscentral.com/how-run-linux-distros-windows-10-using-hyper-v</a:t>
-            </a:r>
-            <a:endParaRPr b="0" lang="en-CA" sz="1500" spc="-1" strike="noStrike">
+            <a:endParaRPr b="0" lang="en-CA" sz="2400" spc="-1" strike="noStrike">
               <a:latin typeface="Arial"/>
             </a:endParaRPr>
           </a:p>
@@ -7244,7 +7204,27 @@
                 <a:latin typeface="Calibri"/>
                 <a:ea typeface="DejaVu Sans"/>
               </a:rPr>
+              <a:t>1)</a:t>
+            </a:r>
+            <a:r>
+              <a:rPr b="0" lang="en-CA" sz="2400" spc="-1" strike="noStrike">
+                <a:solidFill>
+                  <a:srgbClr val="000000"/>
+                </a:solidFill>
+                <a:latin typeface="Calibri"/>
+                <a:ea typeface="DejaVu Sans"/>
+              </a:rPr>
               <a:t>	</a:t>
+            </a:r>
+            <a:r>
+              <a:rPr b="0" lang="en-CA" sz="2400" spc="-1" strike="noStrike">
+                <a:solidFill>
+                  <a:srgbClr val="000000"/>
+                </a:solidFill>
+                <a:latin typeface="Calibri"/>
+                <a:ea typeface="DejaVu Sans"/>
+              </a:rPr>
+              <a:t>To Install Linux 19.04 inside of Hyper-V:</a:t>
             </a:r>
             <a:endParaRPr b="0" lang="en-CA" sz="2400" spc="-1" strike="noStrike">
               <a:latin typeface="Arial"/>
@@ -7259,6 +7239,64 @@
                 <a:spcPts val="479"/>
               </a:spcBef>
             </a:pPr>
+            <a:r>
+              <a:rPr b="0" lang="en-CA" sz="2400" spc="-1" strike="noStrike">
+                <a:solidFill>
+                  <a:srgbClr val="000000"/>
+                </a:solidFill>
+                <a:latin typeface="Calibri"/>
+                <a:ea typeface="DejaVu Sans"/>
+              </a:rPr>
+              <a:t>	</a:t>
+            </a:r>
+            <a:r>
+              <a:rPr b="0" lang="en-CA" sz="1300" spc="-1" strike="noStrike" u="sng">
+                <a:solidFill>
+                  <a:srgbClr val="0000ff"/>
+                </a:solidFill>
+                <a:uFillTx/>
+                <a:latin typeface="Calibri"/>
+                <a:ea typeface="DejaVu Sans"/>
+                <a:hlinkClick r:id="rId1"/>
+              </a:rPr>
+              <a:t>https://www.bleepingcomputer.com/news/microsoft/ubuntu-1904-now-available-in-the-hyper-v-quick-create-gallery/</a:t>
+            </a:r>
+            <a:endParaRPr b="0" lang="en-CA" sz="1300" spc="-1" strike="noStrike">
+              <a:latin typeface="Arial"/>
+            </a:endParaRPr>
+          </a:p>
+          <a:p>
+            <a:pPr>
+              <a:lnSpc>
+                <a:spcPct val="100000"/>
+              </a:lnSpc>
+              <a:spcBef>
+                <a:spcPts val="479"/>
+              </a:spcBef>
+            </a:pPr>
+            <a:r>
+              <a:rPr b="0" lang="en-CA" sz="2400" spc="-1" strike="noStrike">
+                <a:solidFill>
+                  <a:srgbClr val="000000"/>
+                </a:solidFill>
+                <a:latin typeface="Calibri"/>
+                <a:ea typeface="DejaVu Sans"/>
+              </a:rPr>
+              <a:t>	</a:t>
+            </a:r>
+            <a:endParaRPr b="0" lang="en-CA" sz="2400" spc="-1" strike="noStrike">
+              <a:latin typeface="Arial"/>
+            </a:endParaRPr>
+          </a:p>
+          <a:p>
+            <a:pPr>
+              <a:lnSpc>
+                <a:spcPct val="100000"/>
+              </a:lnSpc>
+              <a:spcBef>
+                <a:spcPts val="479"/>
+              </a:spcBef>
+            </a:pPr>
             <a:endParaRPr b="0" lang="en-CA" sz="2400" spc="-1" strike="noStrike">
               <a:latin typeface="Arial"/>
             </a:endParaRPr>
@@ -7274,7 +7312,7 @@
         <p:spPr>
           <a:xfrm>
             <a:off x="432000" y="0"/>
-            <a:ext cx="7448040" cy="1180080"/>
+            <a:ext cx="7446960" cy="1179000"/>
           </a:xfrm>
           <a:prstGeom prst="rect">
             <a:avLst/>
@@ -7345,7 +7383,7 @@
         <p:spPr>
           <a:xfrm>
             <a:off x="0" y="0"/>
-            <a:ext cx="247320" cy="1192320"/>
+            <a:ext cx="246240" cy="1191240"/>
           </a:xfrm>
           <a:prstGeom prst="rect">
             <a:avLst/>
@@ -7471,7 +7509,7 @@
         <p:spPr>
           <a:xfrm>
             <a:off x="504000" y="1449360"/>
-            <a:ext cx="8275680" cy="5215680"/>
+            <a:ext cx="8274600" cy="5214600"/>
           </a:xfrm>
           <a:prstGeom prst="rect">
             <a:avLst/>
@@ -7622,7 +7660,7 @@
         <p:spPr>
           <a:xfrm>
             <a:off x="432000" y="0"/>
-            <a:ext cx="7448040" cy="1180080"/>
+            <a:ext cx="7446960" cy="1179000"/>
           </a:xfrm>
           <a:prstGeom prst="rect">
             <a:avLst/>
@@ -7693,7 +7731,7 @@
         <p:spPr>
           <a:xfrm>
             <a:off x="0" y="0"/>
-            <a:ext cx="247320" cy="1192320"/>
+            <a:ext cx="246240" cy="1191240"/>
           </a:xfrm>
           <a:prstGeom prst="rect">
             <a:avLst/>
@@ -7819,7 +7857,7 @@
         <p:spPr>
           <a:xfrm>
             <a:off x="504000" y="1449360"/>
-            <a:ext cx="8275680" cy="5215680"/>
+            <a:ext cx="8274600" cy="5214600"/>
           </a:xfrm>
           <a:prstGeom prst="rect">
             <a:avLst/>
@@ -7895,10 +7933,11 @@
               </a:spcBef>
             </a:pPr>
             <a:r>
-              <a:rPr b="0" lang="en-CA" sz="2200" spc="-1" strike="noStrike">
-                <a:solidFill>
-                  <a:srgbClr val="000000"/>
-                </a:solidFill>
+              <a:rPr b="0" lang="en-CA" sz="2200" spc="-1" strike="noStrike" u="sng">
+                <a:solidFill>
+                  <a:srgbClr val="0000ff"/>
+                </a:solidFill>
+                <a:uFillTx/>
                 <a:latin typeface="Calibri"/>
                 <a:ea typeface="DejaVu Sans"/>
                 <a:hlinkClick r:id="rId1"/>
@@ -7955,10 +7994,11 @@
               </a:spcBef>
             </a:pPr>
             <a:r>
-              <a:rPr b="0" lang="en-CA" sz="2200" spc="-1" strike="noStrike">
-                <a:solidFill>
-                  <a:srgbClr val="000000"/>
-                </a:solidFill>
+              <a:rPr b="0" lang="en-CA" sz="2200" spc="-1" strike="noStrike" u="sng">
+                <a:solidFill>
+                  <a:srgbClr val="0000ff"/>
+                </a:solidFill>
+                <a:uFillTx/>
                 <a:latin typeface="Calibri"/>
                 <a:ea typeface="DejaVu Sans"/>
                 <a:hlinkClick r:id="rId2"/>
@@ -8003,7 +8043,7 @@
         <p:spPr>
           <a:xfrm>
             <a:off x="432000" y="0"/>
-            <a:ext cx="7448040" cy="1180080"/>
+            <a:ext cx="7446960" cy="1179000"/>
           </a:xfrm>
           <a:prstGeom prst="rect">
             <a:avLst/>
@@ -8074,7 +8114,7 @@
         <p:spPr>
           <a:xfrm>
             <a:off x="0" y="0"/>
-            <a:ext cx="247320" cy="1192320"/>
+            <a:ext cx="246240" cy="1191240"/>
           </a:xfrm>
           <a:prstGeom prst="rect">
             <a:avLst/>
@@ -8200,7 +8240,7 @@
         <p:spPr>
           <a:xfrm>
             <a:off x="504000" y="1377360"/>
-            <a:ext cx="8275680" cy="5215680"/>
+            <a:ext cx="8274600" cy="5214600"/>
           </a:xfrm>
           <a:prstGeom prst="rect">
             <a:avLst/>
@@ -8338,7 +8378,7 @@
               </a:spcBef>
             </a:pPr>
             <a:r>
-              <a:rPr b="0" lang="en-CA" sz="3600" spc="-1" strike="noStrike" u="sng">
+              <a:rPr b="0" lang="en-CA" sz="2800" spc="-1" strike="noStrike" u="sng">
                 <a:solidFill>
                   <a:srgbClr val="0000ff"/>
                 </a:solidFill>
@@ -8349,7 +8389,7 @@
               </a:rPr>
               <a:t>https://tubemint.com/how-to-install-python-3-7-pip-3-ubuntu-19-04/</a:t>
             </a:r>
-            <a:endParaRPr b="0" lang="en-CA" sz="3600" spc="-1" strike="noStrike">
+            <a:endParaRPr b="0" lang="en-CA" sz="2800" spc="-1" strike="noStrike">
               <a:latin typeface="Arial"/>
             </a:endParaRPr>
           </a:p>
@@ -8362,7 +8402,7 @@
                 <a:spcPts val="479"/>
               </a:spcBef>
             </a:pPr>
-            <a:endParaRPr b="0" lang="en-CA" sz="3600" spc="-1" strike="noStrike">
+            <a:endParaRPr b="0" lang="en-CA" sz="2800" spc="-1" strike="noStrike">
               <a:latin typeface="Arial"/>
             </a:endParaRPr>
           </a:p>
@@ -8375,7 +8415,7 @@
                 <a:spcPts val="479"/>
               </a:spcBef>
             </a:pPr>
-            <a:endParaRPr b="0" lang="en-CA" sz="3600" spc="-1" strike="noStrike">
+            <a:endParaRPr b="0" lang="en-CA" sz="2800" spc="-1" strike="noStrike">
               <a:latin typeface="Arial"/>
             </a:endParaRPr>
           </a:p>
@@ -8413,7 +8453,7 @@
         <p:spPr>
           <a:xfrm>
             <a:off x="432000" y="0"/>
-            <a:ext cx="7448040" cy="1180080"/>
+            <a:ext cx="7446960" cy="1179000"/>
           </a:xfrm>
           <a:prstGeom prst="rect">
             <a:avLst/>
@@ -8484,7 +8524,7 @@
         <p:spPr>
           <a:xfrm>
             <a:off x="0" y="0"/>
-            <a:ext cx="247320" cy="1192320"/>
+            <a:ext cx="246240" cy="1191240"/>
           </a:xfrm>
           <a:prstGeom prst="rect">
             <a:avLst/>
@@ -8610,7 +8650,7 @@
         <p:spPr>
           <a:xfrm>
             <a:off x="1083960" y="1551960"/>
-            <a:ext cx="8275680" cy="5215680"/>
+            <a:ext cx="8274600" cy="5214600"/>
           </a:xfrm>
           <a:prstGeom prst="rect">
             <a:avLst/>
@@ -8722,10 +8762,11 @@
               </a:spcBef>
             </a:pPr>
             <a:r>
-              <a:rPr b="0" lang="en-CA" sz="2400" spc="-1" strike="noStrike">
-                <a:solidFill>
-                  <a:srgbClr val="000000"/>
-                </a:solidFill>
+              <a:rPr b="0" lang="en-CA" sz="2400" spc="-1" strike="noStrike" u="sng">
+                <a:solidFill>
+                  <a:srgbClr val="0000ff"/>
+                </a:solidFill>
+                <a:uFillTx/>
                 <a:latin typeface="Calibri"/>
                 <a:ea typeface="DejaVu Sans"/>
                 <a:hlinkClick r:id="rId1"/>
@@ -8770,7 +8811,7 @@
         <p:spPr>
           <a:xfrm>
             <a:off x="432000" y="0"/>
-            <a:ext cx="7448040" cy="1180080"/>
+            <a:ext cx="7446960" cy="1179000"/>
           </a:xfrm>
           <a:prstGeom prst="rect">
             <a:avLst/>
@@ -8841,7 +8882,7 @@
         <p:spPr>
           <a:xfrm>
             <a:off x="0" y="0"/>
-            <a:ext cx="247320" cy="1192320"/>
+            <a:ext cx="246240" cy="1191240"/>
           </a:xfrm>
           <a:prstGeom prst="rect">
             <a:avLst/>
@@ -8967,7 +9008,7 @@
         <p:spPr>
           <a:xfrm>
             <a:off x="1083960" y="1551960"/>
-            <a:ext cx="8275680" cy="5215680"/>
+            <a:ext cx="8274600" cy="5214600"/>
           </a:xfrm>
           <a:prstGeom prst="rect">
             <a:avLst/>
@@ -9132,19 +9173,9 @@
                 <a:latin typeface="Arial"/>
                 <a:ea typeface="DejaVu Sans"/>
               </a:rPr>
-              <a:t>(use this command: </a:t>
-            </a:r>
-            <a:r>
-              <a:rPr b="0" lang="en-CA" sz="900" spc="-1" strike="noStrike">
-                <a:solidFill>
-                  <a:srgbClr val="000000"/>
-                </a:solidFill>
-                <a:latin typeface="Arial"/>
-                <a:ea typeface="DejaVu Sans"/>
-              </a:rPr>
-              <a:t>sudo add-apt-repository "deb [arch=amd64] https://download.docker.com/linux/ubuntu $(lsb_release -cs) stable edge”</a:t>
-            </a:r>
-            <a:endParaRPr b="0" lang="en-CA" sz="900" spc="-1" strike="noStrike">
+              <a:t>(use this command:</a:t>
+            </a:r>
+            <a:endParaRPr b="0" lang="en-CA" sz="2000" spc="-1" strike="noStrike">
               <a:latin typeface="Arial"/>
             </a:endParaRPr>
           </a:p>
@@ -9158,108 +9189,17 @@
               </a:spcBef>
             </a:pPr>
             <a:r>
-              <a:rPr b="0" lang="en-CA" sz="2600" spc="-1" strike="noStrike">
+              <a:rPr b="0" lang="en-CA" sz="2000" spc="-1" strike="noStrike">
                 <a:solidFill>
                   <a:srgbClr val="000000"/>
                 </a:solidFill>
                 <a:latin typeface="Arial"/>
                 <a:ea typeface="DejaVu Sans"/>
-              </a:rPr>
-              <a:t>	</a:t>
-            </a:r>
-            <a:r>
-              <a:rPr b="0" lang="en-CA" sz="2600" spc="-1" strike="noStrike">
-                <a:solidFill>
-                  <a:srgbClr val="000000"/>
-                </a:solidFill>
-                <a:latin typeface="Arial"/>
-                <a:ea typeface="DejaVu Sans"/>
-              </a:rPr>
-              <a:t>	</a:t>
-            </a:r>
-            <a:r>
-              <a:rPr b="0" lang="en-CA" sz="2600" spc="-1" strike="noStrike">
-                <a:solidFill>
-                  <a:srgbClr val="000000"/>
-                </a:solidFill>
-                <a:latin typeface="Arial"/>
-                <a:ea typeface="DejaVu Sans"/>
-              </a:rPr>
-              <a:t>	</a:t>
-            </a:r>
-            <a:r>
-              <a:rPr b="0" lang="en-CA" sz="2600" spc="-1" strike="noStrike">
-                <a:solidFill>
-                  <a:srgbClr val="000000"/>
-                </a:solidFill>
-                <a:latin typeface="Arial"/>
-                <a:ea typeface="DejaVu Sans"/>
-              </a:rPr>
-              <a:t>                </a:t>
-            </a:r>
-            <a:r>
-              <a:rPr b="0" lang="en-CA" sz="2600" spc="-1" strike="noStrike">
-                <a:solidFill>
-                  <a:srgbClr val="000000"/>
-                </a:solidFill>
-                <a:latin typeface="Arial"/>
-                <a:ea typeface="DejaVu Sans"/>
-              </a:rPr>
-              <a:t>	</a:t>
-            </a:r>
-            <a:r>
-              <a:rPr b="0" lang="en-CA" sz="2600" spc="-1" strike="noStrike">
-                <a:solidFill>
-                  <a:srgbClr val="000000"/>
-                </a:solidFill>
-                <a:latin typeface="Arial"/>
-                <a:ea typeface="DejaVu Sans"/>
-              </a:rPr>
-              <a:t>	</a:t>
-            </a:r>
-            <a:r>
-              <a:rPr b="0" lang="en-CA" sz="2600" spc="-1" strike="noStrike">
-                <a:solidFill>
-                  <a:srgbClr val="000000"/>
-                </a:solidFill>
-                <a:latin typeface="Arial"/>
-                <a:ea typeface="DejaVu Sans"/>
-              </a:rPr>
-              <a:t>	</a:t>
-            </a:r>
-            <a:r>
-              <a:rPr b="0" lang="en-CA" sz="2600" spc="-1" strike="noStrike">
-                <a:solidFill>
-                  <a:srgbClr val="000000"/>
-                </a:solidFill>
-                <a:latin typeface="Arial"/>
-                <a:ea typeface="DejaVu Sans"/>
-              </a:rPr>
-              <a:t>	</a:t>
-            </a:r>
-            <a:r>
-              <a:rPr b="0" lang="en-CA" sz="2600" spc="-1" strike="noStrike">
-                <a:solidFill>
-                  <a:srgbClr val="000000"/>
-                </a:solidFill>
-                <a:latin typeface="Arial"/>
-                <a:ea typeface="DejaVu Sans"/>
-              </a:rPr>
-              <a:t>	</a:t>
-            </a:r>
-            <a:r>
-              <a:rPr b="0" lang="en-CA" sz="1800" spc="-1" strike="noStrike" u="sng">
-                <a:solidFill>
-                  <a:srgbClr val="0000ff"/>
-                </a:solidFill>
-                <a:uFillTx/>
-                <a:latin typeface="Calibri"/>
-                <a:ea typeface="DejaVu Sans"/>
                 <a:hlinkClick r:id="rId1"/>
               </a:rPr>
-              <a:t>https://medium.com/@Grigorkh/how-to-install-docker-on-ubuntu-19-04-7ccfeda5935</a:t>
-            </a:r>
-            <a:endParaRPr b="0" lang="en-CA" sz="1800" spc="-1" strike="noStrike">
+              <a:t>https://www.youtube.com/watch?v=lw5eKxMe6dU</a:t>
+            </a:r>
+            <a:endParaRPr b="0" lang="en-CA" sz="2000" spc="-1" strike="noStrike">
               <a:latin typeface="Arial"/>
             </a:endParaRPr>
           </a:p>
@@ -9272,7 +9212,7 @@
                 <a:spcPts val="479"/>
               </a:spcBef>
             </a:pPr>
-            <a:endParaRPr b="0" lang="en-CA" sz="1800" spc="-1" strike="noStrike">
+            <a:endParaRPr b="0" lang="en-CA" sz="2000" spc="-1" strike="noStrike">
               <a:latin typeface="Arial"/>
             </a:endParaRPr>
           </a:p>
@@ -9285,7 +9225,7 @@
                 <a:spcPts val="479"/>
               </a:spcBef>
             </a:pPr>
-            <a:endParaRPr b="0" lang="en-CA" sz="1800" spc="-1" strike="noStrike">
+            <a:endParaRPr b="0" lang="en-CA" sz="2000" spc="-1" strike="noStrike">
               <a:latin typeface="Arial"/>
             </a:endParaRPr>
           </a:p>
@@ -9298,7 +9238,7 @@
                 <a:spcPts val="479"/>
               </a:spcBef>
             </a:pPr>
-            <a:endParaRPr b="0" lang="en-CA" sz="1800" spc="-1" strike="noStrike">
+            <a:endParaRPr b="0" lang="en-CA" sz="2000" spc="-1" strike="noStrike">
               <a:latin typeface="Arial"/>
             </a:endParaRPr>
           </a:p>
@@ -9336,7 +9276,7 @@
         <p:spPr>
           <a:xfrm>
             <a:off x="432000" y="0"/>
-            <a:ext cx="7448040" cy="1180080"/>
+            <a:ext cx="7446960" cy="1179000"/>
           </a:xfrm>
           <a:prstGeom prst="rect">
             <a:avLst/>
@@ -9407,7 +9347,7 @@
         <p:spPr>
           <a:xfrm>
             <a:off x="0" y="0"/>
-            <a:ext cx="247320" cy="1192320"/>
+            <a:ext cx="246240" cy="1191240"/>
           </a:xfrm>
           <a:prstGeom prst="rect">
             <a:avLst/>
@@ -9533,7 +9473,7 @@
         <p:spPr>
           <a:xfrm>
             <a:off x="504000" y="1989360"/>
-            <a:ext cx="8275680" cy="5215680"/>
+            <a:ext cx="8274600" cy="5214600"/>
           </a:xfrm>
           <a:prstGeom prst="rect">
             <a:avLst/>
@@ -9572,7 +9512,7 @@
               </a:rPr>
               <a:t>Installing GIT Resources</a:t>
             </a:r>
-            <a:endParaRPr b="1" lang="en-CA" sz="2800" spc="-1" strike="noStrike">
+            <a:endParaRPr b="0" lang="en-CA" sz="2800" spc="-1" strike="noStrike">
               <a:latin typeface="Arial"/>
             </a:endParaRPr>
           </a:p>
@@ -9595,7 +9535,7 @@
               </a:rPr>
               <a:t>What is git:</a:t>
             </a:r>
-            <a:endParaRPr b="1" lang="en-CA" sz="2800" spc="-1" strike="noStrike">
+            <a:endParaRPr b="0" lang="en-CA" sz="2800" spc="-1" strike="noStrike">
               <a:latin typeface="Arial"/>
             </a:endParaRPr>
           </a:p>
@@ -9609,17 +9549,18 @@
               </a:spcBef>
             </a:pPr>
             <a:r>
-              <a:rPr b="1" lang="en-CA" sz="2800" spc="-1" strike="noStrike">
-                <a:solidFill>
-                  <a:srgbClr val="000000"/>
-                </a:solidFill>
+              <a:rPr b="1" lang="en-CA" sz="2800" spc="-1" strike="noStrike" u="sng">
+                <a:solidFill>
+                  <a:srgbClr val="0000ff"/>
+                </a:solidFill>
+                <a:uFillTx/>
                 <a:latin typeface="Calibri"/>
                 <a:ea typeface="DejaVu Sans"/>
                 <a:hlinkClick r:id="rId1"/>
               </a:rPr>
               <a:t>https://www.youtube.com/watch?v=uUuTYDg9XoI</a:t>
             </a:r>
-            <a:endParaRPr b="1" lang="en-CA" sz="2800" spc="-1" strike="noStrike">
+            <a:endParaRPr b="0" lang="en-CA" sz="2800" spc="-1" strike="noStrike">
               <a:latin typeface="Arial"/>
             </a:endParaRPr>
           </a:p>
@@ -9634,7 +9575,7 @@
         <p:spPr>
           <a:xfrm>
             <a:off x="432000" y="0"/>
-            <a:ext cx="7448040" cy="1180080"/>
+            <a:ext cx="7446960" cy="1179000"/>
           </a:xfrm>
           <a:prstGeom prst="rect">
             <a:avLst/>
@@ -9705,7 +9646,7 @@
         <p:spPr>
           <a:xfrm>
             <a:off x="0" y="0"/>
-            <a:ext cx="247320" cy="1192320"/>
+            <a:ext cx="246240" cy="1191240"/>
           </a:xfrm>
           <a:prstGeom prst="rect">
             <a:avLst/>
@@ -9831,7 +9772,7 @@
         <p:spPr>
           <a:xfrm>
             <a:off x="504000" y="1377360"/>
-            <a:ext cx="8275680" cy="5215680"/>
+            <a:ext cx="8274600" cy="5214600"/>
           </a:xfrm>
           <a:prstGeom prst="rect">
             <a:avLst/>
@@ -9891,6 +9832,7 @@
                 <a:uFillTx/>
                 <a:latin typeface="Calibri"/>
                 <a:ea typeface="DejaVu Sans"/>
+                <a:hlinkClick r:id="rId1"/>
               </a:rPr>
               <a:t>https://linuxconcept.com/install-git-on-ubuntu-19-04-operating-system/</a:t>
             </a:r>
@@ -9909,7 +9851,7 @@
         <p:spPr>
           <a:xfrm>
             <a:off x="432000" y="0"/>
-            <a:ext cx="7448040" cy="1180080"/>
+            <a:ext cx="7446960" cy="1179000"/>
           </a:xfrm>
           <a:prstGeom prst="rect">
             <a:avLst/>
@@ -9980,7 +9922,7 @@
         <p:spPr>
           <a:xfrm>
             <a:off x="0" y="0"/>
-            <a:ext cx="247320" cy="1192320"/>
+            <a:ext cx="246240" cy="1191240"/>
           </a:xfrm>
           <a:prstGeom prst="rect">
             <a:avLst/>
@@ -10106,7 +10048,7 @@
         <p:spPr>
           <a:xfrm>
             <a:off x="504000" y="1377360"/>
-            <a:ext cx="8275680" cy="5215680"/>
+            <a:ext cx="8274600" cy="5214600"/>
           </a:xfrm>
           <a:prstGeom prst="rect">
             <a:avLst/>
@@ -10328,7 +10270,7 @@
         <p:spPr>
           <a:xfrm>
             <a:off x="432000" y="0"/>
-            <a:ext cx="7448040" cy="1180080"/>
+            <a:ext cx="7446960" cy="1179000"/>
           </a:xfrm>
           <a:prstGeom prst="rect">
             <a:avLst/>
@@ -10399,7 +10341,7 @@
         <p:spPr>
           <a:xfrm>
             <a:off x="0" y="0"/>
-            <a:ext cx="247320" cy="1192320"/>
+            <a:ext cx="246240" cy="1191240"/>
           </a:xfrm>
           <a:prstGeom prst="rect">
             <a:avLst/>
@@ -10525,7 +10467,7 @@
         <p:spPr>
           <a:xfrm>
             <a:off x="432000" y="13680"/>
-            <a:ext cx="7448040" cy="1180080"/>
+            <a:ext cx="7446960" cy="1179000"/>
           </a:xfrm>
           <a:prstGeom prst="rect">
             <a:avLst/>
@@ -10596,7 +10538,7 @@
         <p:spPr>
           <a:xfrm>
             <a:off x="0" y="0"/>
-            <a:ext cx="247320" cy="1192320"/>
+            <a:ext cx="246240" cy="1191240"/>
           </a:xfrm>
           <a:prstGeom prst="rect">
             <a:avLst/>
@@ -10666,7 +10608,7 @@
         <p:spPr>
           <a:xfrm>
             <a:off x="457200" y="273600"/>
-            <a:ext cx="8226360" cy="5304960"/>
+            <a:ext cx="8225280" cy="5303880"/>
           </a:xfrm>
           <a:prstGeom prst="rect">
             <a:avLst/>
@@ -10715,7 +10657,7 @@
         <p:spPr>
           <a:xfrm>
             <a:off x="576000" y="1728000"/>
-            <a:ext cx="6765120" cy="2391120"/>
+            <a:ext cx="6764040" cy="2390040"/>
           </a:xfrm>
           <a:prstGeom prst="rect">
             <a:avLst/>
@@ -10764,7 +10706,7 @@
             </a:endParaRPr>
           </a:p>
           <a:p>
-            <a:pPr marL="216000" indent="-213120">
+            <a:pPr marL="216000" indent="-212040">
               <a:lnSpc>
                 <a:spcPct val="100000"/>
               </a:lnSpc>
@@ -10800,7 +10742,7 @@
             </a:endParaRPr>
           </a:p>
           <a:p>
-            <a:pPr marL="216000" indent="-213120">
+            <a:pPr marL="216000" indent="-212040">
               <a:lnSpc>
                 <a:spcPct val="100000"/>
               </a:lnSpc>
@@ -10826,7 +10768,7 @@
             </a:endParaRPr>
           </a:p>
           <a:p>
-            <a:pPr lvl="2" marL="648000" indent="-213480">
+            <a:pPr lvl="2" marL="648000" indent="-212400">
               <a:lnSpc>
                 <a:spcPct val="100000"/>
               </a:lnSpc>
@@ -10852,7 +10794,7 @@
             </a:endParaRPr>
           </a:p>
           <a:p>
-            <a:pPr lvl="2" marL="648000" indent="-213480">
+            <a:pPr lvl="2" marL="648000" indent="-212400">
               <a:lnSpc>
                 <a:spcPct val="100000"/>
               </a:lnSpc>
@@ -10878,7 +10820,7 @@
             </a:endParaRPr>
           </a:p>
           <a:p>
-            <a:pPr lvl="2" marL="648000" indent="-213480">
+            <a:pPr lvl="2" marL="648000" indent="-212400">
               <a:lnSpc>
                 <a:spcPct val="100000"/>
               </a:lnSpc>
@@ -10904,7 +10846,7 @@
             </a:endParaRPr>
           </a:p>
           <a:p>
-            <a:pPr lvl="2" marL="648000" indent="-213480">
+            <a:pPr lvl="2" marL="648000" indent="-212400">
               <a:lnSpc>
                 <a:spcPct val="100000"/>
               </a:lnSpc>
@@ -10930,7 +10872,7 @@
             </a:endParaRPr>
           </a:p>
           <a:p>
-            <a:pPr lvl="2" marL="648000" indent="-213480">
+            <a:pPr lvl="2" marL="648000" indent="-212400">
               <a:lnSpc>
                 <a:spcPct val="100000"/>
               </a:lnSpc>
@@ -10956,7 +10898,7 @@
             </a:endParaRPr>
           </a:p>
           <a:p>
-            <a:pPr lvl="2" marL="648000" indent="-213480">
+            <a:pPr lvl="2" marL="648000" indent="-212400">
               <a:lnSpc>
                 <a:spcPct val="100000"/>
               </a:lnSpc>
@@ -10982,7 +10924,7 @@
             </a:endParaRPr>
           </a:p>
           <a:p>
-            <a:pPr lvl="2" marL="648000" indent="-213480">
+            <a:pPr lvl="2" marL="648000" indent="-212400">
               <a:lnSpc>
                 <a:spcPct val="100000"/>
               </a:lnSpc>
@@ -11008,7 +10950,7 @@
             </a:endParaRPr>
           </a:p>
           <a:p>
-            <a:pPr lvl="2" marL="648000" indent="-213480">
+            <a:pPr lvl="2" marL="648000" indent="-212400">
               <a:lnSpc>
                 <a:spcPct val="100000"/>
               </a:lnSpc>
@@ -11120,7 +11062,7 @@
         <p:spPr>
           <a:xfrm>
             <a:off x="504000" y="1377360"/>
-            <a:ext cx="8275680" cy="5215680"/>
+            <a:ext cx="8274600" cy="5214600"/>
           </a:xfrm>
           <a:prstGeom prst="rect">
             <a:avLst/>
@@ -11159,7 +11101,7 @@
               </a:rPr>
               <a:t>Installing Jenkins Resources</a:t>
             </a:r>
-            <a:endParaRPr b="1" lang="en-CA" sz="2400" spc="-1" strike="noStrike">
+            <a:endParaRPr b="0" lang="en-CA" sz="2400" spc="-1" strike="noStrike">
               <a:latin typeface="Arial"/>
             </a:endParaRPr>
           </a:p>
@@ -11182,7 +11124,7 @@
               </a:rPr>
               <a:t>What is Jenkins</a:t>
             </a:r>
-            <a:endParaRPr b="1" lang="en-CA" sz="2400" spc="-1" strike="noStrike">
+            <a:endParaRPr b="0" lang="en-CA" sz="2400" spc="-1" strike="noStrike">
               <a:latin typeface="Arial"/>
             </a:endParaRPr>
           </a:p>
@@ -11196,17 +11138,18 @@
               </a:spcBef>
             </a:pPr>
             <a:r>
-              <a:rPr b="0" lang="en-CA" sz="2400" spc="-1" strike="noStrike">
-                <a:solidFill>
-                  <a:srgbClr val="000000"/>
-                </a:solidFill>
+              <a:rPr b="0" lang="en-CA" sz="2400" spc="-1" strike="noStrike" u="sng">
+                <a:solidFill>
+                  <a:srgbClr val="0000ff"/>
+                </a:solidFill>
+                <a:uFillTx/>
                 <a:latin typeface="Calibri"/>
                 <a:ea typeface="DejaVu Sans"/>
                 <a:hlinkClick r:id="rId1"/>
               </a:rPr>
               <a:t>https://www.youtube.com/watch?v=LFDrDnKPOTg</a:t>
             </a:r>
-            <a:endParaRPr b="1" lang="en-CA" sz="2400" spc="-1" strike="noStrike">
+            <a:endParaRPr b="0" lang="en-CA" sz="2400" spc="-1" strike="noStrike">
               <a:latin typeface="Arial"/>
             </a:endParaRPr>
           </a:p>
@@ -11219,7 +11162,20 @@
                 <a:spcPts val="479"/>
               </a:spcBef>
             </a:pPr>
-            <a:endParaRPr b="1" lang="en-CA" sz="2400" spc="-1" strike="noStrike">
+            <a:endParaRPr b="0" lang="en-CA" sz="2400" spc="-1" strike="noStrike">
+              <a:latin typeface="Arial"/>
+            </a:endParaRPr>
+          </a:p>
+          <a:p>
+            <a:pPr>
+              <a:lnSpc>
+                <a:spcPct val="100000"/>
+              </a:lnSpc>
+              <a:spcBef>
+                <a:spcPts val="479"/>
+              </a:spcBef>
+            </a:pPr>
+            <a:endParaRPr b="0" lang="en-CA" sz="2400" spc="-1" strike="noStrike">
               <a:latin typeface="Arial"/>
             </a:endParaRPr>
           </a:p>
@@ -11234,7 +11190,7 @@
         <p:spPr>
           <a:xfrm>
             <a:off x="432000" y="0"/>
-            <a:ext cx="7448040" cy="1180080"/>
+            <a:ext cx="7446960" cy="1179000"/>
           </a:xfrm>
           <a:prstGeom prst="rect">
             <a:avLst/>
@@ -11305,7 +11261,7 @@
         <p:spPr>
           <a:xfrm>
             <a:off x="0" y="0"/>
-            <a:ext cx="247320" cy="1192320"/>
+            <a:ext cx="246240" cy="1191240"/>
           </a:xfrm>
           <a:prstGeom prst="rect">
             <a:avLst/>
@@ -11431,7 +11387,7 @@
         <p:spPr>
           <a:xfrm>
             <a:off x="504000" y="1377360"/>
-            <a:ext cx="8275680" cy="5215680"/>
+            <a:ext cx="8274600" cy="5214600"/>
           </a:xfrm>
           <a:prstGeom prst="rect">
             <a:avLst/>
@@ -11470,7 +11426,7 @@
               </a:rPr>
               <a:t>Installing Jenkins</a:t>
             </a:r>
-            <a:endParaRPr b="1" lang="en-CA" sz="2400" spc="-1" strike="noStrike">
+            <a:endParaRPr b="0" lang="en-CA" sz="2400" spc="-1" strike="noStrike">
               <a:latin typeface="Arial"/>
             </a:endParaRPr>
           </a:p>
@@ -11483,7 +11439,7 @@
                 <a:spcPts val="479"/>
               </a:spcBef>
             </a:pPr>
-            <a:endParaRPr b="1" lang="en-CA" sz="2400" spc="-1" strike="noStrike">
+            <a:endParaRPr b="0" lang="en-CA" sz="2400" spc="-1" strike="noStrike">
               <a:latin typeface="Arial"/>
             </a:endParaRPr>
           </a:p>
@@ -11506,7 +11462,7 @@
               </a:rPr>
               <a:t>Follow the steps here to install jenkins:</a:t>
             </a:r>
-            <a:endParaRPr b="1" lang="en-CA" sz="2400" spc="-1" strike="noStrike">
+            <a:endParaRPr b="0" lang="en-CA" sz="2400" spc="-1" strike="noStrike">
               <a:latin typeface="Arial"/>
             </a:endParaRPr>
           </a:p>
@@ -11520,17 +11476,18 @@
               </a:spcBef>
             </a:pPr>
             <a:r>
-              <a:rPr b="1" lang="en-CA" sz="2400" spc="-1" strike="noStrike">
-                <a:solidFill>
-                  <a:srgbClr val="000000"/>
-                </a:solidFill>
+              <a:rPr b="1" lang="en-CA" sz="2400" spc="-1" strike="noStrike" u="sng">
+                <a:solidFill>
+                  <a:srgbClr val="0000ff"/>
+                </a:solidFill>
+                <a:uFillTx/>
                 <a:latin typeface="Calibri"/>
                 <a:ea typeface="DejaVu Sans"/>
                 <a:hlinkClick r:id="rId1"/>
               </a:rPr>
               <a:t>https://www.youtube.com/watch?v=Uz9XDdR3eck</a:t>
             </a:r>
-            <a:endParaRPr b="1" lang="en-CA" sz="2400" spc="-1" strike="noStrike">
+            <a:endParaRPr b="0" lang="en-CA" sz="2400" spc="-1" strike="noStrike">
               <a:latin typeface="Arial"/>
             </a:endParaRPr>
           </a:p>
@@ -11543,7 +11500,7 @@
                 <a:spcPts val="479"/>
               </a:spcBef>
             </a:pPr>
-            <a:endParaRPr b="1" lang="en-CA" sz="2400" spc="-1" strike="noStrike">
+            <a:endParaRPr b="0" lang="en-CA" sz="2400" spc="-1" strike="noStrike">
               <a:latin typeface="Arial"/>
             </a:endParaRPr>
           </a:p>
@@ -11556,7 +11513,7 @@
                 <a:spcPts val="479"/>
               </a:spcBef>
             </a:pPr>
-            <a:endParaRPr b="1" lang="en-CA" sz="2400" spc="-1" strike="noStrike">
+            <a:endParaRPr b="0" lang="en-CA" sz="2400" spc="-1" strike="noStrike">
               <a:latin typeface="Arial"/>
             </a:endParaRPr>
           </a:p>
@@ -11569,7 +11526,7 @@
                 <a:spcPts val="479"/>
               </a:spcBef>
             </a:pPr>
-            <a:endParaRPr b="1" lang="en-CA" sz="2400" spc="-1" strike="noStrike">
+            <a:endParaRPr b="0" lang="en-CA" sz="2400" spc="-1" strike="noStrike">
               <a:latin typeface="Arial"/>
             </a:endParaRPr>
           </a:p>
@@ -11584,7 +11541,7 @@
         <p:spPr>
           <a:xfrm>
             <a:off x="432000" y="0"/>
-            <a:ext cx="7448040" cy="1180080"/>
+            <a:ext cx="7446960" cy="1179000"/>
           </a:xfrm>
           <a:prstGeom prst="rect">
             <a:avLst/>
@@ -11655,7 +11612,7 @@
         <p:spPr>
           <a:xfrm>
             <a:off x="0" y="0"/>
-            <a:ext cx="247320" cy="1192320"/>
+            <a:ext cx="246240" cy="1191240"/>
           </a:xfrm>
           <a:prstGeom prst="rect">
             <a:avLst/>
@@ -11780,8 +11737,8 @@
         </p:nvSpPr>
         <p:spPr>
           <a:xfrm>
-            <a:off x="504000" y="1269360"/>
-            <a:ext cx="8275680" cy="5215680"/>
+            <a:off x="504000" y="1377360"/>
+            <a:ext cx="8274600" cy="5214600"/>
           </a:xfrm>
           <a:prstGeom prst="rect">
             <a:avLst/>
@@ -11806,82 +11763,32 @@
               <a:lnSpc>
                 <a:spcPct val="100000"/>
               </a:lnSpc>
-            </a:pPr>
-            <a:r>
-              <a:rPr b="1" lang="en-CA" sz="1800" spc="-1" strike="noStrike">
-                <a:solidFill>
-                  <a:srgbClr val="000000"/>
-                </a:solidFill>
-                <a:latin typeface="Arial"/>
-                <a:ea typeface="DejaVu Sans"/>
-              </a:rPr>
-              <a:t>Ansible</a:t>
-            </a:r>
-            <a:endParaRPr b="0" lang="en-CA" sz="1800" spc="-1" strike="noStrike">
-              <a:latin typeface="Arial"/>
-            </a:endParaRPr>
-          </a:p>
-          <a:p>
-            <a:pPr>
-              <a:lnSpc>
-                <a:spcPct val="100000"/>
-              </a:lnSpc>
-            </a:pPr>
-            <a:endParaRPr b="0" lang="en-CA" sz="1800" spc="-1" strike="noStrike">
-              <a:latin typeface="Arial"/>
-            </a:endParaRPr>
-          </a:p>
-          <a:p>
-            <a:pPr>
-              <a:lnSpc>
-                <a:spcPct val="100000"/>
-              </a:lnSpc>
-            </a:pPr>
-            <a:r>
-              <a:rPr b="1" lang="en-CA" sz="1800" spc="-1" strike="noStrike">
-                <a:solidFill>
-                  <a:srgbClr val="000000"/>
-                </a:solidFill>
-                <a:latin typeface="Arial"/>
-                <a:ea typeface="DejaVu Sans"/>
-              </a:rPr>
-              <a:t>Resouces:</a:t>
-            </a:r>
-            <a:endParaRPr b="0" lang="en-CA" sz="1800" spc="-1" strike="noStrike">
-              <a:latin typeface="Arial"/>
-            </a:endParaRPr>
-          </a:p>
-          <a:p>
-            <a:pPr>
-              <a:lnSpc>
-                <a:spcPct val="100000"/>
-              </a:lnSpc>
-            </a:pPr>
-            <a:endParaRPr b="0" lang="en-CA" sz="1800" spc="-1" strike="noStrike">
-              <a:latin typeface="Arial"/>
-            </a:endParaRPr>
-          </a:p>
-          <a:p>
-            <a:pPr>
-              <a:lnSpc>
-                <a:spcPct val="100000"/>
-              </a:lnSpc>
-            </a:pPr>
-            <a:r>
-              <a:rPr b="0" lang="en-CA" sz="1800" spc="-1" strike="noStrike">
-                <a:latin typeface="Arial"/>
-              </a:rPr>
-              <a:t>What is ansible</a:t>
-            </a:r>
-            <a:endParaRPr b="0" lang="en-CA" sz="1800" spc="-1" strike="noStrike">
-              <a:latin typeface="Arial"/>
-            </a:endParaRPr>
-          </a:p>
-          <a:p>
-            <a:pPr>
-              <a:lnSpc>
-                <a:spcPct val="100000"/>
-              </a:lnSpc>
+              <a:spcBef>
+                <a:spcPts val="479"/>
+              </a:spcBef>
+            </a:pPr>
+            <a:r>
+              <a:rPr b="1" lang="en-CA" sz="2400" spc="-1" strike="noStrike">
+                <a:solidFill>
+                  <a:srgbClr val="000000"/>
+                </a:solidFill>
+                <a:latin typeface="Calibri"/>
+                <a:ea typeface="DejaVu Sans"/>
+              </a:rPr>
+              <a:t>Unlock Jenkins</a:t>
+            </a:r>
+            <a:endParaRPr b="0" lang="en-CA" sz="2400" spc="-1" strike="noStrike">
+              <a:latin typeface="Arial"/>
+            </a:endParaRPr>
+          </a:p>
+          <a:p>
+            <a:pPr>
+              <a:lnSpc>
+                <a:spcPct val="100000"/>
+              </a:lnSpc>
+              <a:spcBef>
+                <a:spcPts val="479"/>
+              </a:spcBef>
             </a:pPr>
             <a:r>
               <a:rPr b="0" lang="en-CA" sz="2400" spc="-1" strike="noStrike">
@@ -11890,10 +11797,140 @@
                 </a:solidFill>
                 <a:latin typeface="Calibri"/>
                 <a:ea typeface="DejaVu Sans"/>
-                <a:hlinkClick r:id="rId1"/>
-              </a:rPr>
-              <a:t> https://www.youtube.com/watch?v=p7-U1_E_j3wK</a:t>
-            </a:r>
+              </a:rPr>
+              <a:t>1) Browse to localhost:8080</a:t>
+            </a:r>
+            <a:endParaRPr b="0" lang="en-CA" sz="2400" spc="-1" strike="noStrike">
+              <a:latin typeface="Arial"/>
+            </a:endParaRPr>
+          </a:p>
+          <a:p>
+            <a:pPr>
+              <a:lnSpc>
+                <a:spcPct val="100000"/>
+              </a:lnSpc>
+              <a:spcBef>
+                <a:spcPts val="479"/>
+              </a:spcBef>
+            </a:pPr>
+            <a:r>
+              <a:rPr b="0" lang="en-CA" sz="2400" spc="-1" strike="noStrike">
+                <a:solidFill>
+                  <a:srgbClr val="000000"/>
+                </a:solidFill>
+                <a:latin typeface="Calibri"/>
+                <a:ea typeface="DejaVu Sans"/>
+              </a:rPr>
+              <a:t>2) Open a terminal</a:t>
+            </a:r>
+            <a:endParaRPr b="0" lang="en-CA" sz="2400" spc="-1" strike="noStrike">
+              <a:latin typeface="Arial"/>
+            </a:endParaRPr>
+          </a:p>
+          <a:p>
+            <a:pPr>
+              <a:lnSpc>
+                <a:spcPct val="100000"/>
+              </a:lnSpc>
+              <a:spcBef>
+                <a:spcPts val="479"/>
+              </a:spcBef>
+            </a:pPr>
+            <a:r>
+              <a:rPr b="0" lang="en-CA" sz="2400" spc="-1" strike="noStrike">
+                <a:solidFill>
+                  <a:srgbClr val="000000"/>
+                </a:solidFill>
+                <a:latin typeface="Calibri"/>
+                <a:ea typeface="DejaVu Sans"/>
+              </a:rPr>
+              <a:t>3) cat /var/lib/jenkins/secrets/initialAdminPassword</a:t>
+            </a:r>
+            <a:endParaRPr b="0" lang="en-CA" sz="2400" spc="-1" strike="noStrike">
+              <a:latin typeface="Arial"/>
+            </a:endParaRPr>
+          </a:p>
+          <a:p>
+            <a:pPr>
+              <a:lnSpc>
+                <a:spcPct val="100000"/>
+              </a:lnSpc>
+              <a:spcBef>
+                <a:spcPts val="479"/>
+              </a:spcBef>
+            </a:pPr>
+            <a:r>
+              <a:rPr b="0" lang="en-CA" sz="2400" spc="-1" strike="noStrike">
+                <a:solidFill>
+                  <a:srgbClr val="000000"/>
+                </a:solidFill>
+                <a:latin typeface="Calibri"/>
+                <a:ea typeface="DejaVu Sans"/>
+              </a:rPr>
+              <a:t>4) Copy the output of that command into the input box</a:t>
+            </a:r>
+            <a:endParaRPr b="0" lang="en-CA" sz="2400" spc="-1" strike="noStrike">
+              <a:latin typeface="Arial"/>
+            </a:endParaRPr>
+          </a:p>
+          <a:p>
+            <a:pPr>
+              <a:lnSpc>
+                <a:spcPct val="100000"/>
+              </a:lnSpc>
+              <a:spcBef>
+                <a:spcPts val="479"/>
+              </a:spcBef>
+            </a:pPr>
+            <a:r>
+              <a:rPr b="0" lang="en-CA" sz="2400" spc="-1" strike="noStrike">
+                <a:solidFill>
+                  <a:srgbClr val="000000"/>
+                </a:solidFill>
+                <a:latin typeface="Calibri"/>
+                <a:ea typeface="DejaVu Sans"/>
+              </a:rPr>
+              <a:t>5) click continue as an admin</a:t>
+            </a:r>
+            <a:endParaRPr b="0" lang="en-CA" sz="2400" spc="-1" strike="noStrike">
+              <a:latin typeface="Arial"/>
+            </a:endParaRPr>
+          </a:p>
+          <a:p>
+            <a:pPr>
+              <a:lnSpc>
+                <a:spcPct val="100000"/>
+              </a:lnSpc>
+              <a:spcBef>
+                <a:spcPts val="479"/>
+              </a:spcBef>
+            </a:pPr>
+            <a:endParaRPr b="0" lang="en-CA" sz="2400" spc="-1" strike="noStrike">
+              <a:latin typeface="Arial"/>
+            </a:endParaRPr>
+          </a:p>
+          <a:p>
+            <a:pPr>
+              <a:lnSpc>
+                <a:spcPct val="100000"/>
+              </a:lnSpc>
+              <a:spcBef>
+                <a:spcPts val="479"/>
+              </a:spcBef>
+            </a:pPr>
+            <a:endParaRPr b="0" lang="en-CA" sz="2400" spc="-1" strike="noStrike">
+              <a:latin typeface="Arial"/>
+            </a:endParaRPr>
+          </a:p>
+          <a:p>
+            <a:pPr>
+              <a:lnSpc>
+                <a:spcPct val="100000"/>
+              </a:lnSpc>
+              <a:spcBef>
+                <a:spcPts val="479"/>
+              </a:spcBef>
+            </a:pPr>
             <a:endParaRPr b="0" lang="en-CA" sz="2400" spc="-1" strike="noStrike">
               <a:latin typeface="Arial"/>
             </a:endParaRPr>
@@ -11909,7 +11946,7 @@
         <p:spPr>
           <a:xfrm>
             <a:off x="432000" y="0"/>
-            <a:ext cx="7448040" cy="1180080"/>
+            <a:ext cx="7446960" cy="1179000"/>
           </a:xfrm>
           <a:prstGeom prst="rect">
             <a:avLst/>
@@ -11980,7 +12017,7 @@
         <p:spPr>
           <a:xfrm>
             <a:off x="0" y="0"/>
-            <a:ext cx="247320" cy="1192320"/>
+            <a:ext cx="246240" cy="1191240"/>
           </a:xfrm>
           <a:prstGeom prst="rect">
             <a:avLst/>
@@ -12076,6 +12113,13 @@
 <file path=ppt/slides/slide23.xml><?xml version="1.0" encoding="utf-8"?>
 <p:sld xmlns:a="http://schemas.openxmlformats.org/drawingml/2006/main" xmlns:p="http://schemas.openxmlformats.org/presentationml/2006/main" xmlns:r="http://schemas.openxmlformats.org/officeDocument/2006/relationships" xmlns:p14="http://schemas.microsoft.com/office/powerpoint/2010/main" xmlns:p15="http://schemas.microsoft.com/office/powerpoint/2012/main" xmlns:mc="http://schemas.openxmlformats.org/markup-compatibility/2006">
   <p:cSld>
+    <p:bg>
+      <p:bgPr>
+        <a:solidFill>
+          <a:srgbClr val="f2f2f2"/>
+        </a:solidFill>
+      </p:bgPr>
+    </p:bg>
     <p:spTree>
       <p:nvGrpSpPr>
         <p:cNvPr id="1" name=""/>
@@ -12098,8 +12142,8 @@
         </p:nvSpPr>
         <p:spPr>
           <a:xfrm>
-            <a:off x="457200" y="273600"/>
-            <a:ext cx="8227440" cy="1143000"/>
+            <a:off x="504000" y="1269360"/>
+            <a:ext cx="8274600" cy="5214600"/>
           </a:xfrm>
           <a:prstGeom prst="rect">
             <a:avLst/>
@@ -12115,6 +12159,113 @@
           <a:effectRef idx="0"/>
           <a:fontRef idx="minor"/>
         </p:style>
+        <p:txBody>
+          <a:bodyPr lIns="90000" rIns="90000" tIns="45000" bIns="45000" anchor="ctr">
+            <a:normAutofit/>
+          </a:bodyPr>
+          <a:p>
+            <a:pPr>
+              <a:lnSpc>
+                <a:spcPct val="100000"/>
+              </a:lnSpc>
+            </a:pPr>
+            <a:r>
+              <a:rPr b="1" lang="en-CA" sz="1800" spc="-1" strike="noStrike">
+                <a:solidFill>
+                  <a:srgbClr val="000000"/>
+                </a:solidFill>
+                <a:latin typeface="Arial"/>
+                <a:ea typeface="DejaVu Sans"/>
+              </a:rPr>
+              <a:t>Ansible</a:t>
+            </a:r>
+            <a:endParaRPr b="0" lang="en-CA" sz="1800" spc="-1" strike="noStrike">
+              <a:latin typeface="Arial"/>
+            </a:endParaRPr>
+          </a:p>
+          <a:p>
+            <a:pPr>
+              <a:lnSpc>
+                <a:spcPct val="100000"/>
+              </a:lnSpc>
+            </a:pPr>
+            <a:endParaRPr b="0" lang="en-CA" sz="1800" spc="-1" strike="noStrike">
+              <a:latin typeface="Arial"/>
+            </a:endParaRPr>
+          </a:p>
+          <a:p>
+            <a:pPr>
+              <a:lnSpc>
+                <a:spcPct val="100000"/>
+              </a:lnSpc>
+            </a:pPr>
+            <a:r>
+              <a:rPr b="1" lang="en-CA" sz="1800" spc="-1" strike="noStrike">
+                <a:solidFill>
+                  <a:srgbClr val="000000"/>
+                </a:solidFill>
+                <a:latin typeface="Arial"/>
+                <a:ea typeface="DejaVu Sans"/>
+              </a:rPr>
+              <a:t>Resouces:</a:t>
+            </a:r>
+            <a:endParaRPr b="0" lang="en-CA" sz="1800" spc="-1" strike="noStrike">
+              <a:latin typeface="Arial"/>
+            </a:endParaRPr>
+          </a:p>
+          <a:p>
+            <a:pPr>
+              <a:lnSpc>
+                <a:spcPct val="100000"/>
+              </a:lnSpc>
+            </a:pPr>
+            <a:endParaRPr b="0" lang="en-CA" sz="1800" spc="-1" strike="noStrike">
+              <a:latin typeface="Arial"/>
+            </a:endParaRPr>
+          </a:p>
+          <a:p>
+            <a:pPr>
+              <a:lnSpc>
+                <a:spcPct val="100000"/>
+              </a:lnSpc>
+            </a:pPr>
+            <a:r>
+              <a:rPr b="0" lang="en-CA" sz="1800" spc="-1" strike="noStrike">
+                <a:solidFill>
+                  <a:srgbClr val="000000"/>
+                </a:solidFill>
+                <a:latin typeface="Arial"/>
+                <a:ea typeface="DejaVu Sans"/>
+              </a:rPr>
+              <a:t>What is ansible</a:t>
+            </a:r>
+            <a:endParaRPr b="0" lang="en-CA" sz="1800" spc="-1" strike="noStrike">
+              <a:latin typeface="Arial"/>
+            </a:endParaRPr>
+          </a:p>
+          <a:p>
+            <a:pPr>
+              <a:lnSpc>
+                <a:spcPct val="100000"/>
+              </a:lnSpc>
+            </a:pPr>
+            <a:r>
+              <a:rPr b="0" lang="en-CA" sz="2400" spc="-1" strike="noStrike" u="sng">
+                <a:solidFill>
+                  <a:srgbClr val="0000ff"/>
+                </a:solidFill>
+                <a:uFillTx/>
+                <a:latin typeface="Calibri"/>
+                <a:ea typeface="DejaVu Sans"/>
+                <a:hlinkClick r:id="rId1"/>
+              </a:rPr>
+              <a:t> https://www.youtube.com/watch?v=p7-U1_E_j3wK</a:t>
+            </a:r>
+            <a:endParaRPr b="0" lang="en-CA" sz="2400" spc="-1" strike="noStrike">
+              <a:latin typeface="Arial"/>
+            </a:endParaRPr>
+          </a:p>
+        </p:txBody>
       </p:sp>
       <p:sp>
         <p:nvSpPr>
@@ -12124,8 +12275,8 @@
         </p:nvSpPr>
         <p:spPr>
           <a:xfrm>
-            <a:off x="457200" y="1604520"/>
-            <a:ext cx="2647800" cy="1895040"/>
+            <a:off x="432000" y="0"/>
+            <a:ext cx="7446960" cy="1179000"/>
           </a:xfrm>
           <a:prstGeom prst="rect">
             <a:avLst/>
@@ -12141,6 +12292,51 @@
           <a:effectRef idx="0"/>
           <a:fontRef idx="minor"/>
         </p:style>
+        <p:txBody>
+          <a:bodyPr lIns="90000" rIns="90000" tIns="45000" bIns="45000" anchor="ctr">
+            <a:normAutofit/>
+          </a:bodyPr>
+          <a:p>
+            <a:pPr>
+              <a:lnSpc>
+                <a:spcPct val="100000"/>
+              </a:lnSpc>
+            </a:pPr>
+            <a:r>
+              <a:rPr b="0" lang="en-CA" sz="3000" spc="-1" strike="noStrike" cap="all">
+                <a:solidFill>
+                  <a:srgbClr val="292929"/>
+                </a:solidFill>
+                <a:latin typeface="Nexa Bold"/>
+                <a:ea typeface="DejaVu Sans"/>
+              </a:rPr>
+              <a:t>Installing our</a:t>
+            </a:r>
+            <a:r>
+              <a:rPr b="0" lang="en-CA" sz="3000" spc="-1" strike="noStrike">
+                <a:solidFill>
+                  <a:srgbClr val="292929"/>
+                </a:solidFill>
+                <a:latin typeface="Nexa Bold"/>
+                <a:ea typeface="DejaVu Sans"/>
+              </a:rPr>
+              <a:t> </a:t>
+            </a:r>
+            <a:r>
+              <a:rPr b="0" lang="en-CA" sz="3000" spc="-1" strike="noStrike" cap="all">
+                <a:solidFill>
+                  <a:srgbClr val="1fa0be"/>
+                </a:solidFill>
+                <a:latin typeface="Nexa Bold"/>
+                <a:ea typeface="DejaVu Sans"/>
+              </a:rPr>
+              <a:t>Stack</a:t>
+            </a:r>
+            <a:endParaRPr b="0" lang="en-CA" sz="3000" spc="-1" strike="noStrike">
+              <a:latin typeface="Arial"/>
+            </a:endParaRPr>
+          </a:p>
+        </p:txBody>
       </p:sp>
       <p:sp>
         <p:nvSpPr>
@@ -12150,431 +12346,67 @@
         </p:nvSpPr>
         <p:spPr>
           <a:xfrm>
-            <a:off x="3239640" y="1604520"/>
-            <a:ext cx="2647800" cy="1895040"/>
-          </a:xfrm>
-          <a:prstGeom prst="rect">
-            <a:avLst/>
-          </a:prstGeom>
-          <a:noFill/>
+            <a:off x="0" y="0"/>
+            <a:ext cx="246240" cy="1191240"/>
+          </a:xfrm>
+          <a:prstGeom prst="rect">
+            <a:avLst/>
+          </a:prstGeom>
+          <a:solidFill>
+            <a:srgbClr val="146e83"/>
+          </a:solidFill>
           <a:ln>
-            <a:noFill/>
+            <a:round/>
           </a:ln>
         </p:spPr>
         <p:style>
-          <a:lnRef idx="0"/>
-          <a:fillRef idx="0"/>
-          <a:effectRef idx="0"/>
+          <a:lnRef idx="2">
+            <a:schemeClr val="accent1">
+              <a:shade val="50000"/>
+            </a:schemeClr>
+          </a:lnRef>
+          <a:fillRef idx="1">
+            <a:schemeClr val="accent1"/>
+          </a:fillRef>
+          <a:effectRef idx="0">
+            <a:schemeClr val="accent1"/>
+          </a:effectRef>
           <a:fontRef idx="minor"/>
         </p:style>
       </p:sp>
       <p:sp>
         <p:nvSpPr>
-          <p:cNvPr id="246" name="CustomShape 4"/>
+          <p:cNvPr id="246" name="Line 4"/>
           <p:cNvSpPr/>
           <p:nvPr/>
         </p:nvSpPr>
         <p:spPr>
           <a:xfrm>
-            <a:off x="6022080" y="1604520"/>
-            <a:ext cx="2647800" cy="1895040"/>
-          </a:xfrm>
-          <a:prstGeom prst="rect">
-            <a:avLst/>
-          </a:prstGeom>
-          <a:noFill/>
-          <a:ln>
-            <a:noFill/>
+            <a:off x="251280" y="1196640"/>
+            <a:ext cx="8892720" cy="360"/>
+          </a:xfrm>
+          <a:prstGeom prst="line">
+            <a:avLst/>
+          </a:prstGeom>
+          <a:ln w="22320">
+            <a:solidFill>
+              <a:srgbClr val="146e83"/>
+            </a:solidFill>
+            <a:round/>
           </a:ln>
         </p:spPr>
         <p:style>
-          <a:lnRef idx="0"/>
-          <a:fillRef idx="0"/>
-          <a:effectRef idx="0"/>
+          <a:lnRef idx="1">
+            <a:schemeClr val="accent1"/>
+          </a:lnRef>
+          <a:fillRef idx="0">
+            <a:schemeClr val="accent1"/>
+          </a:fillRef>
+          <a:effectRef idx="0">
+            <a:schemeClr val="accent1"/>
+          </a:effectRef>
           <a:fontRef idx="minor"/>
         </p:style>
-      </p:sp>
-      <p:sp>
-        <p:nvSpPr>
-          <p:cNvPr id="247" name="CustomShape 5"/>
-          <p:cNvSpPr/>
-          <p:nvPr/>
-        </p:nvSpPr>
-        <p:spPr>
-          <a:xfrm>
-            <a:off x="457200" y="3682080"/>
-            <a:ext cx="2647800" cy="1895040"/>
-          </a:xfrm>
-          <a:prstGeom prst="rect">
-            <a:avLst/>
-          </a:prstGeom>
-          <a:noFill/>
-          <a:ln>
-            <a:noFill/>
-          </a:ln>
-        </p:spPr>
-        <p:style>
-          <a:lnRef idx="0"/>
-          <a:fillRef idx="0"/>
-          <a:effectRef idx="0"/>
-          <a:fontRef idx="minor"/>
-        </p:style>
-      </p:sp>
-      <p:sp>
-        <p:nvSpPr>
-          <p:cNvPr id="248" name="CustomShape 6"/>
-          <p:cNvSpPr/>
-          <p:nvPr/>
-        </p:nvSpPr>
-        <p:spPr>
-          <a:xfrm>
-            <a:off x="3239640" y="3682080"/>
-            <a:ext cx="2647800" cy="1895040"/>
-          </a:xfrm>
-          <a:prstGeom prst="rect">
-            <a:avLst/>
-          </a:prstGeom>
-          <a:noFill/>
-          <a:ln>
-            <a:noFill/>
-          </a:ln>
-        </p:spPr>
-        <p:style>
-          <a:lnRef idx="0"/>
-          <a:fillRef idx="0"/>
-          <a:effectRef idx="0"/>
-          <a:fontRef idx="minor"/>
-        </p:style>
-      </p:sp>
-      <p:sp>
-        <p:nvSpPr>
-          <p:cNvPr id="249" name="CustomShape 7"/>
-          <p:cNvSpPr/>
-          <p:nvPr/>
-        </p:nvSpPr>
-        <p:spPr>
-          <a:xfrm>
-            <a:off x="6022080" y="3682080"/>
-            <a:ext cx="2647800" cy="1895040"/>
-          </a:xfrm>
-          <a:prstGeom prst="rect">
-            <a:avLst/>
-          </a:prstGeom>
-          <a:noFill/>
-          <a:ln>
-            <a:noFill/>
-          </a:ln>
-        </p:spPr>
-        <p:style>
-          <a:lnRef idx="0"/>
-          <a:fillRef idx="0"/>
-          <a:effectRef idx="0"/>
-          <a:fontRef idx="minor"/>
-        </p:style>
-      </p:sp>
-      <p:sp>
-        <p:nvSpPr>
-          <p:cNvPr id="250" name="TextShape 8"/>
-          <p:cNvSpPr txBox="1"/>
-          <p:nvPr/>
-        </p:nvSpPr>
-        <p:spPr>
-          <a:xfrm>
-            <a:off x="666720" y="1148760"/>
-            <a:ext cx="7866360" cy="4590000"/>
-          </a:xfrm>
-          <a:prstGeom prst="rect">
-            <a:avLst/>
-          </a:prstGeom>
-          <a:noFill/>
-          <a:ln>
-            <a:noFill/>
-          </a:ln>
-        </p:spPr>
-        <p:txBody>
-          <a:bodyPr lIns="90000" rIns="90000" tIns="45000" bIns="45000"/>
-          <a:p>
-            <a:r>
-              <a:rPr b="1" lang="en-CA" sz="1800" spc="-1" strike="noStrike">
-                <a:solidFill>
-                  <a:srgbClr val="000000"/>
-                </a:solidFill>
-                <a:latin typeface="Arial"/>
-                <a:ea typeface="DejaVu Sans"/>
-              </a:rPr>
-              <a:t>Setting up our AWS Account (we’re using the free tier)</a:t>
-            </a:r>
-            <a:endParaRPr b="0" lang="en-CA" sz="1800" spc="-1" strike="noStrike">
-              <a:latin typeface="Arial"/>
-            </a:endParaRPr>
-          </a:p>
-          <a:p>
-            <a:endParaRPr b="0" lang="en-CA" sz="1800" spc="-1" strike="noStrike">
-              <a:latin typeface="Arial"/>
-            </a:endParaRPr>
-          </a:p>
-          <a:p>
-            <a:r>
-              <a:rPr b="0" lang="en-CA" sz="1800" spc="-1" strike="noStrike">
-                <a:solidFill>
-                  <a:srgbClr val="000000"/>
-                </a:solidFill>
-                <a:latin typeface="Arial"/>
-                <a:ea typeface="DejaVu Sans"/>
-              </a:rPr>
-              <a:t>1) Browse to : </a:t>
-            </a:r>
-            <a:endParaRPr b="0" lang="en-CA" sz="1800" spc="-1" strike="noStrike">
-              <a:latin typeface="Arial"/>
-            </a:endParaRPr>
-          </a:p>
-          <a:p>
-            <a:r>
-              <a:rPr b="0" lang="en-CA" sz="1050" spc="-1" strike="noStrike">
-                <a:solidFill>
-                  <a:srgbClr val="000000"/>
-                </a:solidFill>
-                <a:latin typeface="Arial"/>
-                <a:ea typeface="DejaVu Sans"/>
-              </a:rPr>
-              <a:t>                                     </a:t>
-            </a:r>
-            <a:r>
-              <a:rPr b="0" lang="en-CA" sz="1050" spc="-1" strike="noStrike">
-                <a:solidFill>
-                  <a:srgbClr val="000000"/>
-                </a:solidFill>
-                <a:latin typeface="Arial"/>
-                <a:ea typeface="DejaVu Sans"/>
-                <a:hlinkClick r:id="rId1"/>
-              </a:rPr>
-              <a:t>https://aws.amazon.com/free/?all-free-tier.sort-by=item.additionalFields.SortRank&amp;all-free-tier.sort-order=asc</a:t>
-            </a:r>
-            <a:endParaRPr b="0" lang="en-CA" sz="1050" spc="-1" strike="noStrike">
-              <a:latin typeface="Arial"/>
-            </a:endParaRPr>
-          </a:p>
-          <a:p>
-            <a:endParaRPr b="0" lang="en-CA" sz="1050" spc="-1" strike="noStrike">
-              <a:latin typeface="Arial"/>
-            </a:endParaRPr>
-          </a:p>
-          <a:p>
-            <a:endParaRPr b="0" lang="en-CA" sz="1050" spc="-1" strike="noStrike">
-              <a:latin typeface="Arial"/>
-            </a:endParaRPr>
-          </a:p>
-          <a:p>
-            <a:r>
-              <a:rPr b="0" lang="en-CA" sz="1800" spc="-1" strike="noStrike">
-                <a:solidFill>
-                  <a:srgbClr val="000000"/>
-                </a:solidFill>
-                <a:latin typeface="Arial"/>
-                <a:ea typeface="DejaVu Sans"/>
-              </a:rPr>
-              <a:t>2)</a:t>
-            </a:r>
-            <a:r>
-              <a:rPr b="0" lang="en-CA" sz="1800" spc="-1" strike="noStrike">
-                <a:solidFill>
-                  <a:srgbClr val="000000"/>
-                </a:solidFill>
-                <a:latin typeface="Arial"/>
-                <a:ea typeface="DejaVu Sans"/>
-              </a:rPr>
-              <a:t>	</a:t>
-            </a:r>
-            <a:r>
-              <a:rPr b="0" lang="en-CA" sz="1800" spc="-1" strike="noStrike">
-                <a:solidFill>
-                  <a:srgbClr val="000000"/>
-                </a:solidFill>
-                <a:latin typeface="Arial"/>
-                <a:ea typeface="DejaVu Sans"/>
-              </a:rPr>
-              <a:t>Click Create Free Account</a:t>
-            </a:r>
-            <a:endParaRPr b="0" lang="en-CA" sz="1800" spc="-1" strike="noStrike">
-              <a:latin typeface="Arial"/>
-            </a:endParaRPr>
-          </a:p>
-          <a:p>
-            <a:endParaRPr b="0" lang="en-CA" sz="1800" spc="-1" strike="noStrike">
-              <a:latin typeface="Arial"/>
-            </a:endParaRPr>
-          </a:p>
-          <a:p>
-            <a:r>
-              <a:rPr b="0" lang="en-CA" sz="1800" spc="-1" strike="noStrike">
-                <a:solidFill>
-                  <a:srgbClr val="000000"/>
-                </a:solidFill>
-                <a:latin typeface="Arial"/>
-                <a:ea typeface="DejaVu Sans"/>
-              </a:rPr>
-              <a:t>3)</a:t>
-            </a:r>
-            <a:r>
-              <a:rPr b="0" lang="en-CA" sz="1800" spc="-1" strike="noStrike">
-                <a:solidFill>
-                  <a:srgbClr val="000000"/>
-                </a:solidFill>
-                <a:latin typeface="Arial"/>
-                <a:ea typeface="DejaVu Sans"/>
-              </a:rPr>
-              <a:t>	</a:t>
-            </a:r>
-            <a:r>
-              <a:rPr b="0" lang="en-CA" sz="1800" spc="-1" strike="noStrike">
-                <a:solidFill>
-                  <a:srgbClr val="000000"/>
-                </a:solidFill>
-                <a:latin typeface="Arial"/>
-                <a:ea typeface="DejaVu Sans"/>
-              </a:rPr>
-              <a:t>Fill out the form</a:t>
-            </a:r>
-            <a:endParaRPr b="0" lang="en-CA" sz="1800" spc="-1" strike="noStrike">
-              <a:latin typeface="Arial"/>
-            </a:endParaRPr>
-          </a:p>
-          <a:p>
-            <a:endParaRPr b="0" lang="en-CA" sz="1800" spc="-1" strike="noStrike">
-              <a:latin typeface="Arial"/>
-            </a:endParaRPr>
-          </a:p>
-          <a:p>
-            <a:r>
-              <a:rPr b="0" lang="en-CA" sz="1800" spc="-1" strike="noStrike">
-                <a:solidFill>
-                  <a:srgbClr val="000000"/>
-                </a:solidFill>
-                <a:latin typeface="Arial"/>
-                <a:ea typeface="DejaVu Sans"/>
-              </a:rPr>
-              <a:t>4) </a:t>
-            </a:r>
-            <a:r>
-              <a:rPr b="0" lang="en-CA" sz="1800" spc="-1" strike="noStrike">
-                <a:solidFill>
-                  <a:srgbClr val="000000"/>
-                </a:solidFill>
-                <a:latin typeface="Arial"/>
-                <a:ea typeface="DejaVu Sans"/>
-              </a:rPr>
-              <a:t>	</a:t>
-            </a:r>
-            <a:r>
-              <a:rPr b="0" lang="en-CA" sz="1800" spc="-1" strike="noStrike">
-                <a:solidFill>
-                  <a:srgbClr val="000000"/>
-                </a:solidFill>
-                <a:latin typeface="Arial"/>
-                <a:ea typeface="DejaVu Sans"/>
-              </a:rPr>
-              <a:t>Click continue</a:t>
-            </a:r>
-            <a:endParaRPr b="0" lang="en-CA" sz="1800" spc="-1" strike="noStrike">
-              <a:latin typeface="Arial"/>
-            </a:endParaRPr>
-          </a:p>
-          <a:p>
-            <a:endParaRPr b="0" lang="en-CA" sz="1800" spc="-1" strike="noStrike">
-              <a:latin typeface="Arial"/>
-            </a:endParaRPr>
-          </a:p>
-          <a:p>
-            <a:r>
-              <a:rPr b="0" lang="en-CA" sz="1800" spc="-1" strike="noStrike">
-                <a:solidFill>
-                  <a:srgbClr val="000000"/>
-                </a:solidFill>
-                <a:latin typeface="Arial"/>
-                <a:ea typeface="DejaVu Sans"/>
-              </a:rPr>
-              <a:t>5)</a:t>
-            </a:r>
-            <a:r>
-              <a:rPr b="0" lang="en-CA" sz="1800" spc="-1" strike="noStrike">
-                <a:solidFill>
-                  <a:srgbClr val="000000"/>
-                </a:solidFill>
-                <a:latin typeface="Arial"/>
-                <a:ea typeface="DejaVu Sans"/>
-              </a:rPr>
-              <a:t>	</a:t>
-            </a:r>
-            <a:r>
-              <a:rPr b="0" lang="en-CA" sz="1800" spc="-1" strike="noStrike">
-                <a:solidFill>
-                  <a:srgbClr val="000000"/>
-                </a:solidFill>
-                <a:latin typeface="Arial"/>
-                <a:ea typeface="DejaVu Sans"/>
-              </a:rPr>
-              <a:t>Fill out that form</a:t>
-            </a:r>
-            <a:endParaRPr b="0" lang="en-CA" sz="1800" spc="-1" strike="noStrike">
-              <a:latin typeface="Arial"/>
-            </a:endParaRPr>
-          </a:p>
-          <a:p>
-            <a:endParaRPr b="0" lang="en-CA" sz="1800" spc="-1" strike="noStrike">
-              <a:latin typeface="Arial"/>
-            </a:endParaRPr>
-          </a:p>
-          <a:p>
-            <a:r>
-              <a:rPr b="0" lang="en-CA" sz="1800" spc="-1" strike="noStrike">
-                <a:solidFill>
-                  <a:srgbClr val="000000"/>
-                </a:solidFill>
-                <a:latin typeface="Arial"/>
-                <a:ea typeface="DejaVu Sans"/>
-              </a:rPr>
-              <a:t>6)</a:t>
-            </a:r>
-            <a:r>
-              <a:rPr b="0" lang="en-CA" sz="1800" spc="-1" strike="noStrike">
-                <a:solidFill>
-                  <a:srgbClr val="000000"/>
-                </a:solidFill>
-                <a:latin typeface="Arial"/>
-                <a:ea typeface="DejaVu Sans"/>
-              </a:rPr>
-              <a:t>	</a:t>
-            </a:r>
-            <a:r>
-              <a:rPr b="0" lang="en-CA" sz="1800" spc="-1" strike="noStrike">
-                <a:solidFill>
-                  <a:srgbClr val="000000"/>
-                </a:solidFill>
-                <a:latin typeface="Arial"/>
-                <a:ea typeface="DejaVu Sans"/>
-              </a:rPr>
-              <a:t>Click Create Account and Continue</a:t>
-            </a:r>
-            <a:endParaRPr b="0" lang="en-CA" sz="1800" spc="-1" strike="noStrike">
-              <a:latin typeface="Arial"/>
-            </a:endParaRPr>
-          </a:p>
-          <a:p>
-            <a:endParaRPr b="0" lang="en-CA" sz="1800" spc="-1" strike="noStrike">
-              <a:latin typeface="Arial"/>
-            </a:endParaRPr>
-          </a:p>
-          <a:p>
-            <a:endParaRPr b="0" lang="en-CA" sz="1800" spc="-1" strike="noStrike">
-              <a:latin typeface="Arial"/>
-            </a:endParaRPr>
-          </a:p>
-          <a:p>
-            <a:endParaRPr b="0" lang="en-CA" sz="1800" spc="-1" strike="noStrike">
-              <a:latin typeface="Arial"/>
-            </a:endParaRPr>
-          </a:p>
-        </p:txBody>
       </p:sp>
     </p:spTree>
   </p:cSld>
@@ -12634,14 +12466,14 @@
       </p:grpSpPr>
       <p:sp>
         <p:nvSpPr>
-          <p:cNvPr id="251" name="CustomShape 1"/>
+          <p:cNvPr id="247" name="CustomShape 1"/>
           <p:cNvSpPr/>
           <p:nvPr/>
         </p:nvSpPr>
         <p:spPr>
           <a:xfrm>
             <a:off x="504000" y="1269360"/>
-            <a:ext cx="8275680" cy="5215680"/>
+            <a:ext cx="8274600" cy="5214600"/>
           </a:xfrm>
           <a:prstGeom prst="rect">
             <a:avLst/>
@@ -12669,25 +12501,21 @@
             </a:pPr>
             <a:r>
               <a:rPr b="1" lang="en-CA" sz="1800" spc="-1" strike="noStrike">
-                <a:solidFill>
-                  <a:srgbClr val="000000"/>
-                </a:solidFill>
                 <a:latin typeface="Arial"/>
-                <a:ea typeface="DejaVu Sans"/>
-              </a:rPr>
-              <a:t>Setting up our AWS Account (continued: )</a:t>
-            </a:r>
-            <a:endParaRPr b="0" lang="en-CA" sz="1800" spc="-1" strike="noStrike">
-              <a:latin typeface="Arial"/>
-            </a:endParaRPr>
-          </a:p>
-          <a:p>
-            <a:pPr>
-              <a:lnSpc>
-                <a:spcPct val="100000"/>
-              </a:lnSpc>
-            </a:pPr>
-            <a:endParaRPr b="0" lang="en-CA" sz="1800" spc="-1" strike="noStrike">
+              </a:rPr>
+              <a:t>Installing Ansible:</a:t>
+            </a:r>
+            <a:endParaRPr b="1" lang="en-CA" sz="1800" spc="-1" strike="noStrike">
+              <a:latin typeface="Arial"/>
+            </a:endParaRPr>
+          </a:p>
+          <a:p>
+            <a:pPr>
+              <a:lnSpc>
+                <a:spcPct val="100000"/>
+              </a:lnSpc>
+            </a:pPr>
+            <a:endParaRPr b="1" lang="en-CA" sz="1800" spc="-1" strike="noStrike">
               <a:latin typeface="Arial"/>
             </a:endParaRPr>
           </a:p>
@@ -12699,371 +12527,53 @@
             </a:pPr>
             <a:r>
               <a:rPr b="0" lang="en-CA" sz="1800" spc="-1" strike="noStrike">
-                <a:solidFill>
-                  <a:srgbClr val="000000"/>
-                </a:solidFill>
                 <a:latin typeface="Arial"/>
-                <a:ea typeface="DejaVu Sans"/>
-              </a:rPr>
-              <a:t>7) </a:t>
-            </a:r>
+              </a:rPr>
+              <a:t>The video shows that we’re installing on ubuntu 18.04, but that’s ok.  The procedure is the same on ubuntu 19.04</a:t>
+            </a:r>
+            <a:endParaRPr b="1" lang="en-CA" sz="1800" spc="-1" strike="noStrike">
+              <a:latin typeface="Arial"/>
+            </a:endParaRPr>
+          </a:p>
+          <a:p>
+            <a:pPr>
+              <a:lnSpc>
+                <a:spcPct val="100000"/>
+              </a:lnSpc>
+            </a:pPr>
+            <a:endParaRPr b="1" lang="en-CA" sz="1800" spc="-1" strike="noStrike">
+              <a:latin typeface="Arial"/>
+            </a:endParaRPr>
+          </a:p>
+          <a:p>
+            <a:pPr>
+              <a:lnSpc>
+                <a:spcPct val="100000"/>
+              </a:lnSpc>
+            </a:pPr>
             <a:r>
               <a:rPr b="0" lang="en-CA" sz="1800" spc="-1" strike="noStrike">
-                <a:solidFill>
-                  <a:srgbClr val="000000"/>
-                </a:solidFill>
                 <a:latin typeface="Arial"/>
-                <a:ea typeface="DejaVu Sans"/>
-              </a:rPr>
-              <a:t>	</a:t>
-            </a:r>
-            <a:r>
-              <a:rPr b="0" lang="en-CA" sz="1800" spc="-1" strike="noStrike">
-                <a:solidFill>
-                  <a:srgbClr val="000000"/>
-                </a:solidFill>
-                <a:latin typeface="Arial"/>
-                <a:ea typeface="DejaVu Sans"/>
-              </a:rPr>
-              <a:t>Fill out the credit card information:</a:t>
-            </a:r>
-            <a:endParaRPr b="0" lang="en-CA" sz="1800" spc="-1" strike="noStrike">
-              <a:latin typeface="Arial"/>
-            </a:endParaRPr>
-          </a:p>
-          <a:p>
-            <a:pPr>
-              <a:lnSpc>
-                <a:spcPct val="100000"/>
-              </a:lnSpc>
-            </a:pPr>
-            <a:r>
-              <a:rPr b="0" lang="en-CA" sz="1800" spc="-1" strike="noStrike">
-                <a:solidFill>
-                  <a:srgbClr val="000000"/>
-                </a:solidFill>
-                <a:latin typeface="Arial"/>
-                <a:ea typeface="DejaVu Sans"/>
-              </a:rPr>
-              <a:t>8)</a:t>
-            </a:r>
-            <a:r>
-              <a:rPr b="0" lang="en-CA" sz="1800" spc="-1" strike="noStrike">
-                <a:solidFill>
-                  <a:srgbClr val="000000"/>
-                </a:solidFill>
-                <a:latin typeface="Arial"/>
-                <a:ea typeface="DejaVu Sans"/>
-              </a:rPr>
-              <a:t>	</a:t>
-            </a:r>
-            <a:r>
-              <a:rPr b="0" lang="en-CA" sz="1800" spc="-1" strike="noStrike">
-                <a:solidFill>
-                  <a:srgbClr val="000000"/>
-                </a:solidFill>
-                <a:latin typeface="Arial"/>
-                <a:ea typeface="DejaVu Sans"/>
-              </a:rPr>
-              <a:t>Log in to the aws console with the account id and password </a:t>
-            </a:r>
-            <a:endParaRPr b="0" lang="en-CA" sz="1800" spc="-1" strike="noStrike">
-              <a:latin typeface="Arial"/>
-            </a:endParaRPr>
-          </a:p>
-          <a:p>
-            <a:pPr>
-              <a:lnSpc>
-                <a:spcPct val="100000"/>
-              </a:lnSpc>
-            </a:pPr>
-            <a:r>
-              <a:rPr b="0" lang="en-CA" sz="1800" spc="-1" strike="noStrike">
-                <a:solidFill>
-                  <a:srgbClr val="000000"/>
-                </a:solidFill>
-                <a:latin typeface="Arial"/>
-                <a:ea typeface="DejaVu Sans"/>
-              </a:rPr>
-              <a:t>	</a:t>
-            </a:r>
-            <a:r>
-              <a:rPr b="0" lang="en-CA" sz="1800" spc="-1" strike="noStrike">
-                <a:solidFill>
-                  <a:srgbClr val="000000"/>
-                </a:solidFill>
-                <a:latin typeface="Arial"/>
-                <a:ea typeface="DejaVu Sans"/>
-              </a:rPr>
-              <a:t>we just created.</a:t>
-            </a:r>
-            <a:endParaRPr b="0" lang="en-CA" sz="1800" spc="-1" strike="noStrike">
-              <a:latin typeface="Arial"/>
-            </a:endParaRPr>
-          </a:p>
-          <a:p>
-            <a:pPr>
-              <a:lnSpc>
-                <a:spcPct val="100000"/>
-              </a:lnSpc>
-            </a:pPr>
-            <a:endParaRPr b="0" lang="en-CA" sz="1800" spc="-1" strike="noStrike">
-              <a:latin typeface="Arial"/>
-            </a:endParaRPr>
-          </a:p>
-          <a:p>
-            <a:pPr>
-              <a:lnSpc>
-                <a:spcPct val="100000"/>
-              </a:lnSpc>
-            </a:pPr>
-            <a:r>
-              <a:rPr b="0" lang="en-CA" sz="1800" spc="-1" strike="noStrike">
-                <a:solidFill>
-                  <a:srgbClr val="000000"/>
-                </a:solidFill>
-                <a:latin typeface="Arial"/>
-                <a:ea typeface="DejaVu Sans"/>
-              </a:rPr>
-              <a:t>	</a:t>
-            </a:r>
-            <a:r>
-              <a:rPr b="0" lang="en-CA" sz="1800" spc="-1" strike="noStrike">
-                <a:solidFill>
-                  <a:srgbClr val="000000"/>
-                </a:solidFill>
-                <a:latin typeface="Arial"/>
-                <a:ea typeface="DejaVu Sans"/>
-              </a:rPr>
-              <a:t>email we chose</a:t>
-            </a:r>
-            <a:endParaRPr b="0" lang="en-CA" sz="1800" spc="-1" strike="noStrike">
-              <a:latin typeface="Arial"/>
-            </a:endParaRPr>
-          </a:p>
-          <a:p>
-            <a:pPr>
-              <a:lnSpc>
-                <a:spcPct val="100000"/>
-              </a:lnSpc>
-            </a:pPr>
-            <a:r>
-              <a:rPr b="0" lang="en-CA" sz="1800" spc="-1" strike="noStrike">
-                <a:solidFill>
-                  <a:srgbClr val="000000"/>
-                </a:solidFill>
-                <a:latin typeface="Arial"/>
-                <a:ea typeface="DejaVu Sans"/>
-              </a:rPr>
-              <a:t>	</a:t>
-            </a:r>
-            <a:r>
-              <a:rPr b="0" lang="en-CA" sz="1800" spc="-1" strike="noStrike">
-                <a:solidFill>
-                  <a:srgbClr val="000000"/>
-                </a:solidFill>
-                <a:latin typeface="Arial"/>
-                <a:ea typeface="DejaVu Sans"/>
-              </a:rPr>
-              <a:t>password we chose </a:t>
-            </a:r>
-            <a:endParaRPr b="0" lang="en-CA" sz="1800" spc="-1" strike="noStrike">
-              <a:latin typeface="Arial"/>
-            </a:endParaRPr>
-          </a:p>
-          <a:p>
-            <a:pPr>
-              <a:lnSpc>
-                <a:spcPct val="100000"/>
-              </a:lnSpc>
-            </a:pPr>
-            <a:endParaRPr b="0" lang="en-CA" sz="1800" spc="-1" strike="noStrike">
-              <a:latin typeface="Arial"/>
-            </a:endParaRPr>
-          </a:p>
-          <a:p>
-            <a:pPr>
-              <a:lnSpc>
-                <a:spcPct val="100000"/>
-              </a:lnSpc>
-            </a:pPr>
-            <a:r>
-              <a:rPr b="0" lang="en-CA" sz="1800" spc="-1" strike="noStrike">
-                <a:solidFill>
-                  <a:srgbClr val="000000"/>
-                </a:solidFill>
-                <a:latin typeface="Arial"/>
-                <a:ea typeface="DejaVu Sans"/>
-              </a:rPr>
-              <a:t>	</a:t>
-            </a:r>
-            <a:r>
-              <a:rPr b="0" lang="en-CA" sz="1800" spc="-1" strike="noStrike">
-                <a:solidFill>
-                  <a:srgbClr val="000000"/>
-                </a:solidFill>
-                <a:latin typeface="Arial"/>
-                <a:ea typeface="DejaVu Sans"/>
-              </a:rPr>
-              <a:t>resource to install:</a:t>
-            </a:r>
-            <a:endParaRPr b="0" lang="en-CA" sz="1800" spc="-1" strike="noStrike">
-              <a:latin typeface="Arial"/>
-            </a:endParaRPr>
-          </a:p>
-          <a:p>
-            <a:pPr>
-              <a:lnSpc>
-                <a:spcPct val="100000"/>
-              </a:lnSpc>
-            </a:pPr>
-            <a:endParaRPr b="0" lang="en-CA" sz="1800" spc="-1" strike="noStrike">
-              <a:latin typeface="Arial"/>
-            </a:endParaRPr>
-          </a:p>
-          <a:p>
-            <a:pPr>
-              <a:lnSpc>
-                <a:spcPct val="100000"/>
-              </a:lnSpc>
-            </a:pPr>
-            <a:r>
-              <a:rPr b="0" lang="en-CA" sz="1800" spc="-1" strike="noStrike">
-                <a:solidFill>
-                  <a:srgbClr val="000000"/>
-                </a:solidFill>
-                <a:latin typeface="Arial"/>
-                <a:ea typeface="DejaVu Sans"/>
-              </a:rPr>
-              <a:t>	</a:t>
-            </a:r>
-            <a:r>
-              <a:rPr b="0" lang="en-CA" sz="1800" spc="-1" strike="noStrike">
-                <a:solidFill>
-                  <a:srgbClr val="000000"/>
-                </a:solidFill>
-                <a:latin typeface="Arial"/>
-                <a:ea typeface="DejaVu Sans"/>
                 <a:hlinkClick r:id="rId1"/>
               </a:rPr>
-              <a:t> https://www.youtube.com/watch?v=XhW17g73fvY</a:t>
-            </a:r>
-            <a:endParaRPr b="0" lang="en-CA" sz="1800" spc="-1" strike="noStrike">
-              <a:latin typeface="Arial"/>
-            </a:endParaRPr>
-          </a:p>
-          <a:p>
-            <a:pPr>
-              <a:lnSpc>
-                <a:spcPct val="100000"/>
-              </a:lnSpc>
-            </a:pPr>
-            <a:endParaRPr b="0" lang="en-CA" sz="1800" spc="-1" strike="noStrike">
-              <a:latin typeface="Arial"/>
-            </a:endParaRPr>
-          </a:p>
-          <a:p>
-            <a:pPr>
-              <a:lnSpc>
-                <a:spcPct val="100000"/>
-              </a:lnSpc>
-            </a:pPr>
-            <a:endParaRPr b="0" lang="en-CA" sz="1800" spc="-1" strike="noStrike">
-              <a:latin typeface="Arial"/>
-            </a:endParaRPr>
-          </a:p>
-          <a:p>
-            <a:pPr>
-              <a:lnSpc>
-                <a:spcPct val="100000"/>
-              </a:lnSpc>
-            </a:pPr>
-            <a:r>
-              <a:rPr b="0" lang="en-CA" sz="1800" spc="-1" strike="noStrike">
-                <a:solidFill>
-                  <a:srgbClr val="000000"/>
-                </a:solidFill>
-                <a:latin typeface="Arial"/>
-                <a:ea typeface="DejaVu Sans"/>
-              </a:rPr>
-              <a:t>	</a:t>
-            </a:r>
-            <a:endParaRPr b="0" lang="en-CA" sz="1800" spc="-1" strike="noStrike">
-              <a:latin typeface="Arial"/>
-            </a:endParaRPr>
-          </a:p>
-          <a:p>
-            <a:pPr>
-              <a:lnSpc>
-                <a:spcPct val="100000"/>
-              </a:lnSpc>
-            </a:pPr>
-            <a:endParaRPr b="0" lang="en-CA" sz="1800" spc="-1" strike="noStrike">
-              <a:latin typeface="Arial"/>
-            </a:endParaRPr>
-          </a:p>
-          <a:p>
-            <a:pPr>
-              <a:lnSpc>
-                <a:spcPct val="100000"/>
-              </a:lnSpc>
-            </a:pPr>
-            <a:endParaRPr b="0" lang="en-CA" sz="1800" spc="-1" strike="noStrike">
-              <a:latin typeface="Arial"/>
-            </a:endParaRPr>
-          </a:p>
-          <a:p>
-            <a:pPr>
-              <a:lnSpc>
-                <a:spcPct val="100000"/>
-              </a:lnSpc>
-            </a:pPr>
-            <a:r>
-              <a:rPr b="0" lang="en-CA" sz="1050" spc="-1" strike="noStrike">
-                <a:solidFill>
-                  <a:srgbClr val="000000"/>
-                </a:solidFill>
-                <a:latin typeface="Arial"/>
-                <a:ea typeface="DejaVu Sans"/>
-              </a:rPr>
-              <a:t>	</a:t>
-            </a:r>
-            <a:r>
-              <a:rPr b="0" lang="en-CA" sz="1050" spc="-1" strike="noStrike">
-                <a:solidFill>
-                  <a:srgbClr val="000000"/>
-                </a:solidFill>
-                <a:latin typeface="Arial"/>
-                <a:ea typeface="DejaVu Sans"/>
-              </a:rPr>
-              <a:t>	</a:t>
-            </a:r>
-            <a:r>
-              <a:rPr b="0" lang="en-CA" sz="1050" spc="-1" strike="noStrike">
-                <a:solidFill>
-                  <a:srgbClr val="000000"/>
-                </a:solidFill>
-                <a:latin typeface="Arial"/>
-                <a:ea typeface="DejaVu Sans"/>
-              </a:rPr>
-              <a:t>            </a:t>
-            </a:r>
-            <a:endParaRPr b="0" lang="en-CA" sz="1050" spc="-1" strike="noStrike">
-              <a:latin typeface="Arial"/>
-            </a:endParaRPr>
-          </a:p>
-        </p:txBody>
-      </p:sp>
-      <p:sp>
-        <p:nvSpPr>
-          <p:cNvPr id="252" name="CustomShape 2"/>
+              <a:t>https://www.techrepublic.com/article/how-to-install-ansible-on-ubuntu-server-18-04/</a:t>
+            </a:r>
+            <a:endParaRPr b="1" lang="en-CA" sz="1800" spc="-1" strike="noStrike">
+              <a:latin typeface="Arial"/>
+            </a:endParaRPr>
+          </a:p>
+        </p:txBody>
+      </p:sp>
+      <p:sp>
+        <p:nvSpPr>
+          <p:cNvPr id="248" name="CustomShape 2"/>
           <p:cNvSpPr/>
           <p:nvPr/>
         </p:nvSpPr>
         <p:spPr>
           <a:xfrm>
             <a:off x="432000" y="0"/>
-            <a:ext cx="7448040" cy="1180080"/>
+            <a:ext cx="7446960" cy="1179000"/>
           </a:xfrm>
           <a:prstGeom prst="rect">
             <a:avLst/>
@@ -13127,14 +12637,14 @@
       </p:sp>
       <p:sp>
         <p:nvSpPr>
-          <p:cNvPr id="253" name="CustomShape 3"/>
+          <p:cNvPr id="249" name="CustomShape 3"/>
           <p:cNvSpPr/>
           <p:nvPr/>
         </p:nvSpPr>
         <p:spPr>
           <a:xfrm>
             <a:off x="0" y="0"/>
-            <a:ext cx="247320" cy="1192320"/>
+            <a:ext cx="246240" cy="1191240"/>
           </a:xfrm>
           <a:prstGeom prst="rect">
             <a:avLst/>
@@ -13163,7 +12673,7 @@
       </p:sp>
       <p:sp>
         <p:nvSpPr>
-          <p:cNvPr id="254" name="Line 4"/>
+          <p:cNvPr id="250" name="Line 4"/>
           <p:cNvSpPr/>
           <p:nvPr/>
         </p:nvSpPr>
@@ -13204,6 +12714,1258 @@
           <p:childTnLst>
             <p:seq>
               <p:cTn id="48" dur="indefinite" nodeType="mainSeq"/>
+              <p:prevCondLst>
+                <p:cond delay="0" evt="onPrev">
+                  <p:tgtEl>
+                    <p:sldTgt/>
+                  </p:tgtEl>
+                </p:cond>
+              </p:prevCondLst>
+              <p:nextCondLst>
+                <p:cond delay="0" evt="onNext">
+                  <p:tgtEl>
+                    <p:sldTgt/>
+                  </p:tgtEl>
+                </p:cond>
+              </p:nextCondLst>
+            </p:seq>
+          </p:childTnLst>
+        </p:cTn>
+      </p:par>
+    </p:tnLst>
+  </p:timing>
+</p:sld>
+</file>
+
+<file path=ppt/slides/slide25.xml><?xml version="1.0" encoding="utf-8"?>
+<p:sld xmlns:a="http://schemas.openxmlformats.org/drawingml/2006/main" xmlns:p="http://schemas.openxmlformats.org/presentationml/2006/main" xmlns:r="http://schemas.openxmlformats.org/officeDocument/2006/relationships" xmlns:p14="http://schemas.microsoft.com/office/powerpoint/2010/main" xmlns:p15="http://schemas.microsoft.com/office/powerpoint/2012/main" xmlns:mc="http://schemas.openxmlformats.org/markup-compatibility/2006">
+  <p:cSld>
+    <p:spTree>
+      <p:nvGrpSpPr>
+        <p:cNvPr id="1" name=""/>
+        <p:cNvGrpSpPr/>
+        <p:nvPr/>
+      </p:nvGrpSpPr>
+      <p:grpSpPr>
+        <a:xfrm>
+          <a:off x="0" y="0"/>
+          <a:ext cx="0" cy="0"/>
+          <a:chOff x="0" y="0"/>
+          <a:chExt cx="0" cy="0"/>
+        </a:xfrm>
+      </p:grpSpPr>
+      <p:sp>
+        <p:nvSpPr>
+          <p:cNvPr id="251" name="CustomShape 1"/>
+          <p:cNvSpPr/>
+          <p:nvPr/>
+        </p:nvSpPr>
+        <p:spPr>
+          <a:xfrm>
+            <a:off x="457200" y="273600"/>
+            <a:ext cx="8226360" cy="1141920"/>
+          </a:xfrm>
+          <a:prstGeom prst="rect">
+            <a:avLst/>
+          </a:prstGeom>
+          <a:noFill/>
+          <a:ln>
+            <a:noFill/>
+          </a:ln>
+        </p:spPr>
+        <p:style>
+          <a:lnRef idx="0"/>
+          <a:fillRef idx="0"/>
+          <a:effectRef idx="0"/>
+          <a:fontRef idx="minor"/>
+        </p:style>
+      </p:sp>
+      <p:sp>
+        <p:nvSpPr>
+          <p:cNvPr id="252" name="CustomShape 2"/>
+          <p:cNvSpPr/>
+          <p:nvPr/>
+        </p:nvSpPr>
+        <p:spPr>
+          <a:xfrm>
+            <a:off x="457200" y="1604520"/>
+            <a:ext cx="2646720" cy="1893960"/>
+          </a:xfrm>
+          <a:prstGeom prst="rect">
+            <a:avLst/>
+          </a:prstGeom>
+          <a:noFill/>
+          <a:ln>
+            <a:noFill/>
+          </a:ln>
+        </p:spPr>
+        <p:style>
+          <a:lnRef idx="0"/>
+          <a:fillRef idx="0"/>
+          <a:effectRef idx="0"/>
+          <a:fontRef idx="minor"/>
+        </p:style>
+      </p:sp>
+      <p:sp>
+        <p:nvSpPr>
+          <p:cNvPr id="253" name="CustomShape 3"/>
+          <p:cNvSpPr/>
+          <p:nvPr/>
+        </p:nvSpPr>
+        <p:spPr>
+          <a:xfrm>
+            <a:off x="3239640" y="1604520"/>
+            <a:ext cx="2646720" cy="1893960"/>
+          </a:xfrm>
+          <a:prstGeom prst="rect">
+            <a:avLst/>
+          </a:prstGeom>
+          <a:noFill/>
+          <a:ln>
+            <a:noFill/>
+          </a:ln>
+        </p:spPr>
+        <p:style>
+          <a:lnRef idx="0"/>
+          <a:fillRef idx="0"/>
+          <a:effectRef idx="0"/>
+          <a:fontRef idx="minor"/>
+        </p:style>
+      </p:sp>
+      <p:sp>
+        <p:nvSpPr>
+          <p:cNvPr id="254" name="CustomShape 4"/>
+          <p:cNvSpPr/>
+          <p:nvPr/>
+        </p:nvSpPr>
+        <p:spPr>
+          <a:xfrm>
+            <a:off x="6022080" y="1604520"/>
+            <a:ext cx="2646720" cy="1893960"/>
+          </a:xfrm>
+          <a:prstGeom prst="rect">
+            <a:avLst/>
+          </a:prstGeom>
+          <a:noFill/>
+          <a:ln>
+            <a:noFill/>
+          </a:ln>
+        </p:spPr>
+        <p:style>
+          <a:lnRef idx="0"/>
+          <a:fillRef idx="0"/>
+          <a:effectRef idx="0"/>
+          <a:fontRef idx="minor"/>
+        </p:style>
+      </p:sp>
+      <p:sp>
+        <p:nvSpPr>
+          <p:cNvPr id="255" name="CustomShape 5"/>
+          <p:cNvSpPr/>
+          <p:nvPr/>
+        </p:nvSpPr>
+        <p:spPr>
+          <a:xfrm>
+            <a:off x="457200" y="3682080"/>
+            <a:ext cx="2646720" cy="1893960"/>
+          </a:xfrm>
+          <a:prstGeom prst="rect">
+            <a:avLst/>
+          </a:prstGeom>
+          <a:noFill/>
+          <a:ln>
+            <a:noFill/>
+          </a:ln>
+        </p:spPr>
+        <p:style>
+          <a:lnRef idx="0"/>
+          <a:fillRef idx="0"/>
+          <a:effectRef idx="0"/>
+          <a:fontRef idx="minor"/>
+        </p:style>
+      </p:sp>
+      <p:sp>
+        <p:nvSpPr>
+          <p:cNvPr id="256" name="CustomShape 6"/>
+          <p:cNvSpPr/>
+          <p:nvPr/>
+        </p:nvSpPr>
+        <p:spPr>
+          <a:xfrm>
+            <a:off x="3239640" y="3682080"/>
+            <a:ext cx="2646720" cy="1893960"/>
+          </a:xfrm>
+          <a:prstGeom prst="rect">
+            <a:avLst/>
+          </a:prstGeom>
+          <a:noFill/>
+          <a:ln>
+            <a:noFill/>
+          </a:ln>
+        </p:spPr>
+        <p:style>
+          <a:lnRef idx="0"/>
+          <a:fillRef idx="0"/>
+          <a:effectRef idx="0"/>
+          <a:fontRef idx="minor"/>
+        </p:style>
+      </p:sp>
+      <p:sp>
+        <p:nvSpPr>
+          <p:cNvPr id="257" name="CustomShape 7"/>
+          <p:cNvSpPr/>
+          <p:nvPr/>
+        </p:nvSpPr>
+        <p:spPr>
+          <a:xfrm>
+            <a:off x="6022080" y="3682080"/>
+            <a:ext cx="2646720" cy="1893960"/>
+          </a:xfrm>
+          <a:prstGeom prst="rect">
+            <a:avLst/>
+          </a:prstGeom>
+          <a:noFill/>
+          <a:ln>
+            <a:noFill/>
+          </a:ln>
+        </p:spPr>
+        <p:style>
+          <a:lnRef idx="0"/>
+          <a:fillRef idx="0"/>
+          <a:effectRef idx="0"/>
+          <a:fontRef idx="minor"/>
+        </p:style>
+      </p:sp>
+      <p:sp>
+        <p:nvSpPr>
+          <p:cNvPr id="258" name="CustomShape 8"/>
+          <p:cNvSpPr/>
+          <p:nvPr/>
+        </p:nvSpPr>
+        <p:spPr>
+          <a:xfrm>
+            <a:off x="666720" y="1148760"/>
+            <a:ext cx="7865280" cy="4588920"/>
+          </a:xfrm>
+          <a:prstGeom prst="rect">
+            <a:avLst/>
+          </a:prstGeom>
+          <a:noFill/>
+          <a:ln>
+            <a:noFill/>
+          </a:ln>
+        </p:spPr>
+        <p:style>
+          <a:lnRef idx="0"/>
+          <a:fillRef idx="0"/>
+          <a:effectRef idx="0"/>
+          <a:fontRef idx="minor"/>
+        </p:style>
+        <p:txBody>
+          <a:bodyPr lIns="90000" rIns="90000" tIns="45000" bIns="45000"/>
+          <a:p>
+            <a:pPr>
+              <a:lnSpc>
+                <a:spcPct val="100000"/>
+              </a:lnSpc>
+            </a:pPr>
+            <a:r>
+              <a:rPr b="1" lang="en-CA" sz="1800" spc="-1" strike="noStrike">
+                <a:solidFill>
+                  <a:srgbClr val="000000"/>
+                </a:solidFill>
+                <a:latin typeface="Arial"/>
+                <a:ea typeface="DejaVu Sans"/>
+              </a:rPr>
+              <a:t>Setting up our AWS Account (we’re using the free tier)</a:t>
+            </a:r>
+            <a:endParaRPr b="0" lang="en-CA" sz="1800" spc="-1" strike="noStrike">
+              <a:latin typeface="Arial"/>
+            </a:endParaRPr>
+          </a:p>
+          <a:p>
+            <a:pPr>
+              <a:lnSpc>
+                <a:spcPct val="100000"/>
+              </a:lnSpc>
+            </a:pPr>
+            <a:endParaRPr b="0" lang="en-CA" sz="1800" spc="-1" strike="noStrike">
+              <a:latin typeface="Arial"/>
+            </a:endParaRPr>
+          </a:p>
+          <a:p>
+            <a:pPr>
+              <a:lnSpc>
+                <a:spcPct val="100000"/>
+              </a:lnSpc>
+            </a:pPr>
+            <a:r>
+              <a:rPr b="0" lang="en-CA" sz="1800" spc="-1" strike="noStrike">
+                <a:solidFill>
+                  <a:srgbClr val="000000"/>
+                </a:solidFill>
+                <a:latin typeface="Arial"/>
+                <a:ea typeface="DejaVu Sans"/>
+              </a:rPr>
+              <a:t>1) Browse to : </a:t>
+            </a:r>
+            <a:endParaRPr b="0" lang="en-CA" sz="1800" spc="-1" strike="noStrike">
+              <a:latin typeface="Arial"/>
+            </a:endParaRPr>
+          </a:p>
+          <a:p>
+            <a:pPr>
+              <a:lnSpc>
+                <a:spcPct val="100000"/>
+              </a:lnSpc>
+            </a:pPr>
+            <a:r>
+              <a:rPr b="0" lang="en-CA" sz="1050" spc="-1" strike="noStrike">
+                <a:solidFill>
+                  <a:srgbClr val="000000"/>
+                </a:solidFill>
+                <a:latin typeface="Arial"/>
+                <a:ea typeface="DejaVu Sans"/>
+              </a:rPr>
+              <a:t>                                     </a:t>
+            </a:r>
+            <a:r>
+              <a:rPr b="0" lang="en-CA" sz="1050" spc="-1" strike="noStrike" u="sng">
+                <a:solidFill>
+                  <a:srgbClr val="0000ff"/>
+                </a:solidFill>
+                <a:uFillTx/>
+                <a:latin typeface="Arial"/>
+                <a:ea typeface="DejaVu Sans"/>
+                <a:hlinkClick r:id="rId1"/>
+              </a:rPr>
+              <a:t>https://aws.amazon.com/free/?all-free-tier.sort-by=item.additionalFields.SortRank&amp;all-free-tier.sort-order=asc</a:t>
+            </a:r>
+            <a:endParaRPr b="0" lang="en-CA" sz="1050" spc="-1" strike="noStrike">
+              <a:latin typeface="Arial"/>
+            </a:endParaRPr>
+          </a:p>
+          <a:p>
+            <a:pPr>
+              <a:lnSpc>
+                <a:spcPct val="100000"/>
+              </a:lnSpc>
+            </a:pPr>
+            <a:endParaRPr b="0" lang="en-CA" sz="1050" spc="-1" strike="noStrike">
+              <a:latin typeface="Arial"/>
+            </a:endParaRPr>
+          </a:p>
+          <a:p>
+            <a:pPr>
+              <a:lnSpc>
+                <a:spcPct val="100000"/>
+              </a:lnSpc>
+            </a:pPr>
+            <a:endParaRPr b="0" lang="en-CA" sz="1050" spc="-1" strike="noStrike">
+              <a:latin typeface="Arial"/>
+            </a:endParaRPr>
+          </a:p>
+          <a:p>
+            <a:pPr>
+              <a:lnSpc>
+                <a:spcPct val="100000"/>
+              </a:lnSpc>
+            </a:pPr>
+            <a:r>
+              <a:rPr b="0" lang="en-CA" sz="1800" spc="-1" strike="noStrike">
+                <a:solidFill>
+                  <a:srgbClr val="000000"/>
+                </a:solidFill>
+                <a:latin typeface="Arial"/>
+                <a:ea typeface="DejaVu Sans"/>
+              </a:rPr>
+              <a:t>2)</a:t>
+            </a:r>
+            <a:r>
+              <a:rPr b="0" lang="en-CA" sz="1800" spc="-1" strike="noStrike">
+                <a:solidFill>
+                  <a:srgbClr val="000000"/>
+                </a:solidFill>
+                <a:latin typeface="Arial"/>
+                <a:ea typeface="DejaVu Sans"/>
+              </a:rPr>
+              <a:t>	</a:t>
+            </a:r>
+            <a:r>
+              <a:rPr b="0" lang="en-CA" sz="1800" spc="-1" strike="noStrike">
+                <a:solidFill>
+                  <a:srgbClr val="000000"/>
+                </a:solidFill>
+                <a:latin typeface="Arial"/>
+                <a:ea typeface="DejaVu Sans"/>
+              </a:rPr>
+              <a:t>Click Create Free Account</a:t>
+            </a:r>
+            <a:endParaRPr b="0" lang="en-CA" sz="1800" spc="-1" strike="noStrike">
+              <a:latin typeface="Arial"/>
+            </a:endParaRPr>
+          </a:p>
+          <a:p>
+            <a:pPr>
+              <a:lnSpc>
+                <a:spcPct val="100000"/>
+              </a:lnSpc>
+            </a:pPr>
+            <a:endParaRPr b="0" lang="en-CA" sz="1800" spc="-1" strike="noStrike">
+              <a:latin typeface="Arial"/>
+            </a:endParaRPr>
+          </a:p>
+          <a:p>
+            <a:pPr>
+              <a:lnSpc>
+                <a:spcPct val="100000"/>
+              </a:lnSpc>
+            </a:pPr>
+            <a:r>
+              <a:rPr b="0" lang="en-CA" sz="1800" spc="-1" strike="noStrike">
+                <a:solidFill>
+                  <a:srgbClr val="000000"/>
+                </a:solidFill>
+                <a:latin typeface="Arial"/>
+                <a:ea typeface="DejaVu Sans"/>
+              </a:rPr>
+              <a:t>3)</a:t>
+            </a:r>
+            <a:r>
+              <a:rPr b="0" lang="en-CA" sz="1800" spc="-1" strike="noStrike">
+                <a:solidFill>
+                  <a:srgbClr val="000000"/>
+                </a:solidFill>
+                <a:latin typeface="Arial"/>
+                <a:ea typeface="DejaVu Sans"/>
+              </a:rPr>
+              <a:t>	</a:t>
+            </a:r>
+            <a:r>
+              <a:rPr b="0" lang="en-CA" sz="1800" spc="-1" strike="noStrike">
+                <a:solidFill>
+                  <a:srgbClr val="000000"/>
+                </a:solidFill>
+                <a:latin typeface="Arial"/>
+                <a:ea typeface="DejaVu Sans"/>
+              </a:rPr>
+              <a:t>Fill out the form</a:t>
+            </a:r>
+            <a:endParaRPr b="0" lang="en-CA" sz="1800" spc="-1" strike="noStrike">
+              <a:latin typeface="Arial"/>
+            </a:endParaRPr>
+          </a:p>
+          <a:p>
+            <a:pPr>
+              <a:lnSpc>
+                <a:spcPct val="100000"/>
+              </a:lnSpc>
+            </a:pPr>
+            <a:endParaRPr b="0" lang="en-CA" sz="1800" spc="-1" strike="noStrike">
+              <a:latin typeface="Arial"/>
+            </a:endParaRPr>
+          </a:p>
+          <a:p>
+            <a:pPr>
+              <a:lnSpc>
+                <a:spcPct val="100000"/>
+              </a:lnSpc>
+            </a:pPr>
+            <a:r>
+              <a:rPr b="0" lang="en-CA" sz="1800" spc="-1" strike="noStrike">
+                <a:solidFill>
+                  <a:srgbClr val="000000"/>
+                </a:solidFill>
+                <a:latin typeface="Arial"/>
+                <a:ea typeface="DejaVu Sans"/>
+              </a:rPr>
+              <a:t>4) </a:t>
+            </a:r>
+            <a:r>
+              <a:rPr b="0" lang="en-CA" sz="1800" spc="-1" strike="noStrike">
+                <a:solidFill>
+                  <a:srgbClr val="000000"/>
+                </a:solidFill>
+                <a:latin typeface="Arial"/>
+                <a:ea typeface="DejaVu Sans"/>
+              </a:rPr>
+              <a:t>	</a:t>
+            </a:r>
+            <a:r>
+              <a:rPr b="0" lang="en-CA" sz="1800" spc="-1" strike="noStrike">
+                <a:solidFill>
+                  <a:srgbClr val="000000"/>
+                </a:solidFill>
+                <a:latin typeface="Arial"/>
+                <a:ea typeface="DejaVu Sans"/>
+              </a:rPr>
+              <a:t>Click continue</a:t>
+            </a:r>
+            <a:endParaRPr b="0" lang="en-CA" sz="1800" spc="-1" strike="noStrike">
+              <a:latin typeface="Arial"/>
+            </a:endParaRPr>
+          </a:p>
+          <a:p>
+            <a:pPr>
+              <a:lnSpc>
+                <a:spcPct val="100000"/>
+              </a:lnSpc>
+            </a:pPr>
+            <a:endParaRPr b="0" lang="en-CA" sz="1800" spc="-1" strike="noStrike">
+              <a:latin typeface="Arial"/>
+            </a:endParaRPr>
+          </a:p>
+          <a:p>
+            <a:pPr>
+              <a:lnSpc>
+                <a:spcPct val="100000"/>
+              </a:lnSpc>
+            </a:pPr>
+            <a:r>
+              <a:rPr b="0" lang="en-CA" sz="1800" spc="-1" strike="noStrike">
+                <a:solidFill>
+                  <a:srgbClr val="000000"/>
+                </a:solidFill>
+                <a:latin typeface="Arial"/>
+                <a:ea typeface="DejaVu Sans"/>
+              </a:rPr>
+              <a:t>5)</a:t>
+            </a:r>
+            <a:r>
+              <a:rPr b="0" lang="en-CA" sz="1800" spc="-1" strike="noStrike">
+                <a:solidFill>
+                  <a:srgbClr val="000000"/>
+                </a:solidFill>
+                <a:latin typeface="Arial"/>
+                <a:ea typeface="DejaVu Sans"/>
+              </a:rPr>
+              <a:t>	</a:t>
+            </a:r>
+            <a:r>
+              <a:rPr b="0" lang="en-CA" sz="1800" spc="-1" strike="noStrike">
+                <a:solidFill>
+                  <a:srgbClr val="000000"/>
+                </a:solidFill>
+                <a:latin typeface="Arial"/>
+                <a:ea typeface="DejaVu Sans"/>
+              </a:rPr>
+              <a:t>Fill out that form</a:t>
+            </a:r>
+            <a:endParaRPr b="0" lang="en-CA" sz="1800" spc="-1" strike="noStrike">
+              <a:latin typeface="Arial"/>
+            </a:endParaRPr>
+          </a:p>
+          <a:p>
+            <a:pPr>
+              <a:lnSpc>
+                <a:spcPct val="100000"/>
+              </a:lnSpc>
+            </a:pPr>
+            <a:endParaRPr b="0" lang="en-CA" sz="1800" spc="-1" strike="noStrike">
+              <a:latin typeface="Arial"/>
+            </a:endParaRPr>
+          </a:p>
+          <a:p>
+            <a:pPr>
+              <a:lnSpc>
+                <a:spcPct val="100000"/>
+              </a:lnSpc>
+            </a:pPr>
+            <a:r>
+              <a:rPr b="0" lang="en-CA" sz="1800" spc="-1" strike="noStrike">
+                <a:solidFill>
+                  <a:srgbClr val="000000"/>
+                </a:solidFill>
+                <a:latin typeface="Arial"/>
+                <a:ea typeface="DejaVu Sans"/>
+              </a:rPr>
+              <a:t>6)</a:t>
+            </a:r>
+            <a:r>
+              <a:rPr b="0" lang="en-CA" sz="1800" spc="-1" strike="noStrike">
+                <a:solidFill>
+                  <a:srgbClr val="000000"/>
+                </a:solidFill>
+                <a:latin typeface="Arial"/>
+                <a:ea typeface="DejaVu Sans"/>
+              </a:rPr>
+              <a:t>	</a:t>
+            </a:r>
+            <a:r>
+              <a:rPr b="0" lang="en-CA" sz="1800" spc="-1" strike="noStrike">
+                <a:solidFill>
+                  <a:srgbClr val="000000"/>
+                </a:solidFill>
+                <a:latin typeface="Arial"/>
+                <a:ea typeface="DejaVu Sans"/>
+              </a:rPr>
+              <a:t>Click Create Account and Continue</a:t>
+            </a:r>
+            <a:endParaRPr b="0" lang="en-CA" sz="1800" spc="-1" strike="noStrike">
+              <a:latin typeface="Arial"/>
+            </a:endParaRPr>
+          </a:p>
+          <a:p>
+            <a:pPr>
+              <a:lnSpc>
+                <a:spcPct val="100000"/>
+              </a:lnSpc>
+            </a:pPr>
+            <a:endParaRPr b="0" lang="en-CA" sz="1800" spc="-1" strike="noStrike">
+              <a:latin typeface="Arial"/>
+            </a:endParaRPr>
+          </a:p>
+          <a:p>
+            <a:pPr>
+              <a:lnSpc>
+                <a:spcPct val="100000"/>
+              </a:lnSpc>
+            </a:pPr>
+            <a:endParaRPr b="0" lang="en-CA" sz="1800" spc="-1" strike="noStrike">
+              <a:latin typeface="Arial"/>
+            </a:endParaRPr>
+          </a:p>
+          <a:p>
+            <a:pPr>
+              <a:lnSpc>
+                <a:spcPct val="100000"/>
+              </a:lnSpc>
+            </a:pPr>
+            <a:endParaRPr b="0" lang="en-CA" sz="1800" spc="-1" strike="noStrike">
+              <a:latin typeface="Arial"/>
+            </a:endParaRPr>
+          </a:p>
+        </p:txBody>
+      </p:sp>
+    </p:spTree>
+  </p:cSld>
+  <p:timing>
+    <p:tnLst>
+      <p:par>
+        <p:cTn id="49" dur="indefinite" restart="never" nodeType="tmRoot">
+          <p:childTnLst>
+            <p:seq>
+              <p:cTn id="50" dur="indefinite" nodeType="mainSeq"/>
+              <p:prevCondLst>
+                <p:cond delay="0" evt="onPrev">
+                  <p:tgtEl>
+                    <p:sldTgt/>
+                  </p:tgtEl>
+                </p:cond>
+              </p:prevCondLst>
+              <p:nextCondLst>
+                <p:cond delay="0" evt="onNext">
+                  <p:tgtEl>
+                    <p:sldTgt/>
+                  </p:tgtEl>
+                </p:cond>
+              </p:nextCondLst>
+            </p:seq>
+          </p:childTnLst>
+        </p:cTn>
+      </p:par>
+    </p:tnLst>
+  </p:timing>
+</p:sld>
+</file>
+
+<file path=ppt/slides/slide26.xml><?xml version="1.0" encoding="utf-8"?>
+<p:sld xmlns:a="http://schemas.openxmlformats.org/drawingml/2006/main" xmlns:p="http://schemas.openxmlformats.org/presentationml/2006/main" xmlns:r="http://schemas.openxmlformats.org/officeDocument/2006/relationships" xmlns:p14="http://schemas.microsoft.com/office/powerpoint/2010/main" xmlns:p15="http://schemas.microsoft.com/office/powerpoint/2012/main" xmlns:mc="http://schemas.openxmlformats.org/markup-compatibility/2006">
+  <p:cSld>
+    <p:bg>
+      <p:bgPr>
+        <a:solidFill>
+          <a:srgbClr val="f2f2f2"/>
+        </a:solidFill>
+      </p:bgPr>
+    </p:bg>
+    <p:spTree>
+      <p:nvGrpSpPr>
+        <p:cNvPr id="1" name=""/>
+        <p:cNvGrpSpPr/>
+        <p:nvPr/>
+      </p:nvGrpSpPr>
+      <p:grpSpPr>
+        <a:xfrm>
+          <a:off x="0" y="0"/>
+          <a:ext cx="0" cy="0"/>
+          <a:chOff x="0" y="0"/>
+          <a:chExt cx="0" cy="0"/>
+        </a:xfrm>
+      </p:grpSpPr>
+      <p:sp>
+        <p:nvSpPr>
+          <p:cNvPr id="259" name="CustomShape 1"/>
+          <p:cNvSpPr/>
+          <p:nvPr/>
+        </p:nvSpPr>
+        <p:spPr>
+          <a:xfrm>
+            <a:off x="504000" y="1269360"/>
+            <a:ext cx="8274600" cy="5214600"/>
+          </a:xfrm>
+          <a:prstGeom prst="rect">
+            <a:avLst/>
+          </a:prstGeom>
+          <a:noFill/>
+          <a:ln>
+            <a:noFill/>
+          </a:ln>
+        </p:spPr>
+        <p:style>
+          <a:lnRef idx="0"/>
+          <a:fillRef idx="0"/>
+          <a:effectRef idx="0"/>
+          <a:fontRef idx="minor"/>
+        </p:style>
+        <p:txBody>
+          <a:bodyPr lIns="90000" rIns="90000" tIns="45000" bIns="45000" anchor="ctr">
+            <a:normAutofit/>
+          </a:bodyPr>
+          <a:p>
+            <a:pPr>
+              <a:lnSpc>
+                <a:spcPct val="100000"/>
+              </a:lnSpc>
+            </a:pPr>
+            <a:r>
+              <a:rPr b="1" lang="en-CA" sz="1800" spc="-1" strike="noStrike">
+                <a:solidFill>
+                  <a:srgbClr val="000000"/>
+                </a:solidFill>
+                <a:latin typeface="Arial"/>
+                <a:ea typeface="DejaVu Sans"/>
+              </a:rPr>
+              <a:t>Setting up our AWS Account (continued: )</a:t>
+            </a:r>
+            <a:endParaRPr b="0" lang="en-CA" sz="1800" spc="-1" strike="noStrike">
+              <a:latin typeface="Arial"/>
+            </a:endParaRPr>
+          </a:p>
+          <a:p>
+            <a:pPr>
+              <a:lnSpc>
+                <a:spcPct val="100000"/>
+              </a:lnSpc>
+            </a:pPr>
+            <a:endParaRPr b="0" lang="en-CA" sz="1800" spc="-1" strike="noStrike">
+              <a:latin typeface="Arial"/>
+            </a:endParaRPr>
+          </a:p>
+          <a:p>
+            <a:pPr>
+              <a:lnSpc>
+                <a:spcPct val="100000"/>
+              </a:lnSpc>
+            </a:pPr>
+            <a:r>
+              <a:rPr b="0" lang="en-CA" sz="1800" spc="-1" strike="noStrike">
+                <a:solidFill>
+                  <a:srgbClr val="000000"/>
+                </a:solidFill>
+                <a:latin typeface="Arial"/>
+                <a:ea typeface="DejaVu Sans"/>
+              </a:rPr>
+              <a:t>7) </a:t>
+            </a:r>
+            <a:r>
+              <a:rPr b="0" lang="en-CA" sz="1800" spc="-1" strike="noStrike">
+                <a:solidFill>
+                  <a:srgbClr val="000000"/>
+                </a:solidFill>
+                <a:latin typeface="Arial"/>
+                <a:ea typeface="DejaVu Sans"/>
+              </a:rPr>
+              <a:t>	</a:t>
+            </a:r>
+            <a:r>
+              <a:rPr b="0" lang="en-CA" sz="1800" spc="-1" strike="noStrike">
+                <a:solidFill>
+                  <a:srgbClr val="000000"/>
+                </a:solidFill>
+                <a:latin typeface="Arial"/>
+                <a:ea typeface="DejaVu Sans"/>
+              </a:rPr>
+              <a:t>Fill out the credit card information:</a:t>
+            </a:r>
+            <a:endParaRPr b="0" lang="en-CA" sz="1800" spc="-1" strike="noStrike">
+              <a:latin typeface="Arial"/>
+            </a:endParaRPr>
+          </a:p>
+          <a:p>
+            <a:pPr>
+              <a:lnSpc>
+                <a:spcPct val="100000"/>
+              </a:lnSpc>
+            </a:pPr>
+            <a:r>
+              <a:rPr b="0" lang="en-CA" sz="1800" spc="-1" strike="noStrike">
+                <a:solidFill>
+                  <a:srgbClr val="000000"/>
+                </a:solidFill>
+                <a:latin typeface="Arial"/>
+                <a:ea typeface="DejaVu Sans"/>
+              </a:rPr>
+              <a:t>8)</a:t>
+            </a:r>
+            <a:r>
+              <a:rPr b="0" lang="en-CA" sz="1800" spc="-1" strike="noStrike">
+                <a:solidFill>
+                  <a:srgbClr val="000000"/>
+                </a:solidFill>
+                <a:latin typeface="Arial"/>
+                <a:ea typeface="DejaVu Sans"/>
+              </a:rPr>
+              <a:t>	</a:t>
+            </a:r>
+            <a:r>
+              <a:rPr b="0" lang="en-CA" sz="1800" spc="-1" strike="noStrike">
+                <a:solidFill>
+                  <a:srgbClr val="000000"/>
+                </a:solidFill>
+                <a:latin typeface="Arial"/>
+                <a:ea typeface="DejaVu Sans"/>
+              </a:rPr>
+              <a:t>Log in to the aws console with the account id and password </a:t>
+            </a:r>
+            <a:endParaRPr b="0" lang="en-CA" sz="1800" spc="-1" strike="noStrike">
+              <a:latin typeface="Arial"/>
+            </a:endParaRPr>
+          </a:p>
+          <a:p>
+            <a:pPr>
+              <a:lnSpc>
+                <a:spcPct val="100000"/>
+              </a:lnSpc>
+            </a:pPr>
+            <a:r>
+              <a:rPr b="0" lang="en-CA" sz="1800" spc="-1" strike="noStrike">
+                <a:solidFill>
+                  <a:srgbClr val="000000"/>
+                </a:solidFill>
+                <a:latin typeface="Arial"/>
+                <a:ea typeface="DejaVu Sans"/>
+              </a:rPr>
+              <a:t>	</a:t>
+            </a:r>
+            <a:r>
+              <a:rPr b="0" lang="en-CA" sz="1800" spc="-1" strike="noStrike">
+                <a:solidFill>
+                  <a:srgbClr val="000000"/>
+                </a:solidFill>
+                <a:latin typeface="Arial"/>
+                <a:ea typeface="DejaVu Sans"/>
+              </a:rPr>
+              <a:t>we just created.</a:t>
+            </a:r>
+            <a:endParaRPr b="0" lang="en-CA" sz="1800" spc="-1" strike="noStrike">
+              <a:latin typeface="Arial"/>
+            </a:endParaRPr>
+          </a:p>
+          <a:p>
+            <a:pPr>
+              <a:lnSpc>
+                <a:spcPct val="100000"/>
+              </a:lnSpc>
+            </a:pPr>
+            <a:endParaRPr b="0" lang="en-CA" sz="1800" spc="-1" strike="noStrike">
+              <a:latin typeface="Arial"/>
+            </a:endParaRPr>
+          </a:p>
+          <a:p>
+            <a:pPr>
+              <a:lnSpc>
+                <a:spcPct val="100000"/>
+              </a:lnSpc>
+            </a:pPr>
+            <a:r>
+              <a:rPr b="0" lang="en-CA" sz="1800" spc="-1" strike="noStrike">
+                <a:solidFill>
+                  <a:srgbClr val="000000"/>
+                </a:solidFill>
+                <a:latin typeface="Arial"/>
+                <a:ea typeface="DejaVu Sans"/>
+              </a:rPr>
+              <a:t>	</a:t>
+            </a:r>
+            <a:r>
+              <a:rPr b="0" lang="en-CA" sz="1800" spc="-1" strike="noStrike">
+                <a:solidFill>
+                  <a:srgbClr val="000000"/>
+                </a:solidFill>
+                <a:latin typeface="Arial"/>
+                <a:ea typeface="DejaVu Sans"/>
+              </a:rPr>
+              <a:t>email we chose</a:t>
+            </a:r>
+            <a:endParaRPr b="0" lang="en-CA" sz="1800" spc="-1" strike="noStrike">
+              <a:latin typeface="Arial"/>
+            </a:endParaRPr>
+          </a:p>
+          <a:p>
+            <a:pPr>
+              <a:lnSpc>
+                <a:spcPct val="100000"/>
+              </a:lnSpc>
+            </a:pPr>
+            <a:r>
+              <a:rPr b="0" lang="en-CA" sz="1800" spc="-1" strike="noStrike">
+                <a:solidFill>
+                  <a:srgbClr val="000000"/>
+                </a:solidFill>
+                <a:latin typeface="Arial"/>
+                <a:ea typeface="DejaVu Sans"/>
+              </a:rPr>
+              <a:t>	</a:t>
+            </a:r>
+            <a:r>
+              <a:rPr b="0" lang="en-CA" sz="1800" spc="-1" strike="noStrike">
+                <a:solidFill>
+                  <a:srgbClr val="000000"/>
+                </a:solidFill>
+                <a:latin typeface="Arial"/>
+                <a:ea typeface="DejaVu Sans"/>
+              </a:rPr>
+              <a:t>password we chose </a:t>
+            </a:r>
+            <a:endParaRPr b="0" lang="en-CA" sz="1800" spc="-1" strike="noStrike">
+              <a:latin typeface="Arial"/>
+            </a:endParaRPr>
+          </a:p>
+          <a:p>
+            <a:pPr>
+              <a:lnSpc>
+                <a:spcPct val="100000"/>
+              </a:lnSpc>
+            </a:pPr>
+            <a:endParaRPr b="0" lang="en-CA" sz="1800" spc="-1" strike="noStrike">
+              <a:latin typeface="Arial"/>
+            </a:endParaRPr>
+          </a:p>
+          <a:p>
+            <a:pPr>
+              <a:lnSpc>
+                <a:spcPct val="100000"/>
+              </a:lnSpc>
+            </a:pPr>
+            <a:r>
+              <a:rPr b="0" lang="en-CA" sz="1800" spc="-1" strike="noStrike">
+                <a:solidFill>
+                  <a:srgbClr val="000000"/>
+                </a:solidFill>
+                <a:latin typeface="Arial"/>
+                <a:ea typeface="DejaVu Sans"/>
+              </a:rPr>
+              <a:t>	</a:t>
+            </a:r>
+            <a:r>
+              <a:rPr b="0" lang="en-CA" sz="1800" spc="-1" strike="noStrike">
+                <a:solidFill>
+                  <a:srgbClr val="000000"/>
+                </a:solidFill>
+                <a:latin typeface="Arial"/>
+                <a:ea typeface="DejaVu Sans"/>
+              </a:rPr>
+              <a:t>resource to install:</a:t>
+            </a:r>
+            <a:endParaRPr b="0" lang="en-CA" sz="1800" spc="-1" strike="noStrike">
+              <a:latin typeface="Arial"/>
+            </a:endParaRPr>
+          </a:p>
+          <a:p>
+            <a:pPr>
+              <a:lnSpc>
+                <a:spcPct val="100000"/>
+              </a:lnSpc>
+            </a:pPr>
+            <a:endParaRPr b="0" lang="en-CA" sz="1800" spc="-1" strike="noStrike">
+              <a:latin typeface="Arial"/>
+            </a:endParaRPr>
+          </a:p>
+          <a:p>
+            <a:pPr>
+              <a:lnSpc>
+                <a:spcPct val="100000"/>
+              </a:lnSpc>
+            </a:pPr>
+            <a:r>
+              <a:rPr b="0" lang="en-CA" sz="1800" spc="-1" strike="noStrike">
+                <a:solidFill>
+                  <a:srgbClr val="000000"/>
+                </a:solidFill>
+                <a:latin typeface="Arial"/>
+                <a:ea typeface="DejaVu Sans"/>
+              </a:rPr>
+              <a:t>	</a:t>
+            </a:r>
+            <a:r>
+              <a:rPr b="0" lang="en-CA" sz="1800" spc="-1" strike="noStrike" u="sng">
+                <a:solidFill>
+                  <a:srgbClr val="0000ff"/>
+                </a:solidFill>
+                <a:uFillTx/>
+                <a:latin typeface="Arial"/>
+                <a:ea typeface="DejaVu Sans"/>
+                <a:hlinkClick r:id="rId1"/>
+              </a:rPr>
+              <a:t> https://www.youtube.com/watch?v=XhW17g73fvY</a:t>
+            </a:r>
+            <a:endParaRPr b="0" lang="en-CA" sz="1800" spc="-1" strike="noStrike">
+              <a:latin typeface="Arial"/>
+            </a:endParaRPr>
+          </a:p>
+          <a:p>
+            <a:pPr>
+              <a:lnSpc>
+                <a:spcPct val="100000"/>
+              </a:lnSpc>
+            </a:pPr>
+            <a:endParaRPr b="0" lang="en-CA" sz="1800" spc="-1" strike="noStrike">
+              <a:latin typeface="Arial"/>
+            </a:endParaRPr>
+          </a:p>
+          <a:p>
+            <a:pPr>
+              <a:lnSpc>
+                <a:spcPct val="100000"/>
+              </a:lnSpc>
+            </a:pPr>
+            <a:endParaRPr b="0" lang="en-CA" sz="1800" spc="-1" strike="noStrike">
+              <a:latin typeface="Arial"/>
+            </a:endParaRPr>
+          </a:p>
+          <a:p>
+            <a:pPr>
+              <a:lnSpc>
+                <a:spcPct val="100000"/>
+              </a:lnSpc>
+            </a:pPr>
+            <a:r>
+              <a:rPr b="0" lang="en-CA" sz="1800" spc="-1" strike="noStrike">
+                <a:solidFill>
+                  <a:srgbClr val="000000"/>
+                </a:solidFill>
+                <a:latin typeface="Arial"/>
+                <a:ea typeface="DejaVu Sans"/>
+              </a:rPr>
+              <a:t>	</a:t>
+            </a:r>
+            <a:endParaRPr b="0" lang="en-CA" sz="1800" spc="-1" strike="noStrike">
+              <a:latin typeface="Arial"/>
+            </a:endParaRPr>
+          </a:p>
+          <a:p>
+            <a:pPr>
+              <a:lnSpc>
+                <a:spcPct val="100000"/>
+              </a:lnSpc>
+            </a:pPr>
+            <a:endParaRPr b="0" lang="en-CA" sz="1800" spc="-1" strike="noStrike">
+              <a:latin typeface="Arial"/>
+            </a:endParaRPr>
+          </a:p>
+          <a:p>
+            <a:pPr>
+              <a:lnSpc>
+                <a:spcPct val="100000"/>
+              </a:lnSpc>
+            </a:pPr>
+            <a:endParaRPr b="0" lang="en-CA" sz="1800" spc="-1" strike="noStrike">
+              <a:latin typeface="Arial"/>
+            </a:endParaRPr>
+          </a:p>
+          <a:p>
+            <a:pPr>
+              <a:lnSpc>
+                <a:spcPct val="100000"/>
+              </a:lnSpc>
+            </a:pPr>
+            <a:r>
+              <a:rPr b="0" lang="en-CA" sz="1050" spc="-1" strike="noStrike">
+                <a:solidFill>
+                  <a:srgbClr val="000000"/>
+                </a:solidFill>
+                <a:latin typeface="Arial"/>
+                <a:ea typeface="DejaVu Sans"/>
+              </a:rPr>
+              <a:t>	</a:t>
+            </a:r>
+            <a:r>
+              <a:rPr b="0" lang="en-CA" sz="1050" spc="-1" strike="noStrike">
+                <a:solidFill>
+                  <a:srgbClr val="000000"/>
+                </a:solidFill>
+                <a:latin typeface="Arial"/>
+                <a:ea typeface="DejaVu Sans"/>
+              </a:rPr>
+              <a:t>	</a:t>
+            </a:r>
+            <a:r>
+              <a:rPr b="0" lang="en-CA" sz="1050" spc="-1" strike="noStrike">
+                <a:solidFill>
+                  <a:srgbClr val="000000"/>
+                </a:solidFill>
+                <a:latin typeface="Arial"/>
+                <a:ea typeface="DejaVu Sans"/>
+              </a:rPr>
+              <a:t>            </a:t>
+            </a:r>
+            <a:endParaRPr b="0" lang="en-CA" sz="1050" spc="-1" strike="noStrike">
+              <a:latin typeface="Arial"/>
+            </a:endParaRPr>
+          </a:p>
+        </p:txBody>
+      </p:sp>
+      <p:sp>
+        <p:nvSpPr>
+          <p:cNvPr id="260" name="CustomShape 2"/>
+          <p:cNvSpPr/>
+          <p:nvPr/>
+        </p:nvSpPr>
+        <p:spPr>
+          <a:xfrm>
+            <a:off x="432000" y="0"/>
+            <a:ext cx="7446960" cy="1179000"/>
+          </a:xfrm>
+          <a:prstGeom prst="rect">
+            <a:avLst/>
+          </a:prstGeom>
+          <a:noFill/>
+          <a:ln>
+            <a:noFill/>
+          </a:ln>
+        </p:spPr>
+        <p:style>
+          <a:lnRef idx="0"/>
+          <a:fillRef idx="0"/>
+          <a:effectRef idx="0"/>
+          <a:fontRef idx="minor"/>
+        </p:style>
+        <p:txBody>
+          <a:bodyPr lIns="90000" rIns="90000" tIns="45000" bIns="45000" anchor="ctr">
+            <a:normAutofit/>
+          </a:bodyPr>
+          <a:p>
+            <a:pPr>
+              <a:lnSpc>
+                <a:spcPct val="100000"/>
+              </a:lnSpc>
+            </a:pPr>
+            <a:r>
+              <a:rPr b="0" lang="en-CA" sz="3000" spc="-1" strike="noStrike" cap="all">
+                <a:solidFill>
+                  <a:srgbClr val="292929"/>
+                </a:solidFill>
+                <a:latin typeface="Nexa Bold"/>
+                <a:ea typeface="DejaVu Sans"/>
+              </a:rPr>
+              <a:t>Installing our</a:t>
+            </a:r>
+            <a:r>
+              <a:rPr b="0" lang="en-CA" sz="3000" spc="-1" strike="noStrike">
+                <a:solidFill>
+                  <a:srgbClr val="292929"/>
+                </a:solidFill>
+                <a:latin typeface="Nexa Bold"/>
+                <a:ea typeface="DejaVu Sans"/>
+              </a:rPr>
+              <a:t> </a:t>
+            </a:r>
+            <a:r>
+              <a:rPr b="0" lang="en-CA" sz="3000" spc="-1" strike="noStrike" cap="all">
+                <a:solidFill>
+                  <a:srgbClr val="1fa0be"/>
+                </a:solidFill>
+                <a:latin typeface="Nexa Bold"/>
+                <a:ea typeface="DejaVu Sans"/>
+              </a:rPr>
+              <a:t>Stack</a:t>
+            </a:r>
+            <a:endParaRPr b="0" lang="en-CA" sz="3000" spc="-1" strike="noStrike">
+              <a:latin typeface="Arial"/>
+            </a:endParaRPr>
+          </a:p>
+        </p:txBody>
+      </p:sp>
+      <p:sp>
+        <p:nvSpPr>
+          <p:cNvPr id="261" name="CustomShape 3"/>
+          <p:cNvSpPr/>
+          <p:nvPr/>
+        </p:nvSpPr>
+        <p:spPr>
+          <a:xfrm>
+            <a:off x="0" y="0"/>
+            <a:ext cx="246240" cy="1191240"/>
+          </a:xfrm>
+          <a:prstGeom prst="rect">
+            <a:avLst/>
+          </a:prstGeom>
+          <a:solidFill>
+            <a:srgbClr val="146e83"/>
+          </a:solidFill>
+          <a:ln>
+            <a:round/>
+          </a:ln>
+        </p:spPr>
+        <p:style>
+          <a:lnRef idx="2">
+            <a:schemeClr val="accent1">
+              <a:shade val="50000"/>
+            </a:schemeClr>
+          </a:lnRef>
+          <a:fillRef idx="1">
+            <a:schemeClr val="accent1"/>
+          </a:fillRef>
+          <a:effectRef idx="0">
+            <a:schemeClr val="accent1"/>
+          </a:effectRef>
+          <a:fontRef idx="minor"/>
+        </p:style>
+      </p:sp>
+      <p:sp>
+        <p:nvSpPr>
+          <p:cNvPr id="262" name="Line 4"/>
+          <p:cNvSpPr/>
+          <p:nvPr/>
+        </p:nvSpPr>
+        <p:spPr>
+          <a:xfrm>
+            <a:off x="251280" y="1196640"/>
+            <a:ext cx="8892720" cy="360"/>
+          </a:xfrm>
+          <a:prstGeom prst="line">
+            <a:avLst/>
+          </a:prstGeom>
+          <a:ln w="22320">
+            <a:solidFill>
+              <a:srgbClr val="146e83"/>
+            </a:solidFill>
+            <a:round/>
+          </a:ln>
+        </p:spPr>
+        <p:style>
+          <a:lnRef idx="1">
+            <a:schemeClr val="accent1"/>
+          </a:lnRef>
+          <a:fillRef idx="0">
+            <a:schemeClr val="accent1"/>
+          </a:fillRef>
+          <a:effectRef idx="0">
+            <a:schemeClr val="accent1"/>
+          </a:effectRef>
+          <a:fontRef idx="minor"/>
+        </p:style>
+      </p:sp>
+    </p:spTree>
+  </p:cSld>
+  <p:timing>
+    <p:tnLst>
+      <p:par>
+        <p:cTn id="51" dur="indefinite" restart="never" nodeType="tmRoot">
+          <p:childTnLst>
+            <p:seq>
+              <p:cTn id="52" dur="indefinite" nodeType="mainSeq"/>
               <p:prevCondLst>
                 <p:cond delay="0" evt="onPrev">
                   <p:tgtEl>
@@ -13260,7 +14022,7 @@
         <p:spPr>
           <a:xfrm>
             <a:off x="432000" y="13680"/>
-            <a:ext cx="7448040" cy="1180080"/>
+            <a:ext cx="7446960" cy="1179000"/>
           </a:xfrm>
           <a:prstGeom prst="rect">
             <a:avLst/>
@@ -13331,7 +14093,7 @@
         <p:spPr>
           <a:xfrm>
             <a:off x="0" y="0"/>
-            <a:ext cx="247320" cy="1192320"/>
+            <a:ext cx="246240" cy="1191240"/>
           </a:xfrm>
           <a:prstGeom prst="rect">
             <a:avLst/>
@@ -13401,7 +14163,7 @@
         <p:spPr>
           <a:xfrm>
             <a:off x="457200" y="273600"/>
-            <a:ext cx="8226360" cy="5304960"/>
+            <a:ext cx="8225280" cy="5303880"/>
           </a:xfrm>
           <a:prstGeom prst="rect">
             <a:avLst/>
@@ -13450,7 +14212,7 @@
         <p:spPr>
           <a:xfrm>
             <a:off x="576000" y="1728000"/>
-            <a:ext cx="6765120" cy="2391120"/>
+            <a:ext cx="6764040" cy="2390040"/>
           </a:xfrm>
           <a:prstGeom prst="rect">
             <a:avLst/>
@@ -13535,15 +14297,36 @@
               <a:t>	</a:t>
             </a:r>
             <a:r>
+              <a:rPr b="0" lang="en-CA" sz="1800" spc="-1" strike="noStrike" u="sng">
+                <a:solidFill>
+                  <a:srgbClr val="0000ff"/>
+                </a:solidFill>
+                <a:uFillTx/>
+                <a:latin typeface="Arial"/>
+                <a:ea typeface="DejaVu Sans"/>
+                <a:hlinkClick r:id="rId1"/>
+              </a:rPr>
+              <a:t> https://www.youtube.com/watch?v=yIVXjl4SwVo</a:t>
+            </a:r>
+            <a:endParaRPr b="0" lang="en-CA" sz="1800" spc="-1" strike="noStrike">
+              <a:latin typeface="Arial"/>
+            </a:endParaRPr>
+          </a:p>
+          <a:p>
+            <a:pPr>
+              <a:lnSpc>
+                <a:spcPct val="100000"/>
+              </a:lnSpc>
+            </a:pPr>
+            <a:r>
               <a:rPr b="0" lang="en-CA" sz="1800" spc="-1" strike="noStrike">
                 <a:solidFill>
                   <a:srgbClr val="000000"/>
                 </a:solidFill>
                 <a:latin typeface="Arial"/>
                 <a:ea typeface="DejaVu Sans"/>
-                <a:hlinkClick r:id="rId1"/>
-              </a:rPr>
-              <a:t> https://www.youtube.com/watch?v=yIVXjl4SwVo</a:t>
+              </a:rPr>
+              <a:t>	</a:t>
             </a:r>
             <a:endParaRPr b="0" lang="en-CA" sz="1800" spc="-1" strike="noStrike">
               <a:latin typeface="Arial"/>
@@ -13563,7 +14346,7 @@
                 <a:latin typeface="Arial"/>
                 <a:ea typeface="DejaVu Sans"/>
               </a:rPr>
-              <a:t>	</a:t>
+              <a:t>2) What is virtual box:</a:t>
             </a:r>
             <a:endParaRPr b="0" lang="en-CA" sz="1800" spc="-1" strike="noStrike">
               <a:latin typeface="Arial"/>
@@ -13575,16 +14358,6 @@
                 <a:spcPct val="100000"/>
               </a:lnSpc>
             </a:pPr>
-            <a:r>
-              <a:rPr b="0" lang="en-CA" sz="1800" spc="-1" strike="noStrike">
-                <a:solidFill>
-                  <a:srgbClr val="000000"/>
-                </a:solidFill>
-                <a:latin typeface="Arial"/>
-                <a:ea typeface="DejaVu Sans"/>
-              </a:rPr>
-              <a:t>2) What is virtual box:</a:t>
-            </a:r>
             <a:endParaRPr b="0" lang="en-CA" sz="1800" spc="-1" strike="noStrike">
               <a:latin typeface="Arial"/>
             </a:endParaRPr>
@@ -13595,21 +14368,12 @@
                 <a:spcPct val="100000"/>
               </a:lnSpc>
             </a:pPr>
-            <a:endParaRPr b="0" lang="en-CA" sz="1800" spc="-1" strike="noStrike">
-              <a:latin typeface="Arial"/>
-            </a:endParaRPr>
-          </a:p>
-          <a:p>
-            <a:pPr>
-              <a:lnSpc>
-                <a:spcPct val="100000"/>
-              </a:lnSpc>
-            </a:pPr>
-            <a:r>
-              <a:rPr b="0" lang="en-CA" sz="1800" spc="-1" strike="noStrike">
-                <a:solidFill>
-                  <a:srgbClr val="000000"/>
-                </a:solidFill>
+            <a:r>
+              <a:rPr b="0" lang="en-CA" sz="1800" spc="-1" strike="noStrike" u="sng">
+                <a:solidFill>
+                  <a:srgbClr val="0000ff"/>
+                </a:solidFill>
+                <a:uFillTx/>
                 <a:latin typeface="Arial"/>
                 <a:ea typeface="DejaVu Sans"/>
                 <a:hlinkClick r:id="rId2"/>
@@ -13707,7 +14471,7 @@
         <p:spPr>
           <a:xfrm>
             <a:off x="432000" y="13680"/>
-            <a:ext cx="7448040" cy="1180080"/>
+            <a:ext cx="7446960" cy="1179000"/>
           </a:xfrm>
           <a:prstGeom prst="rect">
             <a:avLst/>
@@ -13778,7 +14542,7 @@
         <p:spPr>
           <a:xfrm>
             <a:off x="0" y="0"/>
-            <a:ext cx="247320" cy="1192320"/>
+            <a:ext cx="246240" cy="1191240"/>
           </a:xfrm>
           <a:prstGeom prst="rect">
             <a:avLst/>
@@ -13848,7 +14612,7 @@
         <p:spPr>
           <a:xfrm>
             <a:off x="457200" y="273600"/>
-            <a:ext cx="8226360" cy="5304960"/>
+            <a:ext cx="8225280" cy="5303880"/>
           </a:xfrm>
           <a:prstGeom prst="rect">
             <a:avLst/>
@@ -13897,7 +14661,7 @@
         <p:spPr>
           <a:xfrm>
             <a:off x="576000" y="1728000"/>
-            <a:ext cx="6765120" cy="2391120"/>
+            <a:ext cx="6764040" cy="2390040"/>
           </a:xfrm>
           <a:prstGeom prst="rect">
             <a:avLst/>
@@ -13946,7 +14710,7 @@
             </a:endParaRPr>
           </a:p>
           <a:p>
-            <a:pPr marL="216000" indent="-213120">
+            <a:pPr marL="216000" indent="-212040">
               <a:lnSpc>
                 <a:spcPct val="100000"/>
               </a:lnSpc>
@@ -13982,7 +14746,7 @@
             </a:endParaRPr>
           </a:p>
           <a:p>
-            <a:pPr lvl="1" marL="432000" indent="-215280">
+            <a:pPr lvl="1" marL="432000" indent="-214200">
               <a:lnSpc>
                 <a:spcPct val="100000"/>
               </a:lnSpc>
@@ -14008,7 +14772,7 @@
             </a:endParaRPr>
           </a:p>
           <a:p>
-            <a:pPr lvl="2" marL="648000" indent="-215280">
+            <a:pPr lvl="2" marL="648000" indent="-214200">
               <a:lnSpc>
                 <a:spcPct val="100000"/>
               </a:lnSpc>
@@ -14054,7 +14818,7 @@
             </a:endParaRPr>
           </a:p>
           <a:p>
-            <a:pPr lvl="4" marL="1080000" indent="-215280">
+            <a:pPr lvl="4" marL="1080000" indent="-214200">
               <a:lnSpc>
                 <a:spcPct val="100000"/>
               </a:lnSpc>
@@ -14082,7 +14846,7 @@
             </a:endParaRPr>
           </a:p>
           <a:p>
-            <a:pPr lvl="2" marL="648000" indent="-215280">
+            <a:pPr lvl="2" marL="648000" indent="-214200">
               <a:lnSpc>
                 <a:spcPct val="100000"/>
               </a:lnSpc>
@@ -14128,7 +14892,7 @@
             </a:endParaRPr>
           </a:p>
           <a:p>
-            <a:pPr lvl="2" marL="648000" indent="-215280">
+            <a:pPr lvl="2" marL="648000" indent="-214200">
               <a:lnSpc>
                 <a:spcPct val="100000"/>
               </a:lnSpc>
@@ -14174,7 +14938,7 @@
             </a:endParaRPr>
           </a:p>
           <a:p>
-            <a:pPr lvl="2" marL="648000" indent="-215280">
+            <a:pPr lvl="2" marL="648000" indent="-214200">
               <a:lnSpc>
                 <a:spcPct val="100000"/>
               </a:lnSpc>
@@ -14220,7 +14984,7 @@
             </a:endParaRPr>
           </a:p>
           <a:p>
-            <a:pPr lvl="2" marL="648000" indent="-215280">
+            <a:pPr lvl="2" marL="648000" indent="-214200">
               <a:lnSpc>
                 <a:spcPct val="100000"/>
               </a:lnSpc>
@@ -14266,7 +15030,7 @@
             </a:endParaRPr>
           </a:p>
           <a:p>
-            <a:pPr lvl="2" marL="648000" indent="-215280">
+            <a:pPr lvl="2" marL="648000" indent="-214200">
               <a:lnSpc>
                 <a:spcPct val="100000"/>
               </a:lnSpc>
@@ -14312,7 +15076,7 @@
             </a:endParaRPr>
           </a:p>
           <a:p>
-            <a:pPr lvl="4" marL="1080000" indent="-215280">
+            <a:pPr lvl="4" marL="1080000" indent="-214200">
               <a:lnSpc>
                 <a:spcPct val="100000"/>
               </a:lnSpc>
@@ -14350,7 +15114,7 @@
             </a:endParaRPr>
           </a:p>
           <a:p>
-            <a:pPr lvl="4" marL="1080000" indent="-215280">
+            <a:pPr lvl="4" marL="1080000" indent="-214200">
               <a:lnSpc>
                 <a:spcPct val="100000"/>
               </a:lnSpc>
@@ -14462,7 +15226,7 @@
         <p:spPr>
           <a:xfrm>
             <a:off x="432000" y="13680"/>
-            <a:ext cx="7448040" cy="1180080"/>
+            <a:ext cx="7446960" cy="1179000"/>
           </a:xfrm>
           <a:prstGeom prst="rect">
             <a:avLst/>
@@ -14533,7 +15297,7 @@
         <p:spPr>
           <a:xfrm>
             <a:off x="0" y="0"/>
-            <a:ext cx="247320" cy="1192320"/>
+            <a:ext cx="246240" cy="1191240"/>
           </a:xfrm>
           <a:prstGeom prst="rect">
             <a:avLst/>
@@ -14603,7 +15367,7 @@
         <p:spPr>
           <a:xfrm>
             <a:off x="457200" y="273600"/>
-            <a:ext cx="8226360" cy="5304960"/>
+            <a:ext cx="8225280" cy="5303880"/>
           </a:xfrm>
           <a:prstGeom prst="rect">
             <a:avLst/>
@@ -14652,7 +15416,7 @@
         <p:spPr>
           <a:xfrm>
             <a:off x="576000" y="1728000"/>
-            <a:ext cx="6765120" cy="2391120"/>
+            <a:ext cx="6764040" cy="2390040"/>
           </a:xfrm>
           <a:prstGeom prst="rect">
             <a:avLst/>
@@ -14701,7 +15465,7 @@
             </a:endParaRPr>
           </a:p>
           <a:p>
-            <a:pPr marL="216000" indent="-213120">
+            <a:pPr marL="216000" indent="-212040">
               <a:lnSpc>
                 <a:spcPct val="100000"/>
               </a:lnSpc>
@@ -14737,7 +15501,7 @@
             </a:endParaRPr>
           </a:p>
           <a:p>
-            <a:pPr lvl="1" marL="432000" indent="-215280">
+            <a:pPr lvl="1" marL="432000" indent="-214200">
               <a:lnSpc>
                 <a:spcPct val="100000"/>
               </a:lnSpc>
@@ -14763,7 +15527,7 @@
             </a:endParaRPr>
           </a:p>
           <a:p>
-            <a:pPr lvl="2" marL="648000" indent="-215280">
+            <a:pPr lvl="2" marL="648000" indent="-214200">
               <a:lnSpc>
                 <a:spcPct val="100000"/>
               </a:lnSpc>
@@ -14809,7 +15573,7 @@
             </a:endParaRPr>
           </a:p>
           <a:p>
-            <a:pPr lvl="4" marL="1080000" indent="-215280">
+            <a:pPr lvl="4" marL="1080000" indent="-214200">
               <a:lnSpc>
                 <a:spcPct val="100000"/>
               </a:lnSpc>
@@ -14837,7 +15601,7 @@
             </a:endParaRPr>
           </a:p>
           <a:p>
-            <a:pPr lvl="2" marL="648000" indent="-215280">
+            <a:pPr lvl="2" marL="648000" indent="-214200">
               <a:lnSpc>
                 <a:spcPct val="100000"/>
               </a:lnSpc>
@@ -14883,7 +15647,7 @@
             </a:endParaRPr>
           </a:p>
           <a:p>
-            <a:pPr lvl="2" marL="648000" indent="-215280">
+            <a:pPr lvl="2" marL="648000" indent="-214200">
               <a:lnSpc>
                 <a:spcPct val="100000"/>
               </a:lnSpc>
@@ -14929,7 +15693,7 @@
             </a:endParaRPr>
           </a:p>
           <a:p>
-            <a:pPr lvl="2" marL="648000" indent="-215280">
+            <a:pPr lvl="2" marL="648000" indent="-214200">
               <a:lnSpc>
                 <a:spcPct val="100000"/>
               </a:lnSpc>
@@ -14975,7 +15739,7 @@
             </a:endParaRPr>
           </a:p>
           <a:p>
-            <a:pPr lvl="4" marL="1080000" indent="-215280">
+            <a:pPr lvl="4" marL="1080000" indent="-214200">
               <a:lnSpc>
                 <a:spcPct val="100000"/>
               </a:lnSpc>
@@ -15001,7 +15765,7 @@
             </a:endParaRPr>
           </a:p>
           <a:p>
-            <a:pPr lvl="2" marL="648000" indent="-215280">
+            <a:pPr lvl="2" marL="648000" indent="-214200">
               <a:lnSpc>
                 <a:spcPct val="100000"/>
               </a:lnSpc>
@@ -15047,7 +15811,7 @@
             </a:endParaRPr>
           </a:p>
           <a:p>
-            <a:pPr lvl="4" marL="1080000" indent="-215280">
+            <a:pPr lvl="4" marL="1080000" indent="-214200">
               <a:lnSpc>
                 <a:spcPct val="100000"/>
               </a:lnSpc>
@@ -15171,7 +15935,7 @@
         <p:spPr>
           <a:xfrm>
             <a:off x="432000" y="13680"/>
-            <a:ext cx="7448040" cy="1180080"/>
+            <a:ext cx="7446960" cy="1179000"/>
           </a:xfrm>
           <a:prstGeom prst="rect">
             <a:avLst/>
@@ -15242,7 +16006,7 @@
         <p:spPr>
           <a:xfrm>
             <a:off x="0" y="0"/>
-            <a:ext cx="247320" cy="1192320"/>
+            <a:ext cx="246240" cy="1191240"/>
           </a:xfrm>
           <a:prstGeom prst="rect">
             <a:avLst/>
@@ -15312,7 +16076,7 @@
         <p:spPr>
           <a:xfrm>
             <a:off x="457200" y="273600"/>
-            <a:ext cx="8226360" cy="5304960"/>
+            <a:ext cx="8225280" cy="5303880"/>
           </a:xfrm>
           <a:prstGeom prst="rect">
             <a:avLst/>
@@ -15361,7 +16125,7 @@
         <p:spPr>
           <a:xfrm>
             <a:off x="576000" y="1836000"/>
-            <a:ext cx="6765120" cy="2391120"/>
+            <a:ext cx="6764040" cy="2390040"/>
           </a:xfrm>
           <a:prstGeom prst="rect">
             <a:avLst/>
@@ -15410,7 +16174,7 @@
             </a:endParaRPr>
           </a:p>
           <a:p>
-            <a:pPr marL="216000" indent="-213120">
+            <a:pPr marL="216000" indent="-212040">
               <a:lnSpc>
                 <a:spcPct val="100000"/>
               </a:lnSpc>
@@ -15446,7 +16210,7 @@
             </a:endParaRPr>
           </a:p>
           <a:p>
-            <a:pPr lvl="1" marL="432000" indent="-215280">
+            <a:pPr lvl="1" marL="432000" indent="-214200">
               <a:lnSpc>
                 <a:spcPct val="100000"/>
               </a:lnSpc>
@@ -15472,7 +16236,7 @@
             </a:endParaRPr>
           </a:p>
           <a:p>
-            <a:pPr lvl="2" marL="648000" indent="-215280">
+            <a:pPr lvl="2" marL="648000" indent="-214200">
               <a:lnSpc>
                 <a:spcPct val="100000"/>
               </a:lnSpc>
@@ -15518,7 +16282,7 @@
             </a:endParaRPr>
           </a:p>
           <a:p>
-            <a:pPr lvl="4" marL="1080000" indent="-215280">
+            <a:pPr lvl="4" marL="1080000" indent="-214200">
               <a:lnSpc>
                 <a:spcPct val="100000"/>
               </a:lnSpc>
@@ -15546,7 +16310,7 @@
             </a:endParaRPr>
           </a:p>
           <a:p>
-            <a:pPr lvl="2" marL="648000" indent="-215280">
+            <a:pPr lvl="2" marL="648000" indent="-214200">
               <a:lnSpc>
                 <a:spcPct val="100000"/>
               </a:lnSpc>
@@ -15592,7 +16356,7 @@
             </a:endParaRPr>
           </a:p>
           <a:p>
-            <a:pPr lvl="2" marL="648000" indent="-215280">
+            <a:pPr lvl="2" marL="648000" indent="-214200">
               <a:lnSpc>
                 <a:spcPct val="100000"/>
               </a:lnSpc>
@@ -15638,7 +16402,7 @@
             </a:endParaRPr>
           </a:p>
           <a:p>
-            <a:pPr lvl="2" marL="648000" indent="-215280">
+            <a:pPr lvl="2" marL="648000" indent="-214200">
               <a:lnSpc>
                 <a:spcPct val="100000"/>
               </a:lnSpc>
@@ -15684,7 +16448,7 @@
             </a:endParaRPr>
           </a:p>
           <a:p>
-            <a:pPr lvl="4" marL="1080000" indent="-215280">
+            <a:pPr lvl="4" marL="1080000" indent="-214200">
               <a:lnSpc>
                 <a:spcPct val="100000"/>
               </a:lnSpc>
@@ -15710,7 +16474,7 @@
             </a:endParaRPr>
           </a:p>
           <a:p>
-            <a:pPr lvl="2" marL="648000" indent="-215280">
+            <a:pPr lvl="2" marL="648000" indent="-214200">
               <a:lnSpc>
                 <a:spcPct val="100000"/>
               </a:lnSpc>
@@ -15756,7 +16520,7 @@
             </a:endParaRPr>
           </a:p>
           <a:p>
-            <a:pPr lvl="4" marL="1080000" indent="-215280">
+            <a:pPr lvl="4" marL="1080000" indent="-214200">
               <a:lnSpc>
                 <a:spcPct val="100000"/>
               </a:lnSpc>
@@ -15890,7 +16654,7 @@
         <p:spPr>
           <a:xfrm>
             <a:off x="504000" y="1413360"/>
-            <a:ext cx="8275680" cy="5215680"/>
+            <a:ext cx="8274600" cy="5214600"/>
           </a:xfrm>
           <a:prstGeom prst="rect">
             <a:avLst/>
@@ -15966,10 +16730,11 @@
               </a:spcBef>
             </a:pPr>
             <a:r>
-              <a:rPr b="0" lang="en-CA" sz="2400" spc="-1" strike="noStrike">
-                <a:solidFill>
-                  <a:srgbClr val="000000"/>
-                </a:solidFill>
+              <a:rPr b="0" lang="en-CA" sz="2400" spc="-1" strike="noStrike" u="sng">
+                <a:solidFill>
+                  <a:srgbClr val="0000ff"/>
+                </a:solidFill>
+                <a:uFillTx/>
                 <a:latin typeface="Calibri"/>
                 <a:ea typeface="DejaVu Sans"/>
                 <a:hlinkClick r:id="rId1"/>
@@ -16027,7 +16792,7 @@
         <p:spPr>
           <a:xfrm>
             <a:off x="432000" y="0"/>
-            <a:ext cx="7448040" cy="1180080"/>
+            <a:ext cx="7446960" cy="1179000"/>
           </a:xfrm>
           <a:prstGeom prst="rect">
             <a:avLst/>
@@ -16098,7 +16863,7 @@
         <p:spPr>
           <a:xfrm>
             <a:off x="0" y="0"/>
-            <a:ext cx="247320" cy="1192320"/>
+            <a:ext cx="246240" cy="1191240"/>
           </a:xfrm>
           <a:prstGeom prst="rect">
             <a:avLst/>
@@ -16224,7 +16989,7 @@
         <p:spPr>
           <a:xfrm>
             <a:off x="504000" y="1413360"/>
-            <a:ext cx="8275680" cy="5215680"/>
+            <a:ext cx="8274600" cy="5214600"/>
           </a:xfrm>
           <a:prstGeom prst="rect">
             <a:avLst/>
@@ -16418,7 +17183,7 @@
         <p:spPr>
           <a:xfrm>
             <a:off x="432000" y="0"/>
-            <a:ext cx="7448040" cy="1180080"/>
+            <a:ext cx="7446960" cy="1179000"/>
           </a:xfrm>
           <a:prstGeom prst="rect">
             <a:avLst/>
@@ -16489,7 +17254,7 @@
         <p:spPr>
           <a:xfrm>
             <a:off x="0" y="0"/>
-            <a:ext cx="247320" cy="1192320"/>
+            <a:ext cx="246240" cy="1191240"/>
           </a:xfrm>
           <a:prstGeom prst="rect">
             <a:avLst/>
@@ -16615,7 +17380,7 @@
         <p:spPr>
           <a:xfrm>
             <a:off x="504000" y="1413360"/>
-            <a:ext cx="8275680" cy="5215680"/>
+            <a:ext cx="8274600" cy="5214600"/>
           </a:xfrm>
           <a:prstGeom prst="rect">
             <a:avLst/>
@@ -16855,7 +17620,7 @@
         <p:spPr>
           <a:xfrm>
             <a:off x="432000" y="0"/>
-            <a:ext cx="7448040" cy="1180080"/>
+            <a:ext cx="7446960" cy="1179000"/>
           </a:xfrm>
           <a:prstGeom prst="rect">
             <a:avLst/>
@@ -16926,7 +17691,7 @@
         <p:spPr>
           <a:xfrm>
             <a:off x="0" y="0"/>
-            <a:ext cx="247320" cy="1192320"/>
+            <a:ext cx="246240" cy="1191240"/>
           </a:xfrm>
           <a:prstGeom prst="rect">
             <a:avLst/>
